--- a/Video Ver1/Video PPT/11. Introduction to DML commands.pptx
+++ b/Video Ver1/Video PPT/11. Introduction to DML commands.pptx
@@ -115,648 +115,46 @@
   </p:defaultTextStyle>
   <p:extLst>
     <p:ext uri="{521415D9-36F7-43E2-AB2F-B90AF26B5E84}">
-      <p14:sectionLst xmlns:p14="http://schemas.microsoft.com/office/powerpoint/2010/main" xmlns="">
+      <p14:sectionLst xmlns:p14="http://schemas.microsoft.com/office/powerpoint/2010/main">
         <p14:section name="Introduction" id="{A3D14946-8297-4856-B082-4FEFA482017C}">
           <p14:sldIdLst>
-            <p14:sldId id="282"/>
-            <p14:sldId id="257"/>
-            <p14:sldId id="1096"/>
-            <p14:sldId id="1098"/>
-            <p14:sldId id="1093"/>
-            <p14:sldId id="1094"/>
-            <p14:sldId id="1095"/>
-            <p14:sldId id="262"/>
-            <p14:sldId id="1082"/>
-            <p14:sldId id="1099"/>
-            <p14:sldId id="266"/>
-            <p14:sldId id="1100"/>
-            <p14:sldId id="1085"/>
-            <p14:sldId id="1083"/>
-            <p14:sldId id="1070"/>
-            <p14:sldId id="269"/>
-            <p14:sldId id="270"/>
-            <p14:sldId id="271"/>
-            <p14:sldId id="267"/>
-            <p14:sldId id="272"/>
-            <p14:sldId id="273"/>
+            <p14:sldId id="1241"/>
+            <p14:sldId id="1243"/>
+            <p14:sldId id="1251"/>
+            <p14:sldId id="1244"/>
+            <p14:sldId id="1245"/>
+            <p14:sldId id="1246"/>
+            <p14:sldId id="1247"/>
           </p14:sldIdLst>
         </p14:section>
         <p14:section name="Data Defination Language" id="{347E00EC-A70B-42D3-B55A-27753B89E162}">
-          <p14:sldIdLst>
-            <p14:sldId id="283"/>
-            <p14:sldId id="274"/>
-            <p14:sldId id="275"/>
-            <p14:sldId id="276"/>
-            <p14:sldId id="285"/>
-            <p14:sldId id="286"/>
-            <p14:sldId id="289"/>
-            <p14:sldId id="290"/>
-            <p14:sldId id="291"/>
-            <p14:sldId id="866"/>
-            <p14:sldId id="292"/>
-            <p14:sldId id="293"/>
-            <p14:sldId id="294"/>
-            <p14:sldId id="295"/>
-            <p14:sldId id="296"/>
-            <p14:sldId id="297"/>
-            <p14:sldId id="298"/>
-            <p14:sldId id="300"/>
-            <p14:sldId id="301"/>
-            <p14:sldId id="302"/>
-            <p14:sldId id="1104"/>
-            <p14:sldId id="1147"/>
-            <p14:sldId id="1150"/>
-            <p14:sldId id="305"/>
-            <p14:sldId id="1151"/>
-            <p14:sldId id="306"/>
-            <p14:sldId id="307"/>
-            <p14:sldId id="308"/>
-            <p14:sldId id="1105"/>
-            <p14:sldId id="1148"/>
-            <p14:sldId id="1152"/>
-            <p14:sldId id="311"/>
-            <p14:sldId id="1153"/>
-            <p14:sldId id="312"/>
-            <p14:sldId id="313"/>
-            <p14:sldId id="314"/>
-            <p14:sldId id="315"/>
-            <p14:sldId id="316"/>
-            <p14:sldId id="1158"/>
-            <p14:sldId id="1156"/>
-            <p14:sldId id="1109"/>
-            <p14:sldId id="1157"/>
-            <p14:sldId id="1110"/>
-            <p14:sldId id="319"/>
-            <p14:sldId id="847"/>
-            <p14:sldId id="320"/>
-            <p14:sldId id="1149"/>
-            <p14:sldId id="1111"/>
-            <p14:sldId id="1154"/>
-            <p14:sldId id="1107"/>
-            <p14:sldId id="1155"/>
-            <p14:sldId id="1108"/>
-            <p14:sldId id="1106"/>
-            <p14:sldId id="321"/>
-            <p14:sldId id="322"/>
-            <p14:sldId id="323"/>
-            <p14:sldId id="324"/>
-            <p14:sldId id="325"/>
-            <p14:sldId id="326"/>
-            <p14:sldId id="327"/>
-            <p14:sldId id="328"/>
-            <p14:sldId id="329"/>
-            <p14:sldId id="330"/>
-            <p14:sldId id="848"/>
-            <p14:sldId id="849"/>
-            <p14:sldId id="851"/>
-            <p14:sldId id="331"/>
-            <p14:sldId id="1144"/>
-            <p14:sldId id="336"/>
-            <p14:sldId id="852"/>
-            <p14:sldId id="334"/>
-            <p14:sldId id="337"/>
-            <p14:sldId id="338"/>
-            <p14:sldId id="339"/>
-            <p14:sldId id="1159"/>
-            <p14:sldId id="1163"/>
-            <p14:sldId id="1160"/>
-            <p14:sldId id="1164"/>
-            <p14:sldId id="1161"/>
-            <p14:sldId id="1165"/>
-            <p14:sldId id="1167"/>
-            <p14:sldId id="1162"/>
-            <p14:sldId id="1166"/>
-            <p14:sldId id="1140"/>
-            <p14:sldId id="340"/>
-            <p14:sldId id="341"/>
-            <p14:sldId id="342"/>
-            <p14:sldId id="343"/>
-            <p14:sldId id="344"/>
-            <p14:sldId id="345"/>
-            <p14:sldId id="346"/>
-            <p14:sldId id="347"/>
-            <p14:sldId id="348"/>
-            <p14:sldId id="349"/>
-            <p14:sldId id="350"/>
-            <p14:sldId id="351"/>
-            <p14:sldId id="352"/>
-            <p14:sldId id="1079"/>
-            <p14:sldId id="1080"/>
-            <p14:sldId id="353"/>
-            <p14:sldId id="354"/>
-            <p14:sldId id="355"/>
-            <p14:sldId id="356"/>
-            <p14:sldId id="357"/>
-            <p14:sldId id="358"/>
-            <p14:sldId id="359"/>
-            <p14:sldId id="360"/>
-            <p14:sldId id="361"/>
-            <p14:sldId id="1131"/>
-            <p14:sldId id="362"/>
-            <p14:sldId id="365"/>
-            <p14:sldId id="366"/>
-          </p14:sldIdLst>
+          <p14:sldIdLst/>
         </p14:section>
         <p14:section name="Data Manuplation Language" id="{DABA1552-33D0-4262-A930-69DA7CCB6843}">
-          <p14:sldIdLst>
-            <p14:sldId id="367"/>
-            <p14:sldId id="368"/>
-            <p14:sldId id="369"/>
-            <p14:sldId id="371"/>
-            <p14:sldId id="1126"/>
-            <p14:sldId id="372"/>
-            <p14:sldId id="1125"/>
-            <p14:sldId id="373"/>
-            <p14:sldId id="374"/>
-            <p14:sldId id="375"/>
-            <p14:sldId id="376"/>
-            <p14:sldId id="377"/>
-            <p14:sldId id="380"/>
-            <p14:sldId id="381"/>
-            <p14:sldId id="382"/>
-            <p14:sldId id="383"/>
-            <p14:sldId id="1081"/>
-            <p14:sldId id="384"/>
-            <p14:sldId id="385"/>
-            <p14:sldId id="386"/>
-            <p14:sldId id="387"/>
-            <p14:sldId id="388"/>
-            <p14:sldId id="389"/>
-            <p14:sldId id="390"/>
-            <p14:sldId id="391"/>
-            <p14:sldId id="853"/>
-            <p14:sldId id="1102"/>
-            <p14:sldId id="855"/>
-            <p14:sldId id="856"/>
-            <p14:sldId id="857"/>
-            <p14:sldId id="858"/>
-            <p14:sldId id="393"/>
-            <p14:sldId id="394"/>
-            <p14:sldId id="395"/>
-            <p14:sldId id="397"/>
-            <p14:sldId id="398"/>
-            <p14:sldId id="402"/>
-            <p14:sldId id="403"/>
-            <p14:sldId id="404"/>
-            <p14:sldId id="405"/>
-            <p14:sldId id="406"/>
-            <p14:sldId id="413"/>
-            <p14:sldId id="414"/>
-            <p14:sldId id="415"/>
-            <p14:sldId id="416"/>
-            <p14:sldId id="417"/>
-            <p14:sldId id="418"/>
-            <p14:sldId id="419"/>
-            <p14:sldId id="420"/>
-            <p14:sldId id="421"/>
-            <p14:sldId id="1113"/>
-            <p14:sldId id="1042"/>
-            <p14:sldId id="1114"/>
-            <p14:sldId id="1127"/>
-            <p14:sldId id="1115"/>
-            <p14:sldId id="1116"/>
-            <p14:sldId id="428"/>
-            <p14:sldId id="429"/>
-            <p14:sldId id="1128"/>
-            <p14:sldId id="430"/>
-            <p14:sldId id="431"/>
-            <p14:sldId id="434"/>
-            <p14:sldId id="435"/>
-            <p14:sldId id="436"/>
-            <p14:sldId id="437"/>
-            <p14:sldId id="438"/>
-            <p14:sldId id="443"/>
-            <p14:sldId id="445"/>
-            <p14:sldId id="446"/>
-            <p14:sldId id="440"/>
-            <p14:sldId id="441"/>
-            <p14:sldId id="442"/>
-            <p14:sldId id="453"/>
-            <p14:sldId id="454"/>
-            <p14:sldId id="455"/>
-            <p14:sldId id="456"/>
-            <p14:sldId id="457"/>
-            <p14:sldId id="458"/>
-            <p14:sldId id="459"/>
-            <p14:sldId id="460"/>
-            <p14:sldId id="461"/>
-            <p14:sldId id="462"/>
-            <p14:sldId id="463"/>
-            <p14:sldId id="464"/>
-            <p14:sldId id="467"/>
-            <p14:sldId id="468"/>
-            <p14:sldId id="469"/>
-            <p14:sldId id="470"/>
-            <p14:sldId id="471"/>
-            <p14:sldId id="472"/>
-            <p14:sldId id="473"/>
-            <p14:sldId id="477"/>
-            <p14:sldId id="478"/>
-            <p14:sldId id="479"/>
-            <p14:sldId id="480"/>
-            <p14:sldId id="481"/>
-            <p14:sldId id="482"/>
-            <p14:sldId id="483"/>
-            <p14:sldId id="484"/>
-            <p14:sldId id="485"/>
-            <p14:sldId id="486"/>
-            <p14:sldId id="487"/>
-            <p14:sldId id="488"/>
-            <p14:sldId id="489"/>
-            <p14:sldId id="490"/>
-            <p14:sldId id="491"/>
-            <p14:sldId id="492"/>
-            <p14:sldId id="493"/>
-            <p14:sldId id="494"/>
-            <p14:sldId id="495"/>
-            <p14:sldId id="496"/>
-            <p14:sldId id="497"/>
-            <p14:sldId id="498"/>
-            <p14:sldId id="499"/>
-            <p14:sldId id="500"/>
-            <p14:sldId id="501"/>
-            <p14:sldId id="502"/>
-            <p14:sldId id="504"/>
-            <p14:sldId id="505"/>
-            <p14:sldId id="506"/>
-            <p14:sldId id="507"/>
-            <p14:sldId id="508"/>
-            <p14:sldId id="509"/>
-            <p14:sldId id="510"/>
-            <p14:sldId id="511"/>
-            <p14:sldId id="512"/>
-            <p14:sldId id="513"/>
-            <p14:sldId id="514"/>
-            <p14:sldId id="515"/>
-            <p14:sldId id="516"/>
-            <p14:sldId id="517"/>
-            <p14:sldId id="518"/>
-            <p14:sldId id="519"/>
-            <p14:sldId id="520"/>
-            <p14:sldId id="521"/>
-            <p14:sldId id="522"/>
-            <p14:sldId id="523"/>
-            <p14:sldId id="1123"/>
-            <p14:sldId id="524"/>
-            <p14:sldId id="1124"/>
-            <p14:sldId id="525"/>
-            <p14:sldId id="526"/>
-            <p14:sldId id="527"/>
-            <p14:sldId id="1122"/>
-            <p14:sldId id="529"/>
-            <p14:sldId id="530"/>
-            <p14:sldId id="531"/>
-            <p14:sldId id="532"/>
-            <p14:sldId id="533"/>
-            <p14:sldId id="534"/>
-            <p14:sldId id="535"/>
-            <p14:sldId id="536"/>
-            <p14:sldId id="537"/>
-            <p14:sldId id="538"/>
-            <p14:sldId id="539"/>
-            <p14:sldId id="540"/>
-            <p14:sldId id="541"/>
-            <p14:sldId id="542"/>
-            <p14:sldId id="543"/>
-            <p14:sldId id="1121"/>
-            <p14:sldId id="544"/>
-            <p14:sldId id="545"/>
-            <p14:sldId id="546"/>
-            <p14:sldId id="547"/>
-            <p14:sldId id="548"/>
-            <p14:sldId id="549"/>
-            <p14:sldId id="550"/>
-            <p14:sldId id="551"/>
-            <p14:sldId id="552"/>
-            <p14:sldId id="553"/>
-            <p14:sldId id="554"/>
-            <p14:sldId id="555"/>
-            <p14:sldId id="556"/>
-            <p14:sldId id="557"/>
-            <p14:sldId id="558"/>
-          </p14:sldIdLst>
+          <p14:sldIdLst/>
         </p14:section>
         <p14:section name="Theory Section" id="{34884AC8-2BB3-410A-B367-3356E05FE22B}">
-          <p14:sldIdLst>
-            <p14:sldId id="618"/>
-            <p14:sldId id="563"/>
-            <p14:sldId id="564"/>
-            <p14:sldId id="565"/>
-            <p14:sldId id="566"/>
-            <p14:sldId id="567"/>
-            <p14:sldId id="570"/>
-            <p14:sldId id="571"/>
-            <p14:sldId id="572"/>
-            <p14:sldId id="573"/>
-            <p14:sldId id="574"/>
-            <p14:sldId id="575"/>
-            <p14:sldId id="576"/>
-            <p14:sldId id="577"/>
-            <p14:sldId id="578"/>
-            <p14:sldId id="579"/>
-            <p14:sldId id="580"/>
-            <p14:sldId id="581"/>
-            <p14:sldId id="582"/>
-            <p14:sldId id="583"/>
-            <p14:sldId id="584"/>
-            <p14:sldId id="585"/>
-            <p14:sldId id="586"/>
-            <p14:sldId id="587"/>
-            <p14:sldId id="588"/>
-            <p14:sldId id="589"/>
-            <p14:sldId id="590"/>
-            <p14:sldId id="1141"/>
-            <p14:sldId id="591"/>
-            <p14:sldId id="1142"/>
-            <p14:sldId id="592"/>
-            <p14:sldId id="593"/>
-            <p14:sldId id="1143"/>
-            <p14:sldId id="594"/>
-            <p14:sldId id="595"/>
-            <p14:sldId id="596"/>
-            <p14:sldId id="597"/>
-            <p14:sldId id="598"/>
-            <p14:sldId id="599"/>
-            <p14:sldId id="602"/>
-            <p14:sldId id="603"/>
-            <p14:sldId id="604"/>
-            <p14:sldId id="605"/>
-            <p14:sldId id="606"/>
-            <p14:sldId id="607"/>
-          </p14:sldIdLst>
+          <p14:sldIdLst/>
         </p14:section>
         <p14:section name="Normatization" id="{EF0E5AD4-5FD4-4F19-A19E-E102405AA098}">
-          <p14:sldIdLst>
-            <p14:sldId id="619"/>
-            <p14:sldId id="620"/>
-            <p14:sldId id="621"/>
-            <p14:sldId id="622"/>
-            <p14:sldId id="623"/>
-            <p14:sldId id="624"/>
-            <p14:sldId id="625"/>
-            <p14:sldId id="626"/>
-            <p14:sldId id="627"/>
-            <p14:sldId id="628"/>
-            <p14:sldId id="629"/>
-            <p14:sldId id="630"/>
-            <p14:sldId id="631"/>
-            <p14:sldId id="860"/>
-            <p14:sldId id="861"/>
-            <p14:sldId id="862"/>
-            <p14:sldId id="632"/>
-            <p14:sldId id="633"/>
-            <p14:sldId id="634"/>
-            <p14:sldId id="1086"/>
-            <p14:sldId id="635"/>
-            <p14:sldId id="1087"/>
-            <p14:sldId id="636"/>
-            <p14:sldId id="637"/>
-            <p14:sldId id="1088"/>
-            <p14:sldId id="638"/>
-            <p14:sldId id="639"/>
-            <p14:sldId id="640"/>
-            <p14:sldId id="641"/>
-          </p14:sldIdLst>
+          <p14:sldIdLst/>
         </p14:section>
         <p14:section name="Stored Procedure and Function" id="{B62913B0-EC9F-4436-BEDC-4DCBF9A2B3AB}">
-          <p14:sldIdLst>
-            <p14:sldId id="642"/>
-            <p14:sldId id="643"/>
-            <p14:sldId id="644"/>
-            <p14:sldId id="645"/>
-            <p14:sldId id="646"/>
-            <p14:sldId id="647"/>
-            <p14:sldId id="648"/>
-            <p14:sldId id="649"/>
-            <p14:sldId id="650"/>
-            <p14:sldId id="651"/>
-            <p14:sldId id="652"/>
-            <p14:sldId id="653"/>
-            <p14:sldId id="654"/>
-            <p14:sldId id="655"/>
-            <p14:sldId id="656"/>
-            <p14:sldId id="657"/>
-            <p14:sldId id="658"/>
-            <p14:sldId id="669"/>
-            <p14:sldId id="670"/>
-            <p14:sldId id="1139"/>
-            <p14:sldId id="661"/>
-            <p14:sldId id="662"/>
-            <p14:sldId id="663"/>
-            <p14:sldId id="1132"/>
-            <p14:sldId id="668"/>
-            <p14:sldId id="672"/>
-            <p14:sldId id="673"/>
-            <p14:sldId id="1136"/>
-            <p14:sldId id="1137"/>
-            <p14:sldId id="1138"/>
-            <p14:sldId id="675"/>
-            <p14:sldId id="676"/>
-            <p14:sldId id="677"/>
-            <p14:sldId id="678"/>
-            <p14:sldId id="679"/>
-            <p14:sldId id="680"/>
-          </p14:sldIdLst>
+          <p14:sldIdLst/>
         </p14:section>
         <p14:section name="Triggers" id="{43413A11-6D7B-4E6D-B88B-1C10283CD29F}">
-          <p14:sldIdLst>
-            <p14:sldId id="681"/>
-            <p14:sldId id="682"/>
-            <p14:sldId id="683"/>
-            <p14:sldId id="684"/>
-            <p14:sldId id="686"/>
-            <p14:sldId id="688"/>
-            <p14:sldId id="1133"/>
-            <p14:sldId id="692"/>
-            <p14:sldId id="1134"/>
-            <p14:sldId id="1135"/>
-            <p14:sldId id="689"/>
-            <p14:sldId id="690"/>
-            <p14:sldId id="691"/>
-            <p14:sldId id="693"/>
-            <p14:sldId id="694"/>
-            <p14:sldId id="695"/>
-            <p14:sldId id="696"/>
-            <p14:sldId id="697"/>
-            <p14:sldId id="698"/>
-          </p14:sldIdLst>
+          <p14:sldIdLst/>
         </p14:section>
         <p14:section name="NoSQL" id="{043CF6B2-E975-4043-812B-33699AD3D23F}">
-          <p14:sldIdLst>
-            <p14:sldId id="699"/>
-            <p14:sldId id="700"/>
-            <p14:sldId id="707"/>
-            <p14:sldId id="701"/>
-            <p14:sldId id="702"/>
-            <p14:sldId id="703"/>
-            <p14:sldId id="704"/>
-            <p14:sldId id="1130"/>
-            <p14:sldId id="705"/>
-            <p14:sldId id="708"/>
-            <p14:sldId id="1089"/>
-            <p14:sldId id="864"/>
-            <p14:sldId id="709"/>
-            <p14:sldId id="710"/>
-            <p14:sldId id="711"/>
-            <p14:sldId id="712"/>
-            <p14:sldId id="713"/>
-            <p14:sldId id="714"/>
-            <p14:sldId id="715"/>
-            <p14:sldId id="716"/>
-            <p14:sldId id="717"/>
-            <p14:sldId id="718"/>
-            <p14:sldId id="719"/>
-            <p14:sldId id="720"/>
-            <p14:sldId id="721"/>
-            <p14:sldId id="722"/>
-            <p14:sldId id="723"/>
-            <p14:sldId id="724"/>
-            <p14:sldId id="725"/>
-            <p14:sldId id="726"/>
-            <p14:sldId id="727"/>
-            <p14:sldId id="728"/>
-            <p14:sldId id="729"/>
-            <p14:sldId id="730"/>
-            <p14:sldId id="731"/>
-            <p14:sldId id="732"/>
-            <p14:sldId id="733"/>
-            <p14:sldId id="734"/>
-            <p14:sldId id="735"/>
-            <p14:sldId id="736"/>
-            <p14:sldId id="737"/>
-            <p14:sldId id="738"/>
-            <p14:sldId id="739"/>
-            <p14:sldId id="740"/>
-            <p14:sldId id="741"/>
-            <p14:sldId id="742"/>
-            <p14:sldId id="743"/>
-            <p14:sldId id="744"/>
-            <p14:sldId id="745"/>
-            <p14:sldId id="746"/>
-            <p14:sldId id="747"/>
-            <p14:sldId id="748"/>
-            <p14:sldId id="749"/>
-            <p14:sldId id="750"/>
-            <p14:sldId id="751"/>
-            <p14:sldId id="752"/>
-            <p14:sldId id="753"/>
-            <p14:sldId id="754"/>
-            <p14:sldId id="755"/>
-            <p14:sldId id="756"/>
-            <p14:sldId id="757"/>
-            <p14:sldId id="758"/>
-            <p14:sldId id="759"/>
-            <p14:sldId id="760"/>
-            <p14:sldId id="761"/>
-            <p14:sldId id="762"/>
-            <p14:sldId id="763"/>
-            <p14:sldId id="764"/>
-            <p14:sldId id="765"/>
-            <p14:sldId id="766"/>
-            <p14:sldId id="767"/>
-            <p14:sldId id="768"/>
-            <p14:sldId id="769"/>
-            <p14:sldId id="770"/>
-            <p14:sldId id="771"/>
-            <p14:sldId id="772"/>
-            <p14:sldId id="773"/>
-            <p14:sldId id="774"/>
-            <p14:sldId id="775"/>
-            <p14:sldId id="776"/>
-            <p14:sldId id="777"/>
-            <p14:sldId id="778"/>
-            <p14:sldId id="779"/>
-            <p14:sldId id="780"/>
-            <p14:sldId id="781"/>
-            <p14:sldId id="782"/>
-            <p14:sldId id="783"/>
-            <p14:sldId id="784"/>
-            <p14:sldId id="785"/>
-            <p14:sldId id="786"/>
-            <p14:sldId id="787"/>
-            <p14:sldId id="788"/>
-            <p14:sldId id="789"/>
-            <p14:sldId id="790"/>
-            <p14:sldId id="791"/>
-            <p14:sldId id="792"/>
-            <p14:sldId id="793"/>
-            <p14:sldId id="794"/>
-            <p14:sldId id="795"/>
-            <p14:sldId id="796"/>
-            <p14:sldId id="797"/>
-            <p14:sldId id="798"/>
-            <p14:sldId id="799"/>
-            <p14:sldId id="800"/>
-            <p14:sldId id="801"/>
-            <p14:sldId id="802"/>
-            <p14:sldId id="803"/>
-            <p14:sldId id="804"/>
-            <p14:sldId id="805"/>
-            <p14:sldId id="806"/>
-            <p14:sldId id="807"/>
-            <p14:sldId id="808"/>
-            <p14:sldId id="809"/>
-            <p14:sldId id="810"/>
-            <p14:sldId id="811"/>
-            <p14:sldId id="812"/>
-            <p14:sldId id="813"/>
-            <p14:sldId id="814"/>
-            <p14:sldId id="815"/>
-            <p14:sldId id="816"/>
-            <p14:sldId id="817"/>
-            <p14:sldId id="818"/>
-            <p14:sldId id="819"/>
-            <p14:sldId id="820"/>
-            <p14:sldId id="821"/>
-            <p14:sldId id="822"/>
-            <p14:sldId id="823"/>
-            <p14:sldId id="824"/>
-            <p14:sldId id="825"/>
-            <p14:sldId id="826"/>
-            <p14:sldId id="827"/>
-            <p14:sldId id="828"/>
-            <p14:sldId id="829"/>
-            <p14:sldId id="830"/>
-            <p14:sldId id="831"/>
-            <p14:sldId id="832"/>
-            <p14:sldId id="833"/>
-            <p14:sldId id="834"/>
-            <p14:sldId id="835"/>
-            <p14:sldId id="836"/>
-            <p14:sldId id="837"/>
-            <p14:sldId id="838"/>
-            <p14:sldId id="839"/>
-            <p14:sldId id="840"/>
-            <p14:sldId id="841"/>
-          </p14:sldIdLst>
+          <p14:sldIdLst/>
         </p14:section>
         <p14:section name="Big Data" id="{714FF753-78D3-4CFC-AD17-400810612444}">
-          <p14:sldIdLst>
-            <p14:sldId id="842"/>
-            <p14:sldId id="843"/>
-            <p14:sldId id="844"/>
-            <p14:sldId id="845"/>
-            <p14:sldId id="863"/>
-            <p14:sldId id="865"/>
-            <p14:sldId id="846"/>
-            <p14:sldId id="503"/>
-            <p14:sldId id="1101"/>
-            <p14:sldId id="1118"/>
-            <p14:sldId id="1120"/>
-            <p14:sldId id="1171"/>
-            <p14:sldId id="1170"/>
-            <p14:sldId id="1169"/>
-            <p14:sldId id="1168"/>
-            <p14:sldId id="1172"/>
-            <p14:sldId id="1173"/>
-            <p14:sldId id="1174"/>
-            <p14:sldId id="1175"/>
-          </p14:sldIdLst>
+          <p14:sldIdLst/>
         </p14:section>
       </p14:sectionLst>
     </p:ext>
     <p:ext uri="{EFAFB233-063F-42B5-8137-9DF3F51BA10A}">
-      <p15:sldGuideLst xmlns:p15="http://schemas.microsoft.com/office/powerpoint/2012/main" xmlns="">
+      <p15:sldGuideLst xmlns:p15="http://schemas.microsoft.com/office/powerpoint/2012/main">
         <p15:guide id="1" orient="horz" pos="2160">
           <p15:clr>
             <a:srgbClr val="A4A3A4"/>
@@ -778,7 +176,7 @@
   <p:cmAuthor id="1" name="Saleel" initials="S" lastIdx="1" clrIdx="0">
     <p:extLst>
       <p:ext uri="{19B8F6BF-5375-455C-9EA6-DF929625EA0E}">
-        <p15:presenceInfo xmlns:p15="http://schemas.microsoft.com/office/powerpoint/2012/main" xmlns="" userId="Saleel" providerId="None"/>
+        <p15:presenceInfo xmlns:p15="http://schemas.microsoft.com/office/powerpoint/2012/main" userId="Saleel" providerId="None"/>
       </p:ext>
     </p:extLst>
   </p:cmAuthor>
@@ -868,7 +266,7 @@
             <a:fld id="{4DF51050-3720-483B-B552-57DC1341D582}" type="datetimeFigureOut">
               <a:rPr lang="en-US" smtClean="0"/>
               <a:pPr/>
-              <a:t>6/8/2020</a:t>
+              <a:t>6/12/2020</a:t>
             </a:fld>
             <a:endParaRPr lang="en-US"/>
           </a:p>
@@ -1327,7 +725,7 @@
             <a:fld id="{EEE556E8-492E-4E8F-8E7F-7A7787724D01}" type="datetimeFigureOut">
               <a:rPr lang="en-US" smtClean="0"/>
               <a:pPr/>
-              <a:t>6/8/2020</a:t>
+              <a:t>6/12/2020</a:t>
             </a:fld>
             <a:endParaRPr lang="en-US"/>
           </a:p>
@@ -1532,7 +930,7 @@
             <a:fld id="{EEE556E8-492E-4E8F-8E7F-7A7787724D01}" type="datetimeFigureOut">
               <a:rPr lang="en-US" smtClean="0"/>
               <a:pPr/>
-              <a:t>6/8/2020</a:t>
+              <a:t>6/12/2020</a:t>
             </a:fld>
             <a:endParaRPr lang="en-US"/>
           </a:p>
@@ -1737,7 +1135,7 @@
             <a:fld id="{EEE556E8-492E-4E8F-8E7F-7A7787724D01}" type="datetimeFigureOut">
               <a:rPr lang="en-US" smtClean="0"/>
               <a:pPr/>
-              <a:t>6/8/2020</a:t>
+              <a:t>6/12/2020</a:t>
             </a:fld>
             <a:endParaRPr lang="en-US"/>
           </a:p>
@@ -1942,7 +1340,7 @@
             <a:fld id="{EEE556E8-492E-4E8F-8E7F-7A7787724D01}" type="datetimeFigureOut">
               <a:rPr lang="en-US" smtClean="0"/>
               <a:pPr/>
-              <a:t>6/8/2020</a:t>
+              <a:t>6/12/2020</a:t>
             </a:fld>
             <a:endParaRPr lang="en-US"/>
           </a:p>
@@ -2214,7 +1612,7 @@
             <a:fld id="{EEE556E8-492E-4E8F-8E7F-7A7787724D01}" type="datetimeFigureOut">
               <a:rPr lang="en-US" smtClean="0"/>
               <a:pPr/>
-              <a:t>6/8/2020</a:t>
+              <a:t>6/12/2020</a:t>
             </a:fld>
             <a:endParaRPr lang="en-US"/>
           </a:p>
@@ -2534,7 +1932,7 @@
             <a:fld id="{EEE556E8-492E-4E8F-8E7F-7A7787724D01}" type="datetimeFigureOut">
               <a:rPr lang="en-US" smtClean="0"/>
               <a:pPr/>
-              <a:t>6/8/2020</a:t>
+              <a:t>6/12/2020</a:t>
             </a:fld>
             <a:endParaRPr lang="en-US"/>
           </a:p>
@@ -2994,7 +2392,7 @@
             <a:fld id="{EEE556E8-492E-4E8F-8E7F-7A7787724D01}" type="datetimeFigureOut">
               <a:rPr lang="en-US" smtClean="0"/>
               <a:pPr/>
-              <a:t>6/8/2020</a:t>
+              <a:t>6/12/2020</a:t>
             </a:fld>
             <a:endParaRPr lang="en-US"/>
           </a:p>
@@ -3140,7 +2538,7 @@
             <a:fld id="{EEE556E8-492E-4E8F-8E7F-7A7787724D01}" type="datetimeFigureOut">
               <a:rPr lang="en-US" smtClean="0"/>
               <a:pPr/>
-              <a:t>6/8/2020</a:t>
+              <a:t>6/12/2020</a:t>
             </a:fld>
             <a:endParaRPr lang="en-US"/>
           </a:p>
@@ -3470,7 +2868,7 @@
             <a:fld id="{EEE556E8-492E-4E8F-8E7F-7A7787724D01}" type="datetimeFigureOut">
               <a:rPr lang="en-US" smtClean="0"/>
               <a:pPr/>
-              <a:t>6/8/2020</a:t>
+              <a:t>6/12/2020</a:t>
             </a:fld>
             <a:endParaRPr lang="en-US"/>
           </a:p>
@@ -3752,7 +3150,7 @@
             <a:fld id="{EEE556E8-492E-4E8F-8E7F-7A7787724D01}" type="datetimeFigureOut">
               <a:rPr lang="en-US" smtClean="0"/>
               <a:pPr/>
-              <a:t>6/8/2020</a:t>
+              <a:t>6/12/2020</a:t>
             </a:fld>
             <a:endParaRPr lang="en-US"/>
           </a:p>
@@ -4138,7 +3536,7 @@
           <p:cNvPr id="8" name="Picture 7">
             <a:extLst>
               <a:ext uri="{FF2B5EF4-FFF2-40B4-BE49-F238E27FC236}">
-                <a16:creationId xmlns:a16="http://schemas.microsoft.com/office/drawing/2014/main" xmlns="" id="{FF24E983-0C73-4002-AA14-199E8763DD65}"/>
+                <a16:creationId xmlns:a16="http://schemas.microsoft.com/office/drawing/2014/main" id="{FF24E983-0C73-4002-AA14-199E8763DD65}"/>
               </a:ext>
             </a:extLst>
           </p:cNvPr>
@@ -4151,7 +3549,7 @@
           <a:blip r:embed="rId2" cstate="print">
             <a:extLst>
               <a:ext uri="{28A0092B-C50C-407E-A947-70E740481C1C}">
-                <a14:useLocalDpi xmlns:a14="http://schemas.microsoft.com/office/drawing/2010/main" xmlns="" val="0"/>
+                <a14:useLocalDpi xmlns:a14="http://schemas.microsoft.com/office/drawing/2010/main" val="0"/>
               </a:ext>
             </a:extLst>
           </a:blip>
@@ -4174,7 +3572,7 @@
           <p:cNvPr id="7" name="Footer Placeholder 2">
             <a:extLst>
               <a:ext uri="{FF2B5EF4-FFF2-40B4-BE49-F238E27FC236}">
-                <a16:creationId xmlns:a16="http://schemas.microsoft.com/office/drawing/2014/main" xmlns="" id="{E14F7621-66C5-47D6-A8C7-2B6C3CD2205A}"/>
+                <a16:creationId xmlns:a16="http://schemas.microsoft.com/office/drawing/2014/main" id="{E14F7621-66C5-47D6-A8C7-2B6C3CD2205A}"/>
               </a:ext>
             </a:extLst>
           </p:cNvPr>
@@ -4449,7 +3847,7 @@
     </p:spTree>
     <p:extLst>
       <p:ext uri="{BB962C8B-B14F-4D97-AF65-F5344CB8AC3E}">
-        <p14:creationId xmlns:p14="http://schemas.microsoft.com/office/powerpoint/2010/main" xmlns="" val="2547664928"/>
+        <p14:creationId xmlns:p14="http://schemas.microsoft.com/office/powerpoint/2010/main" val="2547664928"/>
       </p:ext>
     </p:extLst>
   </p:cSld>
@@ -4544,7 +3942,7 @@
           <p:cNvPr id="18" name="Picture 17">
             <a:extLst>
               <a:ext uri="{FF2B5EF4-FFF2-40B4-BE49-F238E27FC236}">
-                <a16:creationId xmlns:a16="http://schemas.microsoft.com/office/drawing/2014/main" xmlns="" id="{1BC29D4B-0260-49F9-9E5E-2135514E8A88}"/>
+                <a16:creationId xmlns:a16="http://schemas.microsoft.com/office/drawing/2014/main" id="{1BC29D4B-0260-49F9-9E5E-2135514E8A88}"/>
               </a:ext>
             </a:extLst>
           </p:cNvPr>
@@ -4557,7 +3955,7 @@
           <a:blip r:embed="rId2" cstate="print">
             <a:extLst>
               <a:ext uri="{28A0092B-C50C-407E-A947-70E740481C1C}">
-                <a14:useLocalDpi xmlns:a14="http://schemas.microsoft.com/office/drawing/2010/main" xmlns="" val="0"/>
+                <a14:useLocalDpi xmlns:a14="http://schemas.microsoft.com/office/drawing/2010/main" val="0"/>
               </a:ext>
             </a:extLst>
           </a:blip>
@@ -4580,7 +3978,7 @@
           <p:cNvPr id="19" name="Footer Placeholder 2">
             <a:extLst>
               <a:ext uri="{FF2B5EF4-FFF2-40B4-BE49-F238E27FC236}">
-                <a16:creationId xmlns:a16="http://schemas.microsoft.com/office/drawing/2014/main" xmlns="" id="{379BDE68-4144-4701-89F7-BDDAFF7975E1}"/>
+                <a16:creationId xmlns:a16="http://schemas.microsoft.com/office/drawing/2014/main" id="{379BDE68-4144-4701-89F7-BDDAFF7975E1}"/>
               </a:ext>
             </a:extLst>
           </p:cNvPr>
@@ -4712,7 +4110,7 @@
           <p:cNvPr id="21" name="Rectangle 20">
             <a:extLst>
               <a:ext uri="{FF2B5EF4-FFF2-40B4-BE49-F238E27FC236}">
-                <a16:creationId xmlns:a16="http://schemas.microsoft.com/office/drawing/2014/main" xmlns="" id="{09A4DD51-F450-4FA7-BA18-C2A26D10D72C}"/>
+                <a16:creationId xmlns:a16="http://schemas.microsoft.com/office/drawing/2014/main" id="{09A4DD51-F450-4FA7-BA18-C2A26D10D72C}"/>
               </a:ext>
             </a:extLst>
           </p:cNvPr>
@@ -4967,7 +4365,7 @@
     </p:spTree>
     <p:extLst>
       <p:ext uri="{BB962C8B-B14F-4D97-AF65-F5344CB8AC3E}">
-        <p14:creationId xmlns:p14="http://schemas.microsoft.com/office/powerpoint/2010/main" xmlns="" val="3166758523"/>
+        <p14:creationId xmlns:p14="http://schemas.microsoft.com/office/powerpoint/2010/main" val="3166758523"/>
       </p:ext>
     </p:extLst>
   </p:cSld>
@@ -5055,7 +4453,7 @@
           <p:cNvPr id="18" name="Picture 17">
             <a:extLst>
               <a:ext uri="{FF2B5EF4-FFF2-40B4-BE49-F238E27FC236}">
-                <a16:creationId xmlns:a16="http://schemas.microsoft.com/office/drawing/2014/main" xmlns="" id="{1BC29D4B-0260-49F9-9E5E-2135514E8A88}"/>
+                <a16:creationId xmlns:a16="http://schemas.microsoft.com/office/drawing/2014/main" id="{1BC29D4B-0260-49F9-9E5E-2135514E8A88}"/>
               </a:ext>
             </a:extLst>
           </p:cNvPr>
@@ -5068,7 +4466,7 @@
           <a:blip r:embed="rId2" cstate="print">
             <a:extLst>
               <a:ext uri="{28A0092B-C50C-407E-A947-70E740481C1C}">
-                <a14:useLocalDpi xmlns:a14="http://schemas.microsoft.com/office/drawing/2010/main" xmlns="" val="0"/>
+                <a14:useLocalDpi xmlns:a14="http://schemas.microsoft.com/office/drawing/2010/main" val="0"/>
               </a:ext>
             </a:extLst>
           </a:blip>
@@ -5091,7 +4489,7 @@
           <p:cNvPr id="19" name="Footer Placeholder 2">
             <a:extLst>
               <a:ext uri="{FF2B5EF4-FFF2-40B4-BE49-F238E27FC236}">
-                <a16:creationId xmlns:a16="http://schemas.microsoft.com/office/drawing/2014/main" xmlns="" id="{379BDE68-4144-4701-89F7-BDDAFF7975E1}"/>
+                <a16:creationId xmlns:a16="http://schemas.microsoft.com/office/drawing/2014/main" id="{379BDE68-4144-4701-89F7-BDDAFF7975E1}"/>
               </a:ext>
             </a:extLst>
           </p:cNvPr>
@@ -5223,7 +4621,7 @@
           <p:cNvPr id="21" name="Rectangle 20">
             <a:extLst>
               <a:ext uri="{FF2B5EF4-FFF2-40B4-BE49-F238E27FC236}">
-                <a16:creationId xmlns:a16="http://schemas.microsoft.com/office/drawing/2014/main" xmlns="" id="{09A4DD51-F450-4FA7-BA18-C2A26D10D72C}"/>
+                <a16:creationId xmlns:a16="http://schemas.microsoft.com/office/drawing/2014/main" id="{09A4DD51-F450-4FA7-BA18-C2A26D10D72C}"/>
               </a:ext>
             </a:extLst>
           </p:cNvPr>
@@ -5362,7 +4760,21 @@
                 <a:latin typeface="Calibri (Body)"/>
                 <a:cs typeface="Arial" pitchFamily="34" charset="0"/>
               </a:rPr>
-              <a:t>INSERT INTO student_address VALUES (4, 'station road', 'baroda');</a:t>
+              <a:t>INSERT INTO student_address VALUES </a:t>
+            </a:r>
+            <a:r>
+              <a:rPr lang="en-US" dirty="0" smtClean="0">
+                <a:latin typeface="Calibri (Body)"/>
+                <a:cs typeface="Arial" pitchFamily="34" charset="0"/>
+              </a:rPr>
+              <a:t>(104</a:t>
+            </a:r>
+            <a:r>
+              <a:rPr lang="en-US" dirty="0" smtClean="0">
+                <a:latin typeface="Calibri (Body)"/>
+                <a:cs typeface="Arial" pitchFamily="34" charset="0"/>
+              </a:rPr>
+              <a:t>, 'station road', 'baroda');</a:t>
             </a:r>
           </a:p>
           <a:p>
@@ -5437,7 +4849,21 @@
                 <a:latin typeface="Calibri (Body)"/>
                 <a:cs typeface="Arial" pitchFamily="34" charset="0"/>
               </a:rPr>
-              <a:t>INSERT INTO student_hobbies VALUES (5, 3, 'watching movies');</a:t>
+              <a:t>INSERT INTO student_hobbies VALUES </a:t>
+            </a:r>
+            <a:r>
+              <a:rPr lang="en-US" dirty="0" smtClean="0">
+                <a:latin typeface="Calibri (Body)"/>
+                <a:cs typeface="Arial" pitchFamily="34" charset="0"/>
+              </a:rPr>
+              <a:t>(105</a:t>
+            </a:r>
+            <a:r>
+              <a:rPr lang="en-US" dirty="0" smtClean="0">
+                <a:latin typeface="Calibri (Body)"/>
+                <a:cs typeface="Arial" pitchFamily="34" charset="0"/>
+              </a:rPr>
+              <a:t>, 3, 'watching movies');</a:t>
             </a:r>
           </a:p>
           <a:p>
@@ -5450,7 +4876,21 @@
                 <a:latin typeface="Calibri (Body)"/>
                 <a:cs typeface="Arial" pitchFamily="34" charset="0"/>
               </a:rPr>
-              <a:t>INSERT INTO student_hobbies VALUES (6, 4, 'gaming');</a:t>
+              <a:t>INSERT INTO student_hobbies VALUES </a:t>
+            </a:r>
+            <a:r>
+              <a:rPr lang="en-US" dirty="0" smtClean="0">
+                <a:latin typeface="Calibri (Body)"/>
+                <a:cs typeface="Arial" pitchFamily="34" charset="0"/>
+              </a:rPr>
+              <a:t>(104, </a:t>
+            </a:r>
+            <a:r>
+              <a:rPr lang="en-US" dirty="0" smtClean="0">
+                <a:latin typeface="Calibri (Body)"/>
+                <a:cs typeface="Arial" pitchFamily="34" charset="0"/>
+              </a:rPr>
+              <a:t>4, 'gaming');</a:t>
             </a:r>
           </a:p>
         </p:txBody>
@@ -5458,7 +4898,7 @@
     </p:spTree>
     <p:extLst>
       <p:ext uri="{BB962C8B-B14F-4D97-AF65-F5344CB8AC3E}">
-        <p14:creationId xmlns:p14="http://schemas.microsoft.com/office/powerpoint/2010/main" xmlns="" val="3166758523"/>
+        <p14:creationId xmlns:p14="http://schemas.microsoft.com/office/powerpoint/2010/main" val="3166758523"/>
       </p:ext>
     </p:extLst>
   </p:cSld>
@@ -5556,7 +4996,7 @@
           <p:cNvPr id="8" name="Picture 7">
             <a:extLst>
               <a:ext uri="{FF2B5EF4-FFF2-40B4-BE49-F238E27FC236}">
-                <a16:creationId xmlns:a16="http://schemas.microsoft.com/office/drawing/2014/main" xmlns="" id="{CA300AF8-3A8B-41EE-96B3-AEAC198AD8CA}"/>
+                <a16:creationId xmlns:a16="http://schemas.microsoft.com/office/drawing/2014/main" id="{CA300AF8-3A8B-41EE-96B3-AEAC198AD8CA}"/>
               </a:ext>
             </a:extLst>
           </p:cNvPr>
@@ -5569,7 +5009,7 @@
           <a:blip r:embed="rId2" cstate="print">
             <a:extLst>
               <a:ext uri="{28A0092B-C50C-407E-A947-70E740481C1C}">
-                <a14:useLocalDpi xmlns:a14="http://schemas.microsoft.com/office/drawing/2010/main" xmlns="" val="0"/>
+                <a14:useLocalDpi xmlns:a14="http://schemas.microsoft.com/office/drawing/2010/main" val="0"/>
               </a:ext>
             </a:extLst>
           </a:blip>
@@ -5592,7 +5032,7 @@
           <p:cNvPr id="9" name="Footer Placeholder 2">
             <a:extLst>
               <a:ext uri="{FF2B5EF4-FFF2-40B4-BE49-F238E27FC236}">
-                <a16:creationId xmlns:a16="http://schemas.microsoft.com/office/drawing/2014/main" xmlns="" id="{49968677-CC8A-4C35-AABA-97CFF73A1AB5}"/>
+                <a16:creationId xmlns:a16="http://schemas.microsoft.com/office/drawing/2014/main" id="{49968677-CC8A-4C35-AABA-97CFF73A1AB5}"/>
               </a:ext>
             </a:extLst>
           </p:cNvPr>
@@ -5724,7 +5164,7 @@
           <p:cNvPr id="10" name="Rectangle 9">
             <a:extLst>
               <a:ext uri="{FF2B5EF4-FFF2-40B4-BE49-F238E27FC236}">
-                <a16:creationId xmlns:a16="http://schemas.microsoft.com/office/drawing/2014/main" xmlns="" id="{09A4DD51-F450-4FA7-BA18-C2A26D10D72C}"/>
+                <a16:creationId xmlns:a16="http://schemas.microsoft.com/office/drawing/2014/main" id="{09A4DD51-F450-4FA7-BA18-C2A26D10D72C}"/>
               </a:ext>
             </a:extLst>
           </p:cNvPr>
@@ -5901,7 +5341,7 @@
     </p:spTree>
     <p:extLst>
       <p:ext uri="{BB962C8B-B14F-4D97-AF65-F5344CB8AC3E}">
-        <p14:creationId xmlns:p14="http://schemas.microsoft.com/office/powerpoint/2010/main" xmlns="" val="2850906017"/>
+        <p14:creationId xmlns:p14="http://schemas.microsoft.com/office/powerpoint/2010/main" val="2850906017"/>
       </p:ext>
     </p:extLst>
   </p:cSld>
@@ -6007,7 +5447,7 @@
           <p:cNvPr id="8" name="Picture 7">
             <a:extLst>
               <a:ext uri="{FF2B5EF4-FFF2-40B4-BE49-F238E27FC236}">
-                <a16:creationId xmlns:a16="http://schemas.microsoft.com/office/drawing/2014/main" xmlns="" id="{CA300AF8-3A8B-41EE-96B3-AEAC198AD8CA}"/>
+                <a16:creationId xmlns:a16="http://schemas.microsoft.com/office/drawing/2014/main" id="{CA300AF8-3A8B-41EE-96B3-AEAC198AD8CA}"/>
               </a:ext>
             </a:extLst>
           </p:cNvPr>
@@ -6020,7 +5460,7 @@
           <a:blip r:embed="rId2" cstate="print">
             <a:extLst>
               <a:ext uri="{28A0092B-C50C-407E-A947-70E740481C1C}">
-                <a14:useLocalDpi xmlns:a14="http://schemas.microsoft.com/office/drawing/2010/main" xmlns="" val="0"/>
+                <a14:useLocalDpi xmlns:a14="http://schemas.microsoft.com/office/drawing/2010/main" val="0"/>
               </a:ext>
             </a:extLst>
           </a:blip>
@@ -6043,7 +5483,7 @@
           <p:cNvPr id="9" name="Footer Placeholder 2">
             <a:extLst>
               <a:ext uri="{FF2B5EF4-FFF2-40B4-BE49-F238E27FC236}">
-                <a16:creationId xmlns:a16="http://schemas.microsoft.com/office/drawing/2014/main" xmlns="" id="{49968677-CC8A-4C35-AABA-97CFF73A1AB5}"/>
+                <a16:creationId xmlns:a16="http://schemas.microsoft.com/office/drawing/2014/main" id="{49968677-CC8A-4C35-AABA-97CFF73A1AB5}"/>
               </a:ext>
             </a:extLst>
           </p:cNvPr>
@@ -6175,7 +5615,7 @@
           <p:cNvPr id="10" name="Rectangle 9">
             <a:extLst>
               <a:ext uri="{FF2B5EF4-FFF2-40B4-BE49-F238E27FC236}">
-                <a16:creationId xmlns:a16="http://schemas.microsoft.com/office/drawing/2014/main" xmlns="" id="{09A4DD51-F450-4FA7-BA18-C2A26D10D72C}"/>
+                <a16:creationId xmlns:a16="http://schemas.microsoft.com/office/drawing/2014/main" id="{09A4DD51-F450-4FA7-BA18-C2A26D10D72C}"/>
               </a:ext>
             </a:extLst>
           </p:cNvPr>
@@ -6315,7 +5755,7 @@
         <p:spPr>
           <a:xfrm>
             <a:off x="694606" y="1907540"/>
-            <a:ext cx="11377264" cy="369332"/>
+            <a:ext cx="11377264" cy="646331"/>
           </a:xfrm>
           <a:prstGeom prst="rect">
             <a:avLst/>
@@ -6336,15 +5776,78 @@
                 <a:latin typeface="Calibri (Body)"/>
                 <a:cs typeface="Arial" pitchFamily="34" charset="0"/>
               </a:rPr>
-              <a:t>UPDATE student SET ;</a:t>
-            </a:r>
+              <a:t>UPDATE student SET </a:t>
+            </a:r>
+            <a:r>
+              <a:rPr lang="en-US" dirty="0" smtClean="0">
+                <a:latin typeface="Calibri (Body)"/>
+                <a:cs typeface="Arial" pitchFamily="34" charset="0"/>
+              </a:rPr>
+              <a:t>email =NULL;</a:t>
+            </a:r>
+            <a:endParaRPr lang="en-US" dirty="0">
+              <a:latin typeface="Calibri (Body)"/>
+              <a:cs typeface="Arial" pitchFamily="34" charset="0"/>
+            </a:endParaRPr>
+          </a:p>
+          <a:p>
+            <a:pPr marL="342900" indent="-342900">
+              <a:buFont typeface="Arial" pitchFamily="34" charset="0"/>
+              <a:buChar char="•"/>
+            </a:pPr>
+            <a:r>
+              <a:rPr lang="en-US" dirty="0">
+                <a:latin typeface="Calibri (Body)"/>
+                <a:cs typeface="Arial" pitchFamily="34" charset="0"/>
+              </a:rPr>
+              <a:t>UPDATE student SET </a:t>
+            </a:r>
+            <a:r>
+              <a:rPr lang="en-US" dirty="0" smtClean="0">
+                <a:latin typeface="Calibri (Body)"/>
+                <a:cs typeface="Arial" pitchFamily="34" charset="0"/>
+              </a:rPr>
+              <a:t>emailID = </a:t>
+            </a:r>
+            <a:r>
+              <a:rPr lang="en-US" dirty="0">
+                <a:latin typeface="Calibri (Body)"/>
+                <a:cs typeface="Arial" pitchFamily="34" charset="0"/>
+              </a:rPr>
+              <a:t>' </a:t>
+            </a:r>
+            <a:r>
+              <a:rPr lang="en-US" dirty="0" smtClean="0">
+                <a:latin typeface="Calibri (Body)"/>
+                <a:cs typeface="Arial" pitchFamily="34" charset="0"/>
+              </a:rPr>
+              <a:t>ramesh.patel123@yahoomail.com</a:t>
+            </a:r>
+            <a:r>
+              <a:rPr lang="en-US" dirty="0">
+                <a:latin typeface="Calibri (Body)"/>
+                <a:cs typeface="Arial" pitchFamily="34" charset="0"/>
+              </a:rPr>
+              <a:t>'</a:t>
+            </a:r>
+            <a:r>
+              <a:rPr lang="en-US" dirty="0" smtClean="0">
+                <a:latin typeface="Calibri (Body)"/>
+                <a:cs typeface="Arial" pitchFamily="34" charset="0"/>
+              </a:rPr>
+              <a:t> where ID  = 1;</a:t>
+            </a:r>
+            <a:endParaRPr lang="en-US" dirty="0" smtClean="0">
+              <a:latin typeface="Calibri (Body)"/>
+              <a:cs typeface="Arial" pitchFamily="34" charset="0"/>
+            </a:endParaRPr>
           </a:p>
         </p:txBody>
       </p:sp>
     </p:spTree>
     <p:extLst>
       <p:ext uri="{BB962C8B-B14F-4D97-AF65-F5344CB8AC3E}">
-        <p14:creationId xmlns:p14="http://schemas.microsoft.com/office/powerpoint/2010/main" xmlns="" val="2850906017"/>
+        <p14:creationId xmlns:p14="http://schemas.microsoft.com/office/powerpoint/2010/main" val="2850906017"/>
       </p:ext>
     </p:extLst>
   </p:cSld>
@@ -6450,7 +5953,7 @@
           <p:cNvPr id="8" name="Picture 7">
             <a:extLst>
               <a:ext uri="{FF2B5EF4-FFF2-40B4-BE49-F238E27FC236}">
-                <a16:creationId xmlns:a16="http://schemas.microsoft.com/office/drawing/2014/main" xmlns="" id="{CA300AF8-3A8B-41EE-96B3-AEAC198AD8CA}"/>
+                <a16:creationId xmlns:a16="http://schemas.microsoft.com/office/drawing/2014/main" id="{CA300AF8-3A8B-41EE-96B3-AEAC198AD8CA}"/>
               </a:ext>
             </a:extLst>
           </p:cNvPr>
@@ -6463,7 +5966,7 @@
           <a:blip r:embed="rId2" cstate="print">
             <a:extLst>
               <a:ext uri="{28A0092B-C50C-407E-A947-70E740481C1C}">
-                <a14:useLocalDpi xmlns:a14="http://schemas.microsoft.com/office/drawing/2010/main" xmlns="" val="0"/>
+                <a14:useLocalDpi xmlns:a14="http://schemas.microsoft.com/office/drawing/2010/main" val="0"/>
               </a:ext>
             </a:extLst>
           </a:blip>
@@ -6486,7 +5989,7 @@
           <p:cNvPr id="9" name="Footer Placeholder 2">
             <a:extLst>
               <a:ext uri="{FF2B5EF4-FFF2-40B4-BE49-F238E27FC236}">
-                <a16:creationId xmlns:a16="http://schemas.microsoft.com/office/drawing/2014/main" xmlns="" id="{49968677-CC8A-4C35-AABA-97CFF73A1AB5}"/>
+                <a16:creationId xmlns:a16="http://schemas.microsoft.com/office/drawing/2014/main" id="{49968677-CC8A-4C35-AABA-97CFF73A1AB5}"/>
               </a:ext>
             </a:extLst>
           </p:cNvPr>
@@ -6618,7 +6121,7 @@
           <p:cNvPr id="10" name="Rectangle 9">
             <a:extLst>
               <a:ext uri="{FF2B5EF4-FFF2-40B4-BE49-F238E27FC236}">
-                <a16:creationId xmlns:a16="http://schemas.microsoft.com/office/drawing/2014/main" xmlns="" id="{09A4DD51-F450-4FA7-BA18-C2A26D10D72C}"/>
+                <a16:creationId xmlns:a16="http://schemas.microsoft.com/office/drawing/2014/main" id="{09A4DD51-F450-4FA7-BA18-C2A26D10D72C}"/>
               </a:ext>
             </a:extLst>
           </p:cNvPr>
@@ -6734,7 +6237,7 @@
         <p:spPr>
           <a:xfrm>
             <a:off x="694606" y="1907540"/>
-            <a:ext cx="11377264" cy="369332"/>
+            <a:ext cx="11377264" cy="646331"/>
           </a:xfrm>
           <a:prstGeom prst="rect">
             <a:avLst/>
@@ -6755,15 +6258,46 @@
                 <a:latin typeface="Calibri (Body)"/>
                 <a:cs typeface="Arial" pitchFamily="34" charset="0"/>
               </a:rPr>
-              <a:t>DELETE FROM student;</a:t>
-            </a:r>
+              <a:t>DELETE FROM student</a:t>
+            </a:r>
+            <a:r>
+              <a:rPr lang="en-US" dirty="0" smtClean="0">
+                <a:latin typeface="Calibri (Body)"/>
+                <a:cs typeface="Arial" pitchFamily="34" charset="0"/>
+              </a:rPr>
+              <a:t>;</a:t>
+            </a:r>
+          </a:p>
+          <a:p>
+            <a:pPr marL="342900" indent="-342900">
+              <a:buFont typeface="Arial" pitchFamily="34" charset="0"/>
+              <a:buChar char="•"/>
+            </a:pPr>
+            <a:r>
+              <a:rPr lang="en-US" dirty="0">
+                <a:latin typeface="Calibri (Body)"/>
+                <a:cs typeface="Arial" pitchFamily="34" charset="0"/>
+              </a:rPr>
+              <a:t>DELETE FROM </a:t>
+            </a:r>
+            <a:r>
+              <a:rPr lang="en-US" dirty="0" smtClean="0">
+                <a:latin typeface="Calibri (Body)"/>
+                <a:cs typeface="Arial" pitchFamily="34" charset="0"/>
+              </a:rPr>
+              <a:t>student where ID = 1;</a:t>
+            </a:r>
+            <a:endParaRPr lang="en-US" dirty="0">
+              <a:latin typeface="Calibri (Body)"/>
+              <a:cs typeface="Arial" pitchFamily="34" charset="0"/>
+            </a:endParaRPr>
           </a:p>
         </p:txBody>
       </p:sp>
     </p:spTree>
     <p:extLst>
       <p:ext uri="{BB962C8B-B14F-4D97-AF65-F5344CB8AC3E}">
-        <p14:creationId xmlns:p14="http://schemas.microsoft.com/office/powerpoint/2010/main" xmlns="" val="2850906017"/>
+        <p14:creationId xmlns:p14="http://schemas.microsoft.com/office/powerpoint/2010/main" val="2850906017"/>
       </p:ext>
     </p:extLst>
   </p:cSld>
@@ -6869,7 +6403,7 @@
           <p:cNvPr id="8" name="Picture 7">
             <a:extLst>
               <a:ext uri="{FF2B5EF4-FFF2-40B4-BE49-F238E27FC236}">
-                <a16:creationId xmlns:a16="http://schemas.microsoft.com/office/drawing/2014/main" xmlns="" id="{CA300AF8-3A8B-41EE-96B3-AEAC198AD8CA}"/>
+                <a16:creationId xmlns:a16="http://schemas.microsoft.com/office/drawing/2014/main" id="{CA300AF8-3A8B-41EE-96B3-AEAC198AD8CA}"/>
               </a:ext>
             </a:extLst>
           </p:cNvPr>
@@ -6882,7 +6416,7 @@
           <a:blip r:embed="rId2" cstate="print">
             <a:extLst>
               <a:ext uri="{28A0092B-C50C-407E-A947-70E740481C1C}">
-                <a14:useLocalDpi xmlns:a14="http://schemas.microsoft.com/office/drawing/2010/main" xmlns="" val="0"/>
+                <a14:useLocalDpi xmlns:a14="http://schemas.microsoft.com/office/drawing/2010/main" val="0"/>
               </a:ext>
             </a:extLst>
           </a:blip>
@@ -6905,7 +6439,7 @@
           <p:cNvPr id="9" name="Footer Placeholder 2">
             <a:extLst>
               <a:ext uri="{FF2B5EF4-FFF2-40B4-BE49-F238E27FC236}">
-                <a16:creationId xmlns:a16="http://schemas.microsoft.com/office/drawing/2014/main" xmlns="" id="{49968677-CC8A-4C35-AABA-97CFF73A1AB5}"/>
+                <a16:creationId xmlns:a16="http://schemas.microsoft.com/office/drawing/2014/main" id="{49968677-CC8A-4C35-AABA-97CFF73A1AB5}"/>
               </a:ext>
             </a:extLst>
           </p:cNvPr>
@@ -7037,7 +6571,7 @@
           <p:cNvPr id="10" name="Rectangle 9">
             <a:extLst>
               <a:ext uri="{FF2B5EF4-FFF2-40B4-BE49-F238E27FC236}">
-                <a16:creationId xmlns:a16="http://schemas.microsoft.com/office/drawing/2014/main" xmlns="" id="{09A4DD51-F450-4FA7-BA18-C2A26D10D72C}"/>
+                <a16:creationId xmlns:a16="http://schemas.microsoft.com/office/drawing/2014/main" id="{09A4DD51-F450-4FA7-BA18-C2A26D10D72C}"/>
               </a:ext>
             </a:extLst>
           </p:cNvPr>
@@ -7308,7 +6842,7 @@
     </p:spTree>
     <p:extLst>
       <p:ext uri="{BB962C8B-B14F-4D97-AF65-F5344CB8AC3E}">
-        <p14:creationId xmlns:p14="http://schemas.microsoft.com/office/powerpoint/2010/main" xmlns="" val="2850906017"/>
+        <p14:creationId xmlns:p14="http://schemas.microsoft.com/office/powerpoint/2010/main" val="2850906017"/>
       </p:ext>
     </p:extLst>
   </p:cSld>

--- a/Video Ver1/Video PPT/11. Introduction to DML commands.pptx
+++ b/Video Ver1/Video PPT/11. Introduction to DML commands.pptx
@@ -5,7 +5,7 @@
     <p:sldMasterId id="2147483648" r:id="rId1"/>
   </p:sldMasterIdLst>
   <p:notesMasterIdLst>
-    <p:notesMasterId r:id="rId9"/>
+    <p:notesMasterId r:id="rId10"/>
   </p:notesMasterIdLst>
   <p:sldIdLst>
     <p:sldId id="1241" r:id="rId2"/>
@@ -14,7 +14,8 @@
     <p:sldId id="1244" r:id="rId5"/>
     <p:sldId id="1245" r:id="rId6"/>
     <p:sldId id="1246" r:id="rId7"/>
-    <p:sldId id="1247" r:id="rId8"/>
+    <p:sldId id="1252" r:id="rId8"/>
+    <p:sldId id="1247" r:id="rId9"/>
   </p:sldIdLst>
   <p:sldSz cx="12190413" cy="6858000"/>
   <p:notesSz cx="6858000" cy="9144000"/>
@@ -114,45 +115,6 @@
     </a:lvl9pPr>
   </p:defaultTextStyle>
   <p:extLst>
-    <p:ext uri="{521415D9-36F7-43E2-AB2F-B90AF26B5E84}">
-      <p14:sectionLst xmlns:p14="http://schemas.microsoft.com/office/powerpoint/2010/main">
-        <p14:section name="Introduction" id="{A3D14946-8297-4856-B082-4FEFA482017C}">
-          <p14:sldIdLst>
-            <p14:sldId id="1241"/>
-            <p14:sldId id="1243"/>
-            <p14:sldId id="1251"/>
-            <p14:sldId id="1244"/>
-            <p14:sldId id="1245"/>
-            <p14:sldId id="1246"/>
-            <p14:sldId id="1247"/>
-          </p14:sldIdLst>
-        </p14:section>
-        <p14:section name="Data Defination Language" id="{347E00EC-A70B-42D3-B55A-27753B89E162}">
-          <p14:sldIdLst/>
-        </p14:section>
-        <p14:section name="Data Manuplation Language" id="{DABA1552-33D0-4262-A930-69DA7CCB6843}">
-          <p14:sldIdLst/>
-        </p14:section>
-        <p14:section name="Theory Section" id="{34884AC8-2BB3-410A-B367-3356E05FE22B}">
-          <p14:sldIdLst/>
-        </p14:section>
-        <p14:section name="Normatization" id="{EF0E5AD4-5FD4-4F19-A19E-E102405AA098}">
-          <p14:sldIdLst/>
-        </p14:section>
-        <p14:section name="Stored Procedure and Function" id="{B62913B0-EC9F-4436-BEDC-4DCBF9A2B3AB}">
-          <p14:sldIdLst/>
-        </p14:section>
-        <p14:section name="Triggers" id="{43413A11-6D7B-4E6D-B88B-1C10283CD29F}">
-          <p14:sldIdLst/>
-        </p14:section>
-        <p14:section name="NoSQL" id="{043CF6B2-E975-4043-812B-33699AD3D23F}">
-          <p14:sldIdLst/>
-        </p14:section>
-        <p14:section name="Big Data" id="{714FF753-78D3-4CFC-AD17-400810612444}">
-          <p14:sldIdLst/>
-        </p14:section>
-      </p14:sectionLst>
-    </p:ext>
     <p:ext uri="{EFAFB233-063F-42B5-8137-9DF3F51BA10A}">
       <p15:sldGuideLst xmlns:p15="http://schemas.microsoft.com/office/powerpoint/2012/main">
         <p15:guide id="1" orient="horz" pos="2160">
@@ -3701,38 +3663,6 @@
       </p:sp>
       <p:sp>
         <p:nvSpPr>
-          <p:cNvPr id="9" name="Rectangle 8"/>
-          <p:cNvSpPr/>
-          <p:nvPr/>
-        </p:nvSpPr>
-        <p:spPr>
-          <a:xfrm>
-            <a:off x="11755679" y="0"/>
-            <a:ext cx="516488" cy="369332"/>
-          </a:xfrm>
-          <a:prstGeom prst="rect">
-            <a:avLst/>
-          </a:prstGeom>
-        </p:spPr>
-        <p:txBody>
-          <a:bodyPr wrap="none">
-            <a:spAutoFit/>
-          </a:bodyPr>
-          <a:lstStyle/>
-          <a:p>
-            <a:r>
-              <a:rPr lang="en-IN" dirty="0" smtClean="0">
-                <a:latin typeface="Segoe UI Light" panose="020B0502040204020203" pitchFamily="34" charset="0"/>
-                <a:cs typeface="Segoe UI Light" panose="020B0502040204020203" pitchFamily="34" charset="0"/>
-              </a:rPr>
-              <a:t>(10)</a:t>
-            </a:r>
-            <a:endParaRPr lang="en-US" dirty="0"/>
-          </a:p>
-        </p:txBody>
-      </p:sp>
-      <p:sp>
-        <p:nvSpPr>
           <p:cNvPr id="10" name="Title 1"/>
           <p:cNvSpPr txBox="1">
             <a:spLocks/>
@@ -3818,15 +3748,15 @@
             </a:r>
             <a:r>
               <a:rPr lang="en-US" b="1" dirty="0" smtClean="0"/>
-              <a:t>updating </a:t>
-            </a:r>
-            <a:r>
-              <a:rPr lang="en-US" dirty="0" smtClean="0"/>
-              <a:t>and </a:t>
+              <a:t>updating, deleting, </a:t>
+            </a:r>
+            <a:r>
+              <a:rPr lang="en-US" dirty="0"/>
+              <a:t>and</a:t>
             </a:r>
             <a:r>
               <a:rPr lang="en-US" b="1" dirty="0" smtClean="0"/>
-              <a:t>deleting </a:t>
+              <a:t> truncate </a:t>
             </a:r>
             <a:r>
               <a:rPr lang="en-US" dirty="0" smtClean="0"/>
@@ -4330,38 +4260,6 @@
           </a:p>
         </p:txBody>
       </p:sp>
-      <p:sp>
-        <p:nvSpPr>
-          <p:cNvPr id="36" name="Rectangle 35"/>
-          <p:cNvSpPr/>
-          <p:nvPr/>
-        </p:nvSpPr>
-        <p:spPr>
-          <a:xfrm>
-            <a:off x="11755679" y="0"/>
-            <a:ext cx="516488" cy="369332"/>
-          </a:xfrm>
-          <a:prstGeom prst="rect">
-            <a:avLst/>
-          </a:prstGeom>
-        </p:spPr>
-        <p:txBody>
-          <a:bodyPr wrap="none">
-            <a:spAutoFit/>
-          </a:bodyPr>
-          <a:lstStyle/>
-          <a:p>
-            <a:r>
-              <a:rPr lang="en-IN" dirty="0" smtClean="0">
-                <a:latin typeface="Segoe UI Light" panose="020B0502040204020203" pitchFamily="34" charset="0"/>
-                <a:cs typeface="Segoe UI Light" panose="020B0502040204020203" pitchFamily="34" charset="0"/>
-              </a:rPr>
-              <a:t>(10)</a:t>
-            </a:r>
-            <a:endParaRPr lang="en-US" dirty="0"/>
-          </a:p>
-        </p:txBody>
-      </p:sp>
     </p:spTree>
     <p:extLst>
       <p:ext uri="{BB962C8B-B14F-4D97-AF65-F5344CB8AC3E}">
@@ -4661,38 +4559,6 @@
       </p:sp>
       <p:sp>
         <p:nvSpPr>
-          <p:cNvPr id="36" name="Rectangle 35"/>
-          <p:cNvSpPr/>
-          <p:nvPr/>
-        </p:nvSpPr>
-        <p:spPr>
-          <a:xfrm>
-            <a:off x="11755679" y="0"/>
-            <a:ext cx="516488" cy="369332"/>
-          </a:xfrm>
-          <a:prstGeom prst="rect">
-            <a:avLst/>
-          </a:prstGeom>
-        </p:spPr>
-        <p:txBody>
-          <a:bodyPr wrap="none">
-            <a:spAutoFit/>
-          </a:bodyPr>
-          <a:lstStyle/>
-          <a:p>
-            <a:r>
-              <a:rPr lang="en-IN" dirty="0" smtClean="0">
-                <a:latin typeface="Segoe UI Light" panose="020B0502040204020203" pitchFamily="34" charset="0"/>
-                <a:cs typeface="Segoe UI Light" panose="020B0502040204020203" pitchFamily="34" charset="0"/>
-              </a:rPr>
-              <a:t>(10)</a:t>
-            </a:r>
-            <a:endParaRPr lang="en-US" dirty="0"/>
-          </a:p>
-        </p:txBody>
-      </p:sp>
-      <p:sp>
-        <p:nvSpPr>
           <p:cNvPr id="8" name="Rectangle 7"/>
           <p:cNvSpPr/>
           <p:nvPr/>
@@ -4760,21 +4626,7 @@
                 <a:latin typeface="Calibri (Body)"/>
                 <a:cs typeface="Arial" pitchFamily="34" charset="0"/>
               </a:rPr>
-              <a:t>INSERT INTO student_address VALUES </a:t>
-            </a:r>
-            <a:r>
-              <a:rPr lang="en-US" dirty="0" smtClean="0">
-                <a:latin typeface="Calibri (Body)"/>
-                <a:cs typeface="Arial" pitchFamily="34" charset="0"/>
-              </a:rPr>
-              <a:t>(104</a:t>
-            </a:r>
-            <a:r>
-              <a:rPr lang="en-US" dirty="0" smtClean="0">
-                <a:latin typeface="Calibri (Body)"/>
-                <a:cs typeface="Arial" pitchFamily="34" charset="0"/>
-              </a:rPr>
-              <a:t>, 'station road', 'baroda');</a:t>
+              <a:t>INSERT INTO student_address VALUES (104, 'station road', 'baroda');</a:t>
             </a:r>
           </a:p>
           <a:p>
@@ -4849,48 +4701,20 @@
                 <a:latin typeface="Calibri (Body)"/>
                 <a:cs typeface="Arial" pitchFamily="34" charset="0"/>
               </a:rPr>
-              <a:t>INSERT INTO student_hobbies VALUES </a:t>
-            </a:r>
+              <a:t>INSERT INTO student_hobbies VALUES (105, 3, 'watching movies');</a:t>
+            </a:r>
+          </a:p>
+          <a:p>
+            <a:pPr marL="342900" indent="-342900">
+              <a:buFont typeface="Arial" pitchFamily="34" charset="0"/>
+              <a:buChar char="•"/>
+            </a:pPr>
             <a:r>
               <a:rPr lang="en-US" dirty="0" smtClean="0">
                 <a:latin typeface="Calibri (Body)"/>
                 <a:cs typeface="Arial" pitchFamily="34" charset="0"/>
               </a:rPr>
-              <a:t>(105</a:t>
-            </a:r>
-            <a:r>
-              <a:rPr lang="en-US" dirty="0" smtClean="0">
-                <a:latin typeface="Calibri (Body)"/>
-                <a:cs typeface="Arial" pitchFamily="34" charset="0"/>
-              </a:rPr>
-              <a:t>, 3, 'watching movies');</a:t>
-            </a:r>
-          </a:p>
-          <a:p>
-            <a:pPr marL="342900" indent="-342900">
-              <a:buFont typeface="Arial" pitchFamily="34" charset="0"/>
-              <a:buChar char="•"/>
-            </a:pPr>
-            <a:r>
-              <a:rPr lang="en-US" dirty="0" smtClean="0">
-                <a:latin typeface="Calibri (Body)"/>
-                <a:cs typeface="Arial" pitchFamily="34" charset="0"/>
-              </a:rPr>
-              <a:t>INSERT INTO student_hobbies VALUES </a:t>
-            </a:r>
-            <a:r>
-              <a:rPr lang="en-US" dirty="0" smtClean="0">
-                <a:latin typeface="Calibri (Body)"/>
-                <a:cs typeface="Arial" pitchFamily="34" charset="0"/>
-              </a:rPr>
-              <a:t>(104, </a:t>
-            </a:r>
-            <a:r>
-              <a:rPr lang="en-US" dirty="0" smtClean="0">
-                <a:latin typeface="Calibri (Body)"/>
-                <a:cs typeface="Arial" pitchFamily="34" charset="0"/>
-              </a:rPr>
-              <a:t>4, 'gaming');</a:t>
+              <a:t>INSERT INTO student_hobbies VALUES (104, 4, 'gaming');</a:t>
             </a:r>
           </a:p>
         </p:txBody>
@@ -5234,38 +5058,6 @@
               </a:rPr>
               <a:t>SELECT * FROM student;</a:t>
             </a:r>
-          </a:p>
-        </p:txBody>
-      </p:sp>
-      <p:sp>
-        <p:nvSpPr>
-          <p:cNvPr id="14" name="Rectangle 13"/>
-          <p:cNvSpPr/>
-          <p:nvPr/>
-        </p:nvSpPr>
-        <p:spPr>
-          <a:xfrm>
-            <a:off x="11755679" y="0"/>
-            <a:ext cx="516488" cy="369332"/>
-          </a:xfrm>
-          <a:prstGeom prst="rect">
-            <a:avLst/>
-          </a:prstGeom>
-        </p:spPr>
-        <p:txBody>
-          <a:bodyPr wrap="none">
-            <a:spAutoFit/>
-          </a:bodyPr>
-          <a:lstStyle/>
-          <a:p>
-            <a:r>
-              <a:rPr lang="en-IN" dirty="0" smtClean="0">
-                <a:latin typeface="Segoe UI Light" panose="020B0502040204020203" pitchFamily="34" charset="0"/>
-                <a:cs typeface="Segoe UI Light" panose="020B0502040204020203" pitchFamily="34" charset="0"/>
-              </a:rPr>
-              <a:t>(10)</a:t>
-            </a:r>
-            <a:endParaRPr lang="en-US" dirty="0"/>
           </a:p>
         </p:txBody>
       </p:sp>
@@ -5655,38 +5447,6 @@
       </p:sp>
       <p:sp>
         <p:nvSpPr>
-          <p:cNvPr id="14" name="Rectangle 13"/>
-          <p:cNvSpPr/>
-          <p:nvPr/>
-        </p:nvSpPr>
-        <p:spPr>
-          <a:xfrm>
-            <a:off x="11755679" y="0"/>
-            <a:ext cx="516488" cy="369332"/>
-          </a:xfrm>
-          <a:prstGeom prst="rect">
-            <a:avLst/>
-          </a:prstGeom>
-        </p:spPr>
-        <p:txBody>
-          <a:bodyPr wrap="none">
-            <a:spAutoFit/>
-          </a:bodyPr>
-          <a:lstStyle/>
-          <a:p>
-            <a:r>
-              <a:rPr lang="en-IN" dirty="0" smtClean="0">
-                <a:latin typeface="Segoe UI Light" panose="020B0502040204020203" pitchFamily="34" charset="0"/>
-                <a:cs typeface="Segoe UI Light" panose="020B0502040204020203" pitchFamily="34" charset="0"/>
-              </a:rPr>
-              <a:t>(10)</a:t>
-            </a:r>
-            <a:endParaRPr lang="en-US" dirty="0"/>
-          </a:p>
-        </p:txBody>
-      </p:sp>
-      <p:sp>
-        <p:nvSpPr>
           <p:cNvPr id="12" name="Rectangle 11"/>
           <p:cNvSpPr/>
           <p:nvPr/>
@@ -5754,7 +5514,7 @@
         </p:nvSpPr>
         <p:spPr>
           <a:xfrm>
-            <a:off x="694606" y="1907540"/>
+            <a:off x="478582" y="3142709"/>
             <a:ext cx="11377264" cy="646331"/>
           </a:xfrm>
           <a:prstGeom prst="rect">
@@ -5776,14 +5536,7 @@
                 <a:latin typeface="Calibri (Body)"/>
                 <a:cs typeface="Arial" pitchFamily="34" charset="0"/>
               </a:rPr>
-              <a:t>UPDATE student SET </a:t>
-            </a:r>
-            <a:r>
-              <a:rPr lang="en-US" dirty="0" smtClean="0">
-                <a:latin typeface="Calibri (Body)"/>
-                <a:cs typeface="Arial" pitchFamily="34" charset="0"/>
-              </a:rPr>
-              <a:t>email =NULL;</a:t>
+              <a:t>UPDATE student SET email =NULL;</a:t>
             </a:r>
             <a:endParaRPr lang="en-US" dirty="0">
               <a:latin typeface="Calibri (Body)"/>
@@ -5837,10 +5590,47 @@
               </a:rPr>
               <a:t> where ID  = 1;</a:t>
             </a:r>
-            <a:endParaRPr lang="en-US" dirty="0" smtClean="0">
-              <a:latin typeface="Calibri (Body)"/>
-              <a:cs typeface="Arial" pitchFamily="34" charset="0"/>
-            </a:endParaRPr>
+          </a:p>
+        </p:txBody>
+      </p:sp>
+      <p:sp>
+        <p:nvSpPr>
+          <p:cNvPr id="11" name="Rectangle 10"/>
+          <p:cNvSpPr/>
+          <p:nvPr/>
+        </p:nvSpPr>
+        <p:spPr>
+          <a:xfrm>
+            <a:off x="374868" y="1778886"/>
+            <a:ext cx="6092825" cy="923330"/>
+          </a:xfrm>
+          <a:prstGeom prst="rect">
+            <a:avLst/>
+          </a:prstGeom>
+        </p:spPr>
+        <p:txBody>
+          <a:bodyPr>
+            <a:spAutoFit/>
+          </a:bodyPr>
+          <a:lstStyle/>
+          <a:p>
+            <a:r>
+              <a:rPr lang="en-US" dirty="0"/>
+              <a:t>UPDATE table_name</a:t>
+            </a:r>
+          </a:p>
+          <a:p>
+            <a:r>
+              <a:rPr lang="en-US" dirty="0"/>
+              <a:t>SET column1 = value1, column2 = value2...., columnN = valueN</a:t>
+            </a:r>
+          </a:p>
+          <a:p>
+            <a:r>
+              <a:rPr lang="en-US" dirty="0"/>
+              <a:t>WHERE [condition];</a:t>
+            </a:r>
+            <a:endParaRPr lang="en-IN" dirty="0"/>
           </a:p>
         </p:txBody>
       </p:sp>
@@ -6161,38 +5951,6 @@
       </p:sp>
       <p:sp>
         <p:nvSpPr>
-          <p:cNvPr id="14" name="Rectangle 13"/>
-          <p:cNvSpPr/>
-          <p:nvPr/>
-        </p:nvSpPr>
-        <p:spPr>
-          <a:xfrm>
-            <a:off x="11755679" y="0"/>
-            <a:ext cx="516488" cy="369332"/>
-          </a:xfrm>
-          <a:prstGeom prst="rect">
-            <a:avLst/>
-          </a:prstGeom>
-        </p:spPr>
-        <p:txBody>
-          <a:bodyPr wrap="none">
-            <a:spAutoFit/>
-          </a:bodyPr>
-          <a:lstStyle/>
-          <a:p>
-            <a:r>
-              <a:rPr lang="en-IN" dirty="0" smtClean="0">
-                <a:latin typeface="Segoe UI Light" panose="020B0502040204020203" pitchFamily="34" charset="0"/>
-                <a:cs typeface="Segoe UI Light" panose="020B0502040204020203" pitchFamily="34" charset="0"/>
-              </a:rPr>
-              <a:t>(10)</a:t>
-            </a:r>
-            <a:endParaRPr lang="en-US" dirty="0"/>
-          </a:p>
-        </p:txBody>
-      </p:sp>
-      <p:sp>
-        <p:nvSpPr>
           <p:cNvPr id="12" name="Rectangle 11"/>
           <p:cNvSpPr/>
           <p:nvPr/>
@@ -6236,7 +5994,7 @@
         </p:nvSpPr>
         <p:spPr>
           <a:xfrm>
-            <a:off x="694606" y="1907540"/>
+            <a:off x="348406" y="2426026"/>
             <a:ext cx="11377264" cy="646331"/>
           </a:xfrm>
           <a:prstGeom prst="rect">
@@ -6258,14 +6016,7 @@
                 <a:latin typeface="Calibri (Body)"/>
                 <a:cs typeface="Arial" pitchFamily="34" charset="0"/>
               </a:rPr>
-              <a:t>DELETE FROM student</a:t>
-            </a:r>
-            <a:r>
-              <a:rPr lang="en-US" dirty="0" smtClean="0">
-                <a:latin typeface="Calibri (Body)"/>
-                <a:cs typeface="Arial" pitchFamily="34" charset="0"/>
-              </a:rPr>
-              <a:t>;</a:t>
+              <a:t>DELETE FROM student;</a:t>
             </a:r>
           </a:p>
           <a:p>
@@ -6291,6 +6042,42 @@
               <a:latin typeface="Calibri (Body)"/>
               <a:cs typeface="Arial" pitchFamily="34" charset="0"/>
             </a:endParaRPr>
+          </a:p>
+        </p:txBody>
+      </p:sp>
+      <p:sp>
+        <p:nvSpPr>
+          <p:cNvPr id="2" name="Rectangle 1"/>
+          <p:cNvSpPr/>
+          <p:nvPr/>
+        </p:nvSpPr>
+        <p:spPr>
+          <a:xfrm>
+            <a:off x="374868" y="1778886"/>
+            <a:ext cx="6092825" cy="369332"/>
+          </a:xfrm>
+          <a:prstGeom prst="rect">
+            <a:avLst/>
+          </a:prstGeom>
+        </p:spPr>
+        <p:txBody>
+          <a:bodyPr>
+            <a:spAutoFit/>
+          </a:bodyPr>
+          <a:lstStyle/>
+          <a:p>
+            <a:r>
+              <a:rPr lang="en-IN" dirty="0"/>
+              <a:t>DELETE FROM </a:t>
+            </a:r>
+            <a:r>
+              <a:rPr lang="en-IN" dirty="0" smtClean="0"/>
+              <a:t>table_name WHERE </a:t>
+            </a:r>
+            <a:r>
+              <a:rPr lang="en-IN" dirty="0"/>
+              <a:t>[condition];</a:t>
+            </a:r>
           </a:p>
         </p:txBody>
       </p:sp>
@@ -6603,7 +6390,7 @@
             </a:pPr>
             <a:r>
               <a:rPr lang="en-US" sz="3600" dirty="0" smtClean="0"/>
-              <a:t>Referential integrity</a:t>
+              <a:t>TRUNCATE</a:t>
             </a:r>
             <a:endParaRPr lang="en-US" sz="3600" dirty="0"/>
           </a:p>
@@ -6611,14 +6398,96 @@
       </p:sp>
       <p:sp>
         <p:nvSpPr>
-          <p:cNvPr id="14" name="Rectangle 13"/>
+          <p:cNvPr id="12" name="Rectangle 11"/>
           <p:cNvSpPr/>
           <p:nvPr/>
         </p:nvSpPr>
         <p:spPr>
           <a:xfrm>
-            <a:off x="11755679" y="0"/>
-            <a:ext cx="516488" cy="369332"/>
+            <a:off x="358716" y="899428"/>
+            <a:ext cx="9984962" cy="369332"/>
+          </a:xfrm>
+          <a:prstGeom prst="rect">
+            <a:avLst/>
+          </a:prstGeom>
+        </p:spPr>
+        <p:txBody>
+          <a:bodyPr wrap="square">
+            <a:spAutoFit/>
+          </a:bodyPr>
+          <a:lstStyle/>
+          <a:p>
+            <a:r>
+              <a:rPr lang="en-US" dirty="0"/>
+              <a:t>The TRUNCATE TABLE command deletes the data inside a table, but not the table itself.</a:t>
+            </a:r>
+            <a:endParaRPr lang="en-US" dirty="0"/>
+          </a:p>
+        </p:txBody>
+      </p:sp>
+      <p:sp>
+        <p:nvSpPr>
+          <p:cNvPr id="15" name="Rectangle 14"/>
+          <p:cNvSpPr/>
+          <p:nvPr/>
+        </p:nvSpPr>
+        <p:spPr>
+          <a:xfrm>
+            <a:off x="440456" y="2394370"/>
+            <a:ext cx="11377264" cy="369332"/>
+          </a:xfrm>
+          <a:prstGeom prst="rect">
+            <a:avLst/>
+          </a:prstGeom>
+        </p:spPr>
+        <p:txBody>
+          <a:bodyPr wrap="square">
+            <a:spAutoFit/>
+          </a:bodyPr>
+          <a:lstStyle/>
+          <a:p>
+            <a:pPr marL="342900" indent="-342900">
+              <a:buFont typeface="Arial" pitchFamily="34" charset="0"/>
+              <a:buChar char="•"/>
+            </a:pPr>
+            <a:r>
+              <a:rPr lang="en-US" dirty="0">
+                <a:latin typeface="Calibri (Body)"/>
+                <a:cs typeface="Arial" pitchFamily="34" charset="0"/>
+              </a:rPr>
+              <a:t>TRUNCATE </a:t>
+            </a:r>
+            <a:r>
+              <a:rPr lang="en-US" dirty="0" smtClean="0">
+                <a:latin typeface="Calibri (Body)"/>
+                <a:cs typeface="Arial" pitchFamily="34" charset="0"/>
+              </a:rPr>
+              <a:t>TABLE student</a:t>
+            </a:r>
+            <a:r>
+              <a:rPr lang="en-US" dirty="0" smtClean="0">
+                <a:latin typeface="Calibri (Body)"/>
+                <a:cs typeface="Arial" pitchFamily="34" charset="0"/>
+              </a:rPr>
+              <a:t>;</a:t>
+            </a:r>
+            <a:endParaRPr lang="en-US" dirty="0" smtClean="0">
+              <a:latin typeface="Calibri (Body)"/>
+              <a:cs typeface="Arial" pitchFamily="34" charset="0"/>
+            </a:endParaRPr>
+          </a:p>
+        </p:txBody>
+      </p:sp>
+      <p:sp>
+        <p:nvSpPr>
+          <p:cNvPr id="4" name="Rectangle 3"/>
+          <p:cNvSpPr/>
+          <p:nvPr/>
+        </p:nvSpPr>
+        <p:spPr>
+          <a:xfrm>
+            <a:off x="440456" y="1739232"/>
+            <a:ext cx="3087320" cy="369332"/>
           </a:xfrm>
           <a:prstGeom prst="rect">
             <a:avLst/>
@@ -6631,13 +6500,324 @@
           <a:lstStyle/>
           <a:p>
             <a:r>
-              <a:rPr lang="en-IN" dirty="0" smtClean="0">
-                <a:latin typeface="Segoe UI Light" panose="020B0502040204020203" pitchFamily="34" charset="0"/>
-                <a:cs typeface="Segoe UI Light" panose="020B0502040204020203" pitchFamily="34" charset="0"/>
-              </a:rPr>
-              <a:t>(10)</a:t>
-            </a:r>
+              <a:rPr lang="en-IN" dirty="0"/>
+              <a:t>TRUNCATE TABLE  table_name;</a:t>
+            </a:r>
+          </a:p>
+        </p:txBody>
+      </p:sp>
+    </p:spTree>
+    <p:extLst>
+      <p:ext uri="{BB962C8B-B14F-4D97-AF65-F5344CB8AC3E}">
+        <p14:creationId xmlns:p14="http://schemas.microsoft.com/office/powerpoint/2010/main" val="1375583115"/>
+      </p:ext>
+    </p:extLst>
+  </p:cSld>
+  <p:clrMapOvr>
+    <a:masterClrMapping/>
+  </p:clrMapOvr>
+  <p:transition spd="slow"/>
+  <p:timing>
+    <p:tnLst>
+      <p:par>
+        <p:cTn id="1" dur="indefinite" restart="never" nodeType="tmRoot"/>
+      </p:par>
+    </p:tnLst>
+  </p:timing>
+</p:sld>
+</file>
+
+<file path=ppt/slides/slide8.xml><?xml version="1.0" encoding="utf-8"?>
+<p:sld xmlns:a="http://schemas.openxmlformats.org/drawingml/2006/main" xmlns:r="http://schemas.openxmlformats.org/officeDocument/2006/relationships" xmlns:p="http://schemas.openxmlformats.org/presentationml/2006/main">
+  <p:cSld>
+    <p:spTree>
+      <p:nvGrpSpPr>
+        <p:cNvPr id="1" name=""/>
+        <p:cNvGrpSpPr/>
+        <p:nvPr/>
+      </p:nvGrpSpPr>
+      <p:grpSpPr>
+        <a:xfrm>
+          <a:off x="0" y="0"/>
+          <a:ext cx="0" cy="0"/>
+          <a:chOff x="0" y="0"/>
+          <a:chExt cx="0" cy="0"/>
+        </a:xfrm>
+      </p:grpSpPr>
+      <p:sp>
+        <p:nvSpPr>
+          <p:cNvPr id="58370" name="AutoShape 2" descr="One-to-one entity relationship diagram"/>
+          <p:cNvSpPr>
+            <a:spLocks noChangeAspect="1" noChangeArrowheads="1"/>
+          </p:cNvSpPr>
+          <p:nvPr/>
+        </p:nvSpPr>
+        <p:spPr bwMode="auto">
+          <a:xfrm>
+            <a:off x="1679356" y="-144463"/>
+            <a:ext cx="304760" cy="304801"/>
+          </a:xfrm>
+          <a:prstGeom prst="rect">
+            <a:avLst/>
+          </a:prstGeom>
+          <a:noFill/>
+        </p:spPr>
+        <p:txBody>
+          <a:bodyPr vert="horz" wrap="square" lIns="91440" tIns="45720" rIns="91440" bIns="45720" numCol="1" anchor="t" anchorCtr="0" compatLnSpc="1">
+            <a:prstTxWarp prst="textNoShape">
+              <a:avLst/>
+            </a:prstTxWarp>
+          </a:bodyPr>
+          <a:lstStyle/>
+          <a:p>
+            <a:endParaRPr lang="en-US" dirty="0">
+              <a:latin typeface="Arial" pitchFamily="34" charset="0"/>
+              <a:cs typeface="Arial" pitchFamily="34" charset="0"/>
+            </a:endParaRPr>
+          </a:p>
+        </p:txBody>
+      </p:sp>
+      <p:sp>
+        <p:nvSpPr>
+          <p:cNvPr id="58372" name="AutoShape 4" descr="One-to-one entity relationship diagram"/>
+          <p:cNvSpPr>
+            <a:spLocks noChangeAspect="1" noChangeArrowheads="1"/>
+          </p:cNvSpPr>
+          <p:nvPr/>
+        </p:nvSpPr>
+        <p:spPr bwMode="auto">
+          <a:xfrm>
+            <a:off x="1679356" y="-144463"/>
+            <a:ext cx="304760" cy="304801"/>
+          </a:xfrm>
+          <a:prstGeom prst="rect">
+            <a:avLst/>
+          </a:prstGeom>
+          <a:noFill/>
+        </p:spPr>
+        <p:txBody>
+          <a:bodyPr vert="horz" wrap="square" lIns="91440" tIns="45720" rIns="91440" bIns="45720" numCol="1" anchor="t" anchorCtr="0" compatLnSpc="1">
+            <a:prstTxWarp prst="textNoShape">
+              <a:avLst/>
+            </a:prstTxWarp>
+          </a:bodyPr>
+          <a:lstStyle/>
+          <a:p>
+            <a:endParaRPr lang="en-US" dirty="0">
+              <a:latin typeface="Arial" pitchFamily="34" charset="0"/>
+              <a:cs typeface="Arial" pitchFamily="34" charset="0"/>
+            </a:endParaRPr>
+          </a:p>
+        </p:txBody>
+      </p:sp>
+      <p:pic>
+        <p:nvPicPr>
+          <p:cNvPr id="8" name="Picture 7">
+            <a:extLst>
+              <a:ext uri="{FF2B5EF4-FFF2-40B4-BE49-F238E27FC236}">
+                <a16:creationId xmlns:a16="http://schemas.microsoft.com/office/drawing/2014/main" id="{CA300AF8-3A8B-41EE-96B3-AEAC198AD8CA}"/>
+              </a:ext>
+            </a:extLst>
+          </p:cNvPr>
+          <p:cNvPicPr>
+            <a:picLocks noChangeAspect="1"/>
+          </p:cNvPicPr>
+          <p:nvPr/>
+        </p:nvPicPr>
+        <p:blipFill>
+          <a:blip r:embed="rId2" cstate="print">
+            <a:extLst>
+              <a:ext uri="{28A0092B-C50C-407E-A947-70E740481C1C}">
+                <a14:useLocalDpi xmlns:a14="http://schemas.microsoft.com/office/drawing/2010/main" val="0"/>
+              </a:ext>
+            </a:extLst>
+          </a:blip>
+          <a:stretch>
+            <a:fillRect/>
+          </a:stretch>
+        </p:blipFill>
+        <p:spPr>
+          <a:xfrm>
+            <a:off x="118542" y="116632"/>
+            <a:ext cx="1371859" cy="445150"/>
+          </a:xfrm>
+          <a:prstGeom prst="rect">
+            <a:avLst/>
+          </a:prstGeom>
+        </p:spPr>
+      </p:pic>
+      <p:sp>
+        <p:nvSpPr>
+          <p:cNvPr id="9" name="Footer Placeholder 2">
+            <a:extLst>
+              <a:ext uri="{FF2B5EF4-FFF2-40B4-BE49-F238E27FC236}">
+                <a16:creationId xmlns:a16="http://schemas.microsoft.com/office/drawing/2014/main" id="{49968677-CC8A-4C35-AABA-97CFF73A1AB5}"/>
+              </a:ext>
+            </a:extLst>
+          </p:cNvPr>
+          <p:cNvSpPr txBox="1">
+            <a:spLocks/>
+          </p:cNvSpPr>
+          <p:nvPr/>
+        </p:nvSpPr>
+        <p:spPr>
+          <a:xfrm>
+            <a:off x="3237431" y="6523037"/>
+            <a:ext cx="5400600" cy="365125"/>
+          </a:xfrm>
+          <a:prstGeom prst="rect">
+            <a:avLst/>
+          </a:prstGeom>
+        </p:spPr>
+        <p:txBody>
+          <a:bodyPr/>
+          <a:lstStyle>
+            <a:defPPr>
+              <a:defRPr lang="en-US"/>
+            </a:defPPr>
+            <a:lvl1pPr marL="0" algn="l" defTabSz="914400" rtl="0" eaLnBrk="1" latinLnBrk="0" hangingPunct="1">
+              <a:defRPr sz="1050" kern="1200">
+                <a:solidFill>
+                  <a:schemeClr val="tx1"/>
+                </a:solidFill>
+                <a:latin typeface="+mn-lt"/>
+                <a:ea typeface="+mn-ea"/>
+                <a:cs typeface="+mn-cs"/>
+              </a:defRPr>
+            </a:lvl1pPr>
+            <a:lvl2pPr marL="457200" algn="l" defTabSz="914400" rtl="0" eaLnBrk="1" latinLnBrk="0" hangingPunct="1">
+              <a:defRPr sz="1800" kern="1200">
+                <a:solidFill>
+                  <a:schemeClr val="tx1"/>
+                </a:solidFill>
+                <a:latin typeface="+mn-lt"/>
+                <a:ea typeface="+mn-ea"/>
+                <a:cs typeface="+mn-cs"/>
+              </a:defRPr>
+            </a:lvl2pPr>
+            <a:lvl3pPr marL="914400" algn="l" defTabSz="914400" rtl="0" eaLnBrk="1" latinLnBrk="0" hangingPunct="1">
+              <a:defRPr sz="1800" kern="1200">
+                <a:solidFill>
+                  <a:schemeClr val="tx1"/>
+                </a:solidFill>
+                <a:latin typeface="+mn-lt"/>
+                <a:ea typeface="+mn-ea"/>
+                <a:cs typeface="+mn-cs"/>
+              </a:defRPr>
+            </a:lvl3pPr>
+            <a:lvl4pPr marL="1371600" algn="l" defTabSz="914400" rtl="0" eaLnBrk="1" latinLnBrk="0" hangingPunct="1">
+              <a:defRPr sz="1800" kern="1200">
+                <a:solidFill>
+                  <a:schemeClr val="tx1"/>
+                </a:solidFill>
+                <a:latin typeface="+mn-lt"/>
+                <a:ea typeface="+mn-ea"/>
+                <a:cs typeface="+mn-cs"/>
+              </a:defRPr>
+            </a:lvl4pPr>
+            <a:lvl5pPr marL="1828800" algn="l" defTabSz="914400" rtl="0" eaLnBrk="1" latinLnBrk="0" hangingPunct="1">
+              <a:defRPr sz="1800" kern="1200">
+                <a:solidFill>
+                  <a:schemeClr val="tx1"/>
+                </a:solidFill>
+                <a:latin typeface="+mn-lt"/>
+                <a:ea typeface="+mn-ea"/>
+                <a:cs typeface="+mn-cs"/>
+              </a:defRPr>
+            </a:lvl5pPr>
+            <a:lvl6pPr marL="2286000" algn="l" defTabSz="914400" rtl="0" eaLnBrk="1" latinLnBrk="0" hangingPunct="1">
+              <a:defRPr sz="1800" kern="1200">
+                <a:solidFill>
+                  <a:schemeClr val="tx1"/>
+                </a:solidFill>
+                <a:latin typeface="+mn-lt"/>
+                <a:ea typeface="+mn-ea"/>
+                <a:cs typeface="+mn-cs"/>
+              </a:defRPr>
+            </a:lvl6pPr>
+            <a:lvl7pPr marL="2743200" algn="l" defTabSz="914400" rtl="0" eaLnBrk="1" latinLnBrk="0" hangingPunct="1">
+              <a:defRPr sz="1800" kern="1200">
+                <a:solidFill>
+                  <a:schemeClr val="tx1"/>
+                </a:solidFill>
+                <a:latin typeface="+mn-lt"/>
+                <a:ea typeface="+mn-ea"/>
+                <a:cs typeface="+mn-cs"/>
+              </a:defRPr>
+            </a:lvl7pPr>
+            <a:lvl8pPr marL="3200400" algn="l" defTabSz="914400" rtl="0" eaLnBrk="1" latinLnBrk="0" hangingPunct="1">
+              <a:defRPr sz="1800" kern="1200">
+                <a:solidFill>
+                  <a:schemeClr val="tx1"/>
+                </a:solidFill>
+                <a:latin typeface="+mn-lt"/>
+                <a:ea typeface="+mn-ea"/>
+                <a:cs typeface="+mn-cs"/>
+              </a:defRPr>
+            </a:lvl8pPr>
+            <a:lvl9pPr marL="3657600" algn="l" defTabSz="914400" rtl="0" eaLnBrk="1" latinLnBrk="0" hangingPunct="1">
+              <a:defRPr sz="1800" kern="1200">
+                <a:solidFill>
+                  <a:schemeClr val="tx1"/>
+                </a:solidFill>
+                <a:latin typeface="+mn-lt"/>
+                <a:ea typeface="+mn-ea"/>
+                <a:cs typeface="+mn-cs"/>
+              </a:defRPr>
+            </a:lvl9pPr>
+          </a:lstStyle>
+          <a:p>
+            <a:r>
+              <a:rPr lang="en-US" dirty="0"/>
+              <a:t>Infoway Technologies, 3rd  Floor Commerce Centre, Rambaug Colony, Paud Road Pune 411038</a:t>
+            </a:r>
+            <a:endParaRPr lang="en-IN" dirty="0"/>
+          </a:p>
+          <a:p>
             <a:endParaRPr lang="en-US" dirty="0"/>
+          </a:p>
+        </p:txBody>
+      </p:sp>
+      <p:sp>
+        <p:nvSpPr>
+          <p:cNvPr id="10" name="Rectangle 9">
+            <a:extLst>
+              <a:ext uri="{FF2B5EF4-FFF2-40B4-BE49-F238E27FC236}">
+                <a16:creationId xmlns:a16="http://schemas.microsoft.com/office/drawing/2014/main" id="{09A4DD51-F450-4FA7-BA18-C2A26D10D72C}"/>
+              </a:ext>
+            </a:extLst>
+          </p:cNvPr>
+          <p:cNvSpPr/>
+          <p:nvPr/>
+        </p:nvSpPr>
+        <p:spPr>
+          <a:xfrm>
+            <a:off x="1523802" y="2"/>
+            <a:ext cx="9142810" cy="837473"/>
+          </a:xfrm>
+          <a:prstGeom prst="rect">
+            <a:avLst/>
+          </a:prstGeom>
+          <a:solidFill>
+            <a:schemeClr val="bg1"/>
+          </a:solidFill>
+        </p:spPr>
+        <p:txBody>
+          <a:bodyPr wrap="square">
+            <a:spAutoFit/>
+          </a:bodyPr>
+          <a:lstStyle/>
+          <a:p>
+            <a:pPr algn="r" fontAlgn="base">
+              <a:lnSpc>
+                <a:spcPct val="150000"/>
+              </a:lnSpc>
+            </a:pPr>
+            <a:r>
+              <a:rPr lang="en-US" sz="3600" dirty="0" smtClean="0"/>
+              <a:t>Referential integrity</a:t>
+            </a:r>
+            <a:endParaRPr lang="en-US" sz="3600" dirty="0"/>
           </a:p>
         </p:txBody>
       </p:sp>

--- a/Video Ver1/Video PPT/11. Introduction to DML commands.pptx
+++ b/Video Ver1/Video PPT/11. Introduction to DML commands.pptx
@@ -10,12 +10,12 @@
   <p:sldIdLst>
     <p:sldId id="1241" r:id="rId2"/>
     <p:sldId id="1243" r:id="rId3"/>
-    <p:sldId id="1251" r:id="rId4"/>
-    <p:sldId id="1244" r:id="rId5"/>
-    <p:sldId id="1245" r:id="rId6"/>
-    <p:sldId id="1246" r:id="rId7"/>
-    <p:sldId id="1252" r:id="rId8"/>
-    <p:sldId id="1247" r:id="rId9"/>
+    <p:sldId id="1244" r:id="rId4"/>
+    <p:sldId id="1245" r:id="rId5"/>
+    <p:sldId id="1246" r:id="rId6"/>
+    <p:sldId id="1247" r:id="rId7"/>
+    <p:sldId id="1253" r:id="rId8"/>
+    <p:sldId id="1254" r:id="rId9"/>
   </p:sldIdLst>
   <p:sldSz cx="12190413" cy="6858000"/>
   <p:notesSz cx="6858000" cy="9144000"/>
@@ -228,7 +228,7 @@
             <a:fld id="{4DF51050-3720-483B-B552-57DC1341D582}" type="datetimeFigureOut">
               <a:rPr lang="en-US" smtClean="0"/>
               <a:pPr/>
-              <a:t>6/12/2020</a:t>
+              <a:t>6/15/2020</a:t>
             </a:fld>
             <a:endParaRPr lang="en-US"/>
           </a:p>
@@ -687,7 +687,7 @@
             <a:fld id="{EEE556E8-492E-4E8F-8E7F-7A7787724D01}" type="datetimeFigureOut">
               <a:rPr lang="en-US" smtClean="0"/>
               <a:pPr/>
-              <a:t>6/12/2020</a:t>
+              <a:t>6/15/2020</a:t>
             </a:fld>
             <a:endParaRPr lang="en-US"/>
           </a:p>
@@ -892,7 +892,7 @@
             <a:fld id="{EEE556E8-492E-4E8F-8E7F-7A7787724D01}" type="datetimeFigureOut">
               <a:rPr lang="en-US" smtClean="0"/>
               <a:pPr/>
-              <a:t>6/12/2020</a:t>
+              <a:t>6/15/2020</a:t>
             </a:fld>
             <a:endParaRPr lang="en-US"/>
           </a:p>
@@ -1097,7 +1097,7 @@
             <a:fld id="{EEE556E8-492E-4E8F-8E7F-7A7787724D01}" type="datetimeFigureOut">
               <a:rPr lang="en-US" smtClean="0"/>
               <a:pPr/>
-              <a:t>6/12/2020</a:t>
+              <a:t>6/15/2020</a:t>
             </a:fld>
             <a:endParaRPr lang="en-US"/>
           </a:p>
@@ -1302,7 +1302,7 @@
             <a:fld id="{EEE556E8-492E-4E8F-8E7F-7A7787724D01}" type="datetimeFigureOut">
               <a:rPr lang="en-US" smtClean="0"/>
               <a:pPr/>
-              <a:t>6/12/2020</a:t>
+              <a:t>6/15/2020</a:t>
             </a:fld>
             <a:endParaRPr lang="en-US"/>
           </a:p>
@@ -1574,7 +1574,7 @@
             <a:fld id="{EEE556E8-492E-4E8F-8E7F-7A7787724D01}" type="datetimeFigureOut">
               <a:rPr lang="en-US" smtClean="0"/>
               <a:pPr/>
-              <a:t>6/12/2020</a:t>
+              <a:t>6/15/2020</a:t>
             </a:fld>
             <a:endParaRPr lang="en-US"/>
           </a:p>
@@ -1894,7 +1894,7 @@
             <a:fld id="{EEE556E8-492E-4E8F-8E7F-7A7787724D01}" type="datetimeFigureOut">
               <a:rPr lang="en-US" smtClean="0"/>
               <a:pPr/>
-              <a:t>6/12/2020</a:t>
+              <a:t>6/15/2020</a:t>
             </a:fld>
             <a:endParaRPr lang="en-US"/>
           </a:p>
@@ -2354,7 +2354,7 @@
             <a:fld id="{EEE556E8-492E-4E8F-8E7F-7A7787724D01}" type="datetimeFigureOut">
               <a:rPr lang="en-US" smtClean="0"/>
               <a:pPr/>
-              <a:t>6/12/2020</a:t>
+              <a:t>6/15/2020</a:t>
             </a:fld>
             <a:endParaRPr lang="en-US"/>
           </a:p>
@@ -2500,7 +2500,7 @@
             <a:fld id="{EEE556E8-492E-4E8F-8E7F-7A7787724D01}" type="datetimeFigureOut">
               <a:rPr lang="en-US" smtClean="0"/>
               <a:pPr/>
-              <a:t>6/12/2020</a:t>
+              <a:t>6/15/2020</a:t>
             </a:fld>
             <a:endParaRPr lang="en-US"/>
           </a:p>
@@ -2830,7 +2830,7 @@
             <a:fld id="{EEE556E8-492E-4E8F-8E7F-7A7787724D01}" type="datetimeFigureOut">
               <a:rPr lang="en-US" smtClean="0"/>
               <a:pPr/>
-              <a:t>6/12/2020</a:t>
+              <a:t>6/15/2020</a:t>
             </a:fld>
             <a:endParaRPr lang="en-US"/>
           </a:p>
@@ -3112,7 +3112,7 @@
             <a:fld id="{EEE556E8-492E-4E8F-8E7F-7A7787724D01}" type="datetimeFigureOut">
               <a:rPr lang="en-US" smtClean="0"/>
               <a:pPr/>
-              <a:t>6/12/2020</a:t>
+              <a:t>6/15/2020</a:t>
             </a:fld>
             <a:endParaRPr lang="en-US"/>
           </a:p>
@@ -3723,44 +3723,70 @@
           <a:lstStyle/>
           <a:p>
             <a:r>
-              <a:rPr lang="en-US" b="1" dirty="0" smtClean="0"/>
+              <a:rPr lang="en-US" b="1" dirty="0" smtClean="0">
+                <a:latin typeface="Palatino Linotype" panose="02040502050505030304" pitchFamily="18" charset="0"/>
+              </a:rPr>
               <a:t>DML</a:t>
             </a:r>
             <a:r>
-              <a:rPr lang="en-US" dirty="0" smtClean="0"/>
+              <a:rPr lang="en-US" dirty="0" smtClean="0">
+                <a:latin typeface="Palatino Linotype" panose="02040502050505030304" pitchFamily="18" charset="0"/>
+              </a:rPr>
               <a:t> stands for Data Manipulation Language. It is a language used for </a:t>
             </a:r>
             <a:r>
-              <a:rPr lang="en-US" b="1" dirty="0" smtClean="0"/>
-              <a:t>selecting</a:t>
-            </a:r>
-            <a:r>
-              <a:rPr lang="en-US" dirty="0" smtClean="0"/>
+              <a:rPr lang="en-US" b="1" dirty="0">
+                <a:latin typeface="Palatino Linotype" panose="02040502050505030304" pitchFamily="18" charset="0"/>
+              </a:rPr>
+              <a:t>inserting </a:t>
+            </a:r>
+            <a:r>
+              <a:rPr lang="en-US" b="1" dirty="0" smtClean="0">
+                <a:latin typeface="Palatino Linotype" panose="02040502050505030304" pitchFamily="18" charset="0"/>
+              </a:rPr>
+              <a:t>, selecting</a:t>
+            </a:r>
+            <a:r>
+              <a:rPr lang="en-US" dirty="0" smtClean="0">
+                <a:latin typeface="Palatino Linotype" panose="02040502050505030304" pitchFamily="18" charset="0"/>
+              </a:rPr>
               <a:t>, </a:t>
             </a:r>
             <a:r>
-              <a:rPr lang="en-US" b="1" dirty="0" smtClean="0"/>
-              <a:t>inserting</a:t>
-            </a:r>
-            <a:r>
-              <a:rPr lang="en-US" dirty="0" smtClean="0"/>
-              <a:t>, </a:t>
-            </a:r>
-            <a:r>
-              <a:rPr lang="en-US" b="1" dirty="0" smtClean="0"/>
-              <a:t>updating, deleting, </a:t>
-            </a:r>
-            <a:r>
-              <a:rPr lang="en-US" dirty="0"/>
-              <a:t>and</a:t>
-            </a:r>
-            <a:r>
-              <a:rPr lang="en-US" b="1" dirty="0" smtClean="0"/>
-              <a:t> truncate </a:t>
-            </a:r>
-            <a:r>
-              <a:rPr lang="en-US" dirty="0" smtClean="0"/>
-              <a:t>data in a tables.</a:t>
+              <a:rPr lang="en-US" b="1" dirty="0" smtClean="0">
+                <a:latin typeface="Palatino Linotype" panose="02040502050505030304" pitchFamily="18" charset="0"/>
+              </a:rPr>
+              <a:t>updating, </a:t>
+            </a:r>
+            <a:r>
+              <a:rPr lang="en-US" dirty="0" smtClean="0">
+                <a:latin typeface="Palatino Linotype" panose="02040502050505030304" pitchFamily="18" charset="0"/>
+              </a:rPr>
+              <a:t>and </a:t>
+            </a:r>
+            <a:r>
+              <a:rPr lang="en-US" b="1" dirty="0" smtClean="0">
+                <a:latin typeface="Palatino Linotype" panose="02040502050505030304" pitchFamily="18" charset="0"/>
+              </a:rPr>
+              <a:t>deleting </a:t>
+            </a:r>
+            <a:r>
+              <a:rPr lang="en-US" dirty="0" smtClean="0">
+                <a:latin typeface="Palatino Linotype" panose="02040502050505030304" pitchFamily="18" charset="0"/>
+              </a:rPr>
+              <a:t>the</a:t>
+            </a:r>
+            <a:r>
+              <a:rPr lang="en-US" b="1" dirty="0" smtClean="0">
+                <a:latin typeface="Palatino Linotype" panose="02040502050505030304" pitchFamily="18" charset="0"/>
+              </a:rPr>
+              <a:t>  </a:t>
+            </a:r>
+            <a:r>
+              <a:rPr lang="en-US" dirty="0" smtClean="0">
+                <a:latin typeface="Palatino Linotype" panose="02040502050505030304" pitchFamily="18" charset="0"/>
+              </a:rPr>
+              <a:t>data from the tables.</a:t>
             </a:r>
             <a:endParaRPr lang="en-IN" dirty="0">
               <a:solidFill>
@@ -3770,6 +3796,85 @@
                 </a:schemeClr>
               </a:solidFill>
               <a:latin typeface="Palatino Linotype" panose="02040502050505030304" pitchFamily="18" charset="0"/>
+            </a:endParaRPr>
+          </a:p>
+        </p:txBody>
+      </p:sp>
+      <p:sp>
+        <p:nvSpPr>
+          <p:cNvPr id="6" name="Rectangle 5"/>
+          <p:cNvSpPr/>
+          <p:nvPr/>
+        </p:nvSpPr>
+        <p:spPr>
+          <a:xfrm>
+            <a:off x="406574" y="4437112"/>
+            <a:ext cx="3600400" cy="1200329"/>
+          </a:xfrm>
+          <a:prstGeom prst="rect">
+            <a:avLst/>
+          </a:prstGeom>
+        </p:spPr>
+        <p:txBody>
+          <a:bodyPr wrap="square">
+            <a:spAutoFit/>
+          </a:bodyPr>
+          <a:lstStyle/>
+          <a:p>
+            <a:pPr marL="342900" indent="-342900">
+              <a:buFont typeface="Arial" pitchFamily="34" charset="0"/>
+              <a:buChar char="•"/>
+            </a:pPr>
+            <a:r>
+              <a:rPr lang="en-US" dirty="0" smtClean="0">
+                <a:latin typeface="Palatino Linotype" pitchFamily="18" charset="0"/>
+              </a:rPr>
+              <a:t>INSEERT</a:t>
+            </a:r>
+            <a:endParaRPr lang="en-US" dirty="0" smtClean="0">
+              <a:latin typeface="Palatino Linotype" pitchFamily="18" charset="0"/>
+            </a:endParaRPr>
+          </a:p>
+          <a:p>
+            <a:pPr marL="342900" indent="-342900">
+              <a:buFont typeface="Arial" pitchFamily="34" charset="0"/>
+              <a:buChar char="•"/>
+            </a:pPr>
+            <a:r>
+              <a:rPr lang="en-US" dirty="0" smtClean="0">
+                <a:latin typeface="Palatino Linotype" pitchFamily="18" charset="0"/>
+              </a:rPr>
+              <a:t>SELECT</a:t>
+            </a:r>
+            <a:endParaRPr lang="en-US" dirty="0" smtClean="0">
+              <a:latin typeface="Palatino Linotype" pitchFamily="18" charset="0"/>
+            </a:endParaRPr>
+          </a:p>
+          <a:p>
+            <a:pPr marL="342900" indent="-342900">
+              <a:buFont typeface="Arial" pitchFamily="34" charset="0"/>
+              <a:buChar char="•"/>
+            </a:pPr>
+            <a:r>
+              <a:rPr lang="en-US" dirty="0" smtClean="0">
+                <a:latin typeface="Palatino Linotype" pitchFamily="18" charset="0"/>
+              </a:rPr>
+              <a:t>UPDATE</a:t>
+            </a:r>
+          </a:p>
+          <a:p>
+            <a:pPr marL="342900" indent="-342900">
+              <a:buFont typeface="Arial" pitchFamily="34" charset="0"/>
+              <a:buChar char="•"/>
+            </a:pPr>
+            <a:r>
+              <a:rPr lang="en-US" dirty="0" smtClean="0">
+                <a:latin typeface="Palatino Linotype" pitchFamily="18" charset="0"/>
+              </a:rPr>
+              <a:t>DELETE</a:t>
+            </a:r>
+            <a:endParaRPr lang="en-US" dirty="0">
+              <a:latin typeface="Palatino Linotype" pitchFamily="18" charset="0"/>
             </a:endParaRPr>
           </a:p>
         </p:txBody>
@@ -3787,9 +3892,80 @@
   <p:timing>
     <p:tnLst>
       <p:par>
-        <p:cTn id="1" dur="indefinite" restart="never" nodeType="tmRoot"/>
+        <p:cTn id="1" dur="indefinite" restart="never" nodeType="tmRoot">
+          <p:childTnLst>
+            <p:seq concurrent="1" nextAc="seek">
+              <p:cTn id="2" dur="indefinite" nodeType="mainSeq">
+                <p:childTnLst>
+                  <p:par>
+                    <p:cTn id="3" fill="hold">
+                      <p:stCondLst>
+                        <p:cond delay="indefinite"/>
+                      </p:stCondLst>
+                      <p:childTnLst>
+                        <p:par>
+                          <p:cTn id="4" fill="hold">
+                            <p:stCondLst>
+                              <p:cond delay="0"/>
+                            </p:stCondLst>
+                            <p:childTnLst>
+                              <p:par>
+                                <p:cTn id="5" presetID="1" presetClass="entr" presetSubtype="0" fill="hold" grpId="0" nodeType="clickEffect">
+                                  <p:stCondLst>
+                                    <p:cond delay="0"/>
+                                  </p:stCondLst>
+                                  <p:childTnLst>
+                                    <p:set>
+                                      <p:cBhvr>
+                                        <p:cTn id="6" dur="1" fill="hold">
+                                          <p:stCondLst>
+                                            <p:cond delay="0"/>
+                                          </p:stCondLst>
+                                        </p:cTn>
+                                        <p:tgtEl>
+                                          <p:spTgt spid="6"/>
+                                        </p:tgtEl>
+                                        <p:attrNameLst>
+                                          <p:attrName>style.visibility</p:attrName>
+                                        </p:attrNameLst>
+                                      </p:cBhvr>
+                                      <p:to>
+                                        <p:strVal val="visible"/>
+                                      </p:to>
+                                    </p:set>
+                                  </p:childTnLst>
+                                </p:cTn>
+                              </p:par>
+                            </p:childTnLst>
+                          </p:cTn>
+                        </p:par>
+                      </p:childTnLst>
+                    </p:cTn>
+                  </p:par>
+                </p:childTnLst>
+              </p:cTn>
+              <p:prevCondLst>
+                <p:cond evt="onPrev" delay="0">
+                  <p:tgtEl>
+                    <p:sldTgt/>
+                  </p:tgtEl>
+                </p:cond>
+              </p:prevCondLst>
+              <p:nextCondLst>
+                <p:cond evt="onNext" delay="0">
+                  <p:tgtEl>
+                    <p:sldTgt/>
+                  </p:tgtEl>
+                </p:cond>
+              </p:nextCondLst>
+            </p:seq>
+          </p:childTnLst>
+        </p:cTn>
       </p:par>
     </p:tnLst>
+    <p:bldLst>
+      <p:bldP spid="6" grpId="0"/>
+    </p:bldLst>
   </p:timing>
 </p:sld>
 </file>
@@ -3833,31 +4009,45 @@
           <a:lstStyle/>
           <a:p>
             <a:r>
-              <a:rPr lang="en-US" dirty="0" smtClean="0"/>
+              <a:rPr lang="en-US" dirty="0" smtClean="0">
+                <a:latin typeface="Palatino Linotype" panose="02040502050505030304" pitchFamily="18" charset="0"/>
+              </a:rPr>
               <a:t>The </a:t>
             </a:r>
             <a:r>
-              <a:rPr lang="en-US" b="1" dirty="0" smtClean="0"/>
+              <a:rPr lang="en-US" b="1" dirty="0" smtClean="0">
+                <a:latin typeface="Palatino Linotype" panose="02040502050505030304" pitchFamily="18" charset="0"/>
+              </a:rPr>
               <a:t>INSERT</a:t>
             </a:r>
             <a:r>
-              <a:rPr lang="en-US" dirty="0" smtClean="0"/>
+              <a:rPr lang="en-US" dirty="0" smtClean="0">
+                <a:latin typeface="Palatino Linotype" panose="02040502050505030304" pitchFamily="18" charset="0"/>
+              </a:rPr>
               <a:t> </a:t>
             </a:r>
             <a:r>
-              <a:rPr lang="en-US" b="1" dirty="0" smtClean="0"/>
+              <a:rPr lang="en-US" b="1" dirty="0" smtClean="0">
+                <a:latin typeface="Palatino Linotype" panose="02040502050505030304" pitchFamily="18" charset="0"/>
+              </a:rPr>
               <a:t>INTO</a:t>
             </a:r>
             <a:r>
-              <a:rPr lang="en-US" dirty="0" smtClean="0"/>
+              <a:rPr lang="en-US" dirty="0" smtClean="0">
+                <a:latin typeface="Palatino Linotype" panose="02040502050505030304" pitchFamily="18" charset="0"/>
+              </a:rPr>
               <a:t> s</a:t>
             </a:r>
             <a:r>
-              <a:rPr lang="en-US" b="1" dirty="0" smtClean="0"/>
+              <a:rPr lang="en-US" b="1" dirty="0" smtClean="0">
+                <a:latin typeface="Palatino Linotype" panose="02040502050505030304" pitchFamily="18" charset="0"/>
+              </a:rPr>
               <a:t>tatement</a:t>
             </a:r>
             <a:r>
-              <a:rPr lang="en-US" dirty="0" smtClean="0"/>
+              <a:rPr lang="en-US" dirty="0" smtClean="0">
+                <a:latin typeface="Palatino Linotype" panose="02040502050505030304" pitchFamily="18" charset="0"/>
+              </a:rPr>
               <a:t> is used to add new rows of data to a table in the database.</a:t>
             </a:r>
             <a:endParaRPr lang="en-IN" dirty="0">
@@ -4086,8 +4276,8 @@
         </p:nvSpPr>
         <p:spPr>
           <a:xfrm>
-            <a:off x="190550" y="1556792"/>
-            <a:ext cx="11809312" cy="4093428"/>
+            <a:off x="190550" y="2908682"/>
+            <a:ext cx="11809312" cy="1600438"/>
           </a:xfrm>
           <a:prstGeom prst="rect">
             <a:avLst/>
@@ -4105,10 +4295,59 @@
             </a:pPr>
             <a:r>
               <a:rPr lang="en-US" dirty="0" smtClean="0">
-                <a:latin typeface="Calibri (Body)"/>
+                <a:latin typeface="Palatino Linotype" panose="02040502050505030304" pitchFamily="18" charset="0"/>
                 <a:cs typeface="Arial" pitchFamily="34" charset="0"/>
               </a:rPr>
-              <a:t>INSERT INTO student VALUES (1, 'ramesh', 'patel', '1999-10-17', 'ramesh.patel@gmail.com');</a:t>
+              <a:t>INSERT INTO student VALUES (5</a:t>
+            </a:r>
+            <a:r>
+              <a:rPr lang="en-US" dirty="0">
+                <a:latin typeface="Palatino Linotype" panose="02040502050505030304" pitchFamily="18" charset="0"/>
+                <a:cs typeface="Arial" pitchFamily="34" charset="0"/>
+              </a:rPr>
+              <a:t>, '</a:t>
+            </a:r>
+            <a:r>
+              <a:rPr lang="en-US" dirty="0" err="1">
+                <a:latin typeface="Palatino Linotype" panose="02040502050505030304" pitchFamily="18" charset="0"/>
+                <a:cs typeface="Arial" pitchFamily="34" charset="0"/>
+              </a:rPr>
+              <a:t>sohan</a:t>
+            </a:r>
+            <a:r>
+              <a:rPr lang="en-US" dirty="0">
+                <a:latin typeface="Palatino Linotype" panose="02040502050505030304" pitchFamily="18" charset="0"/>
+                <a:cs typeface="Arial" pitchFamily="34" charset="0"/>
+              </a:rPr>
+              <a:t>', '</a:t>
+            </a:r>
+            <a:r>
+              <a:rPr lang="en-US" dirty="0" err="1">
+                <a:latin typeface="Palatino Linotype" panose="02040502050505030304" pitchFamily="18" charset="0"/>
+                <a:cs typeface="Arial" pitchFamily="34" charset="0"/>
+              </a:rPr>
+              <a:t>kumar</a:t>
+            </a:r>
+            <a:r>
+              <a:rPr lang="en-US" dirty="0" smtClean="0">
+                <a:latin typeface="Palatino Linotype" panose="02040502050505030304" pitchFamily="18" charset="0"/>
+                <a:cs typeface="Arial" pitchFamily="34" charset="0"/>
+              </a:rPr>
+              <a:t>', '1999-09-19', </a:t>
+            </a:r>
+            <a:r>
+              <a:rPr lang="en-US" dirty="0">
+                <a:latin typeface="Palatino Linotype" panose="02040502050505030304" pitchFamily="18" charset="0"/>
+                <a:cs typeface="Arial" pitchFamily="34" charset="0"/>
+              </a:rPr>
+              <a:t>'sohankumar@gmail.com</a:t>
+            </a:r>
+            <a:r>
+              <a:rPr lang="en-US" dirty="0" smtClean="0">
+                <a:latin typeface="Palatino Linotype" panose="02040502050505030304" pitchFamily="18" charset="0"/>
+                <a:cs typeface="Arial" pitchFamily="34" charset="0"/>
+              </a:rPr>
+              <a:t>');</a:t>
             </a:r>
           </a:p>
           <a:p>
@@ -4116,13 +4355,10 @@
               <a:buFont typeface="Arial" pitchFamily="34" charset="0"/>
               <a:buChar char="•"/>
             </a:pPr>
-            <a:r>
-              <a:rPr lang="en-US" dirty="0" smtClean="0">
-                <a:latin typeface="Calibri (Body)"/>
-                <a:cs typeface="Arial" pitchFamily="34" charset="0"/>
-              </a:rPr>
-              <a:t>INSERT INTO student VALUES (2, 'rajesh', 'mehta', '2000-12-20', 'rajesh.mehta@gmail.com');</a:t>
-            </a:r>
+            <a:endParaRPr lang="en-US" dirty="0">
+              <a:latin typeface="Palatino Linotype" panose="02040502050505030304" pitchFamily="18" charset="0"/>
+              <a:cs typeface="Arial" pitchFamily="34" charset="0"/>
+            </a:endParaRPr>
           </a:p>
           <a:p>
             <a:pPr marL="342900" indent="-342900">
@@ -4130,11 +4366,25 @@
               <a:buChar char="•"/>
             </a:pPr>
             <a:r>
+              <a:rPr lang="en-US" dirty="0">
+                <a:latin typeface="Palatino Linotype" panose="02040502050505030304" pitchFamily="18" charset="0"/>
+                <a:cs typeface="Arial" pitchFamily="34" charset="0"/>
+              </a:rPr>
+              <a:t>INSERT INTO student_address VALUES </a:t>
+            </a:r>
+            <a:r>
               <a:rPr lang="en-US" dirty="0" smtClean="0">
-                <a:latin typeface="Calibri (Body)"/>
+                <a:latin typeface="Palatino Linotype" panose="02040502050505030304" pitchFamily="18" charset="0"/>
                 <a:cs typeface="Arial" pitchFamily="34" charset="0"/>
               </a:rPr>
-              <a:t>INSERT INTO student VALUES (3, 'vipul', 'shah', '2001-07-19', 'shahvipul@yahoomail.com');</a:t>
+              <a:t>(5, </a:t>
+            </a:r>
+            <a:r>
+              <a:rPr lang="en-US" dirty="0">
+                <a:latin typeface="Palatino Linotype" panose="02040502050505030304" pitchFamily="18" charset="0"/>
+                <a:cs typeface="Arial" pitchFamily="34" charset="0"/>
+              </a:rPr>
+              <a:t>'station road', 'baroda');</a:t>
             </a:r>
           </a:p>
           <a:p>
@@ -4142,110 +4392,50 @@
               <a:buFont typeface="Arial" pitchFamily="34" charset="0"/>
               <a:buChar char="•"/>
             </a:pPr>
-            <a:r>
-              <a:rPr lang="en-US" dirty="0" smtClean="0">
-                <a:latin typeface="Calibri (Body)"/>
-                <a:cs typeface="Arial" pitchFamily="34" charset="0"/>
-              </a:rPr>
-              <a:t>INSERT INTO student VALUES (4, 'kamlesh', 'kaka', '2002-11-26', 'kamlesh.kaka@gmail.com');</a:t>
-            </a:r>
+            <a:endParaRPr lang="en-US" dirty="0">
+              <a:latin typeface="Palatino Linotype" panose="02040502050505030304" pitchFamily="18" charset="0"/>
+              <a:cs typeface="Arial" pitchFamily="34" charset="0"/>
+            </a:endParaRPr>
           </a:p>
           <a:p>
             <a:pPr marL="342900" indent="-342900">
               <a:buFont typeface="Arial" pitchFamily="34" charset="0"/>
               <a:buChar char="•"/>
             </a:pPr>
-            <a:endParaRPr lang="en-US" dirty="0" smtClean="0">
-              <a:latin typeface="Calibri (Body)"/>
-              <a:cs typeface="Arial" pitchFamily="34" charset="0"/>
-            </a:endParaRPr>
-          </a:p>
-          <a:p>
-            <a:pPr marL="342900" indent="-342900">
-              <a:buFont typeface="Arial" pitchFamily="34" charset="0"/>
-              <a:buChar char="•"/>
-            </a:pPr>
             <a:r>
               <a:rPr lang="en-US" dirty="0" smtClean="0">
-                <a:latin typeface="Calibri (Body)"/>
+                <a:latin typeface="Palatino Linotype" panose="02040502050505030304" pitchFamily="18" charset="0"/>
                 <a:cs typeface="Arial" pitchFamily="34" charset="0"/>
               </a:rPr>
-              <a:t>INSERT INTO student VALUES (default, 'ramlal', 'kumar', '2000-11-07', 'ramlal447@gmail.com');</a:t>
-            </a:r>
-          </a:p>
-          <a:p>
-            <a:pPr marL="342900" indent="-342900">
-              <a:buFont typeface="Arial" pitchFamily="34" charset="0"/>
-              <a:buChar char="•"/>
-            </a:pPr>
+              <a:t>INSERT </a:t>
+            </a:r>
+            <a:r>
+              <a:rPr lang="en-US" dirty="0">
+                <a:latin typeface="Palatino Linotype" panose="02040502050505030304" pitchFamily="18" charset="0"/>
+                <a:cs typeface="Arial" pitchFamily="34" charset="0"/>
+              </a:rPr>
+              <a:t>INTO student_hobbies VALUES </a:t>
+            </a:r>
             <a:r>
               <a:rPr lang="en-US" dirty="0" smtClean="0">
-                <a:latin typeface="Calibri (Body)"/>
+                <a:latin typeface="Palatino Linotype" panose="02040502050505030304" pitchFamily="18" charset="0"/>
                 <a:cs typeface="Arial" pitchFamily="34" charset="0"/>
               </a:rPr>
-              <a:t>INSERT INTO student VALUES (default, 'raj', 'sharma', '2001-12-20', 'raj1999@gmail.com');</a:t>
-            </a:r>
-          </a:p>
-          <a:p>
-            <a:pPr marL="342900" indent="-342900">
-              <a:buFont typeface="Arial" pitchFamily="34" charset="0"/>
-              <a:buChar char="•"/>
-            </a:pPr>
+              <a:t>(7, </a:t>
+            </a:r>
+            <a:r>
+              <a:rPr lang="en-US" dirty="0">
+                <a:latin typeface="Palatino Linotype" panose="02040502050505030304" pitchFamily="18" charset="0"/>
+                <a:cs typeface="Arial" pitchFamily="34" charset="0"/>
+              </a:rPr>
+              <a:t>1, '</a:t>
+            </a:r>
             <a:r>
               <a:rPr lang="en-US" dirty="0" smtClean="0">
-                <a:latin typeface="Calibri (Body)"/>
+                <a:latin typeface="Palatino Linotype" panose="02040502050505030304" pitchFamily="18" charset="0"/>
                 <a:cs typeface="Arial" pitchFamily="34" charset="0"/>
               </a:rPr>
-              <a:t>INSERT INTO student VALUES (default, 'bimal', 'verma', '1998-07-19', 'bimal1984@yahoomail.com');</a:t>
-            </a:r>
-          </a:p>
-          <a:p>
-            <a:pPr marL="342900" indent="-342900">
-              <a:buFont typeface="Arial" pitchFamily="34" charset="0"/>
-              <a:buChar char="•"/>
-            </a:pPr>
-            <a:r>
-              <a:rPr lang="en-US" dirty="0" smtClean="0">
-                <a:latin typeface="Calibri (Body)"/>
-                <a:cs typeface="Arial" pitchFamily="34" charset="0"/>
-              </a:rPr>
-              <a:t>INSERT INTO student VALUES (default, 'kamlesh', 'kumar', '1999-11-26', 'kamlesh1623@gmail.com');</a:t>
-            </a:r>
-          </a:p>
-          <a:p>
-            <a:pPr marL="342900" indent="-342900">
-              <a:buFont typeface="Arial" pitchFamily="34" charset="0"/>
-              <a:buChar char="•"/>
-            </a:pPr>
-            <a:endParaRPr lang="en-US" dirty="0" smtClean="0">
-              <a:latin typeface="Calibri (Body)"/>
-              <a:cs typeface="Arial" pitchFamily="34" charset="0"/>
-            </a:endParaRPr>
-          </a:p>
-          <a:p>
-            <a:pPr marL="342900" indent="-342900">
-              <a:buFont typeface="Arial" pitchFamily="34" charset="0"/>
-              <a:buChar char="•"/>
-            </a:pPr>
-            <a:r>
-              <a:rPr lang="en-US" dirty="0" smtClean="0">
-                <a:latin typeface="Calibri (Body)"/>
-                <a:cs typeface="Arial" pitchFamily="34" charset="0"/>
-              </a:rPr>
-              <a:t>INSERT INTO student (ID, firstName, lastName, DoB, emailID) VALUES (9, 'rajesh', 'mehta', '2000-12-20', 'rajesh.mehta@gmail.com');</a:t>
-            </a:r>
-          </a:p>
-          <a:p>
-            <a:pPr marL="342900" indent="-342900">
-              <a:buFont typeface="Arial" pitchFamily="34" charset="0"/>
-              <a:buChar char="•"/>
-            </a:pPr>
-            <a:r>
-              <a:rPr lang="en-US" dirty="0" smtClean="0">
-                <a:latin typeface="Calibri (Body)"/>
-                <a:cs typeface="Arial" pitchFamily="34" charset="0"/>
-              </a:rPr>
-              <a:t>INSERT INTO student (firstName, lastName, DoB, emailID) VALUES ('raj', 'sharma', '2001-12-20', 'raj1999@gmail.com');</a:t>
+              <a:t>football');</a:t>
             </a:r>
           </a:p>
           <a:p>
@@ -4254,8 +4444,76 @@
               <a:buChar char="•"/>
             </a:pPr>
             <a:endParaRPr lang="en-US" sz="800" dirty="0" smtClean="0">
-              <a:latin typeface="Calibri (Body)"/>
+              <a:latin typeface="Palatino Linotype" panose="02040502050505030304" pitchFamily="18" charset="0"/>
               <a:cs typeface="Arial" pitchFamily="34" charset="0"/>
+            </a:endParaRPr>
+          </a:p>
+        </p:txBody>
+      </p:sp>
+      <p:sp>
+        <p:nvSpPr>
+          <p:cNvPr id="2" name="Rectangle 1"/>
+          <p:cNvSpPr/>
+          <p:nvPr/>
+        </p:nvSpPr>
+        <p:spPr>
+          <a:xfrm>
+            <a:off x="358716" y="1554067"/>
+            <a:ext cx="8616810" cy="646331"/>
+          </a:xfrm>
+          <a:prstGeom prst="rect">
+            <a:avLst/>
+          </a:prstGeom>
+        </p:spPr>
+        <p:txBody>
+          <a:bodyPr wrap="square">
+            <a:spAutoFit/>
+          </a:bodyPr>
+          <a:lstStyle/>
+          <a:p>
+            <a:r>
+              <a:rPr lang="en-US" dirty="0">
+                <a:latin typeface="Palatino Linotype" panose="02040502050505030304" pitchFamily="18" charset="0"/>
+              </a:rPr>
+              <a:t>INSERT INTO table_name </a:t>
+            </a:r>
+            <a:r>
+              <a:rPr lang="en-US" dirty="0" smtClean="0">
+                <a:latin typeface="Palatino Linotype" panose="02040502050505030304" pitchFamily="18" charset="0"/>
+              </a:rPr>
+              <a:t>[(</a:t>
+            </a:r>
+            <a:r>
+              <a:rPr lang="en-US" dirty="0">
+                <a:latin typeface="Palatino Linotype" panose="02040502050505030304" pitchFamily="18" charset="0"/>
+              </a:rPr>
+              <a:t>column1, column2, column3, </a:t>
+            </a:r>
+            <a:r>
+              <a:rPr lang="en-US" dirty="0" smtClean="0">
+                <a:latin typeface="Palatino Linotype" panose="02040502050505030304" pitchFamily="18" charset="0"/>
+              </a:rPr>
+              <a:t>...)]</a:t>
+            </a:r>
+            <a:r>
+              <a:rPr lang="en-US" dirty="0">
+                <a:latin typeface="Palatino Linotype" panose="02040502050505030304" pitchFamily="18" charset="0"/>
+              </a:rPr>
+              <a:t/>
+            </a:r>
+            <a:br>
+              <a:rPr lang="en-US" dirty="0">
+                <a:latin typeface="Palatino Linotype" panose="02040502050505030304" pitchFamily="18" charset="0"/>
+              </a:rPr>
+            </a:br>
+            <a:r>
+              <a:rPr lang="en-US" dirty="0">
+                <a:latin typeface="Palatino Linotype" panose="02040502050505030304" pitchFamily="18" charset="0"/>
+              </a:rPr>
+              <a:t>VALUES (value1, value2, value3, ...);</a:t>
+            </a:r>
+            <a:endParaRPr lang="en-IN" dirty="0">
+              <a:latin typeface="Palatino Linotype" panose="02040502050505030304" pitchFamily="18" charset="0"/>
             </a:endParaRPr>
           </a:p>
         </p:txBody>
@@ -4270,469 +4528,17 @@
   <p:clrMapOvr>
     <a:masterClrMapping/>
   </p:clrMapOvr>
+  <p:timing>
+    <p:tnLst>
+      <p:par>
+        <p:cTn id="1" dur="indefinite" restart="never" nodeType="tmRoot"/>
+      </p:par>
+    </p:tnLst>
+  </p:timing>
 </p:sld>
 </file>
 
 <file path=ppt/slides/slide3.xml><?xml version="1.0" encoding="utf-8"?>
-<p:sld xmlns:a="http://schemas.openxmlformats.org/drawingml/2006/main" xmlns:r="http://schemas.openxmlformats.org/officeDocument/2006/relationships" xmlns:p="http://schemas.openxmlformats.org/presentationml/2006/main">
-  <p:cSld>
-    <p:spTree>
-      <p:nvGrpSpPr>
-        <p:cNvPr id="1" name=""/>
-        <p:cNvGrpSpPr/>
-        <p:nvPr/>
-      </p:nvGrpSpPr>
-      <p:grpSpPr>
-        <a:xfrm>
-          <a:off x="0" y="0"/>
-          <a:ext cx="0" cy="0"/>
-          <a:chOff x="0" y="0"/>
-          <a:chExt cx="0" cy="0"/>
-        </a:xfrm>
-      </p:grpSpPr>
-      <p:sp>
-        <p:nvSpPr>
-          <p:cNvPr id="5" name="Rectangle 4"/>
-          <p:cNvSpPr/>
-          <p:nvPr/>
-        </p:nvSpPr>
-        <p:spPr>
-          <a:xfrm>
-            <a:off x="358716" y="899428"/>
-            <a:ext cx="9281562" cy="369332"/>
-          </a:xfrm>
-          <a:prstGeom prst="rect">
-            <a:avLst/>
-          </a:prstGeom>
-        </p:spPr>
-        <p:txBody>
-          <a:bodyPr wrap="square">
-            <a:spAutoFit/>
-          </a:bodyPr>
-          <a:lstStyle/>
-          <a:p>
-            <a:r>
-              <a:rPr lang="en-US" dirty="0" smtClean="0"/>
-              <a:t>The </a:t>
-            </a:r>
-            <a:r>
-              <a:rPr lang="en-US" b="1" dirty="0" smtClean="0"/>
-              <a:t>INSERT</a:t>
-            </a:r>
-            <a:r>
-              <a:rPr lang="en-US" dirty="0" smtClean="0"/>
-              <a:t> </a:t>
-            </a:r>
-            <a:r>
-              <a:rPr lang="en-US" b="1" dirty="0" smtClean="0"/>
-              <a:t>INTO</a:t>
-            </a:r>
-            <a:r>
-              <a:rPr lang="en-US" dirty="0" smtClean="0"/>
-              <a:t> s</a:t>
-            </a:r>
-            <a:r>
-              <a:rPr lang="en-US" b="1" dirty="0" smtClean="0"/>
-              <a:t>tatement</a:t>
-            </a:r>
-            <a:r>
-              <a:rPr lang="en-US" dirty="0" smtClean="0"/>
-              <a:t> is used to add new rows of data to a table in the database.</a:t>
-            </a:r>
-            <a:endParaRPr lang="en-IN" dirty="0">
-              <a:latin typeface="Palatino Linotype" panose="02040502050505030304" pitchFamily="18" charset="0"/>
-              <a:cs typeface="Arial" panose="020B0604020202020204" pitchFamily="34" charset="0"/>
-            </a:endParaRPr>
-          </a:p>
-        </p:txBody>
-      </p:sp>
-      <p:pic>
-        <p:nvPicPr>
-          <p:cNvPr id="18" name="Picture 17">
-            <a:extLst>
-              <a:ext uri="{FF2B5EF4-FFF2-40B4-BE49-F238E27FC236}">
-                <a16:creationId xmlns:a16="http://schemas.microsoft.com/office/drawing/2014/main" id="{1BC29D4B-0260-49F9-9E5E-2135514E8A88}"/>
-              </a:ext>
-            </a:extLst>
-          </p:cNvPr>
-          <p:cNvPicPr>
-            <a:picLocks noChangeAspect="1"/>
-          </p:cNvPicPr>
-          <p:nvPr/>
-        </p:nvPicPr>
-        <p:blipFill>
-          <a:blip r:embed="rId2" cstate="print">
-            <a:extLst>
-              <a:ext uri="{28A0092B-C50C-407E-A947-70E740481C1C}">
-                <a14:useLocalDpi xmlns:a14="http://schemas.microsoft.com/office/drawing/2010/main" val="0"/>
-              </a:ext>
-            </a:extLst>
-          </a:blip>
-          <a:stretch>
-            <a:fillRect/>
-          </a:stretch>
-        </p:blipFill>
-        <p:spPr>
-          <a:xfrm>
-            <a:off x="118542" y="116632"/>
-            <a:ext cx="1371859" cy="445150"/>
-          </a:xfrm>
-          <a:prstGeom prst="rect">
-            <a:avLst/>
-          </a:prstGeom>
-        </p:spPr>
-      </p:pic>
-      <p:sp>
-        <p:nvSpPr>
-          <p:cNvPr id="19" name="Footer Placeholder 2">
-            <a:extLst>
-              <a:ext uri="{FF2B5EF4-FFF2-40B4-BE49-F238E27FC236}">
-                <a16:creationId xmlns:a16="http://schemas.microsoft.com/office/drawing/2014/main" id="{379BDE68-4144-4701-89F7-BDDAFF7975E1}"/>
-              </a:ext>
-            </a:extLst>
-          </p:cNvPr>
-          <p:cNvSpPr txBox="1">
-            <a:spLocks/>
-          </p:cNvSpPr>
-          <p:nvPr/>
-        </p:nvSpPr>
-        <p:spPr>
-          <a:xfrm>
-            <a:off x="3237431" y="6523037"/>
-            <a:ext cx="5400600" cy="365125"/>
-          </a:xfrm>
-          <a:prstGeom prst="rect">
-            <a:avLst/>
-          </a:prstGeom>
-        </p:spPr>
-        <p:txBody>
-          <a:bodyPr/>
-          <a:lstStyle>
-            <a:defPPr>
-              <a:defRPr lang="en-US"/>
-            </a:defPPr>
-            <a:lvl1pPr marL="0" algn="l" defTabSz="914400" rtl="0" eaLnBrk="1" latinLnBrk="0" hangingPunct="1">
-              <a:defRPr sz="1050" kern="1200">
-                <a:solidFill>
-                  <a:schemeClr val="tx1"/>
-                </a:solidFill>
-                <a:latin typeface="+mn-lt"/>
-                <a:ea typeface="+mn-ea"/>
-                <a:cs typeface="+mn-cs"/>
-              </a:defRPr>
-            </a:lvl1pPr>
-            <a:lvl2pPr marL="457200" algn="l" defTabSz="914400" rtl="0" eaLnBrk="1" latinLnBrk="0" hangingPunct="1">
-              <a:defRPr sz="1800" kern="1200">
-                <a:solidFill>
-                  <a:schemeClr val="tx1"/>
-                </a:solidFill>
-                <a:latin typeface="+mn-lt"/>
-                <a:ea typeface="+mn-ea"/>
-                <a:cs typeface="+mn-cs"/>
-              </a:defRPr>
-            </a:lvl2pPr>
-            <a:lvl3pPr marL="914400" algn="l" defTabSz="914400" rtl="0" eaLnBrk="1" latinLnBrk="0" hangingPunct="1">
-              <a:defRPr sz="1800" kern="1200">
-                <a:solidFill>
-                  <a:schemeClr val="tx1"/>
-                </a:solidFill>
-                <a:latin typeface="+mn-lt"/>
-                <a:ea typeface="+mn-ea"/>
-                <a:cs typeface="+mn-cs"/>
-              </a:defRPr>
-            </a:lvl3pPr>
-            <a:lvl4pPr marL="1371600" algn="l" defTabSz="914400" rtl="0" eaLnBrk="1" latinLnBrk="0" hangingPunct="1">
-              <a:defRPr sz="1800" kern="1200">
-                <a:solidFill>
-                  <a:schemeClr val="tx1"/>
-                </a:solidFill>
-                <a:latin typeface="+mn-lt"/>
-                <a:ea typeface="+mn-ea"/>
-                <a:cs typeface="+mn-cs"/>
-              </a:defRPr>
-            </a:lvl4pPr>
-            <a:lvl5pPr marL="1828800" algn="l" defTabSz="914400" rtl="0" eaLnBrk="1" latinLnBrk="0" hangingPunct="1">
-              <a:defRPr sz="1800" kern="1200">
-                <a:solidFill>
-                  <a:schemeClr val="tx1"/>
-                </a:solidFill>
-                <a:latin typeface="+mn-lt"/>
-                <a:ea typeface="+mn-ea"/>
-                <a:cs typeface="+mn-cs"/>
-              </a:defRPr>
-            </a:lvl5pPr>
-            <a:lvl6pPr marL="2286000" algn="l" defTabSz="914400" rtl="0" eaLnBrk="1" latinLnBrk="0" hangingPunct="1">
-              <a:defRPr sz="1800" kern="1200">
-                <a:solidFill>
-                  <a:schemeClr val="tx1"/>
-                </a:solidFill>
-                <a:latin typeface="+mn-lt"/>
-                <a:ea typeface="+mn-ea"/>
-                <a:cs typeface="+mn-cs"/>
-              </a:defRPr>
-            </a:lvl6pPr>
-            <a:lvl7pPr marL="2743200" algn="l" defTabSz="914400" rtl="0" eaLnBrk="1" latinLnBrk="0" hangingPunct="1">
-              <a:defRPr sz="1800" kern="1200">
-                <a:solidFill>
-                  <a:schemeClr val="tx1"/>
-                </a:solidFill>
-                <a:latin typeface="+mn-lt"/>
-                <a:ea typeface="+mn-ea"/>
-                <a:cs typeface="+mn-cs"/>
-              </a:defRPr>
-            </a:lvl7pPr>
-            <a:lvl8pPr marL="3200400" algn="l" defTabSz="914400" rtl="0" eaLnBrk="1" latinLnBrk="0" hangingPunct="1">
-              <a:defRPr sz="1800" kern="1200">
-                <a:solidFill>
-                  <a:schemeClr val="tx1"/>
-                </a:solidFill>
-                <a:latin typeface="+mn-lt"/>
-                <a:ea typeface="+mn-ea"/>
-                <a:cs typeface="+mn-cs"/>
-              </a:defRPr>
-            </a:lvl8pPr>
-            <a:lvl9pPr marL="3657600" algn="l" defTabSz="914400" rtl="0" eaLnBrk="1" latinLnBrk="0" hangingPunct="1">
-              <a:defRPr sz="1800" kern="1200">
-                <a:solidFill>
-                  <a:schemeClr val="tx1"/>
-                </a:solidFill>
-                <a:latin typeface="+mn-lt"/>
-                <a:ea typeface="+mn-ea"/>
-                <a:cs typeface="+mn-cs"/>
-              </a:defRPr>
-            </a:lvl9pPr>
-          </a:lstStyle>
-          <a:p>
-            <a:r>
-              <a:rPr lang="en-US" dirty="0"/>
-              <a:t>Infoway Technologies, 3rd  Floor Commerce Centre, Rambaug Colony, Paud Road Pune 411038</a:t>
-            </a:r>
-            <a:endParaRPr lang="en-IN" dirty="0"/>
-          </a:p>
-          <a:p>
-            <a:endParaRPr lang="en-US" dirty="0"/>
-          </a:p>
-        </p:txBody>
-      </p:sp>
-      <p:sp>
-        <p:nvSpPr>
-          <p:cNvPr id="21" name="Rectangle 20">
-            <a:extLst>
-              <a:ext uri="{FF2B5EF4-FFF2-40B4-BE49-F238E27FC236}">
-                <a16:creationId xmlns:a16="http://schemas.microsoft.com/office/drawing/2014/main" id="{09A4DD51-F450-4FA7-BA18-C2A26D10D72C}"/>
-              </a:ext>
-            </a:extLst>
-          </p:cNvPr>
-          <p:cNvSpPr/>
-          <p:nvPr/>
-        </p:nvSpPr>
-        <p:spPr>
-          <a:xfrm>
-            <a:off x="1523802" y="2"/>
-            <a:ext cx="9142810" cy="837473"/>
-          </a:xfrm>
-          <a:prstGeom prst="rect">
-            <a:avLst/>
-          </a:prstGeom>
-          <a:solidFill>
-            <a:schemeClr val="bg1"/>
-          </a:solidFill>
-        </p:spPr>
-        <p:txBody>
-          <a:bodyPr wrap="square">
-            <a:spAutoFit/>
-          </a:bodyPr>
-          <a:lstStyle/>
-          <a:p>
-            <a:pPr algn="r" fontAlgn="base">
-              <a:lnSpc>
-                <a:spcPct val="150000"/>
-              </a:lnSpc>
-            </a:pPr>
-            <a:r>
-              <a:rPr lang="en-US" sz="3600" dirty="0" smtClean="0"/>
-              <a:t>INSERT</a:t>
-            </a:r>
-            <a:endParaRPr lang="en-US" sz="3600" dirty="0"/>
-          </a:p>
-        </p:txBody>
-      </p:sp>
-      <p:sp>
-        <p:nvSpPr>
-          <p:cNvPr id="8" name="Rectangle 7"/>
-          <p:cNvSpPr/>
-          <p:nvPr/>
-        </p:nvSpPr>
-        <p:spPr>
-          <a:xfrm>
-            <a:off x="262558" y="1628800"/>
-            <a:ext cx="11305256" cy="3139321"/>
-          </a:xfrm>
-          <a:prstGeom prst="rect">
-            <a:avLst/>
-          </a:prstGeom>
-        </p:spPr>
-        <p:txBody>
-          <a:bodyPr wrap="square">
-            <a:spAutoFit/>
-          </a:bodyPr>
-          <a:lstStyle/>
-          <a:p>
-            <a:pPr marL="342900" indent="-342900">
-              <a:buFont typeface="Arial" pitchFamily="34" charset="0"/>
-              <a:buChar char="•"/>
-            </a:pPr>
-            <a:r>
-              <a:rPr lang="en-US" dirty="0" smtClean="0">
-                <a:latin typeface="Calibri (Body)"/>
-                <a:cs typeface="Arial" pitchFamily="34" charset="0"/>
-              </a:rPr>
-              <a:t>INSERT INTO student_address VALUES (1, 'paud road', 'pune');</a:t>
-            </a:r>
-          </a:p>
-          <a:p>
-            <a:pPr marL="342900" indent="-342900">
-              <a:buFont typeface="Arial" pitchFamily="34" charset="0"/>
-              <a:buChar char="•"/>
-            </a:pPr>
-            <a:r>
-              <a:rPr lang="en-US" dirty="0" smtClean="0">
-                <a:latin typeface="Calibri (Body)"/>
-                <a:cs typeface="Arial" pitchFamily="34" charset="0"/>
-              </a:rPr>
-              <a:t>INSERT INTO student_address VALUES (2, 'M.G. road', 'baroda');</a:t>
-            </a:r>
-          </a:p>
-          <a:p>
-            <a:pPr marL="342900" indent="-342900">
-              <a:buFont typeface="Arial" pitchFamily="34" charset="0"/>
-              <a:buChar char="•"/>
-            </a:pPr>
-            <a:r>
-              <a:rPr lang="en-US" dirty="0" smtClean="0">
-                <a:latin typeface="Calibri (Body)"/>
-                <a:cs typeface="Arial" pitchFamily="34" charset="0"/>
-              </a:rPr>
-              <a:t>INSERT INTO student_address VALUES (3, 'k.k road', 'surat');</a:t>
-            </a:r>
-          </a:p>
-          <a:p>
-            <a:pPr marL="342900" indent="-342900">
-              <a:buFont typeface="Arial" pitchFamily="34" charset="0"/>
-              <a:buChar char="•"/>
-            </a:pPr>
-            <a:r>
-              <a:rPr lang="en-US" dirty="0" smtClean="0">
-                <a:latin typeface="Calibri (Body)"/>
-                <a:cs typeface="Arial" pitchFamily="34" charset="0"/>
-              </a:rPr>
-              <a:t>INSERT INTO student_address VALUES (104, 'station road', 'baroda');</a:t>
-            </a:r>
-          </a:p>
-          <a:p>
-            <a:pPr marL="342900" indent="-342900">
-              <a:buFont typeface="Arial" pitchFamily="34" charset="0"/>
-              <a:buChar char="•"/>
-            </a:pPr>
-            <a:endParaRPr lang="en-US" dirty="0" smtClean="0">
-              <a:latin typeface="Calibri (Body)"/>
-              <a:cs typeface="Arial" pitchFamily="34" charset="0"/>
-            </a:endParaRPr>
-          </a:p>
-          <a:p>
-            <a:pPr marL="342900" indent="-342900">
-              <a:buFont typeface="Arial" pitchFamily="34" charset="0"/>
-              <a:buChar char="•"/>
-            </a:pPr>
-            <a:r>
-              <a:rPr lang="en-US" dirty="0" smtClean="0">
-                <a:latin typeface="Calibri (Body)"/>
-                <a:cs typeface="Arial" pitchFamily="34" charset="0"/>
-              </a:rPr>
-              <a:t>INSERT INTO student_hobbies VALUES (1, 1, 'running');</a:t>
-            </a:r>
-          </a:p>
-          <a:p>
-            <a:pPr marL="342900" indent="-342900">
-              <a:buFont typeface="Arial" pitchFamily="34" charset="0"/>
-              <a:buChar char="•"/>
-            </a:pPr>
-            <a:r>
-              <a:rPr lang="en-US" dirty="0" smtClean="0">
-                <a:latin typeface="Calibri (Body)"/>
-                <a:cs typeface="Arial" pitchFamily="34" charset="0"/>
-              </a:rPr>
-              <a:t>INSERT INTO student_hobbies VALUES (2, 1, 'reading');</a:t>
-            </a:r>
-          </a:p>
-          <a:p>
-            <a:pPr marL="342900" indent="-342900">
-              <a:buFont typeface="Arial" pitchFamily="34" charset="0"/>
-              <a:buChar char="•"/>
-            </a:pPr>
-            <a:r>
-              <a:rPr lang="en-US" dirty="0" smtClean="0">
-                <a:latin typeface="Calibri (Body)"/>
-                <a:cs typeface="Arial" pitchFamily="34" charset="0"/>
-              </a:rPr>
-              <a:t>INSERT INTO student_hobbies VALUES (3, 2, 'football');</a:t>
-            </a:r>
-          </a:p>
-          <a:p>
-            <a:pPr marL="342900" indent="-342900">
-              <a:buFont typeface="Arial" pitchFamily="34" charset="0"/>
-              <a:buChar char="•"/>
-            </a:pPr>
-            <a:r>
-              <a:rPr lang="en-US" dirty="0" smtClean="0">
-                <a:latin typeface="Calibri (Body)"/>
-                <a:cs typeface="Arial" pitchFamily="34" charset="0"/>
-              </a:rPr>
-              <a:t>INSERT INTO student_hobbies VALUES (4, 2, 'running');</a:t>
-            </a:r>
-          </a:p>
-          <a:p>
-            <a:pPr marL="342900" indent="-342900">
-              <a:buFont typeface="Arial" pitchFamily="34" charset="0"/>
-              <a:buChar char="•"/>
-            </a:pPr>
-            <a:r>
-              <a:rPr lang="en-US" dirty="0" smtClean="0">
-                <a:latin typeface="Calibri (Body)"/>
-                <a:cs typeface="Arial" pitchFamily="34" charset="0"/>
-              </a:rPr>
-              <a:t>INSERT INTO student_hobbies VALUES (105, 3, 'watching movies');</a:t>
-            </a:r>
-          </a:p>
-          <a:p>
-            <a:pPr marL="342900" indent="-342900">
-              <a:buFont typeface="Arial" pitchFamily="34" charset="0"/>
-              <a:buChar char="•"/>
-            </a:pPr>
-            <a:r>
-              <a:rPr lang="en-US" dirty="0" smtClean="0">
-                <a:latin typeface="Calibri (Body)"/>
-                <a:cs typeface="Arial" pitchFamily="34" charset="0"/>
-              </a:rPr>
-              <a:t>INSERT INTO student_hobbies VALUES (104, 4, 'gaming');</a:t>
-            </a:r>
-          </a:p>
-        </p:txBody>
-      </p:sp>
-    </p:spTree>
-    <p:extLst>
-      <p:ext uri="{BB962C8B-B14F-4D97-AF65-F5344CB8AC3E}">
-        <p14:creationId xmlns:p14="http://schemas.microsoft.com/office/powerpoint/2010/main" val="3166758523"/>
-      </p:ext>
-    </p:extLst>
-  </p:cSld>
-  <p:clrMapOvr>
-    <a:masterClrMapping/>
-  </p:clrMapOvr>
-</p:sld>
-</file>
-
-<file path=ppt/slides/slide4.xml><?xml version="1.0" encoding="utf-8"?>
 <p:sld xmlns:a="http://schemas.openxmlformats.org/drawingml/2006/main" xmlns:r="http://schemas.openxmlformats.org/officeDocument/2006/relationships" xmlns:p="http://schemas.openxmlformats.org/presentationml/2006/main">
   <p:cSld>
     <p:spTree>
@@ -5034,8 +4840,8 @@
         </p:nvSpPr>
         <p:spPr>
           <a:xfrm>
-            <a:off x="694606" y="1907540"/>
-            <a:ext cx="11377264" cy="369332"/>
+            <a:off x="406575" y="1612347"/>
+            <a:ext cx="11377264" cy="923330"/>
           </a:xfrm>
           <a:prstGeom prst="rect">
             <a:avLst/>
@@ -5053,11 +4859,62 @@
             </a:pPr>
             <a:r>
               <a:rPr lang="en-US" dirty="0" smtClean="0">
-                <a:latin typeface="Calibri (Body)"/>
+                <a:latin typeface="Palatino Linotype" panose="02040502050505030304" pitchFamily="18" charset="0"/>
                 <a:cs typeface="Arial" pitchFamily="34" charset="0"/>
               </a:rPr>
               <a:t>SELECT * FROM student;</a:t>
             </a:r>
+          </a:p>
+          <a:p>
+            <a:pPr marL="342900" indent="-342900">
+              <a:buFont typeface="Arial" pitchFamily="34" charset="0"/>
+              <a:buChar char="•"/>
+            </a:pPr>
+            <a:r>
+              <a:rPr lang="en-US" dirty="0">
+                <a:latin typeface="Palatino Linotype" panose="02040502050505030304" pitchFamily="18" charset="0"/>
+                <a:cs typeface="Arial" pitchFamily="34" charset="0"/>
+              </a:rPr>
+              <a:t>SELECT * </a:t>
+            </a:r>
+            <a:r>
+              <a:rPr lang="en-US" dirty="0" smtClean="0">
+                <a:latin typeface="Palatino Linotype" panose="02040502050505030304" pitchFamily="18" charset="0"/>
+                <a:cs typeface="Arial" pitchFamily="34" charset="0"/>
+              </a:rPr>
+              <a:t>FROM student_address;</a:t>
+            </a:r>
+          </a:p>
+          <a:p>
+            <a:pPr marL="342900" indent="-342900">
+              <a:buFont typeface="Arial" pitchFamily="34" charset="0"/>
+              <a:buChar char="•"/>
+            </a:pPr>
+            <a:r>
+              <a:rPr lang="en-US" dirty="0">
+                <a:latin typeface="Palatino Linotype" panose="02040502050505030304" pitchFamily="18" charset="0"/>
+                <a:cs typeface="Arial" pitchFamily="34" charset="0"/>
+              </a:rPr>
+              <a:t>SELECT * FROM </a:t>
+            </a:r>
+            <a:r>
+              <a:rPr lang="en-US" dirty="0" smtClean="0">
+                <a:latin typeface="Palatino Linotype" panose="02040502050505030304" pitchFamily="18" charset="0"/>
+                <a:cs typeface="Arial" pitchFamily="34" charset="0"/>
+              </a:rPr>
+              <a:t>student_hobbies</a:t>
+            </a:r>
+            <a:r>
+              <a:rPr lang="en-US" dirty="0">
+                <a:latin typeface="Palatino Linotype" panose="02040502050505030304" pitchFamily="18" charset="0"/>
+                <a:cs typeface="Arial" pitchFamily="34" charset="0"/>
+              </a:rPr>
+              <a:t>;</a:t>
+            </a:r>
+            <a:endParaRPr lang="en-US" dirty="0" smtClean="0">
+              <a:latin typeface="Palatino Linotype" panose="02040502050505030304" pitchFamily="18" charset="0"/>
+              <a:cs typeface="Arial" pitchFamily="34" charset="0"/>
+            </a:endParaRPr>
           </a:p>
         </p:txBody>
       </p:sp>
@@ -5078,7 +4935,7 @@
         </p:blipFill>
         <p:spPr bwMode="auto">
           <a:xfrm>
-            <a:off x="766614" y="2564904"/>
+            <a:off x="358716" y="3068960"/>
             <a:ext cx="7920880" cy="2670103"/>
           </a:xfrm>
           <a:prstGeom prst="rect">
@@ -5115,18 +4972,565 @@
           <a:lstStyle/>
           <a:p>
             <a:r>
-              <a:rPr lang="en-US" dirty="0" smtClean="0"/>
+              <a:rPr lang="en-US" dirty="0" smtClean="0">
+                <a:latin typeface="Palatino Linotype" panose="02040502050505030304" pitchFamily="18" charset="0"/>
+              </a:rPr>
               <a:t>The </a:t>
             </a:r>
             <a:r>
-              <a:rPr lang="en-US" b="1" dirty="0" smtClean="0"/>
+              <a:rPr lang="en-US" b="1" dirty="0" smtClean="0">
+                <a:latin typeface="Palatino Linotype" panose="02040502050505030304" pitchFamily="18" charset="0"/>
+              </a:rPr>
               <a:t>SELECT statement</a:t>
             </a:r>
             <a:r>
-              <a:rPr lang="en-US" dirty="0" smtClean="0"/>
+              <a:rPr lang="en-US" dirty="0" smtClean="0">
+                <a:latin typeface="Palatino Linotype" panose="02040502050505030304" pitchFamily="18" charset="0"/>
+              </a:rPr>
               <a:t> is used to fetch the data from a database table which returns this data in the form of a result table.</a:t>
             </a:r>
+            <a:endParaRPr lang="en-US" dirty="0">
+              <a:latin typeface="Palatino Linotype" panose="02040502050505030304" pitchFamily="18" charset="0"/>
+            </a:endParaRPr>
+          </a:p>
+        </p:txBody>
+      </p:sp>
+    </p:spTree>
+    <p:extLst>
+      <p:ext uri="{BB962C8B-B14F-4D97-AF65-F5344CB8AC3E}">
+        <p14:creationId xmlns:p14="http://schemas.microsoft.com/office/powerpoint/2010/main" val="2850906017"/>
+      </p:ext>
+    </p:extLst>
+  </p:cSld>
+  <p:clrMapOvr>
+    <a:masterClrMapping/>
+  </p:clrMapOvr>
+  <p:transition spd="slow"/>
+  <p:timing>
+    <p:tnLst>
+      <p:par>
+        <p:cTn id="1" dur="indefinite" restart="never" nodeType="tmRoot"/>
+      </p:par>
+    </p:tnLst>
+  </p:timing>
+</p:sld>
+</file>
+
+<file path=ppt/slides/slide4.xml><?xml version="1.0" encoding="utf-8"?>
+<p:sld xmlns:a="http://schemas.openxmlformats.org/drawingml/2006/main" xmlns:r="http://schemas.openxmlformats.org/officeDocument/2006/relationships" xmlns:p="http://schemas.openxmlformats.org/presentationml/2006/main">
+  <p:cSld>
+    <p:spTree>
+      <p:nvGrpSpPr>
+        <p:cNvPr id="1" name=""/>
+        <p:cNvGrpSpPr/>
+        <p:nvPr/>
+      </p:nvGrpSpPr>
+      <p:grpSpPr>
+        <a:xfrm>
+          <a:off x="0" y="0"/>
+          <a:ext cx="0" cy="0"/>
+          <a:chOff x="0" y="0"/>
+          <a:chExt cx="0" cy="0"/>
+        </a:xfrm>
+      </p:grpSpPr>
+      <p:sp>
+        <p:nvSpPr>
+          <p:cNvPr id="58370" name="AutoShape 2" descr="One-to-one entity relationship diagram"/>
+          <p:cNvSpPr>
+            <a:spLocks noChangeAspect="1" noChangeArrowheads="1"/>
+          </p:cNvSpPr>
+          <p:nvPr/>
+        </p:nvSpPr>
+        <p:spPr bwMode="auto">
+          <a:xfrm>
+            <a:off x="1679356" y="-144463"/>
+            <a:ext cx="304760" cy="304801"/>
+          </a:xfrm>
+          <a:prstGeom prst="rect">
+            <a:avLst/>
+          </a:prstGeom>
+          <a:noFill/>
+        </p:spPr>
+        <p:txBody>
+          <a:bodyPr vert="horz" wrap="square" lIns="91440" tIns="45720" rIns="91440" bIns="45720" numCol="1" anchor="t" anchorCtr="0" compatLnSpc="1">
+            <a:prstTxWarp prst="textNoShape">
+              <a:avLst/>
+            </a:prstTxWarp>
+          </a:bodyPr>
+          <a:lstStyle/>
+          <a:p>
+            <a:endParaRPr lang="en-US" dirty="0">
+              <a:latin typeface="Arial" pitchFamily="34" charset="0"/>
+              <a:cs typeface="Arial" pitchFamily="34" charset="0"/>
+            </a:endParaRPr>
+          </a:p>
+        </p:txBody>
+      </p:sp>
+      <p:sp>
+        <p:nvSpPr>
+          <p:cNvPr id="58372" name="AutoShape 4" descr="One-to-one entity relationship diagram"/>
+          <p:cNvSpPr>
+            <a:spLocks noChangeAspect="1" noChangeArrowheads="1"/>
+          </p:cNvSpPr>
+          <p:nvPr/>
+        </p:nvSpPr>
+        <p:spPr bwMode="auto">
+          <a:xfrm>
+            <a:off x="1679356" y="-144463"/>
+            <a:ext cx="304760" cy="304801"/>
+          </a:xfrm>
+          <a:prstGeom prst="rect">
+            <a:avLst/>
+          </a:prstGeom>
+          <a:noFill/>
+        </p:spPr>
+        <p:txBody>
+          <a:bodyPr vert="horz" wrap="square" lIns="91440" tIns="45720" rIns="91440" bIns="45720" numCol="1" anchor="t" anchorCtr="0" compatLnSpc="1">
+            <a:prstTxWarp prst="textNoShape">
+              <a:avLst/>
+            </a:prstTxWarp>
+          </a:bodyPr>
+          <a:lstStyle/>
+          <a:p>
+            <a:endParaRPr lang="en-US" dirty="0">
+              <a:latin typeface="Arial" pitchFamily="34" charset="0"/>
+              <a:cs typeface="Arial" pitchFamily="34" charset="0"/>
+            </a:endParaRPr>
+          </a:p>
+        </p:txBody>
+      </p:sp>
+      <p:pic>
+        <p:nvPicPr>
+          <p:cNvPr id="8" name="Picture 7">
+            <a:extLst>
+              <a:ext uri="{FF2B5EF4-FFF2-40B4-BE49-F238E27FC236}">
+                <a16:creationId xmlns:a16="http://schemas.microsoft.com/office/drawing/2014/main" id="{CA300AF8-3A8B-41EE-96B3-AEAC198AD8CA}"/>
+              </a:ext>
+            </a:extLst>
+          </p:cNvPr>
+          <p:cNvPicPr>
+            <a:picLocks noChangeAspect="1"/>
+          </p:cNvPicPr>
+          <p:nvPr/>
+        </p:nvPicPr>
+        <p:blipFill>
+          <a:blip r:embed="rId2" cstate="print">
+            <a:extLst>
+              <a:ext uri="{28A0092B-C50C-407E-A947-70E740481C1C}">
+                <a14:useLocalDpi xmlns:a14="http://schemas.microsoft.com/office/drawing/2010/main" val="0"/>
+              </a:ext>
+            </a:extLst>
+          </a:blip>
+          <a:stretch>
+            <a:fillRect/>
+          </a:stretch>
+        </p:blipFill>
+        <p:spPr>
+          <a:xfrm>
+            <a:off x="118542" y="116632"/>
+            <a:ext cx="1371859" cy="445150"/>
+          </a:xfrm>
+          <a:prstGeom prst="rect">
+            <a:avLst/>
+          </a:prstGeom>
+        </p:spPr>
+      </p:pic>
+      <p:sp>
+        <p:nvSpPr>
+          <p:cNvPr id="9" name="Footer Placeholder 2">
+            <a:extLst>
+              <a:ext uri="{FF2B5EF4-FFF2-40B4-BE49-F238E27FC236}">
+                <a16:creationId xmlns:a16="http://schemas.microsoft.com/office/drawing/2014/main" id="{49968677-CC8A-4C35-AABA-97CFF73A1AB5}"/>
+              </a:ext>
+            </a:extLst>
+          </p:cNvPr>
+          <p:cNvSpPr txBox="1">
+            <a:spLocks/>
+          </p:cNvSpPr>
+          <p:nvPr/>
+        </p:nvSpPr>
+        <p:spPr>
+          <a:xfrm>
+            <a:off x="3237431" y="6523037"/>
+            <a:ext cx="5400600" cy="365125"/>
+          </a:xfrm>
+          <a:prstGeom prst="rect">
+            <a:avLst/>
+          </a:prstGeom>
+        </p:spPr>
+        <p:txBody>
+          <a:bodyPr/>
+          <a:lstStyle>
+            <a:defPPr>
+              <a:defRPr lang="en-US"/>
+            </a:defPPr>
+            <a:lvl1pPr marL="0" algn="l" defTabSz="914400" rtl="0" eaLnBrk="1" latinLnBrk="0" hangingPunct="1">
+              <a:defRPr sz="1050" kern="1200">
+                <a:solidFill>
+                  <a:schemeClr val="tx1"/>
+                </a:solidFill>
+                <a:latin typeface="+mn-lt"/>
+                <a:ea typeface="+mn-ea"/>
+                <a:cs typeface="+mn-cs"/>
+              </a:defRPr>
+            </a:lvl1pPr>
+            <a:lvl2pPr marL="457200" algn="l" defTabSz="914400" rtl="0" eaLnBrk="1" latinLnBrk="0" hangingPunct="1">
+              <a:defRPr sz="1800" kern="1200">
+                <a:solidFill>
+                  <a:schemeClr val="tx1"/>
+                </a:solidFill>
+                <a:latin typeface="+mn-lt"/>
+                <a:ea typeface="+mn-ea"/>
+                <a:cs typeface="+mn-cs"/>
+              </a:defRPr>
+            </a:lvl2pPr>
+            <a:lvl3pPr marL="914400" algn="l" defTabSz="914400" rtl="0" eaLnBrk="1" latinLnBrk="0" hangingPunct="1">
+              <a:defRPr sz="1800" kern="1200">
+                <a:solidFill>
+                  <a:schemeClr val="tx1"/>
+                </a:solidFill>
+                <a:latin typeface="+mn-lt"/>
+                <a:ea typeface="+mn-ea"/>
+                <a:cs typeface="+mn-cs"/>
+              </a:defRPr>
+            </a:lvl3pPr>
+            <a:lvl4pPr marL="1371600" algn="l" defTabSz="914400" rtl="0" eaLnBrk="1" latinLnBrk="0" hangingPunct="1">
+              <a:defRPr sz="1800" kern="1200">
+                <a:solidFill>
+                  <a:schemeClr val="tx1"/>
+                </a:solidFill>
+                <a:latin typeface="+mn-lt"/>
+                <a:ea typeface="+mn-ea"/>
+                <a:cs typeface="+mn-cs"/>
+              </a:defRPr>
+            </a:lvl4pPr>
+            <a:lvl5pPr marL="1828800" algn="l" defTabSz="914400" rtl="0" eaLnBrk="1" latinLnBrk="0" hangingPunct="1">
+              <a:defRPr sz="1800" kern="1200">
+                <a:solidFill>
+                  <a:schemeClr val="tx1"/>
+                </a:solidFill>
+                <a:latin typeface="+mn-lt"/>
+                <a:ea typeface="+mn-ea"/>
+                <a:cs typeface="+mn-cs"/>
+              </a:defRPr>
+            </a:lvl5pPr>
+            <a:lvl6pPr marL="2286000" algn="l" defTabSz="914400" rtl="0" eaLnBrk="1" latinLnBrk="0" hangingPunct="1">
+              <a:defRPr sz="1800" kern="1200">
+                <a:solidFill>
+                  <a:schemeClr val="tx1"/>
+                </a:solidFill>
+                <a:latin typeface="+mn-lt"/>
+                <a:ea typeface="+mn-ea"/>
+                <a:cs typeface="+mn-cs"/>
+              </a:defRPr>
+            </a:lvl6pPr>
+            <a:lvl7pPr marL="2743200" algn="l" defTabSz="914400" rtl="0" eaLnBrk="1" latinLnBrk="0" hangingPunct="1">
+              <a:defRPr sz="1800" kern="1200">
+                <a:solidFill>
+                  <a:schemeClr val="tx1"/>
+                </a:solidFill>
+                <a:latin typeface="+mn-lt"/>
+                <a:ea typeface="+mn-ea"/>
+                <a:cs typeface="+mn-cs"/>
+              </a:defRPr>
+            </a:lvl7pPr>
+            <a:lvl8pPr marL="3200400" algn="l" defTabSz="914400" rtl="0" eaLnBrk="1" latinLnBrk="0" hangingPunct="1">
+              <a:defRPr sz="1800" kern="1200">
+                <a:solidFill>
+                  <a:schemeClr val="tx1"/>
+                </a:solidFill>
+                <a:latin typeface="+mn-lt"/>
+                <a:ea typeface="+mn-ea"/>
+                <a:cs typeface="+mn-cs"/>
+              </a:defRPr>
+            </a:lvl8pPr>
+            <a:lvl9pPr marL="3657600" algn="l" defTabSz="914400" rtl="0" eaLnBrk="1" latinLnBrk="0" hangingPunct="1">
+              <a:defRPr sz="1800" kern="1200">
+                <a:solidFill>
+                  <a:schemeClr val="tx1"/>
+                </a:solidFill>
+                <a:latin typeface="+mn-lt"/>
+                <a:ea typeface="+mn-ea"/>
+                <a:cs typeface="+mn-cs"/>
+              </a:defRPr>
+            </a:lvl9pPr>
+          </a:lstStyle>
+          <a:p>
+            <a:r>
+              <a:rPr lang="en-US" dirty="0"/>
+              <a:t>Infoway Technologies, 3rd  Floor Commerce Centre, Rambaug Colony, Paud Road Pune 411038</a:t>
+            </a:r>
+            <a:endParaRPr lang="en-IN" dirty="0"/>
+          </a:p>
+          <a:p>
             <a:endParaRPr lang="en-US" dirty="0"/>
+          </a:p>
+        </p:txBody>
+      </p:sp>
+      <p:sp>
+        <p:nvSpPr>
+          <p:cNvPr id="10" name="Rectangle 9">
+            <a:extLst>
+              <a:ext uri="{FF2B5EF4-FFF2-40B4-BE49-F238E27FC236}">
+                <a16:creationId xmlns:a16="http://schemas.microsoft.com/office/drawing/2014/main" id="{09A4DD51-F450-4FA7-BA18-C2A26D10D72C}"/>
+              </a:ext>
+            </a:extLst>
+          </p:cNvPr>
+          <p:cNvSpPr/>
+          <p:nvPr/>
+        </p:nvSpPr>
+        <p:spPr>
+          <a:xfrm>
+            <a:off x="1523802" y="2"/>
+            <a:ext cx="9142810" cy="837473"/>
+          </a:xfrm>
+          <a:prstGeom prst="rect">
+            <a:avLst/>
+          </a:prstGeom>
+          <a:solidFill>
+            <a:schemeClr val="bg1"/>
+          </a:solidFill>
+        </p:spPr>
+        <p:txBody>
+          <a:bodyPr wrap="square">
+            <a:spAutoFit/>
+          </a:bodyPr>
+          <a:lstStyle/>
+          <a:p>
+            <a:pPr algn="r" fontAlgn="base">
+              <a:lnSpc>
+                <a:spcPct val="150000"/>
+              </a:lnSpc>
+            </a:pPr>
+            <a:r>
+              <a:rPr lang="en-US" sz="3600" dirty="0" smtClean="0"/>
+              <a:t>UPDATE</a:t>
+            </a:r>
+            <a:endParaRPr lang="en-US" sz="3600" dirty="0"/>
+          </a:p>
+        </p:txBody>
+      </p:sp>
+      <p:sp>
+        <p:nvSpPr>
+          <p:cNvPr id="12" name="Rectangle 11"/>
+          <p:cNvSpPr/>
+          <p:nvPr/>
+        </p:nvSpPr>
+        <p:spPr>
+          <a:xfrm>
+            <a:off x="358716" y="980728"/>
+            <a:ext cx="11065082" cy="646331"/>
+          </a:xfrm>
+          <a:prstGeom prst="rect">
+            <a:avLst/>
+          </a:prstGeom>
+        </p:spPr>
+        <p:txBody>
+          <a:bodyPr wrap="square">
+            <a:spAutoFit/>
+          </a:bodyPr>
+          <a:lstStyle/>
+          <a:p>
+            <a:r>
+              <a:rPr lang="en-US" dirty="0" smtClean="0">
+                <a:latin typeface="Palatino Linotype" panose="02040502050505030304" pitchFamily="18" charset="0"/>
+              </a:rPr>
+              <a:t>The </a:t>
+            </a:r>
+            <a:r>
+              <a:rPr lang="en-US" b="1" dirty="0" smtClean="0">
+                <a:latin typeface="Palatino Linotype" panose="02040502050505030304" pitchFamily="18" charset="0"/>
+              </a:rPr>
+              <a:t>UPDATE statement </a:t>
+            </a:r>
+            <a:r>
+              <a:rPr lang="en-US" dirty="0" smtClean="0">
+                <a:latin typeface="Palatino Linotype" panose="02040502050505030304" pitchFamily="18" charset="0"/>
+              </a:rPr>
+              <a:t>is used to </a:t>
+            </a:r>
+            <a:r>
+              <a:rPr lang="en-US" b="1" dirty="0" smtClean="0">
+                <a:latin typeface="Palatino Linotype" panose="02040502050505030304" pitchFamily="18" charset="0"/>
+              </a:rPr>
+              <a:t>update</a:t>
+            </a:r>
+            <a:r>
+              <a:rPr lang="en-US" dirty="0" smtClean="0">
+                <a:latin typeface="Palatino Linotype" panose="02040502050505030304" pitchFamily="18" charset="0"/>
+              </a:rPr>
+              <a:t> the data of an existing table in database. We can </a:t>
+            </a:r>
+            <a:r>
+              <a:rPr lang="en-US" b="1" dirty="0" smtClean="0">
+                <a:latin typeface="Palatino Linotype" panose="02040502050505030304" pitchFamily="18" charset="0"/>
+              </a:rPr>
+              <a:t>update</a:t>
+            </a:r>
+            <a:r>
+              <a:rPr lang="en-US" dirty="0" smtClean="0">
+                <a:latin typeface="Palatino Linotype" panose="02040502050505030304" pitchFamily="18" charset="0"/>
+              </a:rPr>
+              <a:t> single columns as well as multiple columns using </a:t>
+            </a:r>
+            <a:r>
+              <a:rPr lang="en-US" b="1" dirty="0" smtClean="0">
+                <a:latin typeface="Palatino Linotype" panose="02040502050505030304" pitchFamily="18" charset="0"/>
+              </a:rPr>
+              <a:t>UPDATE statement</a:t>
+            </a:r>
+            <a:r>
+              <a:rPr lang="en-US" dirty="0" smtClean="0">
+                <a:latin typeface="Palatino Linotype" panose="02040502050505030304" pitchFamily="18" charset="0"/>
+              </a:rPr>
+              <a:t> as per our requirement.</a:t>
+            </a:r>
+            <a:endParaRPr lang="en-US" dirty="0">
+              <a:latin typeface="Palatino Linotype" panose="02040502050505030304" pitchFamily="18" charset="0"/>
+            </a:endParaRPr>
+          </a:p>
+        </p:txBody>
+      </p:sp>
+      <p:sp>
+        <p:nvSpPr>
+          <p:cNvPr id="15" name="Rectangle 14"/>
+          <p:cNvSpPr/>
+          <p:nvPr/>
+        </p:nvSpPr>
+        <p:spPr>
+          <a:xfrm>
+            <a:off x="478582" y="3142709"/>
+            <a:ext cx="11377264" cy="646331"/>
+          </a:xfrm>
+          <a:prstGeom prst="rect">
+            <a:avLst/>
+          </a:prstGeom>
+        </p:spPr>
+        <p:txBody>
+          <a:bodyPr wrap="square">
+            <a:spAutoFit/>
+          </a:bodyPr>
+          <a:lstStyle/>
+          <a:p>
+            <a:pPr marL="342900" indent="-342900">
+              <a:buFont typeface="Arial" pitchFamily="34" charset="0"/>
+              <a:buChar char="•"/>
+            </a:pPr>
+            <a:r>
+              <a:rPr lang="en-US" dirty="0" smtClean="0">
+                <a:latin typeface="Palatino Linotype" panose="02040502050505030304" pitchFamily="18" charset="0"/>
+                <a:cs typeface="Arial" pitchFamily="34" charset="0"/>
+              </a:rPr>
+              <a:t>UPDATE student </a:t>
+            </a:r>
+            <a:r>
+              <a:rPr lang="en-US" smtClean="0">
+                <a:latin typeface="Palatino Linotype" panose="02040502050505030304" pitchFamily="18" charset="0"/>
+                <a:cs typeface="Arial" pitchFamily="34" charset="0"/>
+              </a:rPr>
+              <a:t>SET </a:t>
+            </a:r>
+            <a:r>
+              <a:rPr lang="en-US" smtClean="0">
+                <a:latin typeface="Palatino Linotype" panose="02040502050505030304" pitchFamily="18" charset="0"/>
+                <a:cs typeface="Arial" pitchFamily="34" charset="0"/>
+              </a:rPr>
+              <a:t>emailID </a:t>
+            </a:r>
+            <a:r>
+              <a:rPr lang="en-US" dirty="0" smtClean="0">
+                <a:latin typeface="Palatino Linotype" panose="02040502050505030304" pitchFamily="18" charset="0"/>
+                <a:cs typeface="Arial" pitchFamily="34" charset="0"/>
+              </a:rPr>
+              <a:t>= NULL;</a:t>
+            </a:r>
+            <a:endParaRPr lang="en-US" dirty="0">
+              <a:latin typeface="Palatino Linotype" panose="02040502050505030304" pitchFamily="18" charset="0"/>
+              <a:cs typeface="Arial" pitchFamily="34" charset="0"/>
+            </a:endParaRPr>
+          </a:p>
+          <a:p>
+            <a:pPr marL="342900" indent="-342900">
+              <a:buFont typeface="Arial" pitchFamily="34" charset="0"/>
+              <a:buChar char="•"/>
+            </a:pPr>
+            <a:r>
+              <a:rPr lang="en-US" dirty="0">
+                <a:latin typeface="Palatino Linotype" panose="02040502050505030304" pitchFamily="18" charset="0"/>
+                <a:cs typeface="Arial" pitchFamily="34" charset="0"/>
+              </a:rPr>
+              <a:t>UPDATE student SET </a:t>
+            </a:r>
+            <a:r>
+              <a:rPr lang="en-US" dirty="0" smtClean="0">
+                <a:latin typeface="Palatino Linotype" panose="02040502050505030304" pitchFamily="18" charset="0"/>
+                <a:cs typeface="Arial" pitchFamily="34" charset="0"/>
+              </a:rPr>
+              <a:t>emailID = 'ramesh.patel123@yahoomail.com</a:t>
+            </a:r>
+            <a:r>
+              <a:rPr lang="en-US" dirty="0">
+                <a:latin typeface="Palatino Linotype" panose="02040502050505030304" pitchFamily="18" charset="0"/>
+                <a:cs typeface="Arial" pitchFamily="34" charset="0"/>
+              </a:rPr>
+              <a:t>'</a:t>
+            </a:r>
+            <a:r>
+              <a:rPr lang="en-US" dirty="0" smtClean="0">
+                <a:latin typeface="Palatino Linotype" panose="02040502050505030304" pitchFamily="18" charset="0"/>
+                <a:cs typeface="Arial" pitchFamily="34" charset="0"/>
+              </a:rPr>
+              <a:t> where ID  = 1;</a:t>
+            </a:r>
+          </a:p>
+        </p:txBody>
+      </p:sp>
+      <p:sp>
+        <p:nvSpPr>
+          <p:cNvPr id="11" name="Rectangle 10"/>
+          <p:cNvSpPr/>
+          <p:nvPr/>
+        </p:nvSpPr>
+        <p:spPr>
+          <a:xfrm>
+            <a:off x="374868" y="1929606"/>
+            <a:ext cx="8456642" cy="923330"/>
+          </a:xfrm>
+          <a:prstGeom prst="rect">
+            <a:avLst/>
+          </a:prstGeom>
+        </p:spPr>
+        <p:txBody>
+          <a:bodyPr wrap="square">
+            <a:spAutoFit/>
+          </a:bodyPr>
+          <a:lstStyle/>
+          <a:p>
+            <a:r>
+              <a:rPr lang="en-US" dirty="0">
+                <a:latin typeface="Palatino Linotype" panose="02040502050505030304" pitchFamily="18" charset="0"/>
+              </a:rPr>
+              <a:t>UPDATE table_name</a:t>
+            </a:r>
+          </a:p>
+          <a:p>
+            <a:r>
+              <a:rPr lang="en-US" dirty="0">
+                <a:latin typeface="Palatino Linotype" panose="02040502050505030304" pitchFamily="18" charset="0"/>
+              </a:rPr>
+              <a:t>SET column1 = value1, column2 = value2...., columnN = valueN</a:t>
+            </a:r>
+          </a:p>
+          <a:p>
+            <a:r>
+              <a:rPr lang="en-US" dirty="0">
+                <a:latin typeface="Palatino Linotype" panose="02040502050505030304" pitchFamily="18" charset="0"/>
+              </a:rPr>
+              <a:t>WHERE [condition];</a:t>
+            </a:r>
+            <a:endParaRPr lang="en-IN" dirty="0">
+              <a:latin typeface="Palatino Linotype" panose="02040502050505030304" pitchFamily="18" charset="0"/>
+            </a:endParaRPr>
           </a:p>
         </p:txBody>
       </p:sp>
@@ -5439,7 +5843,7 @@
             </a:pPr>
             <a:r>
               <a:rPr lang="en-US" sz="3600" dirty="0" smtClean="0"/>
-              <a:t>UPDATE</a:t>
+              <a:t>DELETE</a:t>
             </a:r>
             <a:endParaRPr lang="en-US" sz="3600" dirty="0"/>
           </a:p>
@@ -5472,35 +5876,11 @@
             </a:r>
             <a:r>
               <a:rPr lang="en-US" b="1" dirty="0" smtClean="0"/>
-              <a:t>UPDATE statement </a:t>
+              <a:t>DELETE Statement </a:t>
             </a:r>
             <a:r>
               <a:rPr lang="en-US" dirty="0" smtClean="0"/>
-              <a:t>is used to </a:t>
-            </a:r>
-            <a:r>
-              <a:rPr lang="en-US" b="1" dirty="0" smtClean="0"/>
-              <a:t>update</a:t>
-            </a:r>
-            <a:r>
-              <a:rPr lang="en-US" dirty="0" smtClean="0"/>
-              <a:t> the data of an existing table in database. We can </a:t>
-            </a:r>
-            <a:r>
-              <a:rPr lang="en-US" b="1" dirty="0" smtClean="0"/>
-              <a:t>update</a:t>
-            </a:r>
-            <a:r>
-              <a:rPr lang="en-US" dirty="0" smtClean="0"/>
-              <a:t> single columns as well as multiple columns using </a:t>
-            </a:r>
-            <a:r>
-              <a:rPr lang="en-US" b="1" dirty="0" smtClean="0"/>
-              <a:t>UPDATE statement</a:t>
-            </a:r>
-            <a:r>
-              <a:rPr lang="en-US" dirty="0" smtClean="0"/>
-              <a:t> as per our requirement.</a:t>
+              <a:t>is used to delete existing records from a table. We can delete a single record or multiple records depending on the condition.</a:t>
             </a:r>
             <a:endParaRPr lang="en-US" dirty="0"/>
           </a:p>
@@ -5514,7 +5894,7 @@
         </p:nvSpPr>
         <p:spPr>
           <a:xfrm>
-            <a:off x="478582" y="3142709"/>
+            <a:off x="348406" y="2426026"/>
             <a:ext cx="11377264" cy="646331"/>
           </a:xfrm>
           <a:prstGeom prst="rect">
@@ -5536,73 +5916,45 @@
                 <a:latin typeface="Calibri (Body)"/>
                 <a:cs typeface="Arial" pitchFamily="34" charset="0"/>
               </a:rPr>
-              <a:t>UPDATE student SET email =NULL;</a:t>
+              <a:t>DELETE FROM student;</a:t>
+            </a:r>
+          </a:p>
+          <a:p>
+            <a:pPr marL="342900" indent="-342900">
+              <a:buFont typeface="Arial" pitchFamily="34" charset="0"/>
+              <a:buChar char="•"/>
+            </a:pPr>
+            <a:r>
+              <a:rPr lang="en-US" dirty="0">
+                <a:latin typeface="Calibri (Body)"/>
+                <a:cs typeface="Arial" pitchFamily="34" charset="0"/>
+              </a:rPr>
+              <a:t>DELETE FROM </a:t>
+            </a:r>
+            <a:r>
+              <a:rPr lang="en-US" dirty="0" smtClean="0">
+                <a:latin typeface="Calibri (Body)"/>
+                <a:cs typeface="Arial" pitchFamily="34" charset="0"/>
+              </a:rPr>
+              <a:t>student where ID = 1;</a:t>
             </a:r>
             <a:endParaRPr lang="en-US" dirty="0">
               <a:latin typeface="Calibri (Body)"/>
               <a:cs typeface="Arial" pitchFamily="34" charset="0"/>
             </a:endParaRPr>
           </a:p>
-          <a:p>
-            <a:pPr marL="342900" indent="-342900">
-              <a:buFont typeface="Arial" pitchFamily="34" charset="0"/>
-              <a:buChar char="•"/>
-            </a:pPr>
-            <a:r>
-              <a:rPr lang="en-US" dirty="0">
-                <a:latin typeface="Calibri (Body)"/>
-                <a:cs typeface="Arial" pitchFamily="34" charset="0"/>
-              </a:rPr>
-              <a:t>UPDATE student SET </a:t>
-            </a:r>
-            <a:r>
-              <a:rPr lang="en-US" dirty="0" smtClean="0">
-                <a:latin typeface="Calibri (Body)"/>
-                <a:cs typeface="Arial" pitchFamily="34" charset="0"/>
-              </a:rPr>
-              <a:t>emailID = </a:t>
-            </a:r>
-            <a:r>
-              <a:rPr lang="en-US" dirty="0">
-                <a:latin typeface="Calibri (Body)"/>
-                <a:cs typeface="Arial" pitchFamily="34" charset="0"/>
-              </a:rPr>
-              <a:t>' </a:t>
-            </a:r>
-            <a:r>
-              <a:rPr lang="en-US" dirty="0" smtClean="0">
-                <a:latin typeface="Calibri (Body)"/>
-                <a:cs typeface="Arial" pitchFamily="34" charset="0"/>
-              </a:rPr>
-              <a:t>ramesh.patel123@yahoomail.com</a:t>
-            </a:r>
-            <a:r>
-              <a:rPr lang="en-US" dirty="0">
-                <a:latin typeface="Calibri (Body)"/>
-                <a:cs typeface="Arial" pitchFamily="34" charset="0"/>
-              </a:rPr>
-              <a:t>'</a:t>
-            </a:r>
-            <a:r>
-              <a:rPr lang="en-US" dirty="0" smtClean="0">
-                <a:latin typeface="Calibri (Body)"/>
-                <a:cs typeface="Arial" pitchFamily="34" charset="0"/>
-              </a:rPr>
-              <a:t> where ID  = 1;</a:t>
-            </a:r>
-          </a:p>
-        </p:txBody>
-      </p:sp>
-      <p:sp>
-        <p:nvSpPr>
-          <p:cNvPr id="11" name="Rectangle 10"/>
+        </p:txBody>
+      </p:sp>
+      <p:sp>
+        <p:nvSpPr>
+          <p:cNvPr id="2" name="Rectangle 1"/>
           <p:cNvSpPr/>
           <p:nvPr/>
         </p:nvSpPr>
         <p:spPr>
           <a:xfrm>
             <a:off x="374868" y="1778886"/>
-            <a:ext cx="6092825" cy="923330"/>
+            <a:ext cx="6092825" cy="369332"/>
           </a:xfrm>
           <a:prstGeom prst="rect">
             <a:avLst/>
@@ -5615,22 +5967,17 @@
           <a:lstStyle/>
           <a:p>
             <a:r>
-              <a:rPr lang="en-US" dirty="0"/>
-              <a:t>UPDATE table_name</a:t>
-            </a:r>
-          </a:p>
-          <a:p>
-            <a:r>
-              <a:rPr lang="en-US" dirty="0"/>
-              <a:t>SET column1 = value1, column2 = value2...., columnN = valueN</a:t>
-            </a:r>
-          </a:p>
-          <a:p>
-            <a:r>
-              <a:rPr lang="en-US" dirty="0"/>
-              <a:t>WHERE [condition];</a:t>
-            </a:r>
-            <a:endParaRPr lang="en-IN" dirty="0"/>
+              <a:rPr lang="en-IN" dirty="0"/>
+              <a:t>DELETE FROM </a:t>
+            </a:r>
+            <a:r>
+              <a:rPr lang="en-IN" dirty="0" smtClean="0"/>
+              <a:t>table_name WHERE </a:t>
+            </a:r>
+            <a:r>
+              <a:rPr lang="en-IN" dirty="0"/>
+              <a:t>[condition];</a:t>
+            </a:r>
           </a:p>
         </p:txBody>
       </p:sp>
@@ -5943,7 +6290,7 @@
             </a:pPr>
             <a:r>
               <a:rPr lang="en-US" sz="3600" dirty="0" smtClean="0"/>
-              <a:t>DELETE</a:t>
+              <a:t>Referential integrity</a:t>
             </a:r>
             <a:endParaRPr lang="en-US" sz="3600" dirty="0"/>
           </a:p>
@@ -5957,8 +6304,8 @@
         </p:nvSpPr>
         <p:spPr>
           <a:xfrm>
-            <a:off x="358716" y="899428"/>
-            <a:ext cx="9984962" cy="646331"/>
+            <a:off x="358716" y="4560510"/>
+            <a:ext cx="9984962" cy="1892826"/>
           </a:xfrm>
           <a:prstGeom prst="rect">
             <a:avLst/>
@@ -5971,16 +6318,74 @@
           <a:lstStyle/>
           <a:p>
             <a:r>
+              <a:rPr lang="en-US" b="1" dirty="0" smtClean="0"/>
+              <a:t>Let’s try to do following things.</a:t>
+            </a:r>
+          </a:p>
+          <a:p>
+            <a:endParaRPr lang="en-US" dirty="0" smtClean="0"/>
+          </a:p>
+          <a:p>
+            <a:pPr marL="342900" indent="-342900">
+              <a:lnSpc>
+                <a:spcPct val="150000"/>
+              </a:lnSpc>
+              <a:buFont typeface="Arial" pitchFamily="34" charset="0"/>
+              <a:buChar char="•"/>
+            </a:pPr>
+            <a:r>
               <a:rPr lang="en-US" dirty="0" smtClean="0"/>
-              <a:t>The </a:t>
+              <a:t>Directly adding  a record in </a:t>
             </a:r>
             <a:r>
               <a:rPr lang="en-US" b="1" dirty="0" smtClean="0"/>
-              <a:t>DELETE Statement </a:t>
+              <a:t>student_address</a:t>
             </a:r>
             <a:r>
               <a:rPr lang="en-US" dirty="0" smtClean="0"/>
-              <a:t>is used to delete existing records from a table. We can delete a single record or multiple records depending on the condition.</a:t>
+              <a:t> table.</a:t>
+            </a:r>
+          </a:p>
+          <a:p>
+            <a:pPr marL="342900" indent="-342900">
+              <a:lnSpc>
+                <a:spcPct val="150000"/>
+              </a:lnSpc>
+              <a:buFont typeface="Arial" pitchFamily="34" charset="0"/>
+              <a:buChar char="•"/>
+            </a:pPr>
+            <a:r>
+              <a:rPr lang="en-US" dirty="0" smtClean="0"/>
+              <a:t>Deleting a student record from </a:t>
+            </a:r>
+            <a:r>
+              <a:rPr lang="en-US" b="1" dirty="0" smtClean="0"/>
+              <a:t>student</a:t>
+            </a:r>
+            <a:r>
+              <a:rPr lang="en-US" dirty="0" smtClean="0"/>
+              <a:t> table.</a:t>
+            </a:r>
+          </a:p>
+          <a:p>
+            <a:pPr marL="342900" indent="-342900">
+              <a:lnSpc>
+                <a:spcPct val="150000"/>
+              </a:lnSpc>
+              <a:buFont typeface="Arial" pitchFamily="34" charset="0"/>
+              <a:buChar char="•"/>
+            </a:pPr>
+            <a:r>
+              <a:rPr lang="en-US" dirty="0" smtClean="0"/>
+              <a:t>Directly adding  a record in </a:t>
+            </a:r>
+            <a:r>
+              <a:rPr lang="en-US" b="1" dirty="0" smtClean="0"/>
+              <a:t>student_hobbies</a:t>
+            </a:r>
+            <a:r>
+              <a:rPr lang="en-US" dirty="0" smtClean="0"/>
+              <a:t> table.</a:t>
             </a:r>
             <a:endParaRPr lang="en-US" dirty="0"/>
           </a:p>
@@ -5988,18 +6393,21 @@
       </p:sp>
       <p:sp>
         <p:nvSpPr>
-          <p:cNvPr id="15" name="Rectangle 14"/>
+          <p:cNvPr id="11" name="Rectangle 10"/>
           <p:cNvSpPr/>
           <p:nvPr/>
         </p:nvSpPr>
         <p:spPr>
           <a:xfrm>
-            <a:off x="348406" y="2426026"/>
-            <a:ext cx="11377264" cy="646331"/>
-          </a:xfrm>
-          <a:prstGeom prst="rect">
-            <a:avLst/>
-          </a:prstGeom>
+            <a:off x="262558" y="978401"/>
+            <a:ext cx="11737304" cy="3262432"/>
+          </a:xfrm>
+          <a:prstGeom prst="rect">
+            <a:avLst/>
+          </a:prstGeom>
+          <a:solidFill>
+            <a:schemeClr val="bg1"/>
+          </a:solidFill>
         </p:spPr>
         <p:txBody>
           <a:bodyPr wrap="square">
@@ -6007,76 +6415,105 @@
           </a:bodyPr>
           <a:lstStyle/>
           <a:p>
-            <a:pPr marL="342900" indent="-342900">
-              <a:buFont typeface="Arial" pitchFamily="34" charset="0"/>
+            <a:r>
+              <a:rPr lang="en-US" b="1" dirty="0"/>
+              <a:t>Referential integrity</a:t>
+            </a:r>
+            <a:r>
+              <a:rPr lang="en-US" dirty="0"/>
+              <a:t> refers to the accuracy and consistency of data within a relationship</a:t>
+            </a:r>
+            <a:r>
+              <a:rPr lang="en-US" dirty="0" smtClean="0"/>
+              <a:t>. </a:t>
+            </a:r>
+            <a:r>
+              <a:rPr lang="en-IN" sz="2200" dirty="0" smtClean="0">
+                <a:solidFill>
+                  <a:schemeClr val="tx1">
+                    <a:lumMod val="85000"/>
+                    <a:lumOff val="15000"/>
+                  </a:schemeClr>
+                </a:solidFill>
+                <a:latin typeface="Palatino Linotype" panose="02040502050505030304" pitchFamily="18" charset="0"/>
+              </a:rPr>
+              <a:t>A </a:t>
+            </a:r>
+            <a:r>
+              <a:rPr lang="en-IN" sz="2200" dirty="0">
+                <a:solidFill>
+                  <a:schemeClr val="tx1">
+                    <a:lumMod val="85000"/>
+                    <a:lumOff val="15000"/>
+                  </a:schemeClr>
+                </a:solidFill>
+                <a:latin typeface="Palatino Linotype" panose="02040502050505030304" pitchFamily="18" charset="0"/>
+              </a:rPr>
+              <a:t>referential constraint could be violated in following cases.</a:t>
+            </a:r>
+          </a:p>
+          <a:p>
+            <a:endParaRPr lang="en-IN" dirty="0">
+              <a:latin typeface="Palatino Linotype" panose="02040502050505030304" pitchFamily="18" charset="0"/>
+            </a:endParaRPr>
+          </a:p>
+          <a:p>
+            <a:pPr marL="285750" indent="-285750">
+              <a:buFont typeface="Arial" panose="020B0604020202020204" pitchFamily="34" charset="0"/>
               <a:buChar char="•"/>
             </a:pPr>
             <a:r>
-              <a:rPr lang="en-US" dirty="0" smtClean="0">
-                <a:latin typeface="Calibri (Body)"/>
-                <a:cs typeface="Arial" pitchFamily="34" charset="0"/>
-              </a:rPr>
-              <a:t>DELETE FROM student;</a:t>
-            </a:r>
-          </a:p>
-          <a:p>
-            <a:pPr marL="342900" indent="-342900">
-              <a:buFont typeface="Arial" pitchFamily="34" charset="0"/>
+              <a:rPr lang="en-IN" dirty="0">
+                <a:latin typeface="Palatino Linotype" panose="02040502050505030304" pitchFamily="18" charset="0"/>
+                <a:cs typeface="Arial" panose="020B0604020202020204" pitchFamily="34" charset="0"/>
+              </a:rPr>
+              <a:t>An INSERT attempt to add a row to a child table that has a value in its foreign key columns that does not match a value in the corresponding parent table's column.</a:t>
+            </a:r>
+          </a:p>
+          <a:p>
+            <a:pPr marL="285750" indent="-285750">
+              <a:buFont typeface="Arial" panose="020B0604020202020204" pitchFamily="34" charset="0"/>
               <a:buChar char="•"/>
             </a:pPr>
-            <a:r>
-              <a:rPr lang="en-US" dirty="0">
-                <a:latin typeface="Calibri (Body)"/>
-                <a:cs typeface="Arial" pitchFamily="34" charset="0"/>
-              </a:rPr>
-              <a:t>DELETE FROM </a:t>
-            </a:r>
-            <a:r>
-              <a:rPr lang="en-US" dirty="0" smtClean="0">
-                <a:latin typeface="Calibri (Body)"/>
-                <a:cs typeface="Arial" pitchFamily="34" charset="0"/>
-              </a:rPr>
-              <a:t>student where ID = 1;</a:t>
-            </a:r>
-            <a:endParaRPr lang="en-US" dirty="0">
-              <a:latin typeface="Calibri (Body)"/>
-              <a:cs typeface="Arial" pitchFamily="34" charset="0"/>
+            <a:endParaRPr lang="en-IN" dirty="0">
+              <a:latin typeface="Palatino Linotype" panose="02040502050505030304" pitchFamily="18" charset="0"/>
+              <a:cs typeface="Arial" panose="020B0604020202020204" pitchFamily="34" charset="0"/>
             </a:endParaRPr>
           </a:p>
-        </p:txBody>
-      </p:sp>
-      <p:sp>
-        <p:nvSpPr>
-          <p:cNvPr id="2" name="Rectangle 1"/>
-          <p:cNvSpPr/>
-          <p:nvPr/>
-        </p:nvSpPr>
-        <p:spPr>
-          <a:xfrm>
-            <a:off x="374868" y="1778886"/>
-            <a:ext cx="6092825" cy="369332"/>
-          </a:xfrm>
-          <a:prstGeom prst="rect">
-            <a:avLst/>
-          </a:prstGeom>
-        </p:spPr>
-        <p:txBody>
-          <a:bodyPr>
-            <a:spAutoFit/>
-          </a:bodyPr>
-          <a:lstStyle/>
-          <a:p>
-            <a:r>
-              <a:rPr lang="en-IN" dirty="0"/>
-              <a:t>DELETE FROM </a:t>
-            </a:r>
-            <a:r>
-              <a:rPr lang="en-IN" dirty="0" smtClean="0"/>
-              <a:t>table_name WHERE </a:t>
-            </a:r>
-            <a:r>
-              <a:rPr lang="en-IN" dirty="0"/>
-              <a:t>[condition];</a:t>
+          <a:p>
+            <a:pPr marL="285750" indent="-285750">
+              <a:buFont typeface="Arial" panose="020B0604020202020204" pitchFamily="34" charset="0"/>
+              <a:buChar char="•"/>
+            </a:pPr>
+            <a:r>
+              <a:rPr lang="en-IN" dirty="0">
+                <a:latin typeface="Palatino Linotype" panose="02040502050505030304" pitchFamily="18" charset="0"/>
+                <a:cs typeface="Arial" panose="020B0604020202020204" pitchFamily="34" charset="0"/>
+              </a:rPr>
+              <a:t>An UPDATE attempt to change the value in a child table's foreign key columns to a value that has no matching value in the corresponding parent table's parent key.</a:t>
+            </a:r>
+          </a:p>
+          <a:p>
+            <a:pPr marL="285750" indent="-285750">
+              <a:buFont typeface="Arial" panose="020B0604020202020204" pitchFamily="34" charset="0"/>
+              <a:buChar char="•"/>
+            </a:pPr>
+            <a:endParaRPr lang="en-IN" dirty="0">
+              <a:latin typeface="Palatino Linotype" panose="02040502050505030304" pitchFamily="18" charset="0"/>
+              <a:cs typeface="Arial" panose="020B0604020202020204" pitchFamily="34" charset="0"/>
+            </a:endParaRPr>
+          </a:p>
+          <a:p>
+            <a:pPr marL="285750" indent="-285750">
+              <a:buFont typeface="Arial" panose="020B0604020202020204" pitchFamily="34" charset="0"/>
+              <a:buChar char="•"/>
+            </a:pPr>
+            <a:r>
+              <a:rPr lang="en-IN" dirty="0">
+                <a:latin typeface="Palatino Linotype" panose="02040502050505030304" pitchFamily="18" charset="0"/>
+                <a:cs typeface="Arial" panose="020B0604020202020204" pitchFamily="34" charset="0"/>
+              </a:rPr>
+              <a:t>A DELETE attempt to remove a record from a parent table that has a matching value in a child table's foreign key columns.</a:t>
             </a:r>
           </a:p>
         </p:txBody>
@@ -6121,76 +6558,48 @@
       </p:grpSpPr>
       <p:sp>
         <p:nvSpPr>
-          <p:cNvPr id="58370" name="AutoShape 2" descr="One-to-one entity relationship diagram"/>
-          <p:cNvSpPr>
-            <a:spLocks noChangeAspect="1" noChangeArrowheads="1"/>
-          </p:cNvSpPr>
+          <p:cNvPr id="5" name="Rectangle 4"/>
+          <p:cNvSpPr/>
           <p:nvPr/>
         </p:nvSpPr>
-        <p:spPr bwMode="auto">
-          <a:xfrm>
-            <a:off x="1679356" y="-144463"/>
-            <a:ext cx="304760" cy="304801"/>
-          </a:xfrm>
-          <a:prstGeom prst="rect">
-            <a:avLst/>
-          </a:prstGeom>
-          <a:noFill/>
-        </p:spPr>
-        <p:txBody>
-          <a:bodyPr vert="horz" wrap="square" lIns="91440" tIns="45720" rIns="91440" bIns="45720" numCol="1" anchor="t" anchorCtr="0" compatLnSpc="1">
-            <a:prstTxWarp prst="textNoShape">
-              <a:avLst/>
-            </a:prstTxWarp>
+        <p:spPr>
+          <a:xfrm>
+            <a:off x="358716" y="899428"/>
+            <a:ext cx="9281562" cy="464871"/>
+          </a:xfrm>
+          <a:prstGeom prst="rect">
+            <a:avLst/>
+          </a:prstGeom>
+        </p:spPr>
+        <p:txBody>
+          <a:bodyPr wrap="square">
+            <a:spAutoFit/>
           </a:bodyPr>
           <a:lstStyle/>
           <a:p>
-            <a:endParaRPr lang="en-US" dirty="0">
-              <a:latin typeface="Arial" pitchFamily="34" charset="0"/>
-              <a:cs typeface="Arial" pitchFamily="34" charset="0"/>
-            </a:endParaRPr>
-          </a:p>
-        </p:txBody>
-      </p:sp>
-      <p:sp>
-        <p:nvSpPr>
-          <p:cNvPr id="58372" name="AutoShape 4" descr="One-to-one entity relationship diagram"/>
-          <p:cNvSpPr>
-            <a:spLocks noChangeAspect="1" noChangeArrowheads="1"/>
-          </p:cNvSpPr>
-          <p:nvPr/>
-        </p:nvSpPr>
-        <p:spPr bwMode="auto">
-          <a:xfrm>
-            <a:off x="1679356" y="-144463"/>
-            <a:ext cx="304760" cy="304801"/>
-          </a:xfrm>
-          <a:prstGeom prst="rect">
-            <a:avLst/>
-          </a:prstGeom>
-          <a:noFill/>
-        </p:spPr>
-        <p:txBody>
-          <a:bodyPr vert="horz" wrap="square" lIns="91440" tIns="45720" rIns="91440" bIns="45720" numCol="1" anchor="t" anchorCtr="0" compatLnSpc="1">
-            <a:prstTxWarp prst="textNoShape">
-              <a:avLst/>
-            </a:prstTxWarp>
-          </a:bodyPr>
-          <a:lstStyle/>
-          <a:p>
-            <a:endParaRPr lang="en-US" dirty="0">
-              <a:latin typeface="Arial" pitchFamily="34" charset="0"/>
-              <a:cs typeface="Arial" pitchFamily="34" charset="0"/>
-            </a:endParaRPr>
+            <a:pPr fontAlgn="base">
+              <a:lnSpc>
+                <a:spcPct val="150000"/>
+              </a:lnSpc>
+            </a:pPr>
+            <a:r>
+              <a:rPr lang="en-US" b="1" dirty="0"/>
+              <a:t>Referential integrity </a:t>
+            </a:r>
+            <a:r>
+              <a:rPr lang="en-US" b="1" dirty="0" smtClean="0"/>
+              <a:t> examples</a:t>
+            </a:r>
+            <a:endParaRPr lang="en-US" b="1" dirty="0"/>
           </a:p>
         </p:txBody>
       </p:sp>
       <p:pic>
         <p:nvPicPr>
-          <p:cNvPr id="8" name="Picture 7">
+          <p:cNvPr id="18" name="Picture 17">
             <a:extLst>
               <a:ext uri="{FF2B5EF4-FFF2-40B4-BE49-F238E27FC236}">
-                <a16:creationId xmlns:a16="http://schemas.microsoft.com/office/drawing/2014/main" id="{CA300AF8-3A8B-41EE-96B3-AEAC198AD8CA}"/>
+                <a16:creationId xmlns:a16="http://schemas.microsoft.com/office/drawing/2014/main" id="{1BC29D4B-0260-49F9-9E5E-2135514E8A88}"/>
               </a:ext>
             </a:extLst>
           </p:cNvPr>
@@ -6223,10 +6632,10 @@
       </p:pic>
       <p:sp>
         <p:nvSpPr>
-          <p:cNvPr id="9" name="Footer Placeholder 2">
+          <p:cNvPr id="19" name="Footer Placeholder 2">
             <a:extLst>
               <a:ext uri="{FF2B5EF4-FFF2-40B4-BE49-F238E27FC236}">
-                <a16:creationId xmlns:a16="http://schemas.microsoft.com/office/drawing/2014/main" id="{49968677-CC8A-4C35-AABA-97CFF73A1AB5}"/>
+                <a16:creationId xmlns:a16="http://schemas.microsoft.com/office/drawing/2014/main" id="{379BDE68-4144-4701-89F7-BDDAFF7975E1}"/>
               </a:ext>
             </a:extLst>
           </p:cNvPr>
@@ -6355,27 +6764,18 @@
       </p:sp>
       <p:sp>
         <p:nvSpPr>
-          <p:cNvPr id="10" name="Rectangle 9">
-            <a:extLst>
-              <a:ext uri="{FF2B5EF4-FFF2-40B4-BE49-F238E27FC236}">
-                <a16:creationId xmlns:a16="http://schemas.microsoft.com/office/drawing/2014/main" id="{09A4DD51-F450-4FA7-BA18-C2A26D10D72C}"/>
-              </a:ext>
-            </a:extLst>
-          </p:cNvPr>
+          <p:cNvPr id="8" name="Rectangle 7"/>
           <p:cNvSpPr/>
           <p:nvPr/>
         </p:nvSpPr>
         <p:spPr>
           <a:xfrm>
-            <a:off x="1523802" y="2"/>
-            <a:ext cx="9142810" cy="837473"/>
-          </a:xfrm>
-          <a:prstGeom prst="rect">
-            <a:avLst/>
-          </a:prstGeom>
-          <a:solidFill>
-            <a:schemeClr val="bg1"/>
-          </a:solidFill>
+            <a:off x="262558" y="1628800"/>
+            <a:ext cx="11305256" cy="2031325"/>
+          </a:xfrm>
+          <a:prstGeom prst="rect">
+            <a:avLst/>
+          </a:prstGeom>
         </p:spPr>
         <p:txBody>
           <a:bodyPr wrap="square">
@@ -6383,125 +6783,110 @@
           </a:bodyPr>
           <a:lstStyle/>
           <a:p>
-            <a:pPr algn="r" fontAlgn="base">
-              <a:lnSpc>
-                <a:spcPct val="150000"/>
-              </a:lnSpc>
-            </a:pPr>
-            <a:r>
-              <a:rPr lang="en-US" sz="3600" dirty="0" smtClean="0"/>
-              <a:t>TRUNCATE</a:t>
-            </a:r>
-            <a:endParaRPr lang="en-US" sz="3600" dirty="0"/>
-          </a:p>
-        </p:txBody>
-      </p:sp>
-      <p:sp>
-        <p:nvSpPr>
-          <p:cNvPr id="12" name="Rectangle 11"/>
-          <p:cNvSpPr/>
-          <p:nvPr/>
-        </p:nvSpPr>
-        <p:spPr>
-          <a:xfrm>
-            <a:off x="358716" y="899428"/>
-            <a:ext cx="9984962" cy="369332"/>
-          </a:xfrm>
-          <a:prstGeom prst="rect">
-            <a:avLst/>
-          </a:prstGeom>
-        </p:spPr>
-        <p:txBody>
-          <a:bodyPr wrap="square">
-            <a:spAutoFit/>
-          </a:bodyPr>
-          <a:lstStyle/>
-          <a:p>
-            <a:r>
-              <a:rPr lang="en-US" dirty="0"/>
-              <a:t>The TRUNCATE TABLE command deletes the data inside a table, but not the table itself.</a:t>
-            </a:r>
-            <a:endParaRPr lang="en-US" dirty="0"/>
-          </a:p>
-        </p:txBody>
-      </p:sp>
-      <p:sp>
-        <p:nvSpPr>
-          <p:cNvPr id="15" name="Rectangle 14"/>
-          <p:cNvSpPr/>
-          <p:nvPr/>
-        </p:nvSpPr>
-        <p:spPr>
-          <a:xfrm>
-            <a:off x="440456" y="2394370"/>
-            <a:ext cx="11377264" cy="369332"/>
-          </a:xfrm>
-          <a:prstGeom prst="rect">
-            <a:avLst/>
-          </a:prstGeom>
-        </p:spPr>
-        <p:txBody>
-          <a:bodyPr wrap="square">
-            <a:spAutoFit/>
-          </a:bodyPr>
-          <a:lstStyle/>
-          <a:p>
             <a:pPr marL="342900" indent="-342900">
               <a:buFont typeface="Arial" pitchFamily="34" charset="0"/>
               <a:buChar char="•"/>
             </a:pPr>
             <a:r>
-              <a:rPr lang="en-US" dirty="0">
-                <a:latin typeface="Calibri (Body)"/>
-                <a:cs typeface="Arial" pitchFamily="34" charset="0"/>
-              </a:rPr>
-              <a:t>TRUNCATE </a:t>
-            </a:r>
-            <a:r>
               <a:rPr lang="en-US" dirty="0" smtClean="0">
                 <a:latin typeface="Calibri (Body)"/>
                 <a:cs typeface="Arial" pitchFamily="34" charset="0"/>
               </a:rPr>
-              <a:t>TABLE student</a:t>
-            </a:r>
-            <a:r>
-              <a:rPr lang="en-US" dirty="0" smtClean="0">
-                <a:latin typeface="Calibri (Body)"/>
-                <a:cs typeface="Arial" pitchFamily="34" charset="0"/>
-              </a:rPr>
-              <a:t>;</a:t>
-            </a:r>
+              <a:t>INSERT INTO student_address VALUES (104, 'station road', 'baroda');</a:t>
+            </a:r>
+          </a:p>
+          <a:p>
+            <a:pPr marL="342900" indent="-342900">
+              <a:buFont typeface="Arial" pitchFamily="34" charset="0"/>
+              <a:buChar char="•"/>
+            </a:pPr>
             <a:endParaRPr lang="en-US" dirty="0" smtClean="0">
               <a:latin typeface="Calibri (Body)"/>
               <a:cs typeface="Arial" pitchFamily="34" charset="0"/>
             </a:endParaRPr>
           </a:p>
-        </p:txBody>
-      </p:sp>
-      <p:sp>
-        <p:nvSpPr>
-          <p:cNvPr id="4" name="Rectangle 3"/>
-          <p:cNvSpPr/>
-          <p:nvPr/>
-        </p:nvSpPr>
-        <p:spPr>
-          <a:xfrm>
-            <a:off x="440456" y="1739232"/>
-            <a:ext cx="3087320" cy="369332"/>
-          </a:xfrm>
-          <a:prstGeom prst="rect">
-            <a:avLst/>
-          </a:prstGeom>
-        </p:spPr>
-        <p:txBody>
-          <a:bodyPr wrap="none">
-            <a:spAutoFit/>
-          </a:bodyPr>
-          <a:lstStyle/>
-          <a:p>
-            <a:r>
-              <a:rPr lang="en-IN" dirty="0"/>
-              <a:t>TRUNCATE TABLE  table_name;</a:t>
+          <a:p>
+            <a:pPr marL="342900" indent="-342900">
+              <a:buFont typeface="Arial" pitchFamily="34" charset="0"/>
+              <a:buChar char="•"/>
+            </a:pPr>
+            <a:r>
+              <a:rPr lang="en-US" dirty="0" smtClean="0">
+                <a:latin typeface="Calibri (Body)"/>
+                <a:cs typeface="Arial" pitchFamily="34" charset="0"/>
+              </a:rPr>
+              <a:t>INSERT INTO student_hobbies VALUES (106, 4, 'gaming');</a:t>
+            </a:r>
+          </a:p>
+          <a:p>
+            <a:pPr marL="342900" indent="-342900">
+              <a:buFont typeface="Arial" pitchFamily="34" charset="0"/>
+              <a:buChar char="•"/>
+            </a:pPr>
+            <a:endParaRPr lang="en-US" dirty="0" smtClean="0">
+              <a:latin typeface="Calibri (Body)"/>
+              <a:cs typeface="Arial" pitchFamily="34" charset="0"/>
+            </a:endParaRPr>
+          </a:p>
+          <a:p>
+            <a:pPr marL="342900" indent="-342900">
+              <a:buFont typeface="Arial" pitchFamily="34" charset="0"/>
+              <a:buChar char="•"/>
+            </a:pPr>
+            <a:r>
+              <a:rPr lang="en-US" dirty="0" smtClean="0">
+                <a:latin typeface="Calibri (Body)"/>
+                <a:cs typeface="Arial" pitchFamily="34" charset="0"/>
+              </a:rPr>
+              <a:t>UPDATE </a:t>
+            </a:r>
+            <a:r>
+              <a:rPr lang="en-US" dirty="0">
+                <a:latin typeface="Calibri (Body)"/>
+                <a:cs typeface="Arial" pitchFamily="34" charset="0"/>
+              </a:rPr>
+              <a:t>student_hobbies </a:t>
+            </a:r>
+            <a:r>
+              <a:rPr lang="en-US" dirty="0" smtClean="0">
+                <a:latin typeface="Calibri (Body)"/>
+                <a:cs typeface="Arial" pitchFamily="34" charset="0"/>
+              </a:rPr>
+              <a:t>SET </a:t>
+            </a:r>
+            <a:r>
+              <a:rPr lang="en-US" dirty="0">
+                <a:latin typeface="Calibri (Body)"/>
+                <a:cs typeface="Arial" pitchFamily="34" charset="0"/>
+              </a:rPr>
+              <a:t>studentID = 100 where id=1;</a:t>
+            </a:r>
+            <a:endParaRPr lang="en-US" dirty="0" smtClean="0">
+              <a:latin typeface="Calibri (Body)"/>
+              <a:cs typeface="Arial" pitchFamily="34" charset="0"/>
+            </a:endParaRPr>
+          </a:p>
+          <a:p>
+            <a:pPr marL="342900" indent="-342900">
+              <a:buFont typeface="Arial" pitchFamily="34" charset="0"/>
+              <a:buChar char="•"/>
+            </a:pPr>
+            <a:endParaRPr lang="en-US" dirty="0" smtClean="0">
+              <a:latin typeface="Calibri (Body)"/>
+              <a:cs typeface="Arial" pitchFamily="34" charset="0"/>
+            </a:endParaRPr>
+          </a:p>
+          <a:p>
+            <a:pPr marL="342900" indent="-342900">
+              <a:buFont typeface="Arial" pitchFamily="34" charset="0"/>
+              <a:buChar char="•"/>
+            </a:pPr>
+            <a:r>
+              <a:rPr lang="en-US" dirty="0" smtClean="0">
+                <a:latin typeface="Calibri (Body)"/>
+                <a:cs typeface="Arial" pitchFamily="34" charset="0"/>
+              </a:rPr>
+              <a:t>DELETE FROM student where ID = 1;</a:t>
             </a:r>
           </a:p>
         </p:txBody>
@@ -6509,14 +6894,13 @@
     </p:spTree>
     <p:extLst>
       <p:ext uri="{BB962C8B-B14F-4D97-AF65-F5344CB8AC3E}">
-        <p14:creationId xmlns:p14="http://schemas.microsoft.com/office/powerpoint/2010/main" val="1375583115"/>
+        <p14:creationId xmlns:p14="http://schemas.microsoft.com/office/powerpoint/2010/main" val="658616944"/>
       </p:ext>
     </p:extLst>
   </p:cSld>
   <p:clrMapOvr>
     <a:masterClrMapping/>
   </p:clrMapOvr>
-  <p:transition spd="slow"/>
   <p:timing>
     <p:tnLst>
       <p:par>
@@ -6815,7 +7199,7 @@
             </a:pPr>
             <a:r>
               <a:rPr lang="en-US" sz="3600" dirty="0" smtClean="0"/>
-              <a:t>Referential integrity</a:t>
+              <a:t>TRUNCATE</a:t>
             </a:r>
             <a:endParaRPr lang="en-US" sz="3600" dirty="0"/>
           </a:p>
@@ -6829,8 +7213,8 @@
         </p:nvSpPr>
         <p:spPr>
           <a:xfrm>
-            <a:off x="358716" y="4293096"/>
-            <a:ext cx="9984962" cy="1892826"/>
+            <a:off x="358716" y="971436"/>
+            <a:ext cx="9984962" cy="369332"/>
           </a:xfrm>
           <a:prstGeom prst="rect">
             <a:avLst/>
@@ -6843,96 +7227,26 @@
           <a:lstStyle/>
           <a:p>
             <a:r>
-              <a:rPr lang="en-US" b="1" dirty="0" smtClean="0"/>
-              <a:t>Let’s try to do following things.</a:t>
-            </a:r>
-          </a:p>
-          <a:p>
-            <a:endParaRPr lang="en-US" dirty="0" smtClean="0"/>
-          </a:p>
-          <a:p>
-            <a:pPr marL="342900" indent="-342900">
-              <a:lnSpc>
-                <a:spcPct val="150000"/>
-              </a:lnSpc>
-              <a:buFont typeface="Arial" pitchFamily="34" charset="0"/>
-              <a:buChar char="•"/>
-            </a:pPr>
-            <a:r>
-              <a:rPr lang="en-US" dirty="0" smtClean="0"/>
-              <a:t>Directly adding  a record in </a:t>
-            </a:r>
-            <a:r>
-              <a:rPr lang="en-US" b="1" dirty="0" smtClean="0"/>
-              <a:t>student_address</a:t>
-            </a:r>
-            <a:r>
-              <a:rPr lang="en-US" dirty="0" smtClean="0"/>
-              <a:t> table.</a:t>
-            </a:r>
-          </a:p>
-          <a:p>
-            <a:pPr marL="342900" indent="-342900">
-              <a:lnSpc>
-                <a:spcPct val="150000"/>
-              </a:lnSpc>
-              <a:buFont typeface="Arial" pitchFamily="34" charset="0"/>
-              <a:buChar char="•"/>
-            </a:pPr>
-            <a:r>
-              <a:rPr lang="en-US" dirty="0" smtClean="0"/>
-              <a:t>Deleting a student record from </a:t>
-            </a:r>
-            <a:r>
-              <a:rPr lang="en-US" b="1" dirty="0" smtClean="0"/>
-              <a:t>student</a:t>
-            </a:r>
-            <a:r>
-              <a:rPr lang="en-US" dirty="0" smtClean="0"/>
-              <a:t> table.</a:t>
-            </a:r>
-          </a:p>
-          <a:p>
-            <a:pPr marL="342900" indent="-342900">
-              <a:lnSpc>
-                <a:spcPct val="150000"/>
-              </a:lnSpc>
-              <a:buFont typeface="Arial" pitchFamily="34" charset="0"/>
-              <a:buChar char="•"/>
-            </a:pPr>
-            <a:r>
-              <a:rPr lang="en-US" dirty="0" smtClean="0"/>
-              <a:t>Directly adding  a record in </a:t>
-            </a:r>
-            <a:r>
-              <a:rPr lang="en-US" b="1" dirty="0" smtClean="0"/>
-              <a:t>student_hobbies</a:t>
-            </a:r>
-            <a:r>
-              <a:rPr lang="en-US" dirty="0" smtClean="0"/>
-              <a:t> table.</a:t>
-            </a:r>
-            <a:endParaRPr lang="en-US" dirty="0"/>
-          </a:p>
-        </p:txBody>
-      </p:sp>
-      <p:sp>
-        <p:nvSpPr>
-          <p:cNvPr id="11" name="Rectangle 10"/>
+              <a:rPr lang="en-US" dirty="0"/>
+              <a:t>The TRUNCATE TABLE command deletes the data inside a table, but not the table itself.</a:t>
+            </a:r>
+          </a:p>
+        </p:txBody>
+      </p:sp>
+      <p:sp>
+        <p:nvSpPr>
+          <p:cNvPr id="15" name="Rectangle 14"/>
           <p:cNvSpPr/>
           <p:nvPr/>
         </p:nvSpPr>
         <p:spPr>
           <a:xfrm>
-            <a:off x="262558" y="978401"/>
-            <a:ext cx="11737304" cy="2954655"/>
-          </a:xfrm>
-          <a:prstGeom prst="rect">
-            <a:avLst/>
-          </a:prstGeom>
-          <a:solidFill>
-            <a:schemeClr val="bg1"/>
-          </a:solidFill>
+            <a:off x="440456" y="2394370"/>
+            <a:ext cx="11377264" cy="369332"/>
+          </a:xfrm>
+          <a:prstGeom prst="rect">
+            <a:avLst/>
+          </a:prstGeom>
         </p:spPr>
         <p:txBody>
           <a:bodyPr wrap="square">
@@ -6940,81 +7254,51 @@
           </a:bodyPr>
           <a:lstStyle/>
           <a:p>
-            <a:r>
-              <a:rPr lang="en-IN" sz="2200" dirty="0">
-                <a:solidFill>
-                  <a:schemeClr val="tx1">
-                    <a:lumMod val="85000"/>
-                    <a:lumOff val="15000"/>
-                  </a:schemeClr>
-                </a:solidFill>
-                <a:latin typeface="Palatino Linotype" panose="02040502050505030304" pitchFamily="18" charset="0"/>
-              </a:rPr>
-              <a:t>A referential constraint could be violated in following cases.</a:t>
-            </a:r>
-          </a:p>
-          <a:p>
-            <a:endParaRPr lang="en-IN" dirty="0">
-              <a:latin typeface="Palatino Linotype" panose="02040502050505030304" pitchFamily="18" charset="0"/>
-            </a:endParaRPr>
-          </a:p>
-          <a:p>
-            <a:pPr marL="285750" indent="-285750">
-              <a:buFont typeface="Arial" panose="020B0604020202020204" pitchFamily="34" charset="0"/>
+            <a:pPr marL="342900" indent="-342900">
+              <a:buFont typeface="Arial" pitchFamily="34" charset="0"/>
               <a:buChar char="•"/>
             </a:pPr>
             <a:r>
-              <a:rPr lang="en-IN" dirty="0">
-                <a:latin typeface="Palatino Linotype" panose="02040502050505030304" pitchFamily="18" charset="0"/>
-                <a:cs typeface="Arial" panose="020B0604020202020204" pitchFamily="34" charset="0"/>
-              </a:rPr>
-              <a:t>An INSERT attempt to add a row to a child table that has a value in its foreign key columns that does not match a value in the corresponding parent table's column.</a:t>
-            </a:r>
-          </a:p>
-          <a:p>
-            <a:pPr marL="285750" indent="-285750">
-              <a:buFont typeface="Arial" panose="020B0604020202020204" pitchFamily="34" charset="0"/>
-              <a:buChar char="•"/>
-            </a:pPr>
-            <a:endParaRPr lang="en-IN" dirty="0">
-              <a:latin typeface="Palatino Linotype" panose="02040502050505030304" pitchFamily="18" charset="0"/>
-              <a:cs typeface="Arial" panose="020B0604020202020204" pitchFamily="34" charset="0"/>
-            </a:endParaRPr>
-          </a:p>
-          <a:p>
-            <a:pPr marL="285750" indent="-285750">
-              <a:buFont typeface="Arial" panose="020B0604020202020204" pitchFamily="34" charset="0"/>
-              <a:buChar char="•"/>
-            </a:pPr>
-            <a:r>
-              <a:rPr lang="en-IN" dirty="0">
-                <a:latin typeface="Palatino Linotype" panose="02040502050505030304" pitchFamily="18" charset="0"/>
-                <a:cs typeface="Arial" panose="020B0604020202020204" pitchFamily="34" charset="0"/>
-              </a:rPr>
-              <a:t>An UPDATE attempt to change the value in a child table's foreign key columns to a value that has no matching value in the corresponding parent table's parent key.</a:t>
-            </a:r>
-          </a:p>
-          <a:p>
-            <a:pPr marL="285750" indent="-285750">
-              <a:buFont typeface="Arial" panose="020B0604020202020204" pitchFamily="34" charset="0"/>
-              <a:buChar char="•"/>
-            </a:pPr>
-            <a:endParaRPr lang="en-IN" dirty="0">
-              <a:latin typeface="Palatino Linotype" panose="02040502050505030304" pitchFamily="18" charset="0"/>
-              <a:cs typeface="Arial" panose="020B0604020202020204" pitchFamily="34" charset="0"/>
-            </a:endParaRPr>
-          </a:p>
-          <a:p>
-            <a:pPr marL="285750" indent="-285750">
-              <a:buFont typeface="Arial" panose="020B0604020202020204" pitchFamily="34" charset="0"/>
-              <a:buChar char="•"/>
-            </a:pPr>
-            <a:r>
-              <a:rPr lang="en-IN" dirty="0">
-                <a:latin typeface="Palatino Linotype" panose="02040502050505030304" pitchFamily="18" charset="0"/>
-                <a:cs typeface="Arial" panose="020B0604020202020204" pitchFamily="34" charset="0"/>
-              </a:rPr>
-              <a:t>A DELETE attempt to remove a record from a parent table that has a matching value in a child table's foreign key columns.</a:t>
+              <a:rPr lang="en-US" dirty="0">
+                <a:latin typeface="Calibri (Body)"/>
+                <a:cs typeface="Arial" pitchFamily="34" charset="0"/>
+              </a:rPr>
+              <a:t>TRUNCATE </a:t>
+            </a:r>
+            <a:r>
+              <a:rPr lang="en-US" dirty="0" smtClean="0">
+                <a:latin typeface="Calibri (Body)"/>
+                <a:cs typeface="Arial" pitchFamily="34" charset="0"/>
+              </a:rPr>
+              <a:t>TABLE student;</a:t>
+            </a:r>
+          </a:p>
+        </p:txBody>
+      </p:sp>
+      <p:sp>
+        <p:nvSpPr>
+          <p:cNvPr id="4" name="Rectangle 3"/>
+          <p:cNvSpPr/>
+          <p:nvPr/>
+        </p:nvSpPr>
+        <p:spPr>
+          <a:xfrm>
+            <a:off x="440456" y="1739232"/>
+            <a:ext cx="3087320" cy="369332"/>
+          </a:xfrm>
+          <a:prstGeom prst="rect">
+            <a:avLst/>
+          </a:prstGeom>
+        </p:spPr>
+        <p:txBody>
+          <a:bodyPr wrap="none">
+            <a:spAutoFit/>
+          </a:bodyPr>
+          <a:lstStyle/>
+          <a:p>
+            <a:r>
+              <a:rPr lang="en-IN" dirty="0"/>
+              <a:t>TRUNCATE TABLE  table_name;</a:t>
             </a:r>
           </a:p>
         </p:txBody>
@@ -7022,7 +7306,7 @@
     </p:spTree>
     <p:extLst>
       <p:ext uri="{BB962C8B-B14F-4D97-AF65-F5344CB8AC3E}">
-        <p14:creationId xmlns:p14="http://schemas.microsoft.com/office/powerpoint/2010/main" val="2850906017"/>
+        <p14:creationId xmlns:p14="http://schemas.microsoft.com/office/powerpoint/2010/main" val="4078788560"/>
       </p:ext>
     </p:extLst>
   </p:cSld>

--- a/Video Ver1/Video PPT/11. Introduction to DML commands.pptx
+++ b/Video Ver1/Video PPT/11. Introduction to DML commands.pptx
@@ -5,17 +5,18 @@
     <p:sldMasterId id="2147483648" r:id="rId1"/>
   </p:sldMasterIdLst>
   <p:notesMasterIdLst>
-    <p:notesMasterId r:id="rId10"/>
+    <p:notesMasterId r:id="rId11"/>
   </p:notesMasterIdLst>
   <p:sldIdLst>
     <p:sldId id="1241" r:id="rId2"/>
-    <p:sldId id="1243" r:id="rId3"/>
-    <p:sldId id="1244" r:id="rId4"/>
-    <p:sldId id="1245" r:id="rId5"/>
-    <p:sldId id="1246" r:id="rId6"/>
-    <p:sldId id="1247" r:id="rId7"/>
-    <p:sldId id="1253" r:id="rId8"/>
-    <p:sldId id="1254" r:id="rId9"/>
+    <p:sldId id="1255" r:id="rId3"/>
+    <p:sldId id="1243" r:id="rId4"/>
+    <p:sldId id="1244" r:id="rId5"/>
+    <p:sldId id="1245" r:id="rId6"/>
+    <p:sldId id="1246" r:id="rId7"/>
+    <p:sldId id="1247" r:id="rId8"/>
+    <p:sldId id="1253" r:id="rId9"/>
+    <p:sldId id="1254" r:id="rId10"/>
   </p:sldIdLst>
   <p:sldSz cx="12190413" cy="6858000"/>
   <p:notesSz cx="6858000" cy="9144000"/>
@@ -116,7 +117,7 @@
   </p:defaultTextStyle>
   <p:extLst>
     <p:ext uri="{EFAFB233-063F-42B5-8137-9DF3F51BA10A}">
-      <p15:sldGuideLst xmlns:p15="http://schemas.microsoft.com/office/powerpoint/2012/main">
+      <p15:sldGuideLst xmlns="" xmlns:p15="http://schemas.microsoft.com/office/powerpoint/2012/main">
         <p15:guide id="1" orient="horz" pos="2160">
           <p15:clr>
             <a:srgbClr val="A4A3A4"/>
@@ -138,7 +139,7 @@
   <p:cmAuthor id="1" name="Saleel" initials="S" lastIdx="1" clrIdx="0">
     <p:extLst>
       <p:ext uri="{19B8F6BF-5375-455C-9EA6-DF929625EA0E}">
-        <p15:presenceInfo xmlns:p15="http://schemas.microsoft.com/office/powerpoint/2012/main" userId="Saleel" providerId="None"/>
+        <p15:presenceInfo xmlns="" xmlns:p15="http://schemas.microsoft.com/office/powerpoint/2012/main" userId="Saleel" providerId="None"/>
       </p:ext>
     </p:extLst>
   </p:cmAuthor>
@@ -228,7 +229,7 @@
             <a:fld id="{4DF51050-3720-483B-B552-57DC1341D582}" type="datetimeFigureOut">
               <a:rPr lang="en-US" smtClean="0"/>
               <a:pPr/>
-              <a:t>6/15/2020</a:t>
+              <a:t>6/20/2020</a:t>
             </a:fld>
             <a:endParaRPr lang="en-US"/>
           </a:p>
@@ -687,7 +688,7 @@
             <a:fld id="{EEE556E8-492E-4E8F-8E7F-7A7787724D01}" type="datetimeFigureOut">
               <a:rPr lang="en-US" smtClean="0"/>
               <a:pPr/>
-              <a:t>6/15/2020</a:t>
+              <a:t>6/20/2020</a:t>
             </a:fld>
             <a:endParaRPr lang="en-US"/>
           </a:p>
@@ -892,7 +893,7 @@
             <a:fld id="{EEE556E8-492E-4E8F-8E7F-7A7787724D01}" type="datetimeFigureOut">
               <a:rPr lang="en-US" smtClean="0"/>
               <a:pPr/>
-              <a:t>6/15/2020</a:t>
+              <a:t>6/20/2020</a:t>
             </a:fld>
             <a:endParaRPr lang="en-US"/>
           </a:p>
@@ -1097,7 +1098,7 @@
             <a:fld id="{EEE556E8-492E-4E8F-8E7F-7A7787724D01}" type="datetimeFigureOut">
               <a:rPr lang="en-US" smtClean="0"/>
               <a:pPr/>
-              <a:t>6/15/2020</a:t>
+              <a:t>6/20/2020</a:t>
             </a:fld>
             <a:endParaRPr lang="en-US"/>
           </a:p>
@@ -1302,7 +1303,7 @@
             <a:fld id="{EEE556E8-492E-4E8F-8E7F-7A7787724D01}" type="datetimeFigureOut">
               <a:rPr lang="en-US" smtClean="0"/>
               <a:pPr/>
-              <a:t>6/15/2020</a:t>
+              <a:t>6/20/2020</a:t>
             </a:fld>
             <a:endParaRPr lang="en-US"/>
           </a:p>
@@ -1574,7 +1575,7 @@
             <a:fld id="{EEE556E8-492E-4E8F-8E7F-7A7787724D01}" type="datetimeFigureOut">
               <a:rPr lang="en-US" smtClean="0"/>
               <a:pPr/>
-              <a:t>6/15/2020</a:t>
+              <a:t>6/20/2020</a:t>
             </a:fld>
             <a:endParaRPr lang="en-US"/>
           </a:p>
@@ -1894,7 +1895,7 @@
             <a:fld id="{EEE556E8-492E-4E8F-8E7F-7A7787724D01}" type="datetimeFigureOut">
               <a:rPr lang="en-US" smtClean="0"/>
               <a:pPr/>
-              <a:t>6/15/2020</a:t>
+              <a:t>6/20/2020</a:t>
             </a:fld>
             <a:endParaRPr lang="en-US"/>
           </a:p>
@@ -2354,7 +2355,7 @@
             <a:fld id="{EEE556E8-492E-4E8F-8E7F-7A7787724D01}" type="datetimeFigureOut">
               <a:rPr lang="en-US" smtClean="0"/>
               <a:pPr/>
-              <a:t>6/15/2020</a:t>
+              <a:t>6/20/2020</a:t>
             </a:fld>
             <a:endParaRPr lang="en-US"/>
           </a:p>
@@ -2500,7 +2501,7 @@
             <a:fld id="{EEE556E8-492E-4E8F-8E7F-7A7787724D01}" type="datetimeFigureOut">
               <a:rPr lang="en-US" smtClean="0"/>
               <a:pPr/>
-              <a:t>6/15/2020</a:t>
+              <a:t>6/20/2020</a:t>
             </a:fld>
             <a:endParaRPr lang="en-US"/>
           </a:p>
@@ -2830,7 +2831,7 @@
             <a:fld id="{EEE556E8-492E-4E8F-8E7F-7A7787724D01}" type="datetimeFigureOut">
               <a:rPr lang="en-US" smtClean="0"/>
               <a:pPr/>
-              <a:t>6/15/2020</a:t>
+              <a:t>6/20/2020</a:t>
             </a:fld>
             <a:endParaRPr lang="en-US"/>
           </a:p>
@@ -3112,7 +3113,7 @@
             <a:fld id="{EEE556E8-492E-4E8F-8E7F-7A7787724D01}" type="datetimeFigureOut">
               <a:rPr lang="en-US" smtClean="0"/>
               <a:pPr/>
-              <a:t>6/15/2020</a:t>
+              <a:t>6/20/2020</a:t>
             </a:fld>
             <a:endParaRPr lang="en-US"/>
           </a:p>
@@ -3498,7 +3499,7 @@
           <p:cNvPr id="8" name="Picture 7">
             <a:extLst>
               <a:ext uri="{FF2B5EF4-FFF2-40B4-BE49-F238E27FC236}">
-                <a16:creationId xmlns:a16="http://schemas.microsoft.com/office/drawing/2014/main" id="{FF24E983-0C73-4002-AA14-199E8763DD65}"/>
+                <a16:creationId xmlns="" xmlns:a16="http://schemas.microsoft.com/office/drawing/2014/main" id="{FF24E983-0C73-4002-AA14-199E8763DD65}"/>
               </a:ext>
             </a:extLst>
           </p:cNvPr>
@@ -3511,7 +3512,7 @@
           <a:blip r:embed="rId2" cstate="print">
             <a:extLst>
               <a:ext uri="{28A0092B-C50C-407E-A947-70E740481C1C}">
-                <a14:useLocalDpi xmlns:a14="http://schemas.microsoft.com/office/drawing/2010/main" val="0"/>
+                <a14:useLocalDpi xmlns="" xmlns:a14="http://schemas.microsoft.com/office/drawing/2010/main" val="0"/>
               </a:ext>
             </a:extLst>
           </a:blip>
@@ -3534,7 +3535,252 @@
           <p:cNvPr id="7" name="Footer Placeholder 2">
             <a:extLst>
               <a:ext uri="{FF2B5EF4-FFF2-40B4-BE49-F238E27FC236}">
-                <a16:creationId xmlns:a16="http://schemas.microsoft.com/office/drawing/2014/main" id="{E14F7621-66C5-47D6-A8C7-2B6C3CD2205A}"/>
+                <a16:creationId xmlns="" xmlns:a16="http://schemas.microsoft.com/office/drawing/2014/main" id="{E14F7621-66C5-47D6-A8C7-2B6C3CD2205A}"/>
+              </a:ext>
+            </a:extLst>
+          </p:cNvPr>
+          <p:cNvSpPr txBox="1">
+            <a:spLocks/>
+          </p:cNvSpPr>
+          <p:nvPr/>
+        </p:nvSpPr>
+        <p:spPr>
+          <a:xfrm>
+            <a:off x="3237431" y="6523037"/>
+            <a:ext cx="5400600" cy="365125"/>
+          </a:xfrm>
+          <a:prstGeom prst="rect">
+            <a:avLst/>
+          </a:prstGeom>
+        </p:spPr>
+        <p:txBody>
+          <a:bodyPr/>
+          <a:lstStyle>
+            <a:defPPr>
+              <a:defRPr lang="en-US"/>
+            </a:defPPr>
+            <a:lvl1pPr marL="0" algn="l" defTabSz="914400" rtl="0" eaLnBrk="1" latinLnBrk="0" hangingPunct="1">
+              <a:defRPr sz="1050" kern="1200">
+                <a:solidFill>
+                  <a:schemeClr val="tx1"/>
+                </a:solidFill>
+                <a:latin typeface="+mn-lt"/>
+                <a:ea typeface="+mn-ea"/>
+                <a:cs typeface="+mn-cs"/>
+              </a:defRPr>
+            </a:lvl1pPr>
+            <a:lvl2pPr marL="457200" algn="l" defTabSz="914400" rtl="0" eaLnBrk="1" latinLnBrk="0" hangingPunct="1">
+              <a:defRPr sz="1800" kern="1200">
+                <a:solidFill>
+                  <a:schemeClr val="tx1"/>
+                </a:solidFill>
+                <a:latin typeface="+mn-lt"/>
+                <a:ea typeface="+mn-ea"/>
+                <a:cs typeface="+mn-cs"/>
+              </a:defRPr>
+            </a:lvl2pPr>
+            <a:lvl3pPr marL="914400" algn="l" defTabSz="914400" rtl="0" eaLnBrk="1" latinLnBrk="0" hangingPunct="1">
+              <a:defRPr sz="1800" kern="1200">
+                <a:solidFill>
+                  <a:schemeClr val="tx1"/>
+                </a:solidFill>
+                <a:latin typeface="+mn-lt"/>
+                <a:ea typeface="+mn-ea"/>
+                <a:cs typeface="+mn-cs"/>
+              </a:defRPr>
+            </a:lvl3pPr>
+            <a:lvl4pPr marL="1371600" algn="l" defTabSz="914400" rtl="0" eaLnBrk="1" latinLnBrk="0" hangingPunct="1">
+              <a:defRPr sz="1800" kern="1200">
+                <a:solidFill>
+                  <a:schemeClr val="tx1"/>
+                </a:solidFill>
+                <a:latin typeface="+mn-lt"/>
+                <a:ea typeface="+mn-ea"/>
+                <a:cs typeface="+mn-cs"/>
+              </a:defRPr>
+            </a:lvl4pPr>
+            <a:lvl5pPr marL="1828800" algn="l" defTabSz="914400" rtl="0" eaLnBrk="1" latinLnBrk="0" hangingPunct="1">
+              <a:defRPr sz="1800" kern="1200">
+                <a:solidFill>
+                  <a:schemeClr val="tx1"/>
+                </a:solidFill>
+                <a:latin typeface="+mn-lt"/>
+                <a:ea typeface="+mn-ea"/>
+                <a:cs typeface="+mn-cs"/>
+              </a:defRPr>
+            </a:lvl5pPr>
+            <a:lvl6pPr marL="2286000" algn="l" defTabSz="914400" rtl="0" eaLnBrk="1" latinLnBrk="0" hangingPunct="1">
+              <a:defRPr sz="1800" kern="1200">
+                <a:solidFill>
+                  <a:schemeClr val="tx1"/>
+                </a:solidFill>
+                <a:latin typeface="+mn-lt"/>
+                <a:ea typeface="+mn-ea"/>
+                <a:cs typeface="+mn-cs"/>
+              </a:defRPr>
+            </a:lvl6pPr>
+            <a:lvl7pPr marL="2743200" algn="l" defTabSz="914400" rtl="0" eaLnBrk="1" latinLnBrk="0" hangingPunct="1">
+              <a:defRPr sz="1800" kern="1200">
+                <a:solidFill>
+                  <a:schemeClr val="tx1"/>
+                </a:solidFill>
+                <a:latin typeface="+mn-lt"/>
+                <a:ea typeface="+mn-ea"/>
+                <a:cs typeface="+mn-cs"/>
+              </a:defRPr>
+            </a:lvl7pPr>
+            <a:lvl8pPr marL="3200400" algn="l" defTabSz="914400" rtl="0" eaLnBrk="1" latinLnBrk="0" hangingPunct="1">
+              <a:defRPr sz="1800" kern="1200">
+                <a:solidFill>
+                  <a:schemeClr val="tx1"/>
+                </a:solidFill>
+                <a:latin typeface="+mn-lt"/>
+                <a:ea typeface="+mn-ea"/>
+                <a:cs typeface="+mn-cs"/>
+              </a:defRPr>
+            </a:lvl8pPr>
+            <a:lvl9pPr marL="3657600" algn="l" defTabSz="914400" rtl="0" eaLnBrk="1" latinLnBrk="0" hangingPunct="1">
+              <a:defRPr sz="1800" kern="1200">
+                <a:solidFill>
+                  <a:schemeClr val="tx1"/>
+                </a:solidFill>
+                <a:latin typeface="+mn-lt"/>
+                <a:ea typeface="+mn-ea"/>
+                <a:cs typeface="+mn-cs"/>
+              </a:defRPr>
+            </a:lvl9pPr>
+          </a:lstStyle>
+          <a:p>
+            <a:r>
+              <a:rPr lang="en-US" dirty="0"/>
+              <a:t>Infoway Technologies, 3rd  Floor Commerce Centre, Rambaug Colony, Paud Road Pune 411038</a:t>
+            </a:r>
+            <a:endParaRPr lang="en-IN" dirty="0"/>
+          </a:p>
+          <a:p>
+            <a:endParaRPr lang="en-US" dirty="0"/>
+          </a:p>
+        </p:txBody>
+      </p:sp>
+      <p:sp>
+        <p:nvSpPr>
+          <p:cNvPr id="10" name="Title 1"/>
+          <p:cNvSpPr txBox="1">
+            <a:spLocks/>
+          </p:cNvSpPr>
+          <p:nvPr/>
+        </p:nvSpPr>
+        <p:spPr>
+          <a:xfrm>
+            <a:off x="1676182" y="2442592"/>
+            <a:ext cx="8838049" cy="914400"/>
+          </a:xfrm>
+          <a:prstGeom prst="rect">
+            <a:avLst/>
+          </a:prstGeom>
+        </p:spPr>
+        <p:txBody>
+          <a:bodyPr>
+            <a:normAutofit/>
+          </a:bodyPr>
+          <a:lstStyle/>
+          <a:p>
+            <a:pPr algn="ctr">
+              <a:spcBef>
+                <a:spcPct val="0"/>
+              </a:spcBef>
+              <a:defRPr/>
+            </a:pPr>
+            <a:r>
+              <a:rPr lang="en-US" sz="4800" dirty="0" smtClean="0"/>
+              <a:t>Introduction to DML commands</a:t>
+            </a:r>
+            <a:endParaRPr lang="en-IN" sz="4800" dirty="0">
+              <a:latin typeface="Segoe UI Light" panose="020B0502040204020203" pitchFamily="34" charset="0"/>
+              <a:cs typeface="Segoe UI Light" panose="020B0502040204020203" pitchFamily="34" charset="0"/>
+            </a:endParaRPr>
+          </a:p>
+        </p:txBody>
+      </p:sp>
+    </p:spTree>
+    <p:extLst>
+      <p:ext uri="{BB962C8B-B14F-4D97-AF65-F5344CB8AC3E}">
+        <p14:creationId xmlns="" xmlns:p14="http://schemas.microsoft.com/office/powerpoint/2010/main" val="2547664928"/>
+      </p:ext>
+    </p:extLst>
+  </p:cSld>
+  <p:clrMapOvr>
+    <a:masterClrMapping/>
+  </p:clrMapOvr>
+  <p:timing>
+    <p:tnLst>
+      <p:par>
+        <p:cTn id="1" dur="indefinite" restart="never" nodeType="tmRoot"/>
+      </p:par>
+    </p:tnLst>
+  </p:timing>
+</p:sld>
+</file>
+
+<file path=ppt/slides/slide2.xml><?xml version="1.0" encoding="utf-8"?>
+<p:sld xmlns:a="http://schemas.openxmlformats.org/drawingml/2006/main" xmlns:r="http://schemas.openxmlformats.org/officeDocument/2006/relationships" xmlns:p="http://schemas.openxmlformats.org/presentationml/2006/main">
+  <p:cSld>
+    <p:spTree>
+      <p:nvGrpSpPr>
+        <p:cNvPr id="1" name=""/>
+        <p:cNvGrpSpPr/>
+        <p:nvPr/>
+      </p:nvGrpSpPr>
+      <p:grpSpPr>
+        <a:xfrm>
+          <a:off x="0" y="0"/>
+          <a:ext cx="0" cy="0"/>
+          <a:chOff x="0" y="0"/>
+          <a:chExt cx="0" cy="0"/>
+        </a:xfrm>
+      </p:grpSpPr>
+      <p:pic>
+        <p:nvPicPr>
+          <p:cNvPr id="8" name="Picture 7">
+            <a:extLst>
+              <a:ext uri="{FF2B5EF4-FFF2-40B4-BE49-F238E27FC236}">
+                <a16:creationId xmlns="" xmlns:a16="http://schemas.microsoft.com/office/drawing/2014/main" id="{FF24E983-0C73-4002-AA14-199E8763DD65}"/>
+              </a:ext>
+            </a:extLst>
+          </p:cNvPr>
+          <p:cNvPicPr>
+            <a:picLocks noChangeAspect="1"/>
+          </p:cNvPicPr>
+          <p:nvPr/>
+        </p:nvPicPr>
+        <p:blipFill>
+          <a:blip r:embed="rId2" cstate="print">
+            <a:extLst>
+              <a:ext uri="{28A0092B-C50C-407E-A947-70E740481C1C}">
+                <a14:useLocalDpi xmlns="" xmlns:a14="http://schemas.microsoft.com/office/drawing/2010/main" val="0"/>
+              </a:ext>
+            </a:extLst>
+          </a:blip>
+          <a:stretch>
+            <a:fillRect/>
+          </a:stretch>
+        </p:blipFill>
+        <p:spPr>
+          <a:xfrm>
+            <a:off x="118542" y="116632"/>
+            <a:ext cx="1371859" cy="445150"/>
+          </a:xfrm>
+          <a:prstGeom prst="rect">
+            <a:avLst/>
+          </a:prstGeom>
+        </p:spPr>
+      </p:pic>
+      <p:sp>
+        <p:nvSpPr>
+          <p:cNvPr id="7" name="Footer Placeholder 2">
+            <a:extLst>
+              <a:ext uri="{FF2B5EF4-FFF2-40B4-BE49-F238E27FC236}">
+                <a16:creationId xmlns="" xmlns:a16="http://schemas.microsoft.com/office/drawing/2014/main" id="{E14F7621-66C5-47D6-A8C7-2B6C3CD2205A}"/>
               </a:ext>
             </a:extLst>
           </p:cNvPr>
@@ -3831,9 +4077,6 @@
               </a:rPr>
               <a:t>INSEERT</a:t>
             </a:r>
-            <a:endParaRPr lang="en-US" dirty="0" smtClean="0">
-              <a:latin typeface="Palatino Linotype" pitchFamily="18" charset="0"/>
-            </a:endParaRPr>
           </a:p>
           <a:p>
             <a:pPr marL="342900" indent="-342900">
@@ -3846,9 +4089,6 @@
               </a:rPr>
               <a:t>SELECT</a:t>
             </a:r>
-            <a:endParaRPr lang="en-US" dirty="0" smtClean="0">
-              <a:latin typeface="Palatino Linotype" pitchFamily="18" charset="0"/>
-            </a:endParaRPr>
           </a:p>
           <a:p>
             <a:pPr marL="342900" indent="-342900">
@@ -3882,7 +4122,7 @@
     </p:spTree>
     <p:extLst>
       <p:ext uri="{BB962C8B-B14F-4D97-AF65-F5344CB8AC3E}">
-        <p14:creationId xmlns:p14="http://schemas.microsoft.com/office/powerpoint/2010/main" val="2547664928"/>
+        <p14:creationId xmlns="" xmlns:p14="http://schemas.microsoft.com/office/powerpoint/2010/main" val="2547664928"/>
       </p:ext>
     </p:extLst>
   </p:cSld>
@@ -3970,574 +4210,6 @@
 </p:sld>
 </file>
 
-<file path=ppt/slides/slide2.xml><?xml version="1.0" encoding="utf-8"?>
-<p:sld xmlns:a="http://schemas.openxmlformats.org/drawingml/2006/main" xmlns:r="http://schemas.openxmlformats.org/officeDocument/2006/relationships" xmlns:p="http://schemas.openxmlformats.org/presentationml/2006/main">
-  <p:cSld>
-    <p:spTree>
-      <p:nvGrpSpPr>
-        <p:cNvPr id="1" name=""/>
-        <p:cNvGrpSpPr/>
-        <p:nvPr/>
-      </p:nvGrpSpPr>
-      <p:grpSpPr>
-        <a:xfrm>
-          <a:off x="0" y="0"/>
-          <a:ext cx="0" cy="0"/>
-          <a:chOff x="0" y="0"/>
-          <a:chExt cx="0" cy="0"/>
-        </a:xfrm>
-      </p:grpSpPr>
-      <p:sp>
-        <p:nvSpPr>
-          <p:cNvPr id="5" name="Rectangle 4"/>
-          <p:cNvSpPr/>
-          <p:nvPr/>
-        </p:nvSpPr>
-        <p:spPr>
-          <a:xfrm>
-            <a:off x="358716" y="899428"/>
-            <a:ext cx="9281562" cy="369332"/>
-          </a:xfrm>
-          <a:prstGeom prst="rect">
-            <a:avLst/>
-          </a:prstGeom>
-        </p:spPr>
-        <p:txBody>
-          <a:bodyPr wrap="square">
-            <a:spAutoFit/>
-          </a:bodyPr>
-          <a:lstStyle/>
-          <a:p>
-            <a:r>
-              <a:rPr lang="en-US" dirty="0" smtClean="0">
-                <a:latin typeface="Palatino Linotype" panose="02040502050505030304" pitchFamily="18" charset="0"/>
-              </a:rPr>
-              <a:t>The </a:t>
-            </a:r>
-            <a:r>
-              <a:rPr lang="en-US" b="1" dirty="0" smtClean="0">
-                <a:latin typeface="Palatino Linotype" panose="02040502050505030304" pitchFamily="18" charset="0"/>
-              </a:rPr>
-              <a:t>INSERT</a:t>
-            </a:r>
-            <a:r>
-              <a:rPr lang="en-US" dirty="0" smtClean="0">
-                <a:latin typeface="Palatino Linotype" panose="02040502050505030304" pitchFamily="18" charset="0"/>
-              </a:rPr>
-              <a:t> </a:t>
-            </a:r>
-            <a:r>
-              <a:rPr lang="en-US" b="1" dirty="0" smtClean="0">
-                <a:latin typeface="Palatino Linotype" panose="02040502050505030304" pitchFamily="18" charset="0"/>
-              </a:rPr>
-              <a:t>INTO</a:t>
-            </a:r>
-            <a:r>
-              <a:rPr lang="en-US" dirty="0" smtClean="0">
-                <a:latin typeface="Palatino Linotype" panose="02040502050505030304" pitchFamily="18" charset="0"/>
-              </a:rPr>
-              <a:t> s</a:t>
-            </a:r>
-            <a:r>
-              <a:rPr lang="en-US" b="1" dirty="0" smtClean="0">
-                <a:latin typeface="Palatino Linotype" panose="02040502050505030304" pitchFamily="18" charset="0"/>
-              </a:rPr>
-              <a:t>tatement</a:t>
-            </a:r>
-            <a:r>
-              <a:rPr lang="en-US" dirty="0" smtClean="0">
-                <a:latin typeface="Palatino Linotype" panose="02040502050505030304" pitchFamily="18" charset="0"/>
-              </a:rPr>
-              <a:t> is used to add new rows of data to a table in the database.</a:t>
-            </a:r>
-            <a:endParaRPr lang="en-IN" dirty="0">
-              <a:latin typeface="Palatino Linotype" panose="02040502050505030304" pitchFamily="18" charset="0"/>
-              <a:cs typeface="Arial" panose="020B0604020202020204" pitchFamily="34" charset="0"/>
-            </a:endParaRPr>
-          </a:p>
-        </p:txBody>
-      </p:sp>
-      <p:pic>
-        <p:nvPicPr>
-          <p:cNvPr id="18" name="Picture 17">
-            <a:extLst>
-              <a:ext uri="{FF2B5EF4-FFF2-40B4-BE49-F238E27FC236}">
-                <a16:creationId xmlns:a16="http://schemas.microsoft.com/office/drawing/2014/main" id="{1BC29D4B-0260-49F9-9E5E-2135514E8A88}"/>
-              </a:ext>
-            </a:extLst>
-          </p:cNvPr>
-          <p:cNvPicPr>
-            <a:picLocks noChangeAspect="1"/>
-          </p:cNvPicPr>
-          <p:nvPr/>
-        </p:nvPicPr>
-        <p:blipFill>
-          <a:blip r:embed="rId2" cstate="print">
-            <a:extLst>
-              <a:ext uri="{28A0092B-C50C-407E-A947-70E740481C1C}">
-                <a14:useLocalDpi xmlns:a14="http://schemas.microsoft.com/office/drawing/2010/main" val="0"/>
-              </a:ext>
-            </a:extLst>
-          </a:blip>
-          <a:stretch>
-            <a:fillRect/>
-          </a:stretch>
-        </p:blipFill>
-        <p:spPr>
-          <a:xfrm>
-            <a:off x="118542" y="116632"/>
-            <a:ext cx="1371859" cy="445150"/>
-          </a:xfrm>
-          <a:prstGeom prst="rect">
-            <a:avLst/>
-          </a:prstGeom>
-        </p:spPr>
-      </p:pic>
-      <p:sp>
-        <p:nvSpPr>
-          <p:cNvPr id="19" name="Footer Placeholder 2">
-            <a:extLst>
-              <a:ext uri="{FF2B5EF4-FFF2-40B4-BE49-F238E27FC236}">
-                <a16:creationId xmlns:a16="http://schemas.microsoft.com/office/drawing/2014/main" id="{379BDE68-4144-4701-89F7-BDDAFF7975E1}"/>
-              </a:ext>
-            </a:extLst>
-          </p:cNvPr>
-          <p:cNvSpPr txBox="1">
-            <a:spLocks/>
-          </p:cNvSpPr>
-          <p:nvPr/>
-        </p:nvSpPr>
-        <p:spPr>
-          <a:xfrm>
-            <a:off x="3237431" y="6523037"/>
-            <a:ext cx="5400600" cy="365125"/>
-          </a:xfrm>
-          <a:prstGeom prst="rect">
-            <a:avLst/>
-          </a:prstGeom>
-        </p:spPr>
-        <p:txBody>
-          <a:bodyPr/>
-          <a:lstStyle>
-            <a:defPPr>
-              <a:defRPr lang="en-US"/>
-            </a:defPPr>
-            <a:lvl1pPr marL="0" algn="l" defTabSz="914400" rtl="0" eaLnBrk="1" latinLnBrk="0" hangingPunct="1">
-              <a:defRPr sz="1050" kern="1200">
-                <a:solidFill>
-                  <a:schemeClr val="tx1"/>
-                </a:solidFill>
-                <a:latin typeface="+mn-lt"/>
-                <a:ea typeface="+mn-ea"/>
-                <a:cs typeface="+mn-cs"/>
-              </a:defRPr>
-            </a:lvl1pPr>
-            <a:lvl2pPr marL="457200" algn="l" defTabSz="914400" rtl="0" eaLnBrk="1" latinLnBrk="0" hangingPunct="1">
-              <a:defRPr sz="1800" kern="1200">
-                <a:solidFill>
-                  <a:schemeClr val="tx1"/>
-                </a:solidFill>
-                <a:latin typeface="+mn-lt"/>
-                <a:ea typeface="+mn-ea"/>
-                <a:cs typeface="+mn-cs"/>
-              </a:defRPr>
-            </a:lvl2pPr>
-            <a:lvl3pPr marL="914400" algn="l" defTabSz="914400" rtl="0" eaLnBrk="1" latinLnBrk="0" hangingPunct="1">
-              <a:defRPr sz="1800" kern="1200">
-                <a:solidFill>
-                  <a:schemeClr val="tx1"/>
-                </a:solidFill>
-                <a:latin typeface="+mn-lt"/>
-                <a:ea typeface="+mn-ea"/>
-                <a:cs typeface="+mn-cs"/>
-              </a:defRPr>
-            </a:lvl3pPr>
-            <a:lvl4pPr marL="1371600" algn="l" defTabSz="914400" rtl="0" eaLnBrk="1" latinLnBrk="0" hangingPunct="1">
-              <a:defRPr sz="1800" kern="1200">
-                <a:solidFill>
-                  <a:schemeClr val="tx1"/>
-                </a:solidFill>
-                <a:latin typeface="+mn-lt"/>
-                <a:ea typeface="+mn-ea"/>
-                <a:cs typeface="+mn-cs"/>
-              </a:defRPr>
-            </a:lvl4pPr>
-            <a:lvl5pPr marL="1828800" algn="l" defTabSz="914400" rtl="0" eaLnBrk="1" latinLnBrk="0" hangingPunct="1">
-              <a:defRPr sz="1800" kern="1200">
-                <a:solidFill>
-                  <a:schemeClr val="tx1"/>
-                </a:solidFill>
-                <a:latin typeface="+mn-lt"/>
-                <a:ea typeface="+mn-ea"/>
-                <a:cs typeface="+mn-cs"/>
-              </a:defRPr>
-            </a:lvl5pPr>
-            <a:lvl6pPr marL="2286000" algn="l" defTabSz="914400" rtl="0" eaLnBrk="1" latinLnBrk="0" hangingPunct="1">
-              <a:defRPr sz="1800" kern="1200">
-                <a:solidFill>
-                  <a:schemeClr val="tx1"/>
-                </a:solidFill>
-                <a:latin typeface="+mn-lt"/>
-                <a:ea typeface="+mn-ea"/>
-                <a:cs typeface="+mn-cs"/>
-              </a:defRPr>
-            </a:lvl6pPr>
-            <a:lvl7pPr marL="2743200" algn="l" defTabSz="914400" rtl="0" eaLnBrk="1" latinLnBrk="0" hangingPunct="1">
-              <a:defRPr sz="1800" kern="1200">
-                <a:solidFill>
-                  <a:schemeClr val="tx1"/>
-                </a:solidFill>
-                <a:latin typeface="+mn-lt"/>
-                <a:ea typeface="+mn-ea"/>
-                <a:cs typeface="+mn-cs"/>
-              </a:defRPr>
-            </a:lvl7pPr>
-            <a:lvl8pPr marL="3200400" algn="l" defTabSz="914400" rtl="0" eaLnBrk="1" latinLnBrk="0" hangingPunct="1">
-              <a:defRPr sz="1800" kern="1200">
-                <a:solidFill>
-                  <a:schemeClr val="tx1"/>
-                </a:solidFill>
-                <a:latin typeface="+mn-lt"/>
-                <a:ea typeface="+mn-ea"/>
-                <a:cs typeface="+mn-cs"/>
-              </a:defRPr>
-            </a:lvl8pPr>
-            <a:lvl9pPr marL="3657600" algn="l" defTabSz="914400" rtl="0" eaLnBrk="1" latinLnBrk="0" hangingPunct="1">
-              <a:defRPr sz="1800" kern="1200">
-                <a:solidFill>
-                  <a:schemeClr val="tx1"/>
-                </a:solidFill>
-                <a:latin typeface="+mn-lt"/>
-                <a:ea typeface="+mn-ea"/>
-                <a:cs typeface="+mn-cs"/>
-              </a:defRPr>
-            </a:lvl9pPr>
-          </a:lstStyle>
-          <a:p>
-            <a:r>
-              <a:rPr lang="en-US" dirty="0"/>
-              <a:t>Infoway Technologies, 3rd  Floor Commerce Centre, Rambaug Colony, Paud Road Pune 411038</a:t>
-            </a:r>
-            <a:endParaRPr lang="en-IN" dirty="0"/>
-          </a:p>
-          <a:p>
-            <a:endParaRPr lang="en-US" dirty="0"/>
-          </a:p>
-        </p:txBody>
-      </p:sp>
-      <p:sp>
-        <p:nvSpPr>
-          <p:cNvPr id="21" name="Rectangle 20">
-            <a:extLst>
-              <a:ext uri="{FF2B5EF4-FFF2-40B4-BE49-F238E27FC236}">
-                <a16:creationId xmlns:a16="http://schemas.microsoft.com/office/drawing/2014/main" id="{09A4DD51-F450-4FA7-BA18-C2A26D10D72C}"/>
-              </a:ext>
-            </a:extLst>
-          </p:cNvPr>
-          <p:cNvSpPr/>
-          <p:nvPr/>
-        </p:nvSpPr>
-        <p:spPr>
-          <a:xfrm>
-            <a:off x="1523802" y="2"/>
-            <a:ext cx="9142810" cy="837473"/>
-          </a:xfrm>
-          <a:prstGeom prst="rect">
-            <a:avLst/>
-          </a:prstGeom>
-          <a:solidFill>
-            <a:schemeClr val="bg1"/>
-          </a:solidFill>
-        </p:spPr>
-        <p:txBody>
-          <a:bodyPr wrap="square">
-            <a:spAutoFit/>
-          </a:bodyPr>
-          <a:lstStyle/>
-          <a:p>
-            <a:pPr algn="r" fontAlgn="base">
-              <a:lnSpc>
-                <a:spcPct val="150000"/>
-              </a:lnSpc>
-            </a:pPr>
-            <a:r>
-              <a:rPr lang="en-US" sz="3600" dirty="0" smtClean="0"/>
-              <a:t>INSERT</a:t>
-            </a:r>
-            <a:endParaRPr lang="en-US" sz="3600" dirty="0"/>
-          </a:p>
-        </p:txBody>
-      </p:sp>
-      <p:sp>
-        <p:nvSpPr>
-          <p:cNvPr id="25" name="Rectangle 24"/>
-          <p:cNvSpPr/>
-          <p:nvPr/>
-        </p:nvSpPr>
-        <p:spPr>
-          <a:xfrm>
-            <a:off x="190550" y="2908682"/>
-            <a:ext cx="11809312" cy="1600438"/>
-          </a:xfrm>
-          <a:prstGeom prst="rect">
-            <a:avLst/>
-          </a:prstGeom>
-        </p:spPr>
-        <p:txBody>
-          <a:bodyPr wrap="square">
-            <a:spAutoFit/>
-          </a:bodyPr>
-          <a:lstStyle/>
-          <a:p>
-            <a:pPr marL="342900" indent="-342900">
-              <a:buFont typeface="Arial" pitchFamily="34" charset="0"/>
-              <a:buChar char="•"/>
-            </a:pPr>
-            <a:r>
-              <a:rPr lang="en-US" dirty="0" smtClean="0">
-                <a:latin typeface="Palatino Linotype" panose="02040502050505030304" pitchFamily="18" charset="0"/>
-                <a:cs typeface="Arial" pitchFamily="34" charset="0"/>
-              </a:rPr>
-              <a:t>INSERT INTO student VALUES (5</a:t>
-            </a:r>
-            <a:r>
-              <a:rPr lang="en-US" dirty="0">
-                <a:latin typeface="Palatino Linotype" panose="02040502050505030304" pitchFamily="18" charset="0"/>
-                <a:cs typeface="Arial" pitchFamily="34" charset="0"/>
-              </a:rPr>
-              <a:t>, '</a:t>
-            </a:r>
-            <a:r>
-              <a:rPr lang="en-US" dirty="0" err="1">
-                <a:latin typeface="Palatino Linotype" panose="02040502050505030304" pitchFamily="18" charset="0"/>
-                <a:cs typeface="Arial" pitchFamily="34" charset="0"/>
-              </a:rPr>
-              <a:t>sohan</a:t>
-            </a:r>
-            <a:r>
-              <a:rPr lang="en-US" dirty="0">
-                <a:latin typeface="Palatino Linotype" panose="02040502050505030304" pitchFamily="18" charset="0"/>
-                <a:cs typeface="Arial" pitchFamily="34" charset="0"/>
-              </a:rPr>
-              <a:t>', '</a:t>
-            </a:r>
-            <a:r>
-              <a:rPr lang="en-US" dirty="0" err="1">
-                <a:latin typeface="Palatino Linotype" panose="02040502050505030304" pitchFamily="18" charset="0"/>
-                <a:cs typeface="Arial" pitchFamily="34" charset="0"/>
-              </a:rPr>
-              <a:t>kumar</a:t>
-            </a:r>
-            <a:r>
-              <a:rPr lang="en-US" dirty="0" smtClean="0">
-                <a:latin typeface="Palatino Linotype" panose="02040502050505030304" pitchFamily="18" charset="0"/>
-                <a:cs typeface="Arial" pitchFamily="34" charset="0"/>
-              </a:rPr>
-              <a:t>', '1999-09-19', </a:t>
-            </a:r>
-            <a:r>
-              <a:rPr lang="en-US" dirty="0">
-                <a:latin typeface="Palatino Linotype" panose="02040502050505030304" pitchFamily="18" charset="0"/>
-                <a:cs typeface="Arial" pitchFamily="34" charset="0"/>
-              </a:rPr>
-              <a:t>'sohankumar@gmail.com</a:t>
-            </a:r>
-            <a:r>
-              <a:rPr lang="en-US" dirty="0" smtClean="0">
-                <a:latin typeface="Palatino Linotype" panose="02040502050505030304" pitchFamily="18" charset="0"/>
-                <a:cs typeface="Arial" pitchFamily="34" charset="0"/>
-              </a:rPr>
-              <a:t>');</a:t>
-            </a:r>
-          </a:p>
-          <a:p>
-            <a:pPr marL="342900" indent="-342900">
-              <a:buFont typeface="Arial" pitchFamily="34" charset="0"/>
-              <a:buChar char="•"/>
-            </a:pPr>
-            <a:endParaRPr lang="en-US" dirty="0">
-              <a:latin typeface="Palatino Linotype" panose="02040502050505030304" pitchFamily="18" charset="0"/>
-              <a:cs typeface="Arial" pitchFamily="34" charset="0"/>
-            </a:endParaRPr>
-          </a:p>
-          <a:p>
-            <a:pPr marL="342900" indent="-342900">
-              <a:buFont typeface="Arial" pitchFamily="34" charset="0"/>
-              <a:buChar char="•"/>
-            </a:pPr>
-            <a:r>
-              <a:rPr lang="en-US" dirty="0">
-                <a:latin typeface="Palatino Linotype" panose="02040502050505030304" pitchFamily="18" charset="0"/>
-                <a:cs typeface="Arial" pitchFamily="34" charset="0"/>
-              </a:rPr>
-              <a:t>INSERT INTO student_address VALUES </a:t>
-            </a:r>
-            <a:r>
-              <a:rPr lang="en-US" dirty="0" smtClean="0">
-                <a:latin typeface="Palatino Linotype" panose="02040502050505030304" pitchFamily="18" charset="0"/>
-                <a:cs typeface="Arial" pitchFamily="34" charset="0"/>
-              </a:rPr>
-              <a:t>(5, </a:t>
-            </a:r>
-            <a:r>
-              <a:rPr lang="en-US" dirty="0">
-                <a:latin typeface="Palatino Linotype" panose="02040502050505030304" pitchFamily="18" charset="0"/>
-                <a:cs typeface="Arial" pitchFamily="34" charset="0"/>
-              </a:rPr>
-              <a:t>'station road', 'baroda');</a:t>
-            </a:r>
-          </a:p>
-          <a:p>
-            <a:pPr marL="342900" indent="-342900">
-              <a:buFont typeface="Arial" pitchFamily="34" charset="0"/>
-              <a:buChar char="•"/>
-            </a:pPr>
-            <a:endParaRPr lang="en-US" dirty="0">
-              <a:latin typeface="Palatino Linotype" panose="02040502050505030304" pitchFamily="18" charset="0"/>
-              <a:cs typeface="Arial" pitchFamily="34" charset="0"/>
-            </a:endParaRPr>
-          </a:p>
-          <a:p>
-            <a:pPr marL="342900" indent="-342900">
-              <a:buFont typeface="Arial" pitchFamily="34" charset="0"/>
-              <a:buChar char="•"/>
-            </a:pPr>
-            <a:r>
-              <a:rPr lang="en-US" dirty="0" smtClean="0">
-                <a:latin typeface="Palatino Linotype" panose="02040502050505030304" pitchFamily="18" charset="0"/>
-                <a:cs typeface="Arial" pitchFamily="34" charset="0"/>
-              </a:rPr>
-              <a:t>INSERT </a:t>
-            </a:r>
-            <a:r>
-              <a:rPr lang="en-US" dirty="0">
-                <a:latin typeface="Palatino Linotype" panose="02040502050505030304" pitchFamily="18" charset="0"/>
-                <a:cs typeface="Arial" pitchFamily="34" charset="0"/>
-              </a:rPr>
-              <a:t>INTO student_hobbies VALUES </a:t>
-            </a:r>
-            <a:r>
-              <a:rPr lang="en-US" dirty="0" smtClean="0">
-                <a:latin typeface="Palatino Linotype" panose="02040502050505030304" pitchFamily="18" charset="0"/>
-                <a:cs typeface="Arial" pitchFamily="34" charset="0"/>
-              </a:rPr>
-              <a:t>(7, </a:t>
-            </a:r>
-            <a:r>
-              <a:rPr lang="en-US" dirty="0">
-                <a:latin typeface="Palatino Linotype" panose="02040502050505030304" pitchFamily="18" charset="0"/>
-                <a:cs typeface="Arial" pitchFamily="34" charset="0"/>
-              </a:rPr>
-              <a:t>1, '</a:t>
-            </a:r>
-            <a:r>
-              <a:rPr lang="en-US" dirty="0" smtClean="0">
-                <a:latin typeface="Palatino Linotype" panose="02040502050505030304" pitchFamily="18" charset="0"/>
-                <a:cs typeface="Arial" pitchFamily="34" charset="0"/>
-              </a:rPr>
-              <a:t>football');</a:t>
-            </a:r>
-          </a:p>
-          <a:p>
-            <a:pPr marL="342900" indent="-342900">
-              <a:buFont typeface="Arial" pitchFamily="34" charset="0"/>
-              <a:buChar char="•"/>
-            </a:pPr>
-            <a:endParaRPr lang="en-US" sz="800" dirty="0" smtClean="0">
-              <a:latin typeface="Palatino Linotype" panose="02040502050505030304" pitchFamily="18" charset="0"/>
-              <a:cs typeface="Arial" pitchFamily="34" charset="0"/>
-            </a:endParaRPr>
-          </a:p>
-        </p:txBody>
-      </p:sp>
-      <p:sp>
-        <p:nvSpPr>
-          <p:cNvPr id="2" name="Rectangle 1"/>
-          <p:cNvSpPr/>
-          <p:nvPr/>
-        </p:nvSpPr>
-        <p:spPr>
-          <a:xfrm>
-            <a:off x="358716" y="1554067"/>
-            <a:ext cx="8616810" cy="646331"/>
-          </a:xfrm>
-          <a:prstGeom prst="rect">
-            <a:avLst/>
-          </a:prstGeom>
-        </p:spPr>
-        <p:txBody>
-          <a:bodyPr wrap="square">
-            <a:spAutoFit/>
-          </a:bodyPr>
-          <a:lstStyle/>
-          <a:p>
-            <a:r>
-              <a:rPr lang="en-US" dirty="0">
-                <a:latin typeface="Palatino Linotype" panose="02040502050505030304" pitchFamily="18" charset="0"/>
-              </a:rPr>
-              <a:t>INSERT INTO table_name </a:t>
-            </a:r>
-            <a:r>
-              <a:rPr lang="en-US" dirty="0" smtClean="0">
-                <a:latin typeface="Palatino Linotype" panose="02040502050505030304" pitchFamily="18" charset="0"/>
-              </a:rPr>
-              <a:t>[(</a:t>
-            </a:r>
-            <a:r>
-              <a:rPr lang="en-US" dirty="0">
-                <a:latin typeface="Palatino Linotype" panose="02040502050505030304" pitchFamily="18" charset="0"/>
-              </a:rPr>
-              <a:t>column1, column2, column3, </a:t>
-            </a:r>
-            <a:r>
-              <a:rPr lang="en-US" dirty="0" smtClean="0">
-                <a:latin typeface="Palatino Linotype" panose="02040502050505030304" pitchFamily="18" charset="0"/>
-              </a:rPr>
-              <a:t>...)]</a:t>
-            </a:r>
-            <a:r>
-              <a:rPr lang="en-US" dirty="0">
-                <a:latin typeface="Palatino Linotype" panose="02040502050505030304" pitchFamily="18" charset="0"/>
-              </a:rPr>
-              <a:t/>
-            </a:r>
-            <a:br>
-              <a:rPr lang="en-US" dirty="0">
-                <a:latin typeface="Palatino Linotype" panose="02040502050505030304" pitchFamily="18" charset="0"/>
-              </a:rPr>
-            </a:br>
-            <a:r>
-              <a:rPr lang="en-US" dirty="0">
-                <a:latin typeface="Palatino Linotype" panose="02040502050505030304" pitchFamily="18" charset="0"/>
-              </a:rPr>
-              <a:t>VALUES (value1, value2, value3, ...);</a:t>
-            </a:r>
-            <a:endParaRPr lang="en-IN" dirty="0">
-              <a:latin typeface="Palatino Linotype" panose="02040502050505030304" pitchFamily="18" charset="0"/>
-            </a:endParaRPr>
-          </a:p>
-        </p:txBody>
-      </p:sp>
-    </p:spTree>
-    <p:extLst>
-      <p:ext uri="{BB962C8B-B14F-4D97-AF65-F5344CB8AC3E}">
-        <p14:creationId xmlns:p14="http://schemas.microsoft.com/office/powerpoint/2010/main" val="3166758523"/>
-      </p:ext>
-    </p:extLst>
-  </p:cSld>
-  <p:clrMapOvr>
-    <a:masterClrMapping/>
-  </p:clrMapOvr>
-  <p:timing>
-    <p:tnLst>
-      <p:par>
-        <p:cTn id="1" dur="indefinite" restart="never" nodeType="tmRoot"/>
-      </p:par>
-    </p:tnLst>
-  </p:timing>
-</p:sld>
-</file>
-
 <file path=ppt/slides/slide3.xml><?xml version="1.0" encoding="utf-8"?>
 <p:sld xmlns:a="http://schemas.openxmlformats.org/drawingml/2006/main" xmlns:r="http://schemas.openxmlformats.org/officeDocument/2006/relationships" xmlns:p="http://schemas.openxmlformats.org/presentationml/2006/main">
   <p:cSld>
@@ -4557,76 +4229,80 @@
       </p:grpSpPr>
       <p:sp>
         <p:nvSpPr>
-          <p:cNvPr id="58370" name="AutoShape 2" descr="One-to-one entity relationship diagram"/>
-          <p:cNvSpPr>
-            <a:spLocks noChangeAspect="1" noChangeArrowheads="1"/>
-          </p:cNvSpPr>
+          <p:cNvPr id="5" name="Rectangle 4"/>
+          <p:cNvSpPr/>
           <p:nvPr/>
         </p:nvSpPr>
-        <p:spPr bwMode="auto">
-          <a:xfrm>
-            <a:off x="1679356" y="-144463"/>
-            <a:ext cx="304760" cy="304801"/>
-          </a:xfrm>
-          <a:prstGeom prst="rect">
-            <a:avLst/>
-          </a:prstGeom>
-          <a:noFill/>
-        </p:spPr>
-        <p:txBody>
-          <a:bodyPr vert="horz" wrap="square" lIns="91440" tIns="45720" rIns="91440" bIns="45720" numCol="1" anchor="t" anchorCtr="0" compatLnSpc="1">
-            <a:prstTxWarp prst="textNoShape">
-              <a:avLst/>
-            </a:prstTxWarp>
+        <p:spPr>
+          <a:xfrm>
+            <a:off x="358716" y="899428"/>
+            <a:ext cx="9281562" cy="369332"/>
+          </a:xfrm>
+          <a:prstGeom prst="rect">
+            <a:avLst/>
+          </a:prstGeom>
+        </p:spPr>
+        <p:txBody>
+          <a:bodyPr wrap="square">
+            <a:spAutoFit/>
           </a:bodyPr>
           <a:lstStyle/>
           <a:p>
-            <a:endParaRPr lang="en-US" dirty="0">
-              <a:latin typeface="Arial" pitchFamily="34" charset="0"/>
-              <a:cs typeface="Arial" pitchFamily="34" charset="0"/>
-            </a:endParaRPr>
-          </a:p>
-        </p:txBody>
-      </p:sp>
-      <p:sp>
-        <p:nvSpPr>
-          <p:cNvPr id="58372" name="AutoShape 4" descr="One-to-one entity relationship diagram"/>
-          <p:cNvSpPr>
-            <a:spLocks noChangeAspect="1" noChangeArrowheads="1"/>
-          </p:cNvSpPr>
-          <p:nvPr/>
-        </p:nvSpPr>
-        <p:spPr bwMode="auto">
-          <a:xfrm>
-            <a:off x="1679356" y="-144463"/>
-            <a:ext cx="304760" cy="304801"/>
-          </a:xfrm>
-          <a:prstGeom prst="rect">
-            <a:avLst/>
-          </a:prstGeom>
-          <a:noFill/>
-        </p:spPr>
-        <p:txBody>
-          <a:bodyPr vert="horz" wrap="square" lIns="91440" tIns="45720" rIns="91440" bIns="45720" numCol="1" anchor="t" anchorCtr="0" compatLnSpc="1">
-            <a:prstTxWarp prst="textNoShape">
-              <a:avLst/>
-            </a:prstTxWarp>
-          </a:bodyPr>
-          <a:lstStyle/>
-          <a:p>
-            <a:endParaRPr lang="en-US" dirty="0">
-              <a:latin typeface="Arial" pitchFamily="34" charset="0"/>
-              <a:cs typeface="Arial" pitchFamily="34" charset="0"/>
+            <a:r>
+              <a:rPr lang="en-US" dirty="0" smtClean="0">
+                <a:latin typeface="Palatino Linotype" panose="02040502050505030304" pitchFamily="18" charset="0"/>
+              </a:rPr>
+              <a:t>The </a:t>
+            </a:r>
+            <a:r>
+              <a:rPr lang="en-US" b="1" dirty="0" smtClean="0">
+                <a:latin typeface="Palatino Linotype" panose="02040502050505030304" pitchFamily="18" charset="0"/>
+              </a:rPr>
+              <a:t>INSERT</a:t>
+            </a:r>
+            <a:r>
+              <a:rPr lang="en-US" dirty="0" smtClean="0">
+                <a:latin typeface="Palatino Linotype" panose="02040502050505030304" pitchFamily="18" charset="0"/>
+              </a:rPr>
+              <a:t> </a:t>
+            </a:r>
+            <a:r>
+              <a:rPr lang="en-US" b="1" dirty="0" smtClean="0">
+                <a:latin typeface="Palatino Linotype" panose="02040502050505030304" pitchFamily="18" charset="0"/>
+              </a:rPr>
+              <a:t>INTO</a:t>
+            </a:r>
+            <a:r>
+              <a:rPr lang="en-US" dirty="0" smtClean="0">
+                <a:latin typeface="Palatino Linotype" panose="02040502050505030304" pitchFamily="18" charset="0"/>
+              </a:rPr>
+              <a:t> s</a:t>
+            </a:r>
+            <a:r>
+              <a:rPr lang="en-US" b="1" dirty="0" smtClean="0">
+                <a:latin typeface="Palatino Linotype" panose="02040502050505030304" pitchFamily="18" charset="0"/>
+              </a:rPr>
+              <a:t>tatement</a:t>
+            </a:r>
+            <a:r>
+              <a:rPr lang="en-US" dirty="0" smtClean="0">
+                <a:latin typeface="Palatino Linotype" panose="02040502050505030304" pitchFamily="18" charset="0"/>
+              </a:rPr>
+              <a:t> is used to add new rows of data to a table in the database.</a:t>
+            </a:r>
+            <a:endParaRPr lang="en-IN" dirty="0">
+              <a:latin typeface="Palatino Linotype" panose="02040502050505030304" pitchFamily="18" charset="0"/>
+              <a:cs typeface="Arial" panose="020B0604020202020204" pitchFamily="34" charset="0"/>
             </a:endParaRPr>
           </a:p>
         </p:txBody>
       </p:sp>
       <p:pic>
         <p:nvPicPr>
-          <p:cNvPr id="8" name="Picture 7">
+          <p:cNvPr id="18" name="Picture 17">
             <a:extLst>
               <a:ext uri="{FF2B5EF4-FFF2-40B4-BE49-F238E27FC236}">
-                <a16:creationId xmlns:a16="http://schemas.microsoft.com/office/drawing/2014/main" id="{CA300AF8-3A8B-41EE-96B3-AEAC198AD8CA}"/>
+                <a16:creationId xmlns="" xmlns:a16="http://schemas.microsoft.com/office/drawing/2014/main" id="{1BC29D4B-0260-49F9-9E5E-2135514E8A88}"/>
               </a:ext>
             </a:extLst>
           </p:cNvPr>
@@ -4639,7 +4315,7 @@
           <a:blip r:embed="rId2" cstate="print">
             <a:extLst>
               <a:ext uri="{28A0092B-C50C-407E-A947-70E740481C1C}">
-                <a14:useLocalDpi xmlns:a14="http://schemas.microsoft.com/office/drawing/2010/main" val="0"/>
+                <a14:useLocalDpi xmlns="" xmlns:a14="http://schemas.microsoft.com/office/drawing/2010/main" val="0"/>
               </a:ext>
             </a:extLst>
           </a:blip>
@@ -4659,10 +4335,10 @@
       </p:pic>
       <p:sp>
         <p:nvSpPr>
-          <p:cNvPr id="9" name="Footer Placeholder 2">
+          <p:cNvPr id="19" name="Footer Placeholder 2">
             <a:extLst>
               <a:ext uri="{FF2B5EF4-FFF2-40B4-BE49-F238E27FC236}">
-                <a16:creationId xmlns:a16="http://schemas.microsoft.com/office/drawing/2014/main" id="{49968677-CC8A-4C35-AABA-97CFF73A1AB5}"/>
+                <a16:creationId xmlns="" xmlns:a16="http://schemas.microsoft.com/office/drawing/2014/main" id="{379BDE68-4144-4701-89F7-BDDAFF7975E1}"/>
               </a:ext>
             </a:extLst>
           </p:cNvPr>
@@ -4791,10 +4467,10 @@
       </p:sp>
       <p:sp>
         <p:nvSpPr>
-          <p:cNvPr id="10" name="Rectangle 9">
+          <p:cNvPr id="21" name="Rectangle 20">
             <a:extLst>
               <a:ext uri="{FF2B5EF4-FFF2-40B4-BE49-F238E27FC236}">
-                <a16:creationId xmlns:a16="http://schemas.microsoft.com/office/drawing/2014/main" id="{09A4DD51-F450-4FA7-BA18-C2A26D10D72C}"/>
+                <a16:creationId xmlns="" xmlns:a16="http://schemas.microsoft.com/office/drawing/2014/main" id="{09A4DD51-F450-4FA7-BA18-C2A26D10D72C}"/>
               </a:ext>
             </a:extLst>
           </p:cNvPr>
@@ -4826,7 +4502,7 @@
             </a:pPr>
             <a:r>
               <a:rPr lang="en-US" sz="3600" dirty="0" smtClean="0"/>
-              <a:t>SELECT</a:t>
+              <a:t>INSERT</a:t>
             </a:r>
             <a:endParaRPr lang="en-US" sz="3600" dirty="0"/>
           </a:p>
@@ -4834,14 +4510,14 @@
       </p:sp>
       <p:sp>
         <p:nvSpPr>
-          <p:cNvPr id="19" name="Rectangle 18"/>
+          <p:cNvPr id="25" name="Rectangle 24"/>
           <p:cNvSpPr/>
           <p:nvPr/>
         </p:nvSpPr>
         <p:spPr>
           <a:xfrm>
-            <a:off x="406575" y="1612347"/>
-            <a:ext cx="11377264" cy="923330"/>
+            <a:off x="190550" y="2908682"/>
+            <a:ext cx="11809312" cy="1600438"/>
           </a:xfrm>
           <a:prstGeom prst="rect">
             <a:avLst/>
@@ -4862,7 +4538,56 @@
                 <a:latin typeface="Palatino Linotype" panose="02040502050505030304" pitchFamily="18" charset="0"/>
                 <a:cs typeface="Arial" pitchFamily="34" charset="0"/>
               </a:rPr>
-              <a:t>SELECT * FROM student;</a:t>
+              <a:t>INSERT INTO student VALUES (5</a:t>
+            </a:r>
+            <a:r>
+              <a:rPr lang="en-US" dirty="0">
+                <a:latin typeface="Palatino Linotype" panose="02040502050505030304" pitchFamily="18" charset="0"/>
+                <a:cs typeface="Arial" pitchFamily="34" charset="0"/>
+              </a:rPr>
+              <a:t>, '</a:t>
+            </a:r>
+            <a:r>
+              <a:rPr lang="en-US" dirty="0" err="1">
+                <a:latin typeface="Palatino Linotype" panose="02040502050505030304" pitchFamily="18" charset="0"/>
+                <a:cs typeface="Arial" pitchFamily="34" charset="0"/>
+              </a:rPr>
+              <a:t>sohan</a:t>
+            </a:r>
+            <a:r>
+              <a:rPr lang="en-US" dirty="0">
+                <a:latin typeface="Palatino Linotype" panose="02040502050505030304" pitchFamily="18" charset="0"/>
+                <a:cs typeface="Arial" pitchFamily="34" charset="0"/>
+              </a:rPr>
+              <a:t>', '</a:t>
+            </a:r>
+            <a:r>
+              <a:rPr lang="en-US" dirty="0" err="1">
+                <a:latin typeface="Palatino Linotype" panose="02040502050505030304" pitchFamily="18" charset="0"/>
+                <a:cs typeface="Arial" pitchFamily="34" charset="0"/>
+              </a:rPr>
+              <a:t>kumar</a:t>
+            </a:r>
+            <a:r>
+              <a:rPr lang="en-US" dirty="0" smtClean="0">
+                <a:latin typeface="Palatino Linotype" panose="02040502050505030304" pitchFamily="18" charset="0"/>
+                <a:cs typeface="Arial" pitchFamily="34" charset="0"/>
+              </a:rPr>
+              <a:t>', '1999-09-19', </a:t>
+            </a:r>
+            <a:r>
+              <a:rPr lang="en-US" dirty="0">
+                <a:latin typeface="Palatino Linotype" panose="02040502050505030304" pitchFamily="18" charset="0"/>
+                <a:cs typeface="Arial" pitchFamily="34" charset="0"/>
+              </a:rPr>
+              <a:t>'sohankumar@gmail.com</a:t>
+            </a:r>
+            <a:r>
+              <a:rPr lang="en-US" dirty="0" smtClean="0">
+                <a:latin typeface="Palatino Linotype" panose="02040502050505030304" pitchFamily="18" charset="0"/>
+                <a:cs typeface="Arial" pitchFamily="34" charset="0"/>
+              </a:rPr>
+              <a:t>');</a:t>
             </a:r>
           </a:p>
           <a:p>
@@ -4870,20 +4595,10 @@
               <a:buFont typeface="Arial" pitchFamily="34" charset="0"/>
               <a:buChar char="•"/>
             </a:pPr>
-            <a:r>
-              <a:rPr lang="en-US" dirty="0">
-                <a:latin typeface="Palatino Linotype" panose="02040502050505030304" pitchFamily="18" charset="0"/>
-                <a:cs typeface="Arial" pitchFamily="34" charset="0"/>
-              </a:rPr>
-              <a:t>SELECT * </a:t>
-            </a:r>
-            <a:r>
-              <a:rPr lang="en-US" dirty="0" smtClean="0">
-                <a:latin typeface="Palatino Linotype" panose="02040502050505030304" pitchFamily="18" charset="0"/>
-                <a:cs typeface="Arial" pitchFamily="34" charset="0"/>
-              </a:rPr>
-              <a:t>FROM student_address;</a:t>
-            </a:r>
+            <a:endParaRPr lang="en-US" dirty="0">
+              <a:latin typeface="Palatino Linotype" panose="02040502050505030304" pitchFamily="18" charset="0"/>
+              <a:cs typeface="Arial" pitchFamily="34" charset="0"/>
+            </a:endParaRPr>
           </a:p>
           <a:p>
             <a:pPr marL="342900" indent="-342900">
@@ -4895,71 +4610,96 @@
                 <a:latin typeface="Palatino Linotype" panose="02040502050505030304" pitchFamily="18" charset="0"/>
                 <a:cs typeface="Arial" pitchFamily="34" charset="0"/>
               </a:rPr>
-              <a:t>SELECT * FROM </a:t>
+              <a:t>INSERT INTO student_address VALUES </a:t>
             </a:r>
             <a:r>
               <a:rPr lang="en-US" dirty="0" smtClean="0">
                 <a:latin typeface="Palatino Linotype" panose="02040502050505030304" pitchFamily="18" charset="0"/>
                 <a:cs typeface="Arial" pitchFamily="34" charset="0"/>
               </a:rPr>
-              <a:t>student_hobbies</a:t>
+              <a:t>(5, </a:t>
             </a:r>
             <a:r>
               <a:rPr lang="en-US" dirty="0">
                 <a:latin typeface="Palatino Linotype" panose="02040502050505030304" pitchFamily="18" charset="0"/>
                 <a:cs typeface="Arial" pitchFamily="34" charset="0"/>
               </a:rPr>
-              <a:t>;</a:t>
-            </a:r>
-            <a:endParaRPr lang="en-US" dirty="0" smtClean="0">
+              <a:t>'station road', 'baroda');</a:t>
+            </a:r>
+          </a:p>
+          <a:p>
+            <a:pPr marL="342900" indent="-342900">
+              <a:buFont typeface="Arial" pitchFamily="34" charset="0"/>
+              <a:buChar char="•"/>
+            </a:pPr>
+            <a:endParaRPr lang="en-US" dirty="0">
               <a:latin typeface="Palatino Linotype" panose="02040502050505030304" pitchFamily="18" charset="0"/>
               <a:cs typeface="Arial" pitchFamily="34" charset="0"/>
             </a:endParaRPr>
           </a:p>
-        </p:txBody>
-      </p:sp>
-      <p:pic>
-        <p:nvPicPr>
-          <p:cNvPr id="1027" name="Picture 3"/>
-          <p:cNvPicPr>
-            <a:picLocks noChangeAspect="1" noChangeArrowheads="1"/>
-          </p:cNvPicPr>
-          <p:nvPr/>
-        </p:nvPicPr>
-        <p:blipFill>
-          <a:blip r:embed="rId3" cstate="print"/>
-          <a:srcRect/>
-          <a:stretch>
-            <a:fillRect/>
-          </a:stretch>
-        </p:blipFill>
-        <p:spPr bwMode="auto">
-          <a:xfrm>
-            <a:off x="358716" y="3068960"/>
-            <a:ext cx="7920880" cy="2670103"/>
-          </a:xfrm>
-          <a:prstGeom prst="rect">
-            <a:avLst/>
-          </a:prstGeom>
-          <a:noFill/>
-          <a:ln w="9525">
-            <a:noFill/>
-            <a:miter lim="800000"/>
-            <a:headEnd/>
-            <a:tailEnd/>
-          </a:ln>
-        </p:spPr>
-      </p:pic>
-      <p:sp>
-        <p:nvSpPr>
-          <p:cNvPr id="20" name="Rectangle 19"/>
+          <a:p>
+            <a:pPr marL="342900" indent="-342900">
+              <a:buFont typeface="Arial" pitchFamily="34" charset="0"/>
+              <a:buChar char="•"/>
+            </a:pPr>
+            <a:r>
+              <a:rPr lang="en-US" dirty="0" smtClean="0">
+                <a:latin typeface="Palatino Linotype" panose="02040502050505030304" pitchFamily="18" charset="0"/>
+                <a:cs typeface="Arial" pitchFamily="34" charset="0"/>
+              </a:rPr>
+              <a:t>INSERT </a:t>
+            </a:r>
+            <a:r>
+              <a:rPr lang="en-US" dirty="0">
+                <a:latin typeface="Palatino Linotype" panose="02040502050505030304" pitchFamily="18" charset="0"/>
+                <a:cs typeface="Arial" pitchFamily="34" charset="0"/>
+              </a:rPr>
+              <a:t>INTO student_hobbies VALUES </a:t>
+            </a:r>
+            <a:r>
+              <a:rPr lang="en-US" dirty="0" smtClean="0">
+                <a:latin typeface="Palatino Linotype" panose="02040502050505030304" pitchFamily="18" charset="0"/>
+                <a:cs typeface="Arial" pitchFamily="34" charset="0"/>
+              </a:rPr>
+              <a:t>(7, </a:t>
+            </a:r>
+            <a:r>
+              <a:rPr lang="en-US" dirty="0">
+                <a:latin typeface="Palatino Linotype" panose="02040502050505030304" pitchFamily="18" charset="0"/>
+                <a:cs typeface="Arial" pitchFamily="34" charset="0"/>
+              </a:rPr>
+              <a:t>1, '</a:t>
+            </a:r>
+            <a:r>
+              <a:rPr lang="en-US" dirty="0" smtClean="0">
+                <a:latin typeface="Palatino Linotype" panose="02040502050505030304" pitchFamily="18" charset="0"/>
+                <a:cs typeface="Arial" pitchFamily="34" charset="0"/>
+              </a:rPr>
+              <a:t>football');</a:t>
+            </a:r>
+          </a:p>
+          <a:p>
+            <a:pPr marL="342900" indent="-342900">
+              <a:buFont typeface="Arial" pitchFamily="34" charset="0"/>
+              <a:buChar char="•"/>
+            </a:pPr>
+            <a:endParaRPr lang="en-US" sz="800" dirty="0" smtClean="0">
+              <a:latin typeface="Palatino Linotype" panose="02040502050505030304" pitchFamily="18" charset="0"/>
+              <a:cs typeface="Arial" pitchFamily="34" charset="0"/>
+            </a:endParaRPr>
+          </a:p>
+        </p:txBody>
+      </p:sp>
+      <p:sp>
+        <p:nvSpPr>
+          <p:cNvPr id="2" name="Rectangle 1"/>
           <p:cNvSpPr/>
           <p:nvPr/>
         </p:nvSpPr>
         <p:spPr>
           <a:xfrm>
-            <a:off x="358716" y="899428"/>
-            <a:ext cx="9336890" cy="646331"/>
+            <a:off x="358716" y="1554067"/>
+            <a:ext cx="8616810" cy="646331"/>
           </a:xfrm>
           <a:prstGeom prst="rect">
             <a:avLst/>
@@ -4972,24 +4712,47 @@
           <a:lstStyle/>
           <a:p>
             <a:r>
+              <a:rPr lang="en-US" dirty="0">
+                <a:latin typeface="Palatino Linotype" panose="02040502050505030304" pitchFamily="18" charset="0"/>
+              </a:rPr>
+              <a:t>INSERT INTO table_name </a:t>
+            </a:r>
+            <a:r>
               <a:rPr lang="en-US" dirty="0" smtClean="0">
                 <a:latin typeface="Palatino Linotype" panose="02040502050505030304" pitchFamily="18" charset="0"/>
               </a:rPr>
-              <a:t>The </a:t>
-            </a:r>
-            <a:r>
-              <a:rPr lang="en-US" b="1" dirty="0" smtClean="0">
+              <a:t>[(</a:t>
+            </a:r>
+            <a:r>
+              <a:rPr lang="en-US" dirty="0">
                 <a:latin typeface="Palatino Linotype" panose="02040502050505030304" pitchFamily="18" charset="0"/>
               </a:rPr>
-              <a:t>SELECT statement</a:t>
+              <a:t>column1, column2, column3, </a:t>
             </a:r>
             <a:r>
               <a:rPr lang="en-US" dirty="0" smtClean="0">
                 <a:latin typeface="Palatino Linotype" panose="02040502050505030304" pitchFamily="18" charset="0"/>
               </a:rPr>
-              <a:t> is used to fetch the data from a database table which returns this data in the form of a result table.</a:t>
-            </a:r>
-            <a:endParaRPr lang="en-US" dirty="0">
+              <a:t>...)]</a:t>
+            </a:r>
+            <a:r>
+              <a:rPr lang="en-US" dirty="0">
+                <a:latin typeface="Palatino Linotype" panose="02040502050505030304" pitchFamily="18" charset="0"/>
+              </a:rPr>
+              <a:t/>
+            </a:r>
+            <a:br>
+              <a:rPr lang="en-US" dirty="0">
+                <a:latin typeface="Palatino Linotype" panose="02040502050505030304" pitchFamily="18" charset="0"/>
+              </a:rPr>
+            </a:br>
+            <a:r>
+              <a:rPr lang="en-US" dirty="0">
+                <a:latin typeface="Palatino Linotype" panose="02040502050505030304" pitchFamily="18" charset="0"/>
+              </a:rPr>
+              <a:t>VALUES (value1, value2, value3, ...);</a:t>
+            </a:r>
+            <a:endParaRPr lang="en-IN" dirty="0">
               <a:latin typeface="Palatino Linotype" panose="02040502050505030304" pitchFamily="18" charset="0"/>
             </a:endParaRPr>
           </a:p>
@@ -4998,14 +4761,13 @@
     </p:spTree>
     <p:extLst>
       <p:ext uri="{BB962C8B-B14F-4D97-AF65-F5344CB8AC3E}">
-        <p14:creationId xmlns:p14="http://schemas.microsoft.com/office/powerpoint/2010/main" val="2850906017"/>
+        <p14:creationId xmlns="" xmlns:p14="http://schemas.microsoft.com/office/powerpoint/2010/main" val="3166758523"/>
       </p:ext>
     </p:extLst>
   </p:cSld>
   <p:clrMapOvr>
     <a:masterClrMapping/>
   </p:clrMapOvr>
-  <p:transition spd="slow"/>
   <p:timing>
     <p:tnLst>
       <p:par>
@@ -5104,7 +4866,7 @@
           <p:cNvPr id="8" name="Picture 7">
             <a:extLst>
               <a:ext uri="{FF2B5EF4-FFF2-40B4-BE49-F238E27FC236}">
-                <a16:creationId xmlns:a16="http://schemas.microsoft.com/office/drawing/2014/main" id="{CA300AF8-3A8B-41EE-96B3-AEAC198AD8CA}"/>
+                <a16:creationId xmlns="" xmlns:a16="http://schemas.microsoft.com/office/drawing/2014/main" id="{CA300AF8-3A8B-41EE-96B3-AEAC198AD8CA}"/>
               </a:ext>
             </a:extLst>
           </p:cNvPr>
@@ -5117,7 +4879,7 @@
           <a:blip r:embed="rId2" cstate="print">
             <a:extLst>
               <a:ext uri="{28A0092B-C50C-407E-A947-70E740481C1C}">
-                <a14:useLocalDpi xmlns:a14="http://schemas.microsoft.com/office/drawing/2010/main" val="0"/>
+                <a14:useLocalDpi xmlns="" xmlns:a14="http://schemas.microsoft.com/office/drawing/2010/main" val="0"/>
               </a:ext>
             </a:extLst>
           </a:blip>
@@ -5140,7 +4902,7 @@
           <p:cNvPr id="9" name="Footer Placeholder 2">
             <a:extLst>
               <a:ext uri="{FF2B5EF4-FFF2-40B4-BE49-F238E27FC236}">
-                <a16:creationId xmlns:a16="http://schemas.microsoft.com/office/drawing/2014/main" id="{49968677-CC8A-4C35-AABA-97CFF73A1AB5}"/>
+                <a16:creationId xmlns="" xmlns:a16="http://schemas.microsoft.com/office/drawing/2014/main" id="{49968677-CC8A-4C35-AABA-97CFF73A1AB5}"/>
               </a:ext>
             </a:extLst>
           </p:cNvPr>
@@ -5272,7 +5034,7 @@
           <p:cNvPr id="10" name="Rectangle 9">
             <a:extLst>
               <a:ext uri="{FF2B5EF4-FFF2-40B4-BE49-F238E27FC236}">
-                <a16:creationId xmlns:a16="http://schemas.microsoft.com/office/drawing/2014/main" id="{09A4DD51-F450-4FA7-BA18-C2A26D10D72C}"/>
+                <a16:creationId xmlns="" xmlns:a16="http://schemas.microsoft.com/office/drawing/2014/main" id="{09A4DD51-F450-4FA7-BA18-C2A26D10D72C}"/>
               </a:ext>
             </a:extLst>
           </p:cNvPr>
@@ -5304,7 +5066,7 @@
             </a:pPr>
             <a:r>
               <a:rPr lang="en-US" sz="3600" dirty="0" smtClean="0"/>
-              <a:t>UPDATE</a:t>
+              <a:t>SELECT</a:t>
             </a:r>
             <a:endParaRPr lang="en-US" sz="3600" dirty="0"/>
           </a:p>
@@ -5312,14 +5074,14 @@
       </p:sp>
       <p:sp>
         <p:nvSpPr>
-          <p:cNvPr id="12" name="Rectangle 11"/>
+          <p:cNvPr id="19" name="Rectangle 18"/>
           <p:cNvSpPr/>
           <p:nvPr/>
         </p:nvSpPr>
         <p:spPr>
           <a:xfrm>
-            <a:off x="358716" y="980728"/>
-            <a:ext cx="11065082" cy="646331"/>
+            <a:off x="406575" y="1612347"/>
+            <a:ext cx="11377264" cy="923330"/>
           </a:xfrm>
           <a:prstGeom prst="rect">
             <a:avLst/>
@@ -5331,76 +5093,113 @@
           </a:bodyPr>
           <a:lstStyle/>
           <a:p>
+            <a:pPr marL="342900" indent="-342900">
+              <a:buFont typeface="Arial" pitchFamily="34" charset="0"/>
+              <a:buChar char="•"/>
+            </a:pPr>
             <a:r>
               <a:rPr lang="en-US" dirty="0" smtClean="0">
                 <a:latin typeface="Palatino Linotype" panose="02040502050505030304" pitchFamily="18" charset="0"/>
-              </a:rPr>
-              <a:t>The </a:t>
-            </a:r>
-            <a:r>
-              <a:rPr lang="en-US" b="1" dirty="0" smtClean="0">
+                <a:cs typeface="Arial" pitchFamily="34" charset="0"/>
+              </a:rPr>
+              <a:t>SELECT * FROM student;</a:t>
+            </a:r>
+          </a:p>
+          <a:p>
+            <a:pPr marL="342900" indent="-342900">
+              <a:buFont typeface="Arial" pitchFamily="34" charset="0"/>
+              <a:buChar char="•"/>
+            </a:pPr>
+            <a:r>
+              <a:rPr lang="en-US" dirty="0">
                 <a:latin typeface="Palatino Linotype" panose="02040502050505030304" pitchFamily="18" charset="0"/>
-              </a:rPr>
-              <a:t>UPDATE statement </a:t>
+                <a:cs typeface="Arial" pitchFamily="34" charset="0"/>
+              </a:rPr>
+              <a:t>SELECT * </a:t>
             </a:r>
             <a:r>
               <a:rPr lang="en-US" dirty="0" smtClean="0">
                 <a:latin typeface="Palatino Linotype" panose="02040502050505030304" pitchFamily="18" charset="0"/>
-              </a:rPr>
-              <a:t>is used to </a:t>
-            </a:r>
-            <a:r>
-              <a:rPr lang="en-US" b="1" dirty="0" smtClean="0">
+                <a:cs typeface="Arial" pitchFamily="34" charset="0"/>
+              </a:rPr>
+              <a:t>FROM student_address;</a:t>
+            </a:r>
+          </a:p>
+          <a:p>
+            <a:pPr marL="342900" indent="-342900">
+              <a:buFont typeface="Arial" pitchFamily="34" charset="0"/>
+              <a:buChar char="•"/>
+            </a:pPr>
+            <a:r>
+              <a:rPr lang="en-US" dirty="0">
                 <a:latin typeface="Palatino Linotype" panose="02040502050505030304" pitchFamily="18" charset="0"/>
-              </a:rPr>
-              <a:t>update</a:t>
+                <a:cs typeface="Arial" pitchFamily="34" charset="0"/>
+              </a:rPr>
+              <a:t>SELECT * FROM </a:t>
             </a:r>
             <a:r>
               <a:rPr lang="en-US" dirty="0" smtClean="0">
                 <a:latin typeface="Palatino Linotype" panose="02040502050505030304" pitchFamily="18" charset="0"/>
-              </a:rPr>
-              <a:t> the data of an existing table in database. We can </a:t>
-            </a:r>
-            <a:r>
-              <a:rPr lang="en-US" b="1" dirty="0" smtClean="0">
+                <a:cs typeface="Arial" pitchFamily="34" charset="0"/>
+              </a:rPr>
+              <a:t>student_hobbies</a:t>
+            </a:r>
+            <a:r>
+              <a:rPr lang="en-US" dirty="0">
                 <a:latin typeface="Palatino Linotype" panose="02040502050505030304" pitchFamily="18" charset="0"/>
-              </a:rPr>
-              <a:t>update</a:t>
-            </a:r>
-            <a:r>
-              <a:rPr lang="en-US" dirty="0" smtClean="0">
-                <a:latin typeface="Palatino Linotype" panose="02040502050505030304" pitchFamily="18" charset="0"/>
-              </a:rPr>
-              <a:t> single columns as well as multiple columns using </a:t>
-            </a:r>
-            <a:r>
-              <a:rPr lang="en-US" b="1" dirty="0" smtClean="0">
-                <a:latin typeface="Palatino Linotype" panose="02040502050505030304" pitchFamily="18" charset="0"/>
-              </a:rPr>
-              <a:t>UPDATE statement</a:t>
-            </a:r>
-            <a:r>
-              <a:rPr lang="en-US" dirty="0" smtClean="0">
-                <a:latin typeface="Palatino Linotype" panose="02040502050505030304" pitchFamily="18" charset="0"/>
-              </a:rPr>
-              <a:t> as per our requirement.</a:t>
-            </a:r>
-            <a:endParaRPr lang="en-US" dirty="0">
+                <a:cs typeface="Arial" pitchFamily="34" charset="0"/>
+              </a:rPr>
+              <a:t>;</a:t>
+            </a:r>
+            <a:endParaRPr lang="en-US" dirty="0" smtClean="0">
               <a:latin typeface="Palatino Linotype" panose="02040502050505030304" pitchFamily="18" charset="0"/>
+              <a:cs typeface="Arial" pitchFamily="34" charset="0"/>
             </a:endParaRPr>
           </a:p>
         </p:txBody>
       </p:sp>
-      <p:sp>
-        <p:nvSpPr>
-          <p:cNvPr id="15" name="Rectangle 14"/>
+      <p:pic>
+        <p:nvPicPr>
+          <p:cNvPr id="1027" name="Picture 3"/>
+          <p:cNvPicPr>
+            <a:picLocks noChangeAspect="1" noChangeArrowheads="1"/>
+          </p:cNvPicPr>
+          <p:nvPr/>
+        </p:nvPicPr>
+        <p:blipFill>
+          <a:blip r:embed="rId3" cstate="print"/>
+          <a:srcRect/>
+          <a:stretch>
+            <a:fillRect/>
+          </a:stretch>
+        </p:blipFill>
+        <p:spPr bwMode="auto">
+          <a:xfrm>
+            <a:off x="358716" y="3068960"/>
+            <a:ext cx="7920880" cy="2670103"/>
+          </a:xfrm>
+          <a:prstGeom prst="rect">
+            <a:avLst/>
+          </a:prstGeom>
+          <a:noFill/>
+          <a:ln w="9525">
+            <a:noFill/>
+            <a:miter lim="800000"/>
+            <a:headEnd/>
+            <a:tailEnd/>
+          </a:ln>
+        </p:spPr>
+      </p:pic>
+      <p:sp>
+        <p:nvSpPr>
+          <p:cNvPr id="20" name="Rectangle 19"/>
           <p:cNvSpPr/>
           <p:nvPr/>
         </p:nvSpPr>
         <p:spPr>
           <a:xfrm>
-            <a:off x="478582" y="3142709"/>
-            <a:ext cx="11377264" cy="646331"/>
+            <a:off x="358716" y="899428"/>
+            <a:ext cx="9336890" cy="646331"/>
           </a:xfrm>
           <a:prstGeom prst="rect">
             <a:avLst/>
@@ -5412,123 +5211,25 @@
           </a:bodyPr>
           <a:lstStyle/>
           <a:p>
-            <a:pPr marL="342900" indent="-342900">
-              <a:buFont typeface="Arial" pitchFamily="34" charset="0"/>
-              <a:buChar char="•"/>
-            </a:pPr>
             <a:r>
               <a:rPr lang="en-US" dirty="0" smtClean="0">
                 <a:latin typeface="Palatino Linotype" panose="02040502050505030304" pitchFamily="18" charset="0"/>
-                <a:cs typeface="Arial" pitchFamily="34" charset="0"/>
-              </a:rPr>
-              <a:t>UPDATE student </a:t>
-            </a:r>
-            <a:r>
-              <a:rPr lang="en-US" smtClean="0">
+              </a:rPr>
+              <a:t>The </a:t>
+            </a:r>
+            <a:r>
+              <a:rPr lang="en-US" b="1" dirty="0" smtClean="0">
                 <a:latin typeface="Palatino Linotype" panose="02040502050505030304" pitchFamily="18" charset="0"/>
-                <a:cs typeface="Arial" pitchFamily="34" charset="0"/>
-              </a:rPr>
-              <a:t>SET </a:t>
-            </a:r>
-            <a:r>
-              <a:rPr lang="en-US" smtClean="0">
-                <a:latin typeface="Palatino Linotype" panose="02040502050505030304" pitchFamily="18" charset="0"/>
-                <a:cs typeface="Arial" pitchFamily="34" charset="0"/>
-              </a:rPr>
-              <a:t>emailID </a:t>
+              </a:rPr>
+              <a:t>SELECT statement</a:t>
             </a:r>
             <a:r>
               <a:rPr lang="en-US" dirty="0" smtClean="0">
                 <a:latin typeface="Palatino Linotype" panose="02040502050505030304" pitchFamily="18" charset="0"/>
-                <a:cs typeface="Arial" pitchFamily="34" charset="0"/>
-              </a:rPr>
-              <a:t>= NULL;</a:t>
+              </a:rPr>
+              <a:t> is used to fetch the data from a database table which returns this data in the form of a result table.</a:t>
             </a:r>
             <a:endParaRPr lang="en-US" dirty="0">
-              <a:latin typeface="Palatino Linotype" panose="02040502050505030304" pitchFamily="18" charset="0"/>
-              <a:cs typeface="Arial" pitchFamily="34" charset="0"/>
-            </a:endParaRPr>
-          </a:p>
-          <a:p>
-            <a:pPr marL="342900" indent="-342900">
-              <a:buFont typeface="Arial" pitchFamily="34" charset="0"/>
-              <a:buChar char="•"/>
-            </a:pPr>
-            <a:r>
-              <a:rPr lang="en-US" dirty="0">
-                <a:latin typeface="Palatino Linotype" panose="02040502050505030304" pitchFamily="18" charset="0"/>
-                <a:cs typeface="Arial" pitchFamily="34" charset="0"/>
-              </a:rPr>
-              <a:t>UPDATE student SET </a:t>
-            </a:r>
-            <a:r>
-              <a:rPr lang="en-US" dirty="0" smtClean="0">
-                <a:latin typeface="Palatino Linotype" panose="02040502050505030304" pitchFamily="18" charset="0"/>
-                <a:cs typeface="Arial" pitchFamily="34" charset="0"/>
-              </a:rPr>
-              <a:t>emailID = 'ramesh.patel123@yahoomail.com</a:t>
-            </a:r>
-            <a:r>
-              <a:rPr lang="en-US" dirty="0">
-                <a:latin typeface="Palatino Linotype" panose="02040502050505030304" pitchFamily="18" charset="0"/>
-                <a:cs typeface="Arial" pitchFamily="34" charset="0"/>
-              </a:rPr>
-              <a:t>'</a:t>
-            </a:r>
-            <a:r>
-              <a:rPr lang="en-US" dirty="0" smtClean="0">
-                <a:latin typeface="Palatino Linotype" panose="02040502050505030304" pitchFamily="18" charset="0"/>
-                <a:cs typeface="Arial" pitchFamily="34" charset="0"/>
-              </a:rPr>
-              <a:t> where ID  = 1;</a:t>
-            </a:r>
-          </a:p>
-        </p:txBody>
-      </p:sp>
-      <p:sp>
-        <p:nvSpPr>
-          <p:cNvPr id="11" name="Rectangle 10"/>
-          <p:cNvSpPr/>
-          <p:nvPr/>
-        </p:nvSpPr>
-        <p:spPr>
-          <a:xfrm>
-            <a:off x="374868" y="1929606"/>
-            <a:ext cx="8456642" cy="923330"/>
-          </a:xfrm>
-          <a:prstGeom prst="rect">
-            <a:avLst/>
-          </a:prstGeom>
-        </p:spPr>
-        <p:txBody>
-          <a:bodyPr wrap="square">
-            <a:spAutoFit/>
-          </a:bodyPr>
-          <a:lstStyle/>
-          <a:p>
-            <a:r>
-              <a:rPr lang="en-US" dirty="0">
-                <a:latin typeface="Palatino Linotype" panose="02040502050505030304" pitchFamily="18" charset="0"/>
-              </a:rPr>
-              <a:t>UPDATE table_name</a:t>
-            </a:r>
-          </a:p>
-          <a:p>
-            <a:r>
-              <a:rPr lang="en-US" dirty="0">
-                <a:latin typeface="Palatino Linotype" panose="02040502050505030304" pitchFamily="18" charset="0"/>
-              </a:rPr>
-              <a:t>SET column1 = value1, column2 = value2...., columnN = valueN</a:t>
-            </a:r>
-          </a:p>
-          <a:p>
-            <a:r>
-              <a:rPr lang="en-US" dirty="0">
-                <a:latin typeface="Palatino Linotype" panose="02040502050505030304" pitchFamily="18" charset="0"/>
-              </a:rPr>
-              <a:t>WHERE [condition];</a:t>
-            </a:r>
-            <a:endParaRPr lang="en-IN" dirty="0">
               <a:latin typeface="Palatino Linotype" panose="02040502050505030304" pitchFamily="18" charset="0"/>
             </a:endParaRPr>
           </a:p>
@@ -5537,7 +5238,7 @@
     </p:spTree>
     <p:extLst>
       <p:ext uri="{BB962C8B-B14F-4D97-AF65-F5344CB8AC3E}">
-        <p14:creationId xmlns:p14="http://schemas.microsoft.com/office/powerpoint/2010/main" val="2850906017"/>
+        <p14:creationId xmlns="" xmlns:p14="http://schemas.microsoft.com/office/powerpoint/2010/main" val="2850906017"/>
       </p:ext>
     </p:extLst>
   </p:cSld>
@@ -5643,7 +5344,7 @@
           <p:cNvPr id="8" name="Picture 7">
             <a:extLst>
               <a:ext uri="{FF2B5EF4-FFF2-40B4-BE49-F238E27FC236}">
-                <a16:creationId xmlns:a16="http://schemas.microsoft.com/office/drawing/2014/main" id="{CA300AF8-3A8B-41EE-96B3-AEAC198AD8CA}"/>
+                <a16:creationId xmlns="" xmlns:a16="http://schemas.microsoft.com/office/drawing/2014/main" id="{CA300AF8-3A8B-41EE-96B3-AEAC198AD8CA}"/>
               </a:ext>
             </a:extLst>
           </p:cNvPr>
@@ -5656,7 +5357,7 @@
           <a:blip r:embed="rId2" cstate="print">
             <a:extLst>
               <a:ext uri="{28A0092B-C50C-407E-A947-70E740481C1C}">
-                <a14:useLocalDpi xmlns:a14="http://schemas.microsoft.com/office/drawing/2010/main" val="0"/>
+                <a14:useLocalDpi xmlns="" xmlns:a14="http://schemas.microsoft.com/office/drawing/2010/main" val="0"/>
               </a:ext>
             </a:extLst>
           </a:blip>
@@ -5679,7 +5380,7 @@
           <p:cNvPr id="9" name="Footer Placeholder 2">
             <a:extLst>
               <a:ext uri="{FF2B5EF4-FFF2-40B4-BE49-F238E27FC236}">
-                <a16:creationId xmlns:a16="http://schemas.microsoft.com/office/drawing/2014/main" id="{49968677-CC8A-4C35-AABA-97CFF73A1AB5}"/>
+                <a16:creationId xmlns="" xmlns:a16="http://schemas.microsoft.com/office/drawing/2014/main" id="{49968677-CC8A-4C35-AABA-97CFF73A1AB5}"/>
               </a:ext>
             </a:extLst>
           </p:cNvPr>
@@ -5811,7 +5512,7 @@
           <p:cNvPr id="10" name="Rectangle 9">
             <a:extLst>
               <a:ext uri="{FF2B5EF4-FFF2-40B4-BE49-F238E27FC236}">
-                <a16:creationId xmlns:a16="http://schemas.microsoft.com/office/drawing/2014/main" id="{09A4DD51-F450-4FA7-BA18-C2A26D10D72C}"/>
+                <a16:creationId xmlns="" xmlns:a16="http://schemas.microsoft.com/office/drawing/2014/main" id="{09A4DD51-F450-4FA7-BA18-C2A26D10D72C}"/>
               </a:ext>
             </a:extLst>
           </p:cNvPr>
@@ -5843,7 +5544,7 @@
             </a:pPr>
             <a:r>
               <a:rPr lang="en-US" sz="3600" dirty="0" smtClean="0"/>
-              <a:t>DELETE</a:t>
+              <a:t>UPDATE</a:t>
             </a:r>
             <a:endParaRPr lang="en-US" sz="3600" dirty="0"/>
           </a:p>
@@ -5857,8 +5558,8 @@
         </p:nvSpPr>
         <p:spPr>
           <a:xfrm>
-            <a:off x="358716" y="899428"/>
-            <a:ext cx="9984962" cy="646331"/>
+            <a:off x="358716" y="980728"/>
+            <a:ext cx="11065082" cy="646331"/>
           </a:xfrm>
           <a:prstGeom prst="rect">
             <a:avLst/>
@@ -5871,18 +5572,62 @@
           <a:lstStyle/>
           <a:p>
             <a:r>
-              <a:rPr lang="en-US" dirty="0" smtClean="0"/>
+              <a:rPr lang="en-US" dirty="0" smtClean="0">
+                <a:latin typeface="Palatino Linotype" panose="02040502050505030304" pitchFamily="18" charset="0"/>
+              </a:rPr>
               <a:t>The </a:t>
             </a:r>
             <a:r>
-              <a:rPr lang="en-US" b="1" dirty="0" smtClean="0"/>
-              <a:t>DELETE Statement </a:t>
-            </a:r>
-            <a:r>
-              <a:rPr lang="en-US" dirty="0" smtClean="0"/>
-              <a:t>is used to delete existing records from a table. We can delete a single record or multiple records depending on the condition.</a:t>
-            </a:r>
-            <a:endParaRPr lang="en-US" dirty="0"/>
+              <a:rPr lang="en-US" b="1" dirty="0" smtClean="0">
+                <a:latin typeface="Palatino Linotype" panose="02040502050505030304" pitchFamily="18" charset="0"/>
+              </a:rPr>
+              <a:t>UPDATE statement </a:t>
+            </a:r>
+            <a:r>
+              <a:rPr lang="en-US" dirty="0" smtClean="0">
+                <a:latin typeface="Palatino Linotype" panose="02040502050505030304" pitchFamily="18" charset="0"/>
+              </a:rPr>
+              <a:t>is used to </a:t>
+            </a:r>
+            <a:r>
+              <a:rPr lang="en-US" b="1" dirty="0" smtClean="0">
+                <a:latin typeface="Palatino Linotype" panose="02040502050505030304" pitchFamily="18" charset="0"/>
+              </a:rPr>
+              <a:t>update</a:t>
+            </a:r>
+            <a:r>
+              <a:rPr lang="en-US" dirty="0" smtClean="0">
+                <a:latin typeface="Palatino Linotype" panose="02040502050505030304" pitchFamily="18" charset="0"/>
+              </a:rPr>
+              <a:t> the data of an existing table in database. We can </a:t>
+            </a:r>
+            <a:r>
+              <a:rPr lang="en-US" b="1" dirty="0" smtClean="0">
+                <a:latin typeface="Palatino Linotype" panose="02040502050505030304" pitchFamily="18" charset="0"/>
+              </a:rPr>
+              <a:t>update</a:t>
+            </a:r>
+            <a:r>
+              <a:rPr lang="en-US" dirty="0" smtClean="0">
+                <a:latin typeface="Palatino Linotype" panose="02040502050505030304" pitchFamily="18" charset="0"/>
+              </a:rPr>
+              <a:t> single columns as well as multiple columns using </a:t>
+            </a:r>
+            <a:r>
+              <a:rPr lang="en-US" b="1" dirty="0" smtClean="0">
+                <a:latin typeface="Palatino Linotype" panose="02040502050505030304" pitchFamily="18" charset="0"/>
+              </a:rPr>
+              <a:t>UPDATE statement</a:t>
+            </a:r>
+            <a:r>
+              <a:rPr lang="en-US" dirty="0" smtClean="0">
+                <a:latin typeface="Palatino Linotype" panose="02040502050505030304" pitchFamily="18" charset="0"/>
+              </a:rPr>
+              <a:t> as per our requirement.</a:t>
+            </a:r>
+            <a:endParaRPr lang="en-US" dirty="0">
+              <a:latin typeface="Palatino Linotype" panose="02040502050505030304" pitchFamily="18" charset="0"/>
+            </a:endParaRPr>
           </a:p>
         </p:txBody>
       </p:sp>
@@ -5894,7 +5639,7 @@
         </p:nvSpPr>
         <p:spPr>
           <a:xfrm>
-            <a:off x="348406" y="2426026"/>
+            <a:off x="478582" y="3142709"/>
             <a:ext cx="11377264" cy="646331"/>
           </a:xfrm>
           <a:prstGeom prst="rect">
@@ -5913,11 +5658,29 @@
             </a:pPr>
             <a:r>
               <a:rPr lang="en-US" dirty="0" smtClean="0">
-                <a:latin typeface="Calibri (Body)"/>
+                <a:latin typeface="Palatino Linotype" panose="02040502050505030304" pitchFamily="18" charset="0"/>
                 <a:cs typeface="Arial" pitchFamily="34" charset="0"/>
               </a:rPr>
-              <a:t>DELETE FROM student;</a:t>
-            </a:r>
+              <a:t>UPDATE student </a:t>
+            </a:r>
+            <a:r>
+              <a:rPr lang="en-US" smtClean="0">
+                <a:latin typeface="Palatino Linotype" panose="02040502050505030304" pitchFamily="18" charset="0"/>
+                <a:cs typeface="Arial" pitchFamily="34" charset="0"/>
+              </a:rPr>
+              <a:t>SET emailID </a:t>
+            </a:r>
+            <a:r>
+              <a:rPr lang="en-US" dirty="0" smtClean="0">
+                <a:latin typeface="Palatino Linotype" panose="02040502050505030304" pitchFamily="18" charset="0"/>
+                <a:cs typeface="Arial" pitchFamily="34" charset="0"/>
+              </a:rPr>
+              <a:t>= NULL;</a:t>
+            </a:r>
+            <a:endParaRPr lang="en-US" dirty="0">
+              <a:latin typeface="Palatino Linotype" panose="02040502050505030304" pitchFamily="18" charset="0"/>
+              <a:cs typeface="Arial" pitchFamily="34" charset="0"/>
+            </a:endParaRPr>
           </a:p>
           <a:p>
             <a:pPr marL="342900" indent="-342900">
@@ -5926,65 +5689,88 @@
             </a:pPr>
             <a:r>
               <a:rPr lang="en-US" dirty="0">
-                <a:latin typeface="Calibri (Body)"/>
+                <a:latin typeface="Palatino Linotype" panose="02040502050505030304" pitchFamily="18" charset="0"/>
                 <a:cs typeface="Arial" pitchFamily="34" charset="0"/>
               </a:rPr>
-              <a:t>DELETE FROM </a:t>
+              <a:t>UPDATE student SET </a:t>
             </a:r>
             <a:r>
               <a:rPr lang="en-US" dirty="0" smtClean="0">
-                <a:latin typeface="Calibri (Body)"/>
+                <a:latin typeface="Palatino Linotype" panose="02040502050505030304" pitchFamily="18" charset="0"/>
                 <a:cs typeface="Arial" pitchFamily="34" charset="0"/>
               </a:rPr>
-              <a:t>student where ID = 1;</a:t>
-            </a:r>
-            <a:endParaRPr lang="en-US" dirty="0">
-              <a:latin typeface="Calibri (Body)"/>
-              <a:cs typeface="Arial" pitchFamily="34" charset="0"/>
-            </a:endParaRPr>
-          </a:p>
-        </p:txBody>
-      </p:sp>
-      <p:sp>
-        <p:nvSpPr>
-          <p:cNvPr id="2" name="Rectangle 1"/>
+              <a:t>emailID = 'ramesh.patel123@yahoomail.com</a:t>
+            </a:r>
+            <a:r>
+              <a:rPr lang="en-US" dirty="0">
+                <a:latin typeface="Palatino Linotype" panose="02040502050505030304" pitchFamily="18" charset="0"/>
+                <a:cs typeface="Arial" pitchFamily="34" charset="0"/>
+              </a:rPr>
+              <a:t>'</a:t>
+            </a:r>
+            <a:r>
+              <a:rPr lang="en-US" dirty="0" smtClean="0">
+                <a:latin typeface="Palatino Linotype" panose="02040502050505030304" pitchFamily="18" charset="0"/>
+                <a:cs typeface="Arial" pitchFamily="34" charset="0"/>
+              </a:rPr>
+              <a:t> where ID  = 1;</a:t>
+            </a:r>
+          </a:p>
+        </p:txBody>
+      </p:sp>
+      <p:sp>
+        <p:nvSpPr>
+          <p:cNvPr id="11" name="Rectangle 10"/>
           <p:cNvSpPr/>
           <p:nvPr/>
         </p:nvSpPr>
         <p:spPr>
           <a:xfrm>
-            <a:off x="374868" y="1778886"/>
-            <a:ext cx="6092825" cy="369332"/>
-          </a:xfrm>
-          <a:prstGeom prst="rect">
-            <a:avLst/>
-          </a:prstGeom>
-        </p:spPr>
-        <p:txBody>
-          <a:bodyPr>
+            <a:off x="374868" y="1929606"/>
+            <a:ext cx="8456642" cy="923330"/>
+          </a:xfrm>
+          <a:prstGeom prst="rect">
+            <a:avLst/>
+          </a:prstGeom>
+        </p:spPr>
+        <p:txBody>
+          <a:bodyPr wrap="square">
             <a:spAutoFit/>
           </a:bodyPr>
           <a:lstStyle/>
           <a:p>
             <a:r>
-              <a:rPr lang="en-IN" dirty="0"/>
-              <a:t>DELETE FROM </a:t>
-            </a:r>
-            <a:r>
-              <a:rPr lang="en-IN" dirty="0" smtClean="0"/>
-              <a:t>table_name WHERE </a:t>
-            </a:r>
-            <a:r>
-              <a:rPr lang="en-IN" dirty="0"/>
-              <a:t>[condition];</a:t>
-            </a:r>
+              <a:rPr lang="en-US" dirty="0">
+                <a:latin typeface="Palatino Linotype" panose="02040502050505030304" pitchFamily="18" charset="0"/>
+              </a:rPr>
+              <a:t>UPDATE table_name</a:t>
+            </a:r>
+          </a:p>
+          <a:p>
+            <a:r>
+              <a:rPr lang="en-US" dirty="0">
+                <a:latin typeface="Palatino Linotype" panose="02040502050505030304" pitchFamily="18" charset="0"/>
+              </a:rPr>
+              <a:t>SET column1 = value1, column2 = value2...., columnN = valueN</a:t>
+            </a:r>
+          </a:p>
+          <a:p>
+            <a:r>
+              <a:rPr lang="en-US" dirty="0">
+                <a:latin typeface="Palatino Linotype" panose="02040502050505030304" pitchFamily="18" charset="0"/>
+              </a:rPr>
+              <a:t>WHERE [condition];</a:t>
+            </a:r>
+            <a:endParaRPr lang="en-IN" dirty="0">
+              <a:latin typeface="Palatino Linotype" panose="02040502050505030304" pitchFamily="18" charset="0"/>
+            </a:endParaRPr>
           </a:p>
         </p:txBody>
       </p:sp>
     </p:spTree>
     <p:extLst>
       <p:ext uri="{BB962C8B-B14F-4D97-AF65-F5344CB8AC3E}">
-        <p14:creationId xmlns:p14="http://schemas.microsoft.com/office/powerpoint/2010/main" val="2850906017"/>
+        <p14:creationId xmlns="" xmlns:p14="http://schemas.microsoft.com/office/powerpoint/2010/main" val="2850906017"/>
       </p:ext>
     </p:extLst>
   </p:cSld>
@@ -6090,7 +5876,7 @@
           <p:cNvPr id="8" name="Picture 7">
             <a:extLst>
               <a:ext uri="{FF2B5EF4-FFF2-40B4-BE49-F238E27FC236}">
-                <a16:creationId xmlns:a16="http://schemas.microsoft.com/office/drawing/2014/main" id="{CA300AF8-3A8B-41EE-96B3-AEAC198AD8CA}"/>
+                <a16:creationId xmlns="" xmlns:a16="http://schemas.microsoft.com/office/drawing/2014/main" id="{CA300AF8-3A8B-41EE-96B3-AEAC198AD8CA}"/>
               </a:ext>
             </a:extLst>
           </p:cNvPr>
@@ -6103,7 +5889,7 @@
           <a:blip r:embed="rId2" cstate="print">
             <a:extLst>
               <a:ext uri="{28A0092B-C50C-407E-A947-70E740481C1C}">
-                <a14:useLocalDpi xmlns:a14="http://schemas.microsoft.com/office/drawing/2010/main" val="0"/>
+                <a14:useLocalDpi xmlns="" xmlns:a14="http://schemas.microsoft.com/office/drawing/2010/main" val="0"/>
               </a:ext>
             </a:extLst>
           </a:blip>
@@ -6126,7 +5912,7 @@
           <p:cNvPr id="9" name="Footer Placeholder 2">
             <a:extLst>
               <a:ext uri="{FF2B5EF4-FFF2-40B4-BE49-F238E27FC236}">
-                <a16:creationId xmlns:a16="http://schemas.microsoft.com/office/drawing/2014/main" id="{49968677-CC8A-4C35-AABA-97CFF73A1AB5}"/>
+                <a16:creationId xmlns="" xmlns:a16="http://schemas.microsoft.com/office/drawing/2014/main" id="{49968677-CC8A-4C35-AABA-97CFF73A1AB5}"/>
               </a:ext>
             </a:extLst>
           </p:cNvPr>
@@ -6258,7 +6044,7 @@
           <p:cNvPr id="10" name="Rectangle 9">
             <a:extLst>
               <a:ext uri="{FF2B5EF4-FFF2-40B4-BE49-F238E27FC236}">
-                <a16:creationId xmlns:a16="http://schemas.microsoft.com/office/drawing/2014/main" id="{09A4DD51-F450-4FA7-BA18-C2A26D10D72C}"/>
+                <a16:creationId xmlns="" xmlns:a16="http://schemas.microsoft.com/office/drawing/2014/main" id="{09A4DD51-F450-4FA7-BA18-C2A26D10D72C}"/>
               </a:ext>
             </a:extLst>
           </p:cNvPr>
@@ -6290,7 +6076,7 @@
             </a:pPr>
             <a:r>
               <a:rPr lang="en-US" sz="3600" dirty="0" smtClean="0"/>
-              <a:t>Referential integrity</a:t>
+              <a:t>DELETE</a:t>
             </a:r>
             <a:endParaRPr lang="en-US" sz="3600" dirty="0"/>
           </a:p>
@@ -6304,8 +6090,8 @@
         </p:nvSpPr>
         <p:spPr>
           <a:xfrm>
-            <a:off x="358716" y="4560510"/>
-            <a:ext cx="9984962" cy="1892826"/>
+            <a:off x="358716" y="899428"/>
+            <a:ext cx="9984962" cy="646331"/>
           </a:xfrm>
           <a:prstGeom prst="rect">
             <a:avLst/>
@@ -6318,74 +6104,16 @@
           <a:lstStyle/>
           <a:p>
             <a:r>
+              <a:rPr lang="en-US" dirty="0" smtClean="0"/>
+              <a:t>The </a:t>
+            </a:r>
+            <a:r>
               <a:rPr lang="en-US" b="1" dirty="0" smtClean="0"/>
-              <a:t>Let’s try to do following things.</a:t>
-            </a:r>
-          </a:p>
-          <a:p>
-            <a:endParaRPr lang="en-US" dirty="0" smtClean="0"/>
-          </a:p>
-          <a:p>
-            <a:pPr marL="342900" indent="-342900">
-              <a:lnSpc>
-                <a:spcPct val="150000"/>
-              </a:lnSpc>
-              <a:buFont typeface="Arial" pitchFamily="34" charset="0"/>
-              <a:buChar char="•"/>
-            </a:pPr>
+              <a:t>DELETE Statement </a:t>
+            </a:r>
             <a:r>
               <a:rPr lang="en-US" dirty="0" smtClean="0"/>
-              <a:t>Directly adding  a record in </a:t>
-            </a:r>
-            <a:r>
-              <a:rPr lang="en-US" b="1" dirty="0" smtClean="0"/>
-              <a:t>student_address</a:t>
-            </a:r>
-            <a:r>
-              <a:rPr lang="en-US" dirty="0" smtClean="0"/>
-              <a:t> table.</a:t>
-            </a:r>
-          </a:p>
-          <a:p>
-            <a:pPr marL="342900" indent="-342900">
-              <a:lnSpc>
-                <a:spcPct val="150000"/>
-              </a:lnSpc>
-              <a:buFont typeface="Arial" pitchFamily="34" charset="0"/>
-              <a:buChar char="•"/>
-            </a:pPr>
-            <a:r>
-              <a:rPr lang="en-US" dirty="0" smtClean="0"/>
-              <a:t>Deleting a student record from </a:t>
-            </a:r>
-            <a:r>
-              <a:rPr lang="en-US" b="1" dirty="0" smtClean="0"/>
-              <a:t>student</a:t>
-            </a:r>
-            <a:r>
-              <a:rPr lang="en-US" dirty="0" smtClean="0"/>
-              <a:t> table.</a:t>
-            </a:r>
-          </a:p>
-          <a:p>
-            <a:pPr marL="342900" indent="-342900">
-              <a:lnSpc>
-                <a:spcPct val="150000"/>
-              </a:lnSpc>
-              <a:buFont typeface="Arial" pitchFamily="34" charset="0"/>
-              <a:buChar char="•"/>
-            </a:pPr>
-            <a:r>
-              <a:rPr lang="en-US" dirty="0" smtClean="0"/>
-              <a:t>Directly adding  a record in </a:t>
-            </a:r>
-            <a:r>
-              <a:rPr lang="en-US" b="1" dirty="0" smtClean="0"/>
-              <a:t>student_hobbies</a:t>
-            </a:r>
-            <a:r>
-              <a:rPr lang="en-US" dirty="0" smtClean="0"/>
-              <a:t> table.</a:t>
+              <a:t>is used to delete existing records from a table. We can delete a single record or multiple records depending on the condition.</a:t>
             </a:r>
             <a:endParaRPr lang="en-US" dirty="0"/>
           </a:p>
@@ -6393,21 +6121,18 @@
       </p:sp>
       <p:sp>
         <p:nvSpPr>
-          <p:cNvPr id="11" name="Rectangle 10"/>
+          <p:cNvPr id="15" name="Rectangle 14"/>
           <p:cNvSpPr/>
           <p:nvPr/>
         </p:nvSpPr>
         <p:spPr>
           <a:xfrm>
-            <a:off x="262558" y="978401"/>
-            <a:ext cx="11737304" cy="3262432"/>
-          </a:xfrm>
-          <a:prstGeom prst="rect">
-            <a:avLst/>
-          </a:prstGeom>
-          <a:solidFill>
-            <a:schemeClr val="bg1"/>
-          </a:solidFill>
+            <a:off x="348406" y="2426026"/>
+            <a:ext cx="11377264" cy="646331"/>
+          </a:xfrm>
+          <a:prstGeom prst="rect">
+            <a:avLst/>
+          </a:prstGeom>
         </p:spPr>
         <p:txBody>
           <a:bodyPr wrap="square">
@@ -6415,105 +6140,76 @@
           </a:bodyPr>
           <a:lstStyle/>
           <a:p>
-            <a:r>
-              <a:rPr lang="en-US" b="1" dirty="0"/>
-              <a:t>Referential integrity</a:t>
-            </a:r>
-            <a:r>
-              <a:rPr lang="en-US" dirty="0"/>
-              <a:t> refers to the accuracy and consistency of data within a relationship</a:t>
-            </a:r>
-            <a:r>
-              <a:rPr lang="en-US" dirty="0" smtClean="0"/>
-              <a:t>. </a:t>
-            </a:r>
-            <a:r>
-              <a:rPr lang="en-IN" sz="2200" dirty="0" smtClean="0">
-                <a:solidFill>
-                  <a:schemeClr val="tx1">
-                    <a:lumMod val="85000"/>
-                    <a:lumOff val="15000"/>
-                  </a:schemeClr>
-                </a:solidFill>
-                <a:latin typeface="Palatino Linotype" panose="02040502050505030304" pitchFamily="18" charset="0"/>
-              </a:rPr>
-              <a:t>A </a:t>
-            </a:r>
-            <a:r>
-              <a:rPr lang="en-IN" sz="2200" dirty="0">
-                <a:solidFill>
-                  <a:schemeClr val="tx1">
-                    <a:lumMod val="85000"/>
-                    <a:lumOff val="15000"/>
-                  </a:schemeClr>
-                </a:solidFill>
-                <a:latin typeface="Palatino Linotype" panose="02040502050505030304" pitchFamily="18" charset="0"/>
-              </a:rPr>
-              <a:t>referential constraint could be violated in following cases.</a:t>
-            </a:r>
-          </a:p>
-          <a:p>
-            <a:endParaRPr lang="en-IN" dirty="0">
-              <a:latin typeface="Palatino Linotype" panose="02040502050505030304" pitchFamily="18" charset="0"/>
-            </a:endParaRPr>
-          </a:p>
-          <a:p>
-            <a:pPr marL="285750" indent="-285750">
-              <a:buFont typeface="Arial" panose="020B0604020202020204" pitchFamily="34" charset="0"/>
+            <a:pPr marL="342900" indent="-342900">
+              <a:buFont typeface="Arial" pitchFamily="34" charset="0"/>
               <a:buChar char="•"/>
             </a:pPr>
             <a:r>
-              <a:rPr lang="en-IN" dirty="0">
-                <a:latin typeface="Palatino Linotype" panose="02040502050505030304" pitchFamily="18" charset="0"/>
-                <a:cs typeface="Arial" panose="020B0604020202020204" pitchFamily="34" charset="0"/>
-              </a:rPr>
-              <a:t>An INSERT attempt to add a row to a child table that has a value in its foreign key columns that does not match a value in the corresponding parent table's column.</a:t>
-            </a:r>
-          </a:p>
-          <a:p>
-            <a:pPr marL="285750" indent="-285750">
-              <a:buFont typeface="Arial" panose="020B0604020202020204" pitchFamily="34" charset="0"/>
+              <a:rPr lang="en-US" dirty="0" smtClean="0">
+                <a:latin typeface="Calibri (Body)"/>
+                <a:cs typeface="Arial" pitchFamily="34" charset="0"/>
+              </a:rPr>
+              <a:t>DELETE FROM student;</a:t>
+            </a:r>
+          </a:p>
+          <a:p>
+            <a:pPr marL="342900" indent="-342900">
+              <a:buFont typeface="Arial" pitchFamily="34" charset="0"/>
               <a:buChar char="•"/>
             </a:pPr>
-            <a:endParaRPr lang="en-IN" dirty="0">
-              <a:latin typeface="Palatino Linotype" panose="02040502050505030304" pitchFamily="18" charset="0"/>
-              <a:cs typeface="Arial" panose="020B0604020202020204" pitchFamily="34" charset="0"/>
+            <a:r>
+              <a:rPr lang="en-US" dirty="0">
+                <a:latin typeface="Calibri (Body)"/>
+                <a:cs typeface="Arial" pitchFamily="34" charset="0"/>
+              </a:rPr>
+              <a:t>DELETE FROM </a:t>
+            </a:r>
+            <a:r>
+              <a:rPr lang="en-US" dirty="0" smtClean="0">
+                <a:latin typeface="Calibri (Body)"/>
+                <a:cs typeface="Arial" pitchFamily="34" charset="0"/>
+              </a:rPr>
+              <a:t>student where ID = 1;</a:t>
+            </a:r>
+            <a:endParaRPr lang="en-US" dirty="0">
+              <a:latin typeface="Calibri (Body)"/>
+              <a:cs typeface="Arial" pitchFamily="34" charset="0"/>
             </a:endParaRPr>
           </a:p>
-          <a:p>
-            <a:pPr marL="285750" indent="-285750">
-              <a:buFont typeface="Arial" panose="020B0604020202020204" pitchFamily="34" charset="0"/>
-              <a:buChar char="•"/>
-            </a:pPr>
-            <a:r>
-              <a:rPr lang="en-IN" dirty="0">
-                <a:latin typeface="Palatino Linotype" panose="02040502050505030304" pitchFamily="18" charset="0"/>
-                <a:cs typeface="Arial" panose="020B0604020202020204" pitchFamily="34" charset="0"/>
-              </a:rPr>
-              <a:t>An UPDATE attempt to change the value in a child table's foreign key columns to a value that has no matching value in the corresponding parent table's parent key.</a:t>
-            </a:r>
-          </a:p>
-          <a:p>
-            <a:pPr marL="285750" indent="-285750">
-              <a:buFont typeface="Arial" panose="020B0604020202020204" pitchFamily="34" charset="0"/>
-              <a:buChar char="•"/>
-            </a:pPr>
-            <a:endParaRPr lang="en-IN" dirty="0">
-              <a:latin typeface="Palatino Linotype" panose="02040502050505030304" pitchFamily="18" charset="0"/>
-              <a:cs typeface="Arial" panose="020B0604020202020204" pitchFamily="34" charset="0"/>
-            </a:endParaRPr>
-          </a:p>
-          <a:p>
-            <a:pPr marL="285750" indent="-285750">
-              <a:buFont typeface="Arial" panose="020B0604020202020204" pitchFamily="34" charset="0"/>
-              <a:buChar char="•"/>
-            </a:pPr>
-            <a:r>
-              <a:rPr lang="en-IN" dirty="0">
-                <a:latin typeface="Palatino Linotype" panose="02040502050505030304" pitchFamily="18" charset="0"/>
-                <a:cs typeface="Arial" panose="020B0604020202020204" pitchFamily="34" charset="0"/>
-              </a:rPr>
-              <a:t>A DELETE attempt to remove a record from a parent table that has a matching value in a child table's foreign key columns.</a:t>
+        </p:txBody>
+      </p:sp>
+      <p:sp>
+        <p:nvSpPr>
+          <p:cNvPr id="2" name="Rectangle 1"/>
+          <p:cNvSpPr/>
+          <p:nvPr/>
+        </p:nvSpPr>
+        <p:spPr>
+          <a:xfrm>
+            <a:off x="374868" y="1778886"/>
+            <a:ext cx="6092825" cy="369332"/>
+          </a:xfrm>
+          <a:prstGeom prst="rect">
+            <a:avLst/>
+          </a:prstGeom>
+        </p:spPr>
+        <p:txBody>
+          <a:bodyPr>
+            <a:spAutoFit/>
+          </a:bodyPr>
+          <a:lstStyle/>
+          <a:p>
+            <a:r>
+              <a:rPr lang="en-IN" dirty="0"/>
+              <a:t>DELETE FROM </a:t>
+            </a:r>
+            <a:r>
+              <a:rPr lang="en-IN" dirty="0" smtClean="0"/>
+              <a:t>table_name WHERE </a:t>
+            </a:r>
+            <a:r>
+              <a:rPr lang="en-IN" dirty="0"/>
+              <a:t>[condition];</a:t>
             </a:r>
           </a:p>
         </p:txBody>
@@ -6521,7 +6217,7 @@
     </p:spTree>
     <p:extLst>
       <p:ext uri="{BB962C8B-B14F-4D97-AF65-F5344CB8AC3E}">
-        <p14:creationId xmlns:p14="http://schemas.microsoft.com/office/powerpoint/2010/main" val="2850906017"/>
+        <p14:creationId xmlns="" xmlns:p14="http://schemas.microsoft.com/office/powerpoint/2010/main" val="2850906017"/>
       </p:ext>
     </p:extLst>
   </p:cSld>
@@ -6558,48 +6254,76 @@
       </p:grpSpPr>
       <p:sp>
         <p:nvSpPr>
-          <p:cNvPr id="5" name="Rectangle 4"/>
-          <p:cNvSpPr/>
+          <p:cNvPr id="58370" name="AutoShape 2" descr="One-to-one entity relationship diagram"/>
+          <p:cNvSpPr>
+            <a:spLocks noChangeAspect="1" noChangeArrowheads="1"/>
+          </p:cNvSpPr>
           <p:nvPr/>
         </p:nvSpPr>
-        <p:spPr>
-          <a:xfrm>
-            <a:off x="358716" y="899428"/>
-            <a:ext cx="9281562" cy="464871"/>
-          </a:xfrm>
-          <a:prstGeom prst="rect">
-            <a:avLst/>
-          </a:prstGeom>
-        </p:spPr>
-        <p:txBody>
-          <a:bodyPr wrap="square">
-            <a:spAutoFit/>
+        <p:spPr bwMode="auto">
+          <a:xfrm>
+            <a:off x="1679356" y="-144463"/>
+            <a:ext cx="304760" cy="304801"/>
+          </a:xfrm>
+          <a:prstGeom prst="rect">
+            <a:avLst/>
+          </a:prstGeom>
+          <a:noFill/>
+        </p:spPr>
+        <p:txBody>
+          <a:bodyPr vert="horz" wrap="square" lIns="91440" tIns="45720" rIns="91440" bIns="45720" numCol="1" anchor="t" anchorCtr="0" compatLnSpc="1">
+            <a:prstTxWarp prst="textNoShape">
+              <a:avLst/>
+            </a:prstTxWarp>
           </a:bodyPr>
           <a:lstStyle/>
           <a:p>
-            <a:pPr fontAlgn="base">
-              <a:lnSpc>
-                <a:spcPct val="150000"/>
-              </a:lnSpc>
-            </a:pPr>
-            <a:r>
-              <a:rPr lang="en-US" b="1" dirty="0"/>
-              <a:t>Referential integrity </a:t>
-            </a:r>
-            <a:r>
-              <a:rPr lang="en-US" b="1" dirty="0" smtClean="0"/>
-              <a:t> examples</a:t>
-            </a:r>
-            <a:endParaRPr lang="en-US" b="1" dirty="0"/>
+            <a:endParaRPr lang="en-US" dirty="0">
+              <a:latin typeface="Arial" pitchFamily="34" charset="0"/>
+              <a:cs typeface="Arial" pitchFamily="34" charset="0"/>
+            </a:endParaRPr>
+          </a:p>
+        </p:txBody>
+      </p:sp>
+      <p:sp>
+        <p:nvSpPr>
+          <p:cNvPr id="58372" name="AutoShape 4" descr="One-to-one entity relationship diagram"/>
+          <p:cNvSpPr>
+            <a:spLocks noChangeAspect="1" noChangeArrowheads="1"/>
+          </p:cNvSpPr>
+          <p:nvPr/>
+        </p:nvSpPr>
+        <p:spPr bwMode="auto">
+          <a:xfrm>
+            <a:off x="1679356" y="-144463"/>
+            <a:ext cx="304760" cy="304801"/>
+          </a:xfrm>
+          <a:prstGeom prst="rect">
+            <a:avLst/>
+          </a:prstGeom>
+          <a:noFill/>
+        </p:spPr>
+        <p:txBody>
+          <a:bodyPr vert="horz" wrap="square" lIns="91440" tIns="45720" rIns="91440" bIns="45720" numCol="1" anchor="t" anchorCtr="0" compatLnSpc="1">
+            <a:prstTxWarp prst="textNoShape">
+              <a:avLst/>
+            </a:prstTxWarp>
+          </a:bodyPr>
+          <a:lstStyle/>
+          <a:p>
+            <a:endParaRPr lang="en-US" dirty="0">
+              <a:latin typeface="Arial" pitchFamily="34" charset="0"/>
+              <a:cs typeface="Arial" pitchFamily="34" charset="0"/>
+            </a:endParaRPr>
           </a:p>
         </p:txBody>
       </p:sp>
       <p:pic>
         <p:nvPicPr>
-          <p:cNvPr id="18" name="Picture 17">
+          <p:cNvPr id="8" name="Picture 7">
             <a:extLst>
               <a:ext uri="{FF2B5EF4-FFF2-40B4-BE49-F238E27FC236}">
-                <a16:creationId xmlns:a16="http://schemas.microsoft.com/office/drawing/2014/main" id="{1BC29D4B-0260-49F9-9E5E-2135514E8A88}"/>
+                <a16:creationId xmlns="" xmlns:a16="http://schemas.microsoft.com/office/drawing/2014/main" id="{CA300AF8-3A8B-41EE-96B3-AEAC198AD8CA}"/>
               </a:ext>
             </a:extLst>
           </p:cNvPr>
@@ -6612,7 +6336,7 @@
           <a:blip r:embed="rId2" cstate="print">
             <a:extLst>
               <a:ext uri="{28A0092B-C50C-407E-A947-70E740481C1C}">
-                <a14:useLocalDpi xmlns:a14="http://schemas.microsoft.com/office/drawing/2010/main" val="0"/>
+                <a14:useLocalDpi xmlns="" xmlns:a14="http://schemas.microsoft.com/office/drawing/2010/main" val="0"/>
               </a:ext>
             </a:extLst>
           </a:blip>
@@ -6632,10 +6356,10 @@
       </p:pic>
       <p:sp>
         <p:nvSpPr>
-          <p:cNvPr id="19" name="Footer Placeholder 2">
+          <p:cNvPr id="9" name="Footer Placeholder 2">
             <a:extLst>
               <a:ext uri="{FF2B5EF4-FFF2-40B4-BE49-F238E27FC236}">
-                <a16:creationId xmlns:a16="http://schemas.microsoft.com/office/drawing/2014/main" id="{379BDE68-4144-4701-89F7-BDDAFF7975E1}"/>
+                <a16:creationId xmlns="" xmlns:a16="http://schemas.microsoft.com/office/drawing/2014/main" id="{49968677-CC8A-4C35-AABA-97CFF73A1AB5}"/>
               </a:ext>
             </a:extLst>
           </p:cNvPr>
@@ -6764,18 +6488,27 @@
       </p:sp>
       <p:sp>
         <p:nvSpPr>
-          <p:cNvPr id="8" name="Rectangle 7"/>
+          <p:cNvPr id="10" name="Rectangle 9">
+            <a:extLst>
+              <a:ext uri="{FF2B5EF4-FFF2-40B4-BE49-F238E27FC236}">
+                <a16:creationId xmlns="" xmlns:a16="http://schemas.microsoft.com/office/drawing/2014/main" id="{09A4DD51-F450-4FA7-BA18-C2A26D10D72C}"/>
+              </a:ext>
+            </a:extLst>
+          </p:cNvPr>
           <p:cNvSpPr/>
           <p:nvPr/>
         </p:nvSpPr>
         <p:spPr>
           <a:xfrm>
-            <a:off x="262558" y="1628800"/>
-            <a:ext cx="11305256" cy="2031325"/>
-          </a:xfrm>
-          <a:prstGeom prst="rect">
-            <a:avLst/>
-          </a:prstGeom>
+            <a:off x="1523802" y="2"/>
+            <a:ext cx="9142810" cy="837473"/>
+          </a:xfrm>
+          <a:prstGeom prst="rect">
+            <a:avLst/>
+          </a:prstGeom>
+          <a:solidFill>
+            <a:schemeClr val="bg1"/>
+          </a:solidFill>
         </p:spPr>
         <p:txBody>
           <a:bodyPr wrap="square">
@@ -6783,110 +6516,237 @@
           </a:bodyPr>
           <a:lstStyle/>
           <a:p>
+            <a:pPr algn="r" fontAlgn="base">
+              <a:lnSpc>
+                <a:spcPct val="150000"/>
+              </a:lnSpc>
+            </a:pPr>
+            <a:r>
+              <a:rPr lang="en-US" sz="3600" dirty="0" smtClean="0"/>
+              <a:t>Referential integrity</a:t>
+            </a:r>
+            <a:endParaRPr lang="en-US" sz="3600" dirty="0"/>
+          </a:p>
+        </p:txBody>
+      </p:sp>
+      <p:sp>
+        <p:nvSpPr>
+          <p:cNvPr id="12" name="Rectangle 11"/>
+          <p:cNvSpPr/>
+          <p:nvPr/>
+        </p:nvSpPr>
+        <p:spPr>
+          <a:xfrm>
+            <a:off x="358716" y="4560510"/>
+            <a:ext cx="9984962" cy="1892826"/>
+          </a:xfrm>
+          <a:prstGeom prst="rect">
+            <a:avLst/>
+          </a:prstGeom>
+        </p:spPr>
+        <p:txBody>
+          <a:bodyPr wrap="square">
+            <a:spAutoFit/>
+          </a:bodyPr>
+          <a:lstStyle/>
+          <a:p>
+            <a:r>
+              <a:rPr lang="en-US" b="1" dirty="0" smtClean="0"/>
+              <a:t>Let’s try to do following things.</a:t>
+            </a:r>
+          </a:p>
+          <a:p>
+            <a:endParaRPr lang="en-US" dirty="0" smtClean="0"/>
+          </a:p>
+          <a:p>
             <a:pPr marL="342900" indent="-342900">
+              <a:lnSpc>
+                <a:spcPct val="150000"/>
+              </a:lnSpc>
               <a:buFont typeface="Arial" pitchFamily="34" charset="0"/>
               <a:buChar char="•"/>
             </a:pPr>
             <a:r>
-              <a:rPr lang="en-US" dirty="0" smtClean="0">
-                <a:latin typeface="Calibri (Body)"/>
-                <a:cs typeface="Arial" pitchFamily="34" charset="0"/>
-              </a:rPr>
-              <a:t>INSERT INTO student_address VALUES (104, 'station road', 'baroda');</a:t>
+              <a:rPr lang="en-US" dirty="0" smtClean="0"/>
+              <a:t>Directly adding  a record in </a:t>
+            </a:r>
+            <a:r>
+              <a:rPr lang="en-US" b="1" dirty="0" smtClean="0"/>
+              <a:t>student_address</a:t>
+            </a:r>
+            <a:r>
+              <a:rPr lang="en-US" dirty="0" smtClean="0"/>
+              <a:t> table.</a:t>
             </a:r>
           </a:p>
           <a:p>
             <a:pPr marL="342900" indent="-342900">
+              <a:lnSpc>
+                <a:spcPct val="150000"/>
+              </a:lnSpc>
               <a:buFont typeface="Arial" pitchFamily="34" charset="0"/>
               <a:buChar char="•"/>
             </a:pPr>
-            <a:endParaRPr lang="en-US" dirty="0" smtClean="0">
-              <a:latin typeface="Calibri (Body)"/>
-              <a:cs typeface="Arial" pitchFamily="34" charset="0"/>
-            </a:endParaRPr>
+            <a:r>
+              <a:rPr lang="en-US" dirty="0" smtClean="0"/>
+              <a:t>Deleting a student record from </a:t>
+            </a:r>
+            <a:r>
+              <a:rPr lang="en-US" b="1" dirty="0" smtClean="0"/>
+              <a:t>student</a:t>
+            </a:r>
+            <a:r>
+              <a:rPr lang="en-US" dirty="0" smtClean="0"/>
+              <a:t> table.</a:t>
+            </a:r>
           </a:p>
           <a:p>
             <a:pPr marL="342900" indent="-342900">
+              <a:lnSpc>
+                <a:spcPct val="150000"/>
+              </a:lnSpc>
               <a:buFont typeface="Arial" pitchFamily="34" charset="0"/>
               <a:buChar char="•"/>
             </a:pPr>
             <a:r>
-              <a:rPr lang="en-US" dirty="0" smtClean="0">
-                <a:latin typeface="Calibri (Body)"/>
-                <a:cs typeface="Arial" pitchFamily="34" charset="0"/>
-              </a:rPr>
-              <a:t>INSERT INTO student_hobbies VALUES (106, 4, 'gaming');</a:t>
-            </a:r>
-          </a:p>
-          <a:p>
-            <a:pPr marL="342900" indent="-342900">
-              <a:buFont typeface="Arial" pitchFamily="34" charset="0"/>
+              <a:rPr lang="en-US" dirty="0" smtClean="0"/>
+              <a:t>Directly adding  a record in </a:t>
+            </a:r>
+            <a:r>
+              <a:rPr lang="en-US" b="1" dirty="0" smtClean="0"/>
+              <a:t>student_hobbies</a:t>
+            </a:r>
+            <a:r>
+              <a:rPr lang="en-US" dirty="0" smtClean="0"/>
+              <a:t> table.</a:t>
+            </a:r>
+            <a:endParaRPr lang="en-US" dirty="0"/>
+          </a:p>
+        </p:txBody>
+      </p:sp>
+      <p:sp>
+        <p:nvSpPr>
+          <p:cNvPr id="11" name="Rectangle 10"/>
+          <p:cNvSpPr/>
+          <p:nvPr/>
+        </p:nvSpPr>
+        <p:spPr>
+          <a:xfrm>
+            <a:off x="262558" y="978401"/>
+            <a:ext cx="11737304" cy="3262432"/>
+          </a:xfrm>
+          <a:prstGeom prst="rect">
+            <a:avLst/>
+          </a:prstGeom>
+          <a:solidFill>
+            <a:schemeClr val="bg1"/>
+          </a:solidFill>
+        </p:spPr>
+        <p:txBody>
+          <a:bodyPr wrap="square">
+            <a:spAutoFit/>
+          </a:bodyPr>
+          <a:lstStyle/>
+          <a:p>
+            <a:r>
+              <a:rPr lang="en-US" b="1" dirty="0"/>
+              <a:t>Referential integrity</a:t>
+            </a:r>
+            <a:r>
+              <a:rPr lang="en-US" dirty="0"/>
+              <a:t> refers to the accuracy and consistency of data within a relationship</a:t>
+            </a:r>
+            <a:r>
+              <a:rPr lang="en-US" dirty="0" smtClean="0"/>
+              <a:t>. </a:t>
+            </a:r>
+            <a:r>
+              <a:rPr lang="en-IN" sz="2200" dirty="0" smtClean="0">
+                <a:solidFill>
+                  <a:schemeClr val="tx1">
+                    <a:lumMod val="85000"/>
+                    <a:lumOff val="15000"/>
+                  </a:schemeClr>
+                </a:solidFill>
+                <a:latin typeface="Palatino Linotype" panose="02040502050505030304" pitchFamily="18" charset="0"/>
+              </a:rPr>
+              <a:t>A </a:t>
+            </a:r>
+            <a:r>
+              <a:rPr lang="en-IN" sz="2200" dirty="0">
+                <a:solidFill>
+                  <a:schemeClr val="tx1">
+                    <a:lumMod val="85000"/>
+                    <a:lumOff val="15000"/>
+                  </a:schemeClr>
+                </a:solidFill>
+                <a:latin typeface="Palatino Linotype" panose="02040502050505030304" pitchFamily="18" charset="0"/>
+              </a:rPr>
+              <a:t>referential constraint could be violated in following cases.</a:t>
+            </a:r>
+          </a:p>
+          <a:p>
+            <a:endParaRPr lang="en-IN" dirty="0">
+              <a:latin typeface="Palatino Linotype" panose="02040502050505030304" pitchFamily="18" charset="0"/>
+            </a:endParaRPr>
+          </a:p>
+          <a:p>
+            <a:pPr marL="285750" indent="-285750">
+              <a:buFont typeface="Arial" panose="020B0604020202020204" pitchFamily="34" charset="0"/>
               <a:buChar char="•"/>
             </a:pPr>
-            <a:endParaRPr lang="en-US" dirty="0" smtClean="0">
-              <a:latin typeface="Calibri (Body)"/>
-              <a:cs typeface="Arial" pitchFamily="34" charset="0"/>
-            </a:endParaRPr>
-          </a:p>
-          <a:p>
-            <a:pPr marL="342900" indent="-342900">
-              <a:buFont typeface="Arial" pitchFamily="34" charset="0"/>
+            <a:r>
+              <a:rPr lang="en-IN" dirty="0">
+                <a:latin typeface="Palatino Linotype" panose="02040502050505030304" pitchFamily="18" charset="0"/>
+                <a:cs typeface="Arial" panose="020B0604020202020204" pitchFamily="34" charset="0"/>
+              </a:rPr>
+              <a:t>An INSERT attempt to add a row to a child table that has a value in its foreign key columns that does not match a value in the corresponding parent table's column.</a:t>
+            </a:r>
+          </a:p>
+          <a:p>
+            <a:pPr marL="285750" indent="-285750">
+              <a:buFont typeface="Arial" panose="020B0604020202020204" pitchFamily="34" charset="0"/>
               <a:buChar char="•"/>
             </a:pPr>
-            <a:r>
-              <a:rPr lang="en-US" dirty="0" smtClean="0">
-                <a:latin typeface="Calibri (Body)"/>
-                <a:cs typeface="Arial" pitchFamily="34" charset="0"/>
-              </a:rPr>
-              <a:t>UPDATE </a:t>
-            </a:r>
-            <a:r>
-              <a:rPr lang="en-US" dirty="0">
-                <a:latin typeface="Calibri (Body)"/>
-                <a:cs typeface="Arial" pitchFamily="34" charset="0"/>
-              </a:rPr>
-              <a:t>student_hobbies </a:t>
-            </a:r>
-            <a:r>
-              <a:rPr lang="en-US" dirty="0" smtClean="0">
-                <a:latin typeface="Calibri (Body)"/>
-                <a:cs typeface="Arial" pitchFamily="34" charset="0"/>
-              </a:rPr>
-              <a:t>SET </a:t>
-            </a:r>
-            <a:r>
-              <a:rPr lang="en-US" dirty="0">
-                <a:latin typeface="Calibri (Body)"/>
-                <a:cs typeface="Arial" pitchFamily="34" charset="0"/>
-              </a:rPr>
-              <a:t>studentID = 100 where id=1;</a:t>
-            </a:r>
-            <a:endParaRPr lang="en-US" dirty="0" smtClean="0">
-              <a:latin typeface="Calibri (Body)"/>
-              <a:cs typeface="Arial" pitchFamily="34" charset="0"/>
+            <a:endParaRPr lang="en-IN" dirty="0">
+              <a:latin typeface="Palatino Linotype" panose="02040502050505030304" pitchFamily="18" charset="0"/>
+              <a:cs typeface="Arial" panose="020B0604020202020204" pitchFamily="34" charset="0"/>
             </a:endParaRPr>
           </a:p>
           <a:p>
-            <a:pPr marL="342900" indent="-342900">
-              <a:buFont typeface="Arial" pitchFamily="34" charset="0"/>
+            <a:pPr marL="285750" indent="-285750">
+              <a:buFont typeface="Arial" panose="020B0604020202020204" pitchFamily="34" charset="0"/>
               <a:buChar char="•"/>
             </a:pPr>
-            <a:endParaRPr lang="en-US" dirty="0" smtClean="0">
-              <a:latin typeface="Calibri (Body)"/>
-              <a:cs typeface="Arial" pitchFamily="34" charset="0"/>
-            </a:endParaRPr>
-          </a:p>
-          <a:p>
-            <a:pPr marL="342900" indent="-342900">
-              <a:buFont typeface="Arial" pitchFamily="34" charset="0"/>
+            <a:r>
+              <a:rPr lang="en-IN" dirty="0">
+                <a:latin typeface="Palatino Linotype" panose="02040502050505030304" pitchFamily="18" charset="0"/>
+                <a:cs typeface="Arial" panose="020B0604020202020204" pitchFamily="34" charset="0"/>
+              </a:rPr>
+              <a:t>An UPDATE attempt to change the value in a child table's foreign key columns to a value that has no matching value in the corresponding parent table's parent key.</a:t>
+            </a:r>
+          </a:p>
+          <a:p>
+            <a:pPr marL="285750" indent="-285750">
+              <a:buFont typeface="Arial" panose="020B0604020202020204" pitchFamily="34" charset="0"/>
               <a:buChar char="•"/>
             </a:pPr>
-            <a:r>
-              <a:rPr lang="en-US" dirty="0" smtClean="0">
-                <a:latin typeface="Calibri (Body)"/>
-                <a:cs typeface="Arial" pitchFamily="34" charset="0"/>
-              </a:rPr>
-              <a:t>DELETE FROM student where ID = 1;</a:t>
+            <a:endParaRPr lang="en-IN" dirty="0">
+              <a:latin typeface="Palatino Linotype" panose="02040502050505030304" pitchFamily="18" charset="0"/>
+              <a:cs typeface="Arial" panose="020B0604020202020204" pitchFamily="34" charset="0"/>
+            </a:endParaRPr>
+          </a:p>
+          <a:p>
+            <a:pPr marL="285750" indent="-285750">
+              <a:buFont typeface="Arial" panose="020B0604020202020204" pitchFamily="34" charset="0"/>
+              <a:buChar char="•"/>
+            </a:pPr>
+            <a:r>
+              <a:rPr lang="en-IN" dirty="0">
+                <a:latin typeface="Palatino Linotype" panose="02040502050505030304" pitchFamily="18" charset="0"/>
+                <a:cs typeface="Arial" panose="020B0604020202020204" pitchFamily="34" charset="0"/>
+              </a:rPr>
+              <a:t>A DELETE attempt to remove a record from a parent table that has a matching value in a child table's foreign key columns.</a:t>
             </a:r>
           </a:p>
         </p:txBody>
@@ -6894,13 +6754,14 @@
     </p:spTree>
     <p:extLst>
       <p:ext uri="{BB962C8B-B14F-4D97-AF65-F5344CB8AC3E}">
-        <p14:creationId xmlns:p14="http://schemas.microsoft.com/office/powerpoint/2010/main" val="658616944"/>
+        <p14:creationId xmlns="" xmlns:p14="http://schemas.microsoft.com/office/powerpoint/2010/main" val="2850906017"/>
       </p:ext>
     </p:extLst>
   </p:cSld>
   <p:clrMapOvr>
     <a:masterClrMapping/>
   </p:clrMapOvr>
+  <p:transition spd="slow"/>
   <p:timing>
     <p:tnLst>
       <p:par>
@@ -6930,76 +6791,48 @@
       </p:grpSpPr>
       <p:sp>
         <p:nvSpPr>
-          <p:cNvPr id="58370" name="AutoShape 2" descr="One-to-one entity relationship diagram"/>
-          <p:cNvSpPr>
-            <a:spLocks noChangeAspect="1" noChangeArrowheads="1"/>
-          </p:cNvSpPr>
+          <p:cNvPr id="5" name="Rectangle 4"/>
+          <p:cNvSpPr/>
           <p:nvPr/>
         </p:nvSpPr>
-        <p:spPr bwMode="auto">
-          <a:xfrm>
-            <a:off x="1679356" y="-144463"/>
-            <a:ext cx="304760" cy="304801"/>
-          </a:xfrm>
-          <a:prstGeom prst="rect">
-            <a:avLst/>
-          </a:prstGeom>
-          <a:noFill/>
-        </p:spPr>
-        <p:txBody>
-          <a:bodyPr vert="horz" wrap="square" lIns="91440" tIns="45720" rIns="91440" bIns="45720" numCol="1" anchor="t" anchorCtr="0" compatLnSpc="1">
-            <a:prstTxWarp prst="textNoShape">
-              <a:avLst/>
-            </a:prstTxWarp>
+        <p:spPr>
+          <a:xfrm>
+            <a:off x="358716" y="899428"/>
+            <a:ext cx="9281562" cy="464871"/>
+          </a:xfrm>
+          <a:prstGeom prst="rect">
+            <a:avLst/>
+          </a:prstGeom>
+        </p:spPr>
+        <p:txBody>
+          <a:bodyPr wrap="square">
+            <a:spAutoFit/>
           </a:bodyPr>
           <a:lstStyle/>
           <a:p>
-            <a:endParaRPr lang="en-US" dirty="0">
-              <a:latin typeface="Arial" pitchFamily="34" charset="0"/>
-              <a:cs typeface="Arial" pitchFamily="34" charset="0"/>
-            </a:endParaRPr>
-          </a:p>
-        </p:txBody>
-      </p:sp>
-      <p:sp>
-        <p:nvSpPr>
-          <p:cNvPr id="58372" name="AutoShape 4" descr="One-to-one entity relationship diagram"/>
-          <p:cNvSpPr>
-            <a:spLocks noChangeAspect="1" noChangeArrowheads="1"/>
-          </p:cNvSpPr>
-          <p:nvPr/>
-        </p:nvSpPr>
-        <p:spPr bwMode="auto">
-          <a:xfrm>
-            <a:off x="1679356" y="-144463"/>
-            <a:ext cx="304760" cy="304801"/>
-          </a:xfrm>
-          <a:prstGeom prst="rect">
-            <a:avLst/>
-          </a:prstGeom>
-          <a:noFill/>
-        </p:spPr>
-        <p:txBody>
-          <a:bodyPr vert="horz" wrap="square" lIns="91440" tIns="45720" rIns="91440" bIns="45720" numCol="1" anchor="t" anchorCtr="0" compatLnSpc="1">
-            <a:prstTxWarp prst="textNoShape">
-              <a:avLst/>
-            </a:prstTxWarp>
-          </a:bodyPr>
-          <a:lstStyle/>
-          <a:p>
-            <a:endParaRPr lang="en-US" dirty="0">
-              <a:latin typeface="Arial" pitchFamily="34" charset="0"/>
-              <a:cs typeface="Arial" pitchFamily="34" charset="0"/>
-            </a:endParaRPr>
+            <a:pPr fontAlgn="base">
+              <a:lnSpc>
+                <a:spcPct val="150000"/>
+              </a:lnSpc>
+            </a:pPr>
+            <a:r>
+              <a:rPr lang="en-US" b="1" dirty="0"/>
+              <a:t>Referential integrity </a:t>
+            </a:r>
+            <a:r>
+              <a:rPr lang="en-US" b="1" dirty="0" smtClean="0"/>
+              <a:t> examples</a:t>
+            </a:r>
+            <a:endParaRPr lang="en-US" b="1" dirty="0"/>
           </a:p>
         </p:txBody>
       </p:sp>
       <p:pic>
         <p:nvPicPr>
-          <p:cNvPr id="8" name="Picture 7">
+          <p:cNvPr id="18" name="Picture 17">
             <a:extLst>
               <a:ext uri="{FF2B5EF4-FFF2-40B4-BE49-F238E27FC236}">
-                <a16:creationId xmlns:a16="http://schemas.microsoft.com/office/drawing/2014/main" id="{CA300AF8-3A8B-41EE-96B3-AEAC198AD8CA}"/>
+                <a16:creationId xmlns="" xmlns:a16="http://schemas.microsoft.com/office/drawing/2014/main" id="{1BC29D4B-0260-49F9-9E5E-2135514E8A88}"/>
               </a:ext>
             </a:extLst>
           </p:cNvPr>
@@ -7012,7 +6845,7 @@
           <a:blip r:embed="rId2" cstate="print">
             <a:extLst>
               <a:ext uri="{28A0092B-C50C-407E-A947-70E740481C1C}">
-                <a14:useLocalDpi xmlns:a14="http://schemas.microsoft.com/office/drawing/2010/main" val="0"/>
+                <a14:useLocalDpi xmlns="" xmlns:a14="http://schemas.microsoft.com/office/drawing/2010/main" val="0"/>
               </a:ext>
             </a:extLst>
           </a:blip>
@@ -7032,10 +6865,10 @@
       </p:pic>
       <p:sp>
         <p:nvSpPr>
-          <p:cNvPr id="9" name="Footer Placeholder 2">
+          <p:cNvPr id="19" name="Footer Placeholder 2">
             <a:extLst>
               <a:ext uri="{FF2B5EF4-FFF2-40B4-BE49-F238E27FC236}">
-                <a16:creationId xmlns:a16="http://schemas.microsoft.com/office/drawing/2014/main" id="{49968677-CC8A-4C35-AABA-97CFF73A1AB5}"/>
+                <a16:creationId xmlns="" xmlns:a16="http://schemas.microsoft.com/office/drawing/2014/main" id="{379BDE68-4144-4701-89F7-BDDAFF7975E1}"/>
               </a:ext>
             </a:extLst>
           </p:cNvPr>
@@ -7164,10 +6997,139 @@
       </p:sp>
       <p:sp>
         <p:nvSpPr>
-          <p:cNvPr id="10" name="Rectangle 9">
+          <p:cNvPr id="8" name="Rectangle 7"/>
+          <p:cNvSpPr/>
+          <p:nvPr/>
+        </p:nvSpPr>
+        <p:spPr>
+          <a:xfrm>
+            <a:off x="262558" y="1628800"/>
+            <a:ext cx="11305256" cy="2031325"/>
+          </a:xfrm>
+          <a:prstGeom prst="rect">
+            <a:avLst/>
+          </a:prstGeom>
+        </p:spPr>
+        <p:txBody>
+          <a:bodyPr wrap="square">
+            <a:spAutoFit/>
+          </a:bodyPr>
+          <a:lstStyle/>
+          <a:p>
+            <a:pPr marL="342900" indent="-342900">
+              <a:buFont typeface="Arial" pitchFamily="34" charset="0"/>
+              <a:buChar char="•"/>
+            </a:pPr>
+            <a:r>
+              <a:rPr lang="en-US" dirty="0" smtClean="0">
+                <a:latin typeface="Calibri (Body)"/>
+                <a:cs typeface="Arial" pitchFamily="34" charset="0"/>
+              </a:rPr>
+              <a:t>INSERT INTO student_address VALUES (104, 'station road', 'baroda');</a:t>
+            </a:r>
+          </a:p>
+          <a:p>
+            <a:pPr marL="342900" indent="-342900">
+              <a:buFont typeface="Arial" pitchFamily="34" charset="0"/>
+              <a:buChar char="•"/>
+            </a:pPr>
+            <a:endParaRPr lang="en-US" dirty="0" smtClean="0">
+              <a:latin typeface="Calibri (Body)"/>
+              <a:cs typeface="Arial" pitchFamily="34" charset="0"/>
+            </a:endParaRPr>
+          </a:p>
+          <a:p>
+            <a:pPr marL="342900" indent="-342900">
+              <a:buFont typeface="Arial" pitchFamily="34" charset="0"/>
+              <a:buChar char="•"/>
+            </a:pPr>
+            <a:r>
+              <a:rPr lang="en-US" dirty="0" smtClean="0">
+                <a:latin typeface="Calibri (Body)"/>
+                <a:cs typeface="Arial" pitchFamily="34" charset="0"/>
+              </a:rPr>
+              <a:t>INSERT INTO student_hobbies VALUES (106, 4, 'gaming');</a:t>
+            </a:r>
+          </a:p>
+          <a:p>
+            <a:pPr marL="342900" indent="-342900">
+              <a:buFont typeface="Arial" pitchFamily="34" charset="0"/>
+              <a:buChar char="•"/>
+            </a:pPr>
+            <a:endParaRPr lang="en-US" dirty="0" smtClean="0">
+              <a:latin typeface="Calibri (Body)"/>
+              <a:cs typeface="Arial" pitchFamily="34" charset="0"/>
+            </a:endParaRPr>
+          </a:p>
+          <a:p>
+            <a:pPr marL="342900" indent="-342900">
+              <a:buFont typeface="Arial" pitchFamily="34" charset="0"/>
+              <a:buChar char="•"/>
+            </a:pPr>
+            <a:r>
+              <a:rPr lang="en-US" dirty="0" smtClean="0">
+                <a:latin typeface="Calibri (Body)"/>
+                <a:cs typeface="Arial" pitchFamily="34" charset="0"/>
+              </a:rPr>
+              <a:t>UPDATE </a:t>
+            </a:r>
+            <a:r>
+              <a:rPr lang="en-US" dirty="0">
+                <a:latin typeface="Calibri (Body)"/>
+                <a:cs typeface="Arial" pitchFamily="34" charset="0"/>
+              </a:rPr>
+              <a:t>student_hobbies </a:t>
+            </a:r>
+            <a:r>
+              <a:rPr lang="en-US" dirty="0" smtClean="0">
+                <a:latin typeface="Calibri (Body)"/>
+                <a:cs typeface="Arial" pitchFamily="34" charset="0"/>
+              </a:rPr>
+              <a:t>SET </a:t>
+            </a:r>
+            <a:r>
+              <a:rPr lang="en-US" dirty="0">
+                <a:latin typeface="Calibri (Body)"/>
+                <a:cs typeface="Arial" pitchFamily="34" charset="0"/>
+              </a:rPr>
+              <a:t>studentID = 100 where id=1;</a:t>
+            </a:r>
+            <a:endParaRPr lang="en-US" dirty="0" smtClean="0">
+              <a:latin typeface="Calibri (Body)"/>
+              <a:cs typeface="Arial" pitchFamily="34" charset="0"/>
+            </a:endParaRPr>
+          </a:p>
+          <a:p>
+            <a:pPr marL="342900" indent="-342900">
+              <a:buFont typeface="Arial" pitchFamily="34" charset="0"/>
+              <a:buChar char="•"/>
+            </a:pPr>
+            <a:endParaRPr lang="en-US" dirty="0" smtClean="0">
+              <a:latin typeface="Calibri (Body)"/>
+              <a:cs typeface="Arial" pitchFamily="34" charset="0"/>
+            </a:endParaRPr>
+          </a:p>
+          <a:p>
+            <a:pPr marL="342900" indent="-342900">
+              <a:buFont typeface="Arial" pitchFamily="34" charset="0"/>
+              <a:buChar char="•"/>
+            </a:pPr>
+            <a:r>
+              <a:rPr lang="en-US" dirty="0" smtClean="0">
+                <a:latin typeface="Calibri (Body)"/>
+                <a:cs typeface="Arial" pitchFamily="34" charset="0"/>
+              </a:rPr>
+              <a:t>DELETE FROM student where ID = 1;</a:t>
+            </a:r>
+          </a:p>
+        </p:txBody>
+      </p:sp>
+      <p:sp>
+        <p:nvSpPr>
+          <p:cNvPr id="6" name="Rectangle 5">
             <a:extLst>
               <a:ext uri="{FF2B5EF4-FFF2-40B4-BE49-F238E27FC236}">
-                <a16:creationId xmlns:a16="http://schemas.microsoft.com/office/drawing/2014/main" id="{09A4DD51-F450-4FA7-BA18-C2A26D10D72C}"/>
+                <a16:creationId xmlns="" xmlns:a16="http://schemas.microsoft.com/office/drawing/2014/main" id="{09A4DD51-F450-4FA7-BA18-C2A26D10D72C}"/>
               </a:ext>
             </a:extLst>
           </p:cNvPr>
@@ -7199,26 +7161,310 @@
             </a:pPr>
             <a:r>
               <a:rPr lang="en-US" sz="3600" dirty="0" smtClean="0"/>
-              <a:t>TRUNCATE</a:t>
+              <a:t>Example on Referential </a:t>
+            </a:r>
+            <a:r>
+              <a:rPr lang="en-US" sz="3600" dirty="0" smtClean="0"/>
+              <a:t>integrity</a:t>
             </a:r>
             <a:endParaRPr lang="en-US" sz="3600" dirty="0"/>
           </a:p>
         </p:txBody>
       </p:sp>
-      <p:sp>
-        <p:nvSpPr>
-          <p:cNvPr id="12" name="Rectangle 11"/>
+    </p:spTree>
+    <p:extLst>
+      <p:ext uri="{BB962C8B-B14F-4D97-AF65-F5344CB8AC3E}">
+        <p14:creationId xmlns="" xmlns:p14="http://schemas.microsoft.com/office/powerpoint/2010/main" val="658616944"/>
+      </p:ext>
+    </p:extLst>
+  </p:cSld>
+  <p:clrMapOvr>
+    <a:masterClrMapping/>
+  </p:clrMapOvr>
+  <p:timing>
+    <p:tnLst>
+      <p:par>
+        <p:cTn id="1" dur="indefinite" restart="never" nodeType="tmRoot"/>
+      </p:par>
+    </p:tnLst>
+  </p:timing>
+</p:sld>
+</file>
+
+<file path=ppt/slides/slide9.xml><?xml version="1.0" encoding="utf-8"?>
+<p:sld xmlns:a="http://schemas.openxmlformats.org/drawingml/2006/main" xmlns:r="http://schemas.openxmlformats.org/officeDocument/2006/relationships" xmlns:p="http://schemas.openxmlformats.org/presentationml/2006/main">
+  <p:cSld>
+    <p:spTree>
+      <p:nvGrpSpPr>
+        <p:cNvPr id="1" name=""/>
+        <p:cNvGrpSpPr/>
+        <p:nvPr/>
+      </p:nvGrpSpPr>
+      <p:grpSpPr>
+        <a:xfrm>
+          <a:off x="0" y="0"/>
+          <a:ext cx="0" cy="0"/>
+          <a:chOff x="0" y="0"/>
+          <a:chExt cx="0" cy="0"/>
+        </a:xfrm>
+      </p:grpSpPr>
+      <p:sp>
+        <p:nvSpPr>
+          <p:cNvPr id="58370" name="AutoShape 2" descr="One-to-one entity relationship diagram"/>
+          <p:cNvSpPr>
+            <a:spLocks noChangeAspect="1" noChangeArrowheads="1"/>
+          </p:cNvSpPr>
+          <p:nvPr/>
+        </p:nvSpPr>
+        <p:spPr bwMode="auto">
+          <a:xfrm>
+            <a:off x="1679356" y="-144463"/>
+            <a:ext cx="304760" cy="304801"/>
+          </a:xfrm>
+          <a:prstGeom prst="rect">
+            <a:avLst/>
+          </a:prstGeom>
+          <a:noFill/>
+        </p:spPr>
+        <p:txBody>
+          <a:bodyPr vert="horz" wrap="square" lIns="91440" tIns="45720" rIns="91440" bIns="45720" numCol="1" anchor="t" anchorCtr="0" compatLnSpc="1">
+            <a:prstTxWarp prst="textNoShape">
+              <a:avLst/>
+            </a:prstTxWarp>
+          </a:bodyPr>
+          <a:lstStyle/>
+          <a:p>
+            <a:endParaRPr lang="en-US" dirty="0">
+              <a:latin typeface="Arial" pitchFamily="34" charset="0"/>
+              <a:cs typeface="Arial" pitchFamily="34" charset="0"/>
+            </a:endParaRPr>
+          </a:p>
+        </p:txBody>
+      </p:sp>
+      <p:sp>
+        <p:nvSpPr>
+          <p:cNvPr id="58372" name="AutoShape 4" descr="One-to-one entity relationship diagram"/>
+          <p:cNvSpPr>
+            <a:spLocks noChangeAspect="1" noChangeArrowheads="1"/>
+          </p:cNvSpPr>
+          <p:nvPr/>
+        </p:nvSpPr>
+        <p:spPr bwMode="auto">
+          <a:xfrm>
+            <a:off x="1679356" y="-144463"/>
+            <a:ext cx="304760" cy="304801"/>
+          </a:xfrm>
+          <a:prstGeom prst="rect">
+            <a:avLst/>
+          </a:prstGeom>
+          <a:noFill/>
+        </p:spPr>
+        <p:txBody>
+          <a:bodyPr vert="horz" wrap="square" lIns="91440" tIns="45720" rIns="91440" bIns="45720" numCol="1" anchor="t" anchorCtr="0" compatLnSpc="1">
+            <a:prstTxWarp prst="textNoShape">
+              <a:avLst/>
+            </a:prstTxWarp>
+          </a:bodyPr>
+          <a:lstStyle/>
+          <a:p>
+            <a:endParaRPr lang="en-US" dirty="0">
+              <a:latin typeface="Arial" pitchFamily="34" charset="0"/>
+              <a:cs typeface="Arial" pitchFamily="34" charset="0"/>
+            </a:endParaRPr>
+          </a:p>
+        </p:txBody>
+      </p:sp>
+      <p:pic>
+        <p:nvPicPr>
+          <p:cNvPr id="8" name="Picture 7">
+            <a:extLst>
+              <a:ext uri="{FF2B5EF4-FFF2-40B4-BE49-F238E27FC236}">
+                <a16:creationId xmlns="" xmlns:a16="http://schemas.microsoft.com/office/drawing/2014/main" id="{CA300AF8-3A8B-41EE-96B3-AEAC198AD8CA}"/>
+              </a:ext>
+            </a:extLst>
+          </p:cNvPr>
+          <p:cNvPicPr>
+            <a:picLocks noChangeAspect="1"/>
+          </p:cNvPicPr>
+          <p:nvPr/>
+        </p:nvPicPr>
+        <p:blipFill>
+          <a:blip r:embed="rId2" cstate="print">
+            <a:extLst>
+              <a:ext uri="{28A0092B-C50C-407E-A947-70E740481C1C}">
+                <a14:useLocalDpi xmlns="" xmlns:a14="http://schemas.microsoft.com/office/drawing/2010/main" val="0"/>
+              </a:ext>
+            </a:extLst>
+          </a:blip>
+          <a:stretch>
+            <a:fillRect/>
+          </a:stretch>
+        </p:blipFill>
+        <p:spPr>
+          <a:xfrm>
+            <a:off x="118542" y="116632"/>
+            <a:ext cx="1371859" cy="445150"/>
+          </a:xfrm>
+          <a:prstGeom prst="rect">
+            <a:avLst/>
+          </a:prstGeom>
+        </p:spPr>
+      </p:pic>
+      <p:sp>
+        <p:nvSpPr>
+          <p:cNvPr id="9" name="Footer Placeholder 2">
+            <a:extLst>
+              <a:ext uri="{FF2B5EF4-FFF2-40B4-BE49-F238E27FC236}">
+                <a16:creationId xmlns="" xmlns:a16="http://schemas.microsoft.com/office/drawing/2014/main" id="{49968677-CC8A-4C35-AABA-97CFF73A1AB5}"/>
+              </a:ext>
+            </a:extLst>
+          </p:cNvPr>
+          <p:cNvSpPr txBox="1">
+            <a:spLocks/>
+          </p:cNvSpPr>
+          <p:nvPr/>
+        </p:nvSpPr>
+        <p:spPr>
+          <a:xfrm>
+            <a:off x="3237431" y="6523037"/>
+            <a:ext cx="5400600" cy="365125"/>
+          </a:xfrm>
+          <a:prstGeom prst="rect">
+            <a:avLst/>
+          </a:prstGeom>
+        </p:spPr>
+        <p:txBody>
+          <a:bodyPr/>
+          <a:lstStyle>
+            <a:defPPr>
+              <a:defRPr lang="en-US"/>
+            </a:defPPr>
+            <a:lvl1pPr marL="0" algn="l" defTabSz="914400" rtl="0" eaLnBrk="1" latinLnBrk="0" hangingPunct="1">
+              <a:defRPr sz="1050" kern="1200">
+                <a:solidFill>
+                  <a:schemeClr val="tx1"/>
+                </a:solidFill>
+                <a:latin typeface="+mn-lt"/>
+                <a:ea typeface="+mn-ea"/>
+                <a:cs typeface="+mn-cs"/>
+              </a:defRPr>
+            </a:lvl1pPr>
+            <a:lvl2pPr marL="457200" algn="l" defTabSz="914400" rtl="0" eaLnBrk="1" latinLnBrk="0" hangingPunct="1">
+              <a:defRPr sz="1800" kern="1200">
+                <a:solidFill>
+                  <a:schemeClr val="tx1"/>
+                </a:solidFill>
+                <a:latin typeface="+mn-lt"/>
+                <a:ea typeface="+mn-ea"/>
+                <a:cs typeface="+mn-cs"/>
+              </a:defRPr>
+            </a:lvl2pPr>
+            <a:lvl3pPr marL="914400" algn="l" defTabSz="914400" rtl="0" eaLnBrk="1" latinLnBrk="0" hangingPunct="1">
+              <a:defRPr sz="1800" kern="1200">
+                <a:solidFill>
+                  <a:schemeClr val="tx1"/>
+                </a:solidFill>
+                <a:latin typeface="+mn-lt"/>
+                <a:ea typeface="+mn-ea"/>
+                <a:cs typeface="+mn-cs"/>
+              </a:defRPr>
+            </a:lvl3pPr>
+            <a:lvl4pPr marL="1371600" algn="l" defTabSz="914400" rtl="0" eaLnBrk="1" latinLnBrk="0" hangingPunct="1">
+              <a:defRPr sz="1800" kern="1200">
+                <a:solidFill>
+                  <a:schemeClr val="tx1"/>
+                </a:solidFill>
+                <a:latin typeface="+mn-lt"/>
+                <a:ea typeface="+mn-ea"/>
+                <a:cs typeface="+mn-cs"/>
+              </a:defRPr>
+            </a:lvl4pPr>
+            <a:lvl5pPr marL="1828800" algn="l" defTabSz="914400" rtl="0" eaLnBrk="1" latinLnBrk="0" hangingPunct="1">
+              <a:defRPr sz="1800" kern="1200">
+                <a:solidFill>
+                  <a:schemeClr val="tx1"/>
+                </a:solidFill>
+                <a:latin typeface="+mn-lt"/>
+                <a:ea typeface="+mn-ea"/>
+                <a:cs typeface="+mn-cs"/>
+              </a:defRPr>
+            </a:lvl5pPr>
+            <a:lvl6pPr marL="2286000" algn="l" defTabSz="914400" rtl="0" eaLnBrk="1" latinLnBrk="0" hangingPunct="1">
+              <a:defRPr sz="1800" kern="1200">
+                <a:solidFill>
+                  <a:schemeClr val="tx1"/>
+                </a:solidFill>
+                <a:latin typeface="+mn-lt"/>
+                <a:ea typeface="+mn-ea"/>
+                <a:cs typeface="+mn-cs"/>
+              </a:defRPr>
+            </a:lvl6pPr>
+            <a:lvl7pPr marL="2743200" algn="l" defTabSz="914400" rtl="0" eaLnBrk="1" latinLnBrk="0" hangingPunct="1">
+              <a:defRPr sz="1800" kern="1200">
+                <a:solidFill>
+                  <a:schemeClr val="tx1"/>
+                </a:solidFill>
+                <a:latin typeface="+mn-lt"/>
+                <a:ea typeface="+mn-ea"/>
+                <a:cs typeface="+mn-cs"/>
+              </a:defRPr>
+            </a:lvl7pPr>
+            <a:lvl8pPr marL="3200400" algn="l" defTabSz="914400" rtl="0" eaLnBrk="1" latinLnBrk="0" hangingPunct="1">
+              <a:defRPr sz="1800" kern="1200">
+                <a:solidFill>
+                  <a:schemeClr val="tx1"/>
+                </a:solidFill>
+                <a:latin typeface="+mn-lt"/>
+                <a:ea typeface="+mn-ea"/>
+                <a:cs typeface="+mn-cs"/>
+              </a:defRPr>
+            </a:lvl8pPr>
+            <a:lvl9pPr marL="3657600" algn="l" defTabSz="914400" rtl="0" eaLnBrk="1" latinLnBrk="0" hangingPunct="1">
+              <a:defRPr sz="1800" kern="1200">
+                <a:solidFill>
+                  <a:schemeClr val="tx1"/>
+                </a:solidFill>
+                <a:latin typeface="+mn-lt"/>
+                <a:ea typeface="+mn-ea"/>
+                <a:cs typeface="+mn-cs"/>
+              </a:defRPr>
+            </a:lvl9pPr>
+          </a:lstStyle>
+          <a:p>
+            <a:r>
+              <a:rPr lang="en-US" dirty="0"/>
+              <a:t>Infoway Technologies, 3rd  Floor Commerce Centre, Rambaug Colony, Paud Road Pune 411038</a:t>
+            </a:r>
+            <a:endParaRPr lang="en-IN" dirty="0"/>
+          </a:p>
+          <a:p>
+            <a:endParaRPr lang="en-US" dirty="0"/>
+          </a:p>
+        </p:txBody>
+      </p:sp>
+      <p:sp>
+        <p:nvSpPr>
+          <p:cNvPr id="10" name="Rectangle 9">
+            <a:extLst>
+              <a:ext uri="{FF2B5EF4-FFF2-40B4-BE49-F238E27FC236}">
+                <a16:creationId xmlns="" xmlns:a16="http://schemas.microsoft.com/office/drawing/2014/main" id="{09A4DD51-F450-4FA7-BA18-C2A26D10D72C}"/>
+              </a:ext>
+            </a:extLst>
+          </p:cNvPr>
           <p:cNvSpPr/>
           <p:nvPr/>
         </p:nvSpPr>
         <p:spPr>
           <a:xfrm>
-            <a:off x="358716" y="971436"/>
-            <a:ext cx="9984962" cy="369332"/>
-          </a:xfrm>
-          <a:prstGeom prst="rect">
-            <a:avLst/>
-          </a:prstGeom>
+            <a:off x="1523802" y="2"/>
+            <a:ext cx="9142810" cy="837473"/>
+          </a:xfrm>
+          <a:prstGeom prst="rect">
+            <a:avLst/>
+          </a:prstGeom>
+          <a:solidFill>
+            <a:schemeClr val="bg1"/>
+          </a:solidFill>
         </p:spPr>
         <p:txBody>
           <a:bodyPr wrap="square">
@@ -7226,23 +7472,29 @@
           </a:bodyPr>
           <a:lstStyle/>
           <a:p>
-            <a:r>
-              <a:rPr lang="en-US" dirty="0"/>
-              <a:t>The TRUNCATE TABLE command deletes the data inside a table, but not the table itself.</a:t>
-            </a:r>
-          </a:p>
-        </p:txBody>
-      </p:sp>
-      <p:sp>
-        <p:nvSpPr>
-          <p:cNvPr id="15" name="Rectangle 14"/>
+            <a:pPr algn="r" fontAlgn="base">
+              <a:lnSpc>
+                <a:spcPct val="150000"/>
+              </a:lnSpc>
+            </a:pPr>
+            <a:r>
+              <a:rPr lang="en-US" sz="3600" dirty="0" smtClean="0"/>
+              <a:t>TRUNCATE</a:t>
+            </a:r>
+            <a:endParaRPr lang="en-US" sz="3600" dirty="0"/>
+          </a:p>
+        </p:txBody>
+      </p:sp>
+      <p:sp>
+        <p:nvSpPr>
+          <p:cNvPr id="12" name="Rectangle 11"/>
           <p:cNvSpPr/>
           <p:nvPr/>
         </p:nvSpPr>
         <p:spPr>
           <a:xfrm>
-            <a:off x="440456" y="2394370"/>
-            <a:ext cx="11377264" cy="369332"/>
+            <a:off x="358716" y="971436"/>
+            <a:ext cx="9984962" cy="369332"/>
           </a:xfrm>
           <a:prstGeom prst="rect">
             <a:avLst/>
@@ -7254,6 +7506,34 @@
           </a:bodyPr>
           <a:lstStyle/>
           <a:p>
+            <a:r>
+              <a:rPr lang="en-US" dirty="0"/>
+              <a:t>The TRUNCATE TABLE command deletes the data inside a table, but not the table itself.</a:t>
+            </a:r>
+          </a:p>
+        </p:txBody>
+      </p:sp>
+      <p:sp>
+        <p:nvSpPr>
+          <p:cNvPr id="15" name="Rectangle 14"/>
+          <p:cNvSpPr/>
+          <p:nvPr/>
+        </p:nvSpPr>
+        <p:spPr>
+          <a:xfrm>
+            <a:off x="440456" y="2394370"/>
+            <a:ext cx="11377264" cy="369332"/>
+          </a:xfrm>
+          <a:prstGeom prst="rect">
+            <a:avLst/>
+          </a:prstGeom>
+        </p:spPr>
+        <p:txBody>
+          <a:bodyPr wrap="square">
+            <a:spAutoFit/>
+          </a:bodyPr>
+          <a:lstStyle/>
+          <a:p>
             <a:pPr marL="342900" indent="-342900">
               <a:buFont typeface="Arial" pitchFamily="34" charset="0"/>
               <a:buChar char="•"/>
@@ -7306,7 +7586,7 @@
     </p:spTree>
     <p:extLst>
       <p:ext uri="{BB962C8B-B14F-4D97-AF65-F5344CB8AC3E}">
-        <p14:creationId xmlns:p14="http://schemas.microsoft.com/office/powerpoint/2010/main" val="4078788560"/>
+        <p14:creationId xmlns="" xmlns:p14="http://schemas.microsoft.com/office/powerpoint/2010/main" val="4078788560"/>
       </p:ext>
     </p:extLst>
   </p:cSld>
